--- a/presentations/Yelp_dataset_results.pptx
+++ b/presentations/Yelp_dataset_results.pptx
@@ -12,6 +12,11 @@
     <p:sldId id="265" r:id="rId6"/>
     <p:sldId id="266" r:id="rId7"/>
     <p:sldId id="267" r:id="rId8"/>
+    <p:sldId id="270" r:id="rId9"/>
+    <p:sldId id="269" r:id="rId10"/>
+    <p:sldId id="268" r:id="rId11"/>
+    <p:sldId id="271" r:id="rId12"/>
+    <p:sldId id="272" r:id="rId13"/>
   </p:sldIdLst>
   <p:sldSz cx="12192000" cy="6858000"/>
   <p:notesSz cx="6858000" cy="9144000"/>
@@ -110,6 +115,11 @@
       </a:defRPr>
     </a:lvl9pPr>
   </p:defaultTextStyle>
+  <p:extLst>
+    <p:ext uri="{EFAFB233-063F-42B5-8137-9DF3F51BA10A}">
+      <p15:sldGuideLst xmlns:p15="http://schemas.microsoft.com/office/powerpoint/2012/main"/>
+    </p:ext>
+  </p:extLst>
 </p:presentation>
 </file>
 
@@ -3449,6 +3459,517 @@
 </p:sld>
 </file>
 
+<file path=ppt/slides/slide10.xml><?xml version="1.0" encoding="utf-8"?>
+<p:sld xmlns:a="http://schemas.openxmlformats.org/drawingml/2006/main" xmlns:r="http://schemas.openxmlformats.org/officeDocument/2006/relationships" xmlns:p="http://schemas.openxmlformats.org/presentationml/2006/main">
+  <p:cSld>
+    <p:bg>
+      <p:bgPr>
+        <a:solidFill>
+          <a:schemeClr val="bg1"/>
+        </a:solidFill>
+        <a:effectLst/>
+      </p:bgPr>
+    </p:bg>
+    <p:spTree>
+      <p:nvGrpSpPr>
+        <p:cNvPr id="1" name=""/>
+        <p:cNvGrpSpPr/>
+        <p:nvPr/>
+      </p:nvGrpSpPr>
+      <p:grpSpPr>
+        <a:xfrm>
+          <a:off x="0" y="0"/>
+          <a:ext cx="0" cy="0"/>
+          <a:chOff x="0" y="0"/>
+          <a:chExt cx="0" cy="0"/>
+        </a:xfrm>
+      </p:grpSpPr>
+      <p:sp>
+        <p:nvSpPr>
+          <p:cNvPr id="2" name="Title 1">
+            <a:extLst>
+              <a:ext uri="{FF2B5EF4-FFF2-40B4-BE49-F238E27FC236}">
+                <a16:creationId xmlns:a16="http://schemas.microsoft.com/office/drawing/2014/main" id="{6DEAB4BA-8CC6-4348-9381-1B0A9990A471}"/>
+              </a:ext>
+            </a:extLst>
+          </p:cNvPr>
+          <p:cNvSpPr>
+            <a:spLocks noGrp="1"/>
+          </p:cNvSpPr>
+          <p:nvPr>
+            <p:ph type="title"/>
+          </p:nvPr>
+        </p:nvSpPr>
+        <p:spPr>
+          <a:xfrm>
+            <a:off x="847344" y="300505"/>
+            <a:ext cx="10506456" cy="1197864"/>
+          </a:xfrm>
+        </p:spPr>
+        <p:txBody>
+          <a:bodyPr vert="horz" lIns="91440" tIns="45720" rIns="91440" bIns="45720" rtlCol="0" anchor="b">
+            <a:normAutofit/>
+          </a:bodyPr>
+          <a:lstStyle/>
+          <a:p>
+            <a:pPr algn="ctr"/>
+            <a:r>
+              <a:rPr lang="en-US" sz="5400" kern="1200" dirty="0">
+                <a:solidFill>
+                  <a:schemeClr val="tx1"/>
+                </a:solidFill>
+                <a:latin typeface="+mj-lt"/>
+                <a:ea typeface="+mj-ea"/>
+                <a:cs typeface="+mj-cs"/>
+              </a:rPr>
+              <a:t>Dealing with class imbalance</a:t>
+            </a:r>
+          </a:p>
+        </p:txBody>
+      </p:sp>
+      <p:pic>
+        <p:nvPicPr>
+          <p:cNvPr id="5" name="Picture 4">
+            <a:extLst>
+              <a:ext uri="{FF2B5EF4-FFF2-40B4-BE49-F238E27FC236}">
+                <a16:creationId xmlns:a16="http://schemas.microsoft.com/office/drawing/2014/main" id="{63CB208B-CBD8-409A-A2CA-60B3A0732FBD}"/>
+              </a:ext>
+            </a:extLst>
+          </p:cNvPr>
+          <p:cNvPicPr>
+            <a:picLocks noChangeAspect="1"/>
+          </p:cNvPicPr>
+          <p:nvPr/>
+        </p:nvPicPr>
+        <p:blipFill>
+          <a:blip r:embed="rId2"/>
+          <a:stretch>
+            <a:fillRect/>
+          </a:stretch>
+        </p:blipFill>
+        <p:spPr>
+          <a:xfrm>
+            <a:off x="6095999" y="2073960"/>
+            <a:ext cx="5489276" cy="3636644"/>
+          </a:xfrm>
+          <a:prstGeom prst="rect">
+            <a:avLst/>
+          </a:prstGeom>
+        </p:spPr>
+      </p:pic>
+      <p:pic>
+        <p:nvPicPr>
+          <p:cNvPr id="4" name="Picture 3">
+            <a:extLst>
+              <a:ext uri="{FF2B5EF4-FFF2-40B4-BE49-F238E27FC236}">
+                <a16:creationId xmlns:a16="http://schemas.microsoft.com/office/drawing/2014/main" id="{B65BF989-F6CF-4A37-8A1B-D16D38C30810}"/>
+              </a:ext>
+            </a:extLst>
+          </p:cNvPr>
+          <p:cNvPicPr>
+            <a:picLocks noChangeAspect="1"/>
+          </p:cNvPicPr>
+          <p:nvPr/>
+        </p:nvPicPr>
+        <p:blipFill>
+          <a:blip r:embed="rId3"/>
+          <a:stretch>
+            <a:fillRect/>
+          </a:stretch>
+        </p:blipFill>
+        <p:spPr>
+          <a:xfrm>
+            <a:off x="414780" y="2073959"/>
+            <a:ext cx="5681219" cy="3593370"/>
+          </a:xfrm>
+          <a:prstGeom prst="rect">
+            <a:avLst/>
+          </a:prstGeom>
+        </p:spPr>
+      </p:pic>
+      <p:sp>
+        <p:nvSpPr>
+          <p:cNvPr id="6" name="TextBox 5">
+            <a:extLst>
+              <a:ext uri="{FF2B5EF4-FFF2-40B4-BE49-F238E27FC236}">
+                <a16:creationId xmlns:a16="http://schemas.microsoft.com/office/drawing/2014/main" id="{072B52BF-3F16-4AC1-99D5-D5E107E00F25}"/>
+              </a:ext>
+            </a:extLst>
+          </p:cNvPr>
+          <p:cNvSpPr txBox="1"/>
+          <p:nvPr/>
+        </p:nvSpPr>
+        <p:spPr>
+          <a:xfrm>
+            <a:off x="2694330" y="5916863"/>
+            <a:ext cx="6803337" cy="369332"/>
+          </a:xfrm>
+          <a:prstGeom prst="rect">
+            <a:avLst/>
+          </a:prstGeom>
+          <a:noFill/>
+        </p:spPr>
+        <p:txBody>
+          <a:bodyPr wrap="none" rtlCol="0">
+            <a:spAutoFit/>
+          </a:bodyPr>
+          <a:lstStyle/>
+          <a:p>
+            <a:r>
+              <a:rPr lang="en-US" dirty="0"/>
+              <a:t>To address target class imbalance, majority classes were </a:t>
+            </a:r>
+            <a:r>
+              <a:rPr lang="en-US" dirty="0" err="1"/>
+              <a:t>downsampled</a:t>
+            </a:r>
+            <a:endParaRPr lang="en-CA" dirty="0"/>
+          </a:p>
+        </p:txBody>
+      </p:sp>
+    </p:spTree>
+    <p:extLst>
+      <p:ext uri="{BB962C8B-B14F-4D97-AF65-F5344CB8AC3E}">
+        <p14:creationId xmlns:p14="http://schemas.microsoft.com/office/powerpoint/2010/main" val="2813561075"/>
+      </p:ext>
+    </p:extLst>
+  </p:cSld>
+  <p:clrMapOvr>
+    <a:masterClrMapping/>
+  </p:clrMapOvr>
+</p:sld>
+</file>
+
+<file path=ppt/slides/slide11.xml><?xml version="1.0" encoding="utf-8"?>
+<p:sld xmlns:a="http://schemas.openxmlformats.org/drawingml/2006/main" xmlns:r="http://schemas.openxmlformats.org/officeDocument/2006/relationships" xmlns:p="http://schemas.openxmlformats.org/presentationml/2006/main">
+  <p:cSld>
+    <p:spTree>
+      <p:nvGrpSpPr>
+        <p:cNvPr id="1" name=""/>
+        <p:cNvGrpSpPr/>
+        <p:nvPr/>
+      </p:nvGrpSpPr>
+      <p:grpSpPr>
+        <a:xfrm>
+          <a:off x="0" y="0"/>
+          <a:ext cx="0" cy="0"/>
+          <a:chOff x="0" y="0"/>
+          <a:chExt cx="0" cy="0"/>
+        </a:xfrm>
+      </p:grpSpPr>
+      <p:sp>
+        <p:nvSpPr>
+          <p:cNvPr id="2" name="Title 1">
+            <a:extLst>
+              <a:ext uri="{FF2B5EF4-FFF2-40B4-BE49-F238E27FC236}">
+                <a16:creationId xmlns:a16="http://schemas.microsoft.com/office/drawing/2014/main" id="{1D879E5D-7252-4F6A-B7DD-ACB64BF3C477}"/>
+              </a:ext>
+            </a:extLst>
+          </p:cNvPr>
+          <p:cNvSpPr>
+            <a:spLocks noGrp="1"/>
+          </p:cNvSpPr>
+          <p:nvPr>
+            <p:ph type="title"/>
+          </p:nvPr>
+        </p:nvSpPr>
+        <p:spPr/>
+        <p:txBody>
+          <a:bodyPr/>
+          <a:lstStyle/>
+          <a:p>
+            <a:r>
+              <a:rPr lang="en-US" dirty="0"/>
+              <a:t>Text vectorization</a:t>
+            </a:r>
+            <a:endParaRPr lang="en-CA" dirty="0"/>
+          </a:p>
+        </p:txBody>
+      </p:sp>
+      <p:sp>
+        <p:nvSpPr>
+          <p:cNvPr id="3" name="Content Placeholder 2">
+            <a:extLst>
+              <a:ext uri="{FF2B5EF4-FFF2-40B4-BE49-F238E27FC236}">
+                <a16:creationId xmlns:a16="http://schemas.microsoft.com/office/drawing/2014/main" id="{1476A926-4597-4EC0-8521-B7302CD8EF8B}"/>
+              </a:ext>
+            </a:extLst>
+          </p:cNvPr>
+          <p:cNvSpPr>
+            <a:spLocks noGrp="1"/>
+          </p:cNvSpPr>
+          <p:nvPr>
+            <p:ph idx="1"/>
+          </p:nvPr>
+        </p:nvSpPr>
+        <p:spPr>
+          <a:xfrm>
+            <a:off x="838200" y="1534480"/>
+            <a:ext cx="10515600" cy="4351338"/>
+          </a:xfrm>
+        </p:spPr>
+        <p:txBody>
+          <a:bodyPr/>
+          <a:lstStyle/>
+          <a:p>
+            <a:r>
+              <a:rPr lang="en-US" dirty="0"/>
+              <a:t>Tokenization</a:t>
+            </a:r>
+          </a:p>
+          <a:p>
+            <a:endParaRPr lang="en-US" dirty="0"/>
+          </a:p>
+          <a:p>
+            <a:endParaRPr lang="en-US" dirty="0"/>
+          </a:p>
+          <a:p>
+            <a:endParaRPr lang="en-US" dirty="0"/>
+          </a:p>
+          <a:p>
+            <a:r>
+              <a:rPr lang="en-US" dirty="0"/>
+              <a:t>Term frequency (bag-of-words), unigrams</a:t>
+            </a:r>
+          </a:p>
+          <a:p>
+            <a:endParaRPr lang="en-US" dirty="0"/>
+          </a:p>
+          <a:p>
+            <a:endParaRPr lang="en-US" dirty="0"/>
+          </a:p>
+          <a:p>
+            <a:endParaRPr lang="en-CA" dirty="0"/>
+          </a:p>
+        </p:txBody>
+      </p:sp>
+      <p:pic>
+        <p:nvPicPr>
+          <p:cNvPr id="4" name="Picture 3">
+            <a:extLst>
+              <a:ext uri="{FF2B5EF4-FFF2-40B4-BE49-F238E27FC236}">
+                <a16:creationId xmlns:a16="http://schemas.microsoft.com/office/drawing/2014/main" id="{04FA7936-EF59-4596-AB22-8D023901BEC9}"/>
+              </a:ext>
+            </a:extLst>
+          </p:cNvPr>
+          <p:cNvPicPr>
+            <a:picLocks noChangeAspect="1"/>
+          </p:cNvPicPr>
+          <p:nvPr/>
+        </p:nvPicPr>
+        <p:blipFill>
+          <a:blip r:embed="rId2"/>
+          <a:stretch>
+            <a:fillRect/>
+          </a:stretch>
+        </p:blipFill>
+        <p:spPr>
+          <a:xfrm>
+            <a:off x="1498058" y="2130903"/>
+            <a:ext cx="5667375" cy="1104900"/>
+          </a:xfrm>
+          <a:prstGeom prst="rect">
+            <a:avLst/>
+          </a:prstGeom>
+        </p:spPr>
+      </p:pic>
+      <p:pic>
+        <p:nvPicPr>
+          <p:cNvPr id="5" name="Picture 4">
+            <a:extLst>
+              <a:ext uri="{FF2B5EF4-FFF2-40B4-BE49-F238E27FC236}">
+                <a16:creationId xmlns:a16="http://schemas.microsoft.com/office/drawing/2014/main" id="{DCC87040-32CC-4EEF-9ECE-63B1CADD816A}"/>
+              </a:ext>
+            </a:extLst>
+          </p:cNvPr>
+          <p:cNvPicPr>
+            <a:picLocks noChangeAspect="1"/>
+          </p:cNvPicPr>
+          <p:nvPr/>
+        </p:nvPicPr>
+        <p:blipFill>
+          <a:blip r:embed="rId3"/>
+          <a:stretch>
+            <a:fillRect/>
+          </a:stretch>
+        </p:blipFill>
+        <p:spPr>
+          <a:xfrm>
+            <a:off x="1498058" y="4147866"/>
+            <a:ext cx="6296025" cy="647700"/>
+          </a:xfrm>
+          <a:prstGeom prst="rect">
+            <a:avLst/>
+          </a:prstGeom>
+        </p:spPr>
+      </p:pic>
+      <p:pic>
+        <p:nvPicPr>
+          <p:cNvPr id="6" name="Picture 5">
+            <a:extLst>
+              <a:ext uri="{FF2B5EF4-FFF2-40B4-BE49-F238E27FC236}">
+                <a16:creationId xmlns:a16="http://schemas.microsoft.com/office/drawing/2014/main" id="{EB0FA89F-BA56-4C5C-B7FC-AC87EF426BED}"/>
+              </a:ext>
+            </a:extLst>
+          </p:cNvPr>
+          <p:cNvPicPr>
+            <a:picLocks noChangeAspect="1"/>
+          </p:cNvPicPr>
+          <p:nvPr/>
+        </p:nvPicPr>
+        <p:blipFill>
+          <a:blip r:embed="rId4"/>
+          <a:stretch>
+            <a:fillRect/>
+          </a:stretch>
+        </p:blipFill>
+        <p:spPr>
+          <a:xfrm>
+            <a:off x="1498058" y="4829224"/>
+            <a:ext cx="6400800" cy="1285875"/>
+          </a:xfrm>
+          <a:prstGeom prst="rect">
+            <a:avLst/>
+          </a:prstGeom>
+        </p:spPr>
+      </p:pic>
+    </p:spTree>
+    <p:extLst>
+      <p:ext uri="{BB962C8B-B14F-4D97-AF65-F5344CB8AC3E}">
+        <p14:creationId xmlns:p14="http://schemas.microsoft.com/office/powerpoint/2010/main" val="188607221"/>
+      </p:ext>
+    </p:extLst>
+  </p:cSld>
+  <p:clrMapOvr>
+    <a:masterClrMapping/>
+  </p:clrMapOvr>
+</p:sld>
+</file>
+
+<file path=ppt/slides/slide12.xml><?xml version="1.0" encoding="utf-8"?>
+<p:sld xmlns:a="http://schemas.openxmlformats.org/drawingml/2006/main" xmlns:r="http://schemas.openxmlformats.org/officeDocument/2006/relationships" xmlns:p="http://schemas.openxmlformats.org/presentationml/2006/main">
+  <p:cSld>
+    <p:spTree>
+      <p:nvGrpSpPr>
+        <p:cNvPr id="1" name=""/>
+        <p:cNvGrpSpPr/>
+        <p:nvPr/>
+      </p:nvGrpSpPr>
+      <p:grpSpPr>
+        <a:xfrm>
+          <a:off x="0" y="0"/>
+          <a:ext cx="0" cy="0"/>
+          <a:chOff x="0" y="0"/>
+          <a:chExt cx="0" cy="0"/>
+        </a:xfrm>
+      </p:grpSpPr>
+      <p:sp>
+        <p:nvSpPr>
+          <p:cNvPr id="2" name="Title 1">
+            <a:extLst>
+              <a:ext uri="{FF2B5EF4-FFF2-40B4-BE49-F238E27FC236}">
+                <a16:creationId xmlns:a16="http://schemas.microsoft.com/office/drawing/2014/main" id="{ED3146C0-0A1A-49E9-B869-FCB34F7EF2C4}"/>
+              </a:ext>
+            </a:extLst>
+          </p:cNvPr>
+          <p:cNvSpPr>
+            <a:spLocks noGrp="1"/>
+          </p:cNvSpPr>
+          <p:nvPr>
+            <p:ph type="title"/>
+          </p:nvPr>
+        </p:nvSpPr>
+        <p:spPr>
+          <a:xfrm>
+            <a:off x="838200" y="365125"/>
+            <a:ext cx="10515600" cy="1325563"/>
+          </a:xfrm>
+        </p:spPr>
+        <p:txBody>
+          <a:bodyPr/>
+          <a:lstStyle/>
+          <a:p>
+            <a:r>
+              <a:rPr lang="en-US"/>
+              <a:t>Modeling results: confusion matrix</a:t>
+            </a:r>
+            <a:endParaRPr lang="en-CA" dirty="0"/>
+          </a:p>
+        </p:txBody>
+      </p:sp>
+      <p:pic>
+        <p:nvPicPr>
+          <p:cNvPr id="4" name="Picture 3">
+            <a:extLst>
+              <a:ext uri="{FF2B5EF4-FFF2-40B4-BE49-F238E27FC236}">
+                <a16:creationId xmlns:a16="http://schemas.microsoft.com/office/drawing/2014/main" id="{94396833-3033-4157-A171-E4F51D82599C}"/>
+              </a:ext>
+            </a:extLst>
+          </p:cNvPr>
+          <p:cNvPicPr>
+            <a:picLocks noChangeAspect="1"/>
+          </p:cNvPicPr>
+          <p:nvPr/>
+        </p:nvPicPr>
+        <p:blipFill>
+          <a:blip r:embed="rId2"/>
+          <a:stretch>
+            <a:fillRect/>
+          </a:stretch>
+        </p:blipFill>
+        <p:spPr>
+          <a:xfrm>
+            <a:off x="6200250" y="1333949"/>
+            <a:ext cx="5362048" cy="5392998"/>
+          </a:xfrm>
+          <a:prstGeom prst="rect">
+            <a:avLst/>
+          </a:prstGeom>
+        </p:spPr>
+      </p:pic>
+      <p:pic>
+        <p:nvPicPr>
+          <p:cNvPr id="5" name="Picture 4">
+            <a:extLst>
+              <a:ext uri="{FF2B5EF4-FFF2-40B4-BE49-F238E27FC236}">
+                <a16:creationId xmlns:a16="http://schemas.microsoft.com/office/drawing/2014/main" id="{AE85A377-D4CB-4887-A5B3-06DC59F9052F}"/>
+              </a:ext>
+            </a:extLst>
+          </p:cNvPr>
+          <p:cNvPicPr>
+            <a:picLocks noChangeAspect="1"/>
+          </p:cNvPicPr>
+          <p:nvPr/>
+        </p:nvPicPr>
+        <p:blipFill>
+          <a:blip r:embed="rId3"/>
+          <a:stretch>
+            <a:fillRect/>
+          </a:stretch>
+        </p:blipFill>
+        <p:spPr>
+          <a:xfrm>
+            <a:off x="553089" y="1333949"/>
+            <a:ext cx="5438663" cy="5477511"/>
+          </a:xfrm>
+          <a:prstGeom prst="rect">
+            <a:avLst/>
+          </a:prstGeom>
+        </p:spPr>
+      </p:pic>
+    </p:spTree>
+    <p:extLst>
+      <p:ext uri="{BB962C8B-B14F-4D97-AF65-F5344CB8AC3E}">
+        <p14:creationId xmlns:p14="http://schemas.microsoft.com/office/powerpoint/2010/main" val="3162780434"/>
+      </p:ext>
+    </p:extLst>
+  </p:cSld>
+  <p:clrMapOvr>
+    <a:masterClrMapping/>
+  </p:clrMapOvr>
+</p:sld>
+</file>
+
 <file path=ppt/slides/slide2.xml><?xml version="1.0" encoding="utf-8"?>
 <p:sld xmlns:a="http://schemas.openxmlformats.org/drawingml/2006/main" xmlns:r="http://schemas.openxmlformats.org/officeDocument/2006/relationships" xmlns:p="http://schemas.openxmlformats.org/presentationml/2006/main">
   <p:cSld>
@@ -3840,6 +4361,230 @@
     <p:extLst>
       <p:ext uri="{BB962C8B-B14F-4D97-AF65-F5344CB8AC3E}">
         <p14:creationId xmlns:p14="http://schemas.microsoft.com/office/powerpoint/2010/main" val="1685946259"/>
+      </p:ext>
+    </p:extLst>
+  </p:cSld>
+  <p:clrMapOvr>
+    <a:masterClrMapping/>
+  </p:clrMapOvr>
+</p:sld>
+</file>
+
+<file path=ppt/slides/slide8.xml><?xml version="1.0" encoding="utf-8"?>
+<p:sld xmlns:a="http://schemas.openxmlformats.org/drawingml/2006/main" xmlns:r="http://schemas.openxmlformats.org/officeDocument/2006/relationships" xmlns:p="http://schemas.openxmlformats.org/presentationml/2006/main">
+  <p:cSld>
+    <p:spTree>
+      <p:nvGrpSpPr>
+        <p:cNvPr id="1" name=""/>
+        <p:cNvGrpSpPr/>
+        <p:nvPr/>
+      </p:nvGrpSpPr>
+      <p:grpSpPr>
+        <a:xfrm>
+          <a:off x="0" y="0"/>
+          <a:ext cx="0" cy="0"/>
+          <a:chOff x="0" y="0"/>
+          <a:chExt cx="0" cy="0"/>
+        </a:xfrm>
+      </p:grpSpPr>
+      <p:sp>
+        <p:nvSpPr>
+          <p:cNvPr id="2" name="Title 1">
+            <a:extLst>
+              <a:ext uri="{FF2B5EF4-FFF2-40B4-BE49-F238E27FC236}">
+                <a16:creationId xmlns:a16="http://schemas.microsoft.com/office/drawing/2014/main" id="{72D0149D-6664-45B0-923F-3F6DDD991B46}"/>
+              </a:ext>
+            </a:extLst>
+          </p:cNvPr>
+          <p:cNvSpPr>
+            <a:spLocks noGrp="1"/>
+          </p:cNvSpPr>
+          <p:nvPr>
+            <p:ph type="title"/>
+          </p:nvPr>
+        </p:nvSpPr>
+        <p:spPr/>
+        <p:txBody>
+          <a:bodyPr/>
+          <a:lstStyle/>
+          <a:p>
+            <a:r>
+              <a:rPr lang="en-US" dirty="0"/>
+              <a:t>EDA findings</a:t>
+            </a:r>
+            <a:endParaRPr lang="en-CA" dirty="0"/>
+          </a:p>
+        </p:txBody>
+      </p:sp>
+      <p:sp>
+        <p:nvSpPr>
+          <p:cNvPr id="3" name="Content Placeholder 2">
+            <a:extLst>
+              <a:ext uri="{FF2B5EF4-FFF2-40B4-BE49-F238E27FC236}">
+                <a16:creationId xmlns:a16="http://schemas.microsoft.com/office/drawing/2014/main" id="{CCCE0194-F150-4F0B-8EF7-02ED6AE131E1}"/>
+              </a:ext>
+            </a:extLst>
+          </p:cNvPr>
+          <p:cNvSpPr>
+            <a:spLocks noGrp="1"/>
+          </p:cNvSpPr>
+          <p:nvPr>
+            <p:ph idx="1"/>
+          </p:nvPr>
+        </p:nvSpPr>
+        <p:spPr/>
+        <p:txBody>
+          <a:bodyPr/>
+          <a:lstStyle/>
+          <a:p>
+            <a:r>
+              <a:rPr lang="en-US" dirty="0"/>
+              <a:t>It’s all about customer service</a:t>
+            </a:r>
+          </a:p>
+          <a:p>
+            <a:r>
+              <a:rPr lang="en-US" dirty="0"/>
+              <a:t>Much more positive reviews, most are 5-star</a:t>
+            </a:r>
+            <a:endParaRPr lang="en-CA" dirty="0"/>
+          </a:p>
+        </p:txBody>
+      </p:sp>
+      <p:pic>
+        <p:nvPicPr>
+          <p:cNvPr id="4" name="Picture 3">
+            <a:extLst>
+              <a:ext uri="{FF2B5EF4-FFF2-40B4-BE49-F238E27FC236}">
+                <a16:creationId xmlns:a16="http://schemas.microsoft.com/office/drawing/2014/main" id="{2270563C-84ED-4C6F-BDC0-234EE050D54D}"/>
+              </a:ext>
+            </a:extLst>
+          </p:cNvPr>
+          <p:cNvPicPr>
+            <a:picLocks noChangeAspect="1"/>
+          </p:cNvPicPr>
+          <p:nvPr/>
+        </p:nvPicPr>
+        <p:blipFill>
+          <a:blip r:embed="rId2"/>
+          <a:stretch>
+            <a:fillRect/>
+          </a:stretch>
+        </p:blipFill>
+        <p:spPr>
+          <a:xfrm>
+            <a:off x="838200" y="2899505"/>
+            <a:ext cx="5681219" cy="3593370"/>
+          </a:xfrm>
+          <a:prstGeom prst="rect">
+            <a:avLst/>
+          </a:prstGeom>
+        </p:spPr>
+      </p:pic>
+    </p:spTree>
+    <p:extLst>
+      <p:ext uri="{BB962C8B-B14F-4D97-AF65-F5344CB8AC3E}">
+        <p14:creationId xmlns:p14="http://schemas.microsoft.com/office/powerpoint/2010/main" val="3975582332"/>
+      </p:ext>
+    </p:extLst>
+  </p:cSld>
+  <p:clrMapOvr>
+    <a:masterClrMapping/>
+  </p:clrMapOvr>
+</p:sld>
+</file>
+
+<file path=ppt/slides/slide9.xml><?xml version="1.0" encoding="utf-8"?>
+<p:sld xmlns:a="http://schemas.openxmlformats.org/drawingml/2006/main" xmlns:r="http://schemas.openxmlformats.org/officeDocument/2006/relationships" xmlns:p="http://schemas.openxmlformats.org/presentationml/2006/main">
+  <p:cSld>
+    <p:spTree>
+      <p:nvGrpSpPr>
+        <p:cNvPr id="1" name=""/>
+        <p:cNvGrpSpPr/>
+        <p:nvPr/>
+      </p:nvGrpSpPr>
+      <p:grpSpPr>
+        <a:xfrm>
+          <a:off x="0" y="0"/>
+          <a:ext cx="0" cy="0"/>
+          <a:chOff x="0" y="0"/>
+          <a:chExt cx="0" cy="0"/>
+        </a:xfrm>
+      </p:grpSpPr>
+      <p:sp>
+        <p:nvSpPr>
+          <p:cNvPr id="2" name="Title 1">
+            <a:extLst>
+              <a:ext uri="{FF2B5EF4-FFF2-40B4-BE49-F238E27FC236}">
+                <a16:creationId xmlns:a16="http://schemas.microsoft.com/office/drawing/2014/main" id="{D991EBDC-2490-4A79-ABF5-2C546FE2855B}"/>
+              </a:ext>
+            </a:extLst>
+          </p:cNvPr>
+          <p:cNvSpPr>
+            <a:spLocks noGrp="1"/>
+          </p:cNvSpPr>
+          <p:nvPr>
+            <p:ph type="ctrTitle"/>
+          </p:nvPr>
+        </p:nvSpPr>
+        <p:spPr>
+          <a:xfrm>
+            <a:off x="1524000" y="1122363"/>
+            <a:ext cx="9144000" cy="2387600"/>
+          </a:xfrm>
+        </p:spPr>
+        <p:txBody>
+          <a:bodyPr/>
+          <a:lstStyle/>
+          <a:p>
+            <a:r>
+              <a:rPr lang="en-US" dirty="0"/>
+              <a:t>Section 2</a:t>
+            </a:r>
+            <a:endParaRPr lang="en-CA" dirty="0"/>
+          </a:p>
+        </p:txBody>
+      </p:sp>
+      <p:sp>
+        <p:nvSpPr>
+          <p:cNvPr id="3" name="Subtitle 2">
+            <a:extLst>
+              <a:ext uri="{FF2B5EF4-FFF2-40B4-BE49-F238E27FC236}">
+                <a16:creationId xmlns:a16="http://schemas.microsoft.com/office/drawing/2014/main" id="{79124731-0C72-41FC-AC08-B8B803926B50}"/>
+              </a:ext>
+            </a:extLst>
+          </p:cNvPr>
+          <p:cNvSpPr>
+            <a:spLocks noGrp="1"/>
+          </p:cNvSpPr>
+          <p:nvPr>
+            <p:ph type="subTitle" idx="1"/>
+          </p:nvPr>
+        </p:nvSpPr>
+        <p:spPr>
+          <a:xfrm>
+            <a:off x="1524000" y="3602038"/>
+            <a:ext cx="9144000" cy="1655762"/>
+          </a:xfrm>
+        </p:spPr>
+        <p:txBody>
+          <a:bodyPr>
+            <a:normAutofit/>
+          </a:bodyPr>
+          <a:lstStyle/>
+          <a:p>
+            <a:r>
+              <a:rPr lang="en-US" sz="4400" dirty="0"/>
+              <a:t>Modeling results: predicting rating from review text</a:t>
+            </a:r>
+            <a:endParaRPr lang="en-CA" sz="4400" dirty="0"/>
+          </a:p>
+        </p:txBody>
+      </p:sp>
+    </p:spTree>
+    <p:extLst>
+      <p:ext uri="{BB962C8B-B14F-4D97-AF65-F5344CB8AC3E}">
+        <p14:creationId xmlns:p14="http://schemas.microsoft.com/office/powerpoint/2010/main" val="1119473176"/>
       </p:ext>
     </p:extLst>
   </p:cSld>

--- a/presentations/Yelp_dataset_results.pptx
+++ b/presentations/Yelp_dataset_results.pptx
@@ -1,22 +1,25 @@
 
 <file path=ppt/presentation.xml><?xml version="1.0" encoding="utf-8"?>
-<p:presentation xmlns:a="http://schemas.openxmlformats.org/drawingml/2006/main" xmlns:r="http://schemas.openxmlformats.org/officeDocument/2006/relationships" xmlns:p="http://schemas.openxmlformats.org/presentationml/2006/main" saveSubsetFonts="1">
+<p:presentation xmlns:a="http://schemas.openxmlformats.org/drawingml/2006/main" xmlns:r="http://schemas.openxmlformats.org/officeDocument/2006/relationships" xmlns:p="http://schemas.openxmlformats.org/presentationml/2006/main">
   <p:sldMasterIdLst>
     <p:sldMasterId id="2147483648" r:id="rId1"/>
+    <p:sldMasterId id="2147483660" r:id="rId3"/>
   </p:sldMasterIdLst>
   <p:sldIdLst>
-    <p:sldId id="256" r:id="rId2"/>
-    <p:sldId id="263" r:id="rId3"/>
-    <p:sldId id="257" r:id="rId4"/>
-    <p:sldId id="264" r:id="rId5"/>
-    <p:sldId id="265" r:id="rId6"/>
-    <p:sldId id="266" r:id="rId7"/>
-    <p:sldId id="267" r:id="rId8"/>
-    <p:sldId id="270" r:id="rId9"/>
-    <p:sldId id="269" r:id="rId10"/>
-    <p:sldId id="268" r:id="rId11"/>
-    <p:sldId id="271" r:id="rId12"/>
-    <p:sldId id="272" r:id="rId13"/>
+    <p:sldId id="256" r:id="rId4"/>
+    <p:sldId id="263" r:id="rId5"/>
+    <p:sldId id="276" r:id="rId6"/>
+    <p:sldId id="275" r:id="rId7"/>
+    <p:sldId id="257" r:id="rId8"/>
+    <p:sldId id="264" r:id="rId9"/>
+    <p:sldId id="265" r:id="rId10"/>
+    <p:sldId id="266" r:id="rId11"/>
+    <p:sldId id="267" r:id="rId12"/>
+    <p:sldId id="270" r:id="rId13"/>
+    <p:sldId id="269" r:id="rId14"/>
+    <p:sldId id="268" r:id="rId15"/>
+    <p:sldId id="271" r:id="rId16"/>
+    <p:sldId id="272" r:id="rId17"/>
   </p:sldIdLst>
   <p:sldSz cx="12192000" cy="6858000"/>
   <p:notesSz cx="6858000" cy="9144000"/>
@@ -115,11 +118,6 @@
       </a:defRPr>
     </a:lvl9pPr>
   </p:defaultTextStyle>
-  <p:extLst>
-    <p:ext uri="{EFAFB233-063F-42B5-8137-9DF3F51BA10A}">
-      <p15:sldGuideLst xmlns:p15="http://schemas.microsoft.com/office/powerpoint/2012/main"/>
-    </p:ext>
-  </p:extLst>
 </p:presentation>
 </file>
 
@@ -142,13 +140,7 @@
       </p:grpSpPr>
       <p:sp>
         <p:nvSpPr>
-          <p:cNvPr id="2" name="Title 1">
-            <a:extLst>
-              <a:ext uri="{FF2B5EF4-FFF2-40B4-BE49-F238E27FC236}">
-                <a16:creationId xmlns:a16="http://schemas.microsoft.com/office/drawing/2014/main" id="{87E6EC01-10A6-4170-8021-DEFBA91F5170}"/>
-              </a:ext>
-            </a:extLst>
-          </p:cNvPr>
+          <p:cNvPr id="2" name="Title 1"/>
           <p:cNvSpPr>
             <a:spLocks noGrp="1"/>
           </p:cNvSpPr>
@@ -180,13 +172,7 @@
       </p:sp>
       <p:sp>
         <p:nvSpPr>
-          <p:cNvPr id="3" name="Subtitle 2">
-            <a:extLst>
-              <a:ext uri="{FF2B5EF4-FFF2-40B4-BE49-F238E27FC236}">
-                <a16:creationId xmlns:a16="http://schemas.microsoft.com/office/drawing/2014/main" id="{F87ED851-1FA1-44E5-88D9-7094F4E26DE2}"/>
-              </a:ext>
-            </a:extLst>
-          </p:cNvPr>
+          <p:cNvPr id="3" name="Subtitle 2"/>
           <p:cNvSpPr>
             <a:spLocks noGrp="1"/>
           </p:cNvSpPr>
@@ -251,13 +237,7 @@
       </p:sp>
       <p:sp>
         <p:nvSpPr>
-          <p:cNvPr id="4" name="Date Placeholder 3">
-            <a:extLst>
-              <a:ext uri="{FF2B5EF4-FFF2-40B4-BE49-F238E27FC236}">
-                <a16:creationId xmlns:a16="http://schemas.microsoft.com/office/drawing/2014/main" id="{1542364E-DD49-4D9D-8933-95368FE0563F}"/>
-              </a:ext>
-            </a:extLst>
-          </p:cNvPr>
+          <p:cNvPr id="4" name="Date Placeholder 3"/>
           <p:cNvSpPr>
             <a:spLocks noGrp="1"/>
           </p:cNvSpPr>
@@ -272,7 +252,6 @@
           <a:p>
             <a:fld id="{FA8E38F2-E683-4544-98ED-C0B89851DC53}" type="datetimeFigureOut">
               <a:rPr lang="en-CA" smtClean="0"/>
-              <a:t>2019-10-31</a:t>
             </a:fld>
             <a:endParaRPr lang="en-CA"/>
           </a:p>
@@ -280,13 +259,7 @@
       </p:sp>
       <p:sp>
         <p:nvSpPr>
-          <p:cNvPr id="5" name="Footer Placeholder 4">
-            <a:extLst>
-              <a:ext uri="{FF2B5EF4-FFF2-40B4-BE49-F238E27FC236}">
-                <a16:creationId xmlns:a16="http://schemas.microsoft.com/office/drawing/2014/main" id="{68CE1576-419F-4509-9052-16FF87252DD6}"/>
-              </a:ext>
-            </a:extLst>
-          </p:cNvPr>
+          <p:cNvPr id="5" name="Footer Placeholder 4"/>
           <p:cNvSpPr>
             <a:spLocks noGrp="1"/>
           </p:cNvSpPr>
@@ -305,13 +278,7 @@
       </p:sp>
       <p:sp>
         <p:nvSpPr>
-          <p:cNvPr id="6" name="Slide Number Placeholder 5">
-            <a:extLst>
-              <a:ext uri="{FF2B5EF4-FFF2-40B4-BE49-F238E27FC236}">
-                <a16:creationId xmlns:a16="http://schemas.microsoft.com/office/drawing/2014/main" id="{2F706DC2-FB56-4BB7-874A-8B74FD20526C}"/>
-              </a:ext>
-            </a:extLst>
-          </p:cNvPr>
+          <p:cNvPr id="6" name="Slide Number Placeholder 5"/>
           <p:cNvSpPr>
             <a:spLocks noGrp="1"/>
           </p:cNvSpPr>
@@ -326,18 +293,12 @@
           <a:p>
             <a:fld id="{B9E7055C-48C2-411B-80D3-FB72D096FB00}" type="slidenum">
               <a:rPr lang="en-CA" smtClean="0"/>
-              <a:t>‹#›</a:t>
             </a:fld>
             <a:endParaRPr lang="en-CA"/>
           </a:p>
         </p:txBody>
       </p:sp>
     </p:spTree>
-    <p:extLst>
-      <p:ext uri="{BB962C8B-B14F-4D97-AF65-F5344CB8AC3E}">
-        <p14:creationId xmlns:p14="http://schemas.microsoft.com/office/powerpoint/2010/main" val="375109242"/>
-      </p:ext>
-    </p:extLst>
   </p:cSld>
   <p:clrMapOvr>
     <a:masterClrMapping/>
@@ -364,13 +325,7 @@
       </p:grpSpPr>
       <p:sp>
         <p:nvSpPr>
-          <p:cNvPr id="2" name="Title 1">
-            <a:extLst>
-              <a:ext uri="{FF2B5EF4-FFF2-40B4-BE49-F238E27FC236}">
-                <a16:creationId xmlns:a16="http://schemas.microsoft.com/office/drawing/2014/main" id="{0A137C84-B048-4E03-92E2-E5F46D9CCF97}"/>
-              </a:ext>
-            </a:extLst>
-          </p:cNvPr>
+          <p:cNvPr id="2" name="Title 1"/>
           <p:cNvSpPr>
             <a:spLocks noGrp="1"/>
           </p:cNvSpPr>
@@ -393,13 +348,7 @@
       </p:sp>
       <p:sp>
         <p:nvSpPr>
-          <p:cNvPr id="3" name="Vertical Text Placeholder 2">
-            <a:extLst>
-              <a:ext uri="{FF2B5EF4-FFF2-40B4-BE49-F238E27FC236}">
-                <a16:creationId xmlns:a16="http://schemas.microsoft.com/office/drawing/2014/main" id="{D8858B3B-BA5A-4F53-8E83-0DB84183A736}"/>
-              </a:ext>
-            </a:extLst>
-          </p:cNvPr>
+          <p:cNvPr id="3" name="Vertical Text Placeholder 2"/>
           <p:cNvSpPr>
             <a:spLocks noGrp="1"/>
           </p:cNvSpPr>
@@ -417,6 +366,7 @@
               <a:rPr lang="en-US"/>
               <a:t>Click to edit Master text styles</a:t>
             </a:r>
+            <a:endParaRPr lang="en-US"/>
           </a:p>
           <a:p>
             <a:pPr lvl="1"/>
@@ -424,6 +374,7 @@
               <a:rPr lang="en-US"/>
               <a:t>Second level</a:t>
             </a:r>
+            <a:endParaRPr lang="en-US"/>
           </a:p>
           <a:p>
             <a:pPr lvl="2"/>
@@ -431,6 +382,7 @@
               <a:rPr lang="en-US"/>
               <a:t>Third level</a:t>
             </a:r>
+            <a:endParaRPr lang="en-US"/>
           </a:p>
           <a:p>
             <a:pPr lvl="3"/>
@@ -438,6 +390,7 @@
               <a:rPr lang="en-US"/>
               <a:t>Fourth level</a:t>
             </a:r>
+            <a:endParaRPr lang="en-US"/>
           </a:p>
           <a:p>
             <a:pPr lvl="4"/>
@@ -451,13 +404,7 @@
       </p:sp>
       <p:sp>
         <p:nvSpPr>
-          <p:cNvPr id="4" name="Date Placeholder 3">
-            <a:extLst>
-              <a:ext uri="{FF2B5EF4-FFF2-40B4-BE49-F238E27FC236}">
-                <a16:creationId xmlns:a16="http://schemas.microsoft.com/office/drawing/2014/main" id="{72EF75F8-8693-4E53-A849-224E1641A606}"/>
-              </a:ext>
-            </a:extLst>
-          </p:cNvPr>
+          <p:cNvPr id="4" name="Date Placeholder 3"/>
           <p:cNvSpPr>
             <a:spLocks noGrp="1"/>
           </p:cNvSpPr>
@@ -472,7 +419,6 @@
           <a:p>
             <a:fld id="{FA8E38F2-E683-4544-98ED-C0B89851DC53}" type="datetimeFigureOut">
               <a:rPr lang="en-CA" smtClean="0"/>
-              <a:t>2019-10-31</a:t>
             </a:fld>
             <a:endParaRPr lang="en-CA"/>
           </a:p>
@@ -480,13 +426,7 @@
       </p:sp>
       <p:sp>
         <p:nvSpPr>
-          <p:cNvPr id="5" name="Footer Placeholder 4">
-            <a:extLst>
-              <a:ext uri="{FF2B5EF4-FFF2-40B4-BE49-F238E27FC236}">
-                <a16:creationId xmlns:a16="http://schemas.microsoft.com/office/drawing/2014/main" id="{F2DF15EC-EEC3-45D0-95C9-CF196DC0D64D}"/>
-              </a:ext>
-            </a:extLst>
-          </p:cNvPr>
+          <p:cNvPr id="5" name="Footer Placeholder 4"/>
           <p:cNvSpPr>
             <a:spLocks noGrp="1"/>
           </p:cNvSpPr>
@@ -505,13 +445,7 @@
       </p:sp>
       <p:sp>
         <p:nvSpPr>
-          <p:cNvPr id="6" name="Slide Number Placeholder 5">
-            <a:extLst>
-              <a:ext uri="{FF2B5EF4-FFF2-40B4-BE49-F238E27FC236}">
-                <a16:creationId xmlns:a16="http://schemas.microsoft.com/office/drawing/2014/main" id="{07B2ABC7-CA4C-44E9-815C-D9B238892F43}"/>
-              </a:ext>
-            </a:extLst>
-          </p:cNvPr>
+          <p:cNvPr id="6" name="Slide Number Placeholder 5"/>
           <p:cNvSpPr>
             <a:spLocks noGrp="1"/>
           </p:cNvSpPr>
@@ -526,18 +460,12 @@
           <a:p>
             <a:fld id="{B9E7055C-48C2-411B-80D3-FB72D096FB00}" type="slidenum">
               <a:rPr lang="en-CA" smtClean="0"/>
-              <a:t>‹#›</a:t>
             </a:fld>
             <a:endParaRPr lang="en-CA"/>
           </a:p>
         </p:txBody>
       </p:sp>
     </p:spTree>
-    <p:extLst>
-      <p:ext uri="{BB962C8B-B14F-4D97-AF65-F5344CB8AC3E}">
-        <p14:creationId xmlns:p14="http://schemas.microsoft.com/office/powerpoint/2010/main" val="4121112141"/>
-      </p:ext>
-    </p:extLst>
   </p:cSld>
   <p:clrMapOvr>
     <a:masterClrMapping/>
@@ -564,13 +492,7 @@
       </p:grpSpPr>
       <p:sp>
         <p:nvSpPr>
-          <p:cNvPr id="2" name="Vertical Title 1">
-            <a:extLst>
-              <a:ext uri="{FF2B5EF4-FFF2-40B4-BE49-F238E27FC236}">
-                <a16:creationId xmlns:a16="http://schemas.microsoft.com/office/drawing/2014/main" id="{DCE7FA86-9EAD-4C7A-BC80-2B3D23B5BD94}"/>
-              </a:ext>
-            </a:extLst>
-          </p:cNvPr>
+          <p:cNvPr id="2" name="Vertical Title 1"/>
           <p:cNvSpPr>
             <a:spLocks noGrp="1"/>
           </p:cNvSpPr>
@@ -598,13 +520,7 @@
       </p:sp>
       <p:sp>
         <p:nvSpPr>
-          <p:cNvPr id="3" name="Vertical Text Placeholder 2">
-            <a:extLst>
-              <a:ext uri="{FF2B5EF4-FFF2-40B4-BE49-F238E27FC236}">
-                <a16:creationId xmlns:a16="http://schemas.microsoft.com/office/drawing/2014/main" id="{D7A6DD53-6121-481A-80BE-D2B7EF455DCB}"/>
-              </a:ext>
-            </a:extLst>
-          </p:cNvPr>
+          <p:cNvPr id="3" name="Vertical Text Placeholder 2"/>
           <p:cNvSpPr>
             <a:spLocks noGrp="1"/>
           </p:cNvSpPr>
@@ -627,6 +543,7 @@
               <a:rPr lang="en-US"/>
               <a:t>Click to edit Master text styles</a:t>
             </a:r>
+            <a:endParaRPr lang="en-US"/>
           </a:p>
           <a:p>
             <a:pPr lvl="1"/>
@@ -634,6 +551,7 @@
               <a:rPr lang="en-US"/>
               <a:t>Second level</a:t>
             </a:r>
+            <a:endParaRPr lang="en-US"/>
           </a:p>
           <a:p>
             <a:pPr lvl="2"/>
@@ -641,6 +559,7 @@
               <a:rPr lang="en-US"/>
               <a:t>Third level</a:t>
             </a:r>
+            <a:endParaRPr lang="en-US"/>
           </a:p>
           <a:p>
             <a:pPr lvl="3"/>
@@ -648,6 +567,7 @@
               <a:rPr lang="en-US"/>
               <a:t>Fourth level</a:t>
             </a:r>
+            <a:endParaRPr lang="en-US"/>
           </a:p>
           <a:p>
             <a:pPr lvl="4"/>
@@ -661,13 +581,7 @@
       </p:sp>
       <p:sp>
         <p:nvSpPr>
-          <p:cNvPr id="4" name="Date Placeholder 3">
-            <a:extLst>
-              <a:ext uri="{FF2B5EF4-FFF2-40B4-BE49-F238E27FC236}">
-                <a16:creationId xmlns:a16="http://schemas.microsoft.com/office/drawing/2014/main" id="{5A1AE06F-F889-40D4-B5A7-7F57418AED51}"/>
-              </a:ext>
-            </a:extLst>
-          </p:cNvPr>
+          <p:cNvPr id="4" name="Date Placeholder 3"/>
           <p:cNvSpPr>
             <a:spLocks noGrp="1"/>
           </p:cNvSpPr>
@@ -682,7 +596,6 @@
           <a:p>
             <a:fld id="{FA8E38F2-E683-4544-98ED-C0B89851DC53}" type="datetimeFigureOut">
               <a:rPr lang="en-CA" smtClean="0"/>
-              <a:t>2019-10-31</a:t>
             </a:fld>
             <a:endParaRPr lang="en-CA"/>
           </a:p>
@@ -690,13 +603,7 @@
       </p:sp>
       <p:sp>
         <p:nvSpPr>
-          <p:cNvPr id="5" name="Footer Placeholder 4">
-            <a:extLst>
-              <a:ext uri="{FF2B5EF4-FFF2-40B4-BE49-F238E27FC236}">
-                <a16:creationId xmlns:a16="http://schemas.microsoft.com/office/drawing/2014/main" id="{38316FC9-B7D1-4BCF-8A1E-5AA60327550A}"/>
-              </a:ext>
-            </a:extLst>
-          </p:cNvPr>
+          <p:cNvPr id="5" name="Footer Placeholder 4"/>
           <p:cNvSpPr>
             <a:spLocks noGrp="1"/>
           </p:cNvSpPr>
@@ -715,13 +622,7 @@
       </p:sp>
       <p:sp>
         <p:nvSpPr>
-          <p:cNvPr id="6" name="Slide Number Placeholder 5">
-            <a:extLst>
-              <a:ext uri="{FF2B5EF4-FFF2-40B4-BE49-F238E27FC236}">
-                <a16:creationId xmlns:a16="http://schemas.microsoft.com/office/drawing/2014/main" id="{A03A4538-ABA1-494B-BB8C-8B06CB40A9D5}"/>
-              </a:ext>
-            </a:extLst>
-          </p:cNvPr>
+          <p:cNvPr id="6" name="Slide Number Placeholder 5"/>
           <p:cNvSpPr>
             <a:spLocks noGrp="1"/>
           </p:cNvSpPr>
@@ -736,18 +637,12 @@
           <a:p>
             <a:fld id="{B9E7055C-48C2-411B-80D3-FB72D096FB00}" type="slidenum">
               <a:rPr lang="en-CA" smtClean="0"/>
-              <a:t>‹#›</a:t>
             </a:fld>
             <a:endParaRPr lang="en-CA"/>
           </a:p>
         </p:txBody>
       </p:sp>
     </p:spTree>
-    <p:extLst>
-      <p:ext uri="{BB962C8B-B14F-4D97-AF65-F5344CB8AC3E}">
-        <p14:creationId xmlns:p14="http://schemas.microsoft.com/office/powerpoint/2010/main" val="3352332540"/>
-      </p:ext>
-    </p:extLst>
   </p:cSld>
   <p:clrMapOvr>
     <a:masterClrMapping/>
@@ -755,7 +650,192 @@
 </p:sldLayout>
 </file>
 
-<file path=ppt/slideLayouts/slideLayout2.xml><?xml version="1.0" encoding="utf-8"?>
+<file path=ppt/slideLayouts/slideLayout12.xml><?xml version="1.0" encoding="utf-8"?>
+<p:sldLayout xmlns:a="http://schemas.openxmlformats.org/drawingml/2006/main" xmlns:r="http://schemas.openxmlformats.org/officeDocument/2006/relationships" xmlns:p="http://schemas.openxmlformats.org/presentationml/2006/main" type="title" preserve="1">
+  <p:cSld name="Title Slide">
+    <p:spTree>
+      <p:nvGrpSpPr>
+        <p:cNvPr id="1" name=""/>
+        <p:cNvGrpSpPr/>
+        <p:nvPr/>
+      </p:nvGrpSpPr>
+      <p:grpSpPr>
+        <a:xfrm>
+          <a:off x="0" y="0"/>
+          <a:ext cx="0" cy="0"/>
+          <a:chOff x="0" y="0"/>
+          <a:chExt cx="0" cy="0"/>
+        </a:xfrm>
+      </p:grpSpPr>
+      <p:sp>
+        <p:nvSpPr>
+          <p:cNvPr id="2" name="Title 1"/>
+          <p:cNvSpPr>
+            <a:spLocks noGrp="1"/>
+          </p:cNvSpPr>
+          <p:nvPr>
+            <p:ph type="ctrTitle"/>
+          </p:nvPr>
+        </p:nvSpPr>
+        <p:spPr>
+          <a:xfrm>
+            <a:off x="1524000" y="1122363"/>
+            <a:ext cx="9144000" cy="2387600"/>
+          </a:xfrm>
+        </p:spPr>
+        <p:txBody>
+          <a:bodyPr anchor="b"/>
+          <a:lstStyle>
+            <a:lvl1pPr algn="ctr">
+              <a:defRPr sz="6000"/>
+            </a:lvl1pPr>
+          </a:lstStyle>
+          <a:p>
+            <a:r>
+              <a:rPr lang="en-US"/>
+              <a:t>Click to edit Master title style</a:t>
+            </a:r>
+            <a:endParaRPr lang="en-CA"/>
+          </a:p>
+        </p:txBody>
+      </p:sp>
+      <p:sp>
+        <p:nvSpPr>
+          <p:cNvPr id="3" name="Subtitle 2"/>
+          <p:cNvSpPr>
+            <a:spLocks noGrp="1"/>
+          </p:cNvSpPr>
+          <p:nvPr>
+            <p:ph type="subTitle" idx="1"/>
+          </p:nvPr>
+        </p:nvSpPr>
+        <p:spPr>
+          <a:xfrm>
+            <a:off x="1524000" y="3602038"/>
+            <a:ext cx="9144000" cy="1655762"/>
+          </a:xfrm>
+        </p:spPr>
+        <p:txBody>
+          <a:bodyPr/>
+          <a:lstStyle>
+            <a:lvl1pPr marL="0" indent="0" algn="ctr">
+              <a:buNone/>
+              <a:defRPr sz="2400"/>
+            </a:lvl1pPr>
+            <a:lvl2pPr marL="457200" indent="0" algn="ctr">
+              <a:buNone/>
+              <a:defRPr sz="2000"/>
+            </a:lvl2pPr>
+            <a:lvl3pPr marL="914400" indent="0" algn="ctr">
+              <a:buNone/>
+              <a:defRPr sz="1800"/>
+            </a:lvl3pPr>
+            <a:lvl4pPr marL="1371600" indent="0" algn="ctr">
+              <a:buNone/>
+              <a:defRPr sz="1600"/>
+            </a:lvl4pPr>
+            <a:lvl5pPr marL="1828800" indent="0" algn="ctr">
+              <a:buNone/>
+              <a:defRPr sz="1600"/>
+            </a:lvl5pPr>
+            <a:lvl6pPr marL="2286000" indent="0" algn="ctr">
+              <a:buNone/>
+              <a:defRPr sz="1600"/>
+            </a:lvl6pPr>
+            <a:lvl7pPr marL="2743200" indent="0" algn="ctr">
+              <a:buNone/>
+              <a:defRPr sz="1600"/>
+            </a:lvl7pPr>
+            <a:lvl8pPr marL="3200400" indent="0" algn="ctr">
+              <a:buNone/>
+              <a:defRPr sz="1600"/>
+            </a:lvl8pPr>
+            <a:lvl9pPr marL="3657600" indent="0" algn="ctr">
+              <a:buNone/>
+              <a:defRPr sz="1600"/>
+            </a:lvl9pPr>
+          </a:lstStyle>
+          <a:p>
+            <a:r>
+              <a:rPr lang="en-US"/>
+              <a:t>Click to edit Master subtitle style</a:t>
+            </a:r>
+            <a:endParaRPr lang="en-CA"/>
+          </a:p>
+        </p:txBody>
+      </p:sp>
+      <p:sp>
+        <p:nvSpPr>
+          <p:cNvPr id="4" name="Date Placeholder 3"/>
+          <p:cNvSpPr>
+            <a:spLocks noGrp="1"/>
+          </p:cNvSpPr>
+          <p:nvPr>
+            <p:ph type="dt" sz="half" idx="10"/>
+          </p:nvPr>
+        </p:nvSpPr>
+        <p:spPr/>
+        <p:txBody>
+          <a:bodyPr/>
+          <a:lstStyle/>
+          <a:p>
+            <a:fld id="{FA8E38F2-E683-4544-98ED-C0B89851DC53}" type="datetimeFigureOut">
+              <a:rPr lang="en-CA" smtClean="0"/>
+            </a:fld>
+            <a:endParaRPr lang="en-CA"/>
+          </a:p>
+        </p:txBody>
+      </p:sp>
+      <p:sp>
+        <p:nvSpPr>
+          <p:cNvPr id="5" name="Footer Placeholder 4"/>
+          <p:cNvSpPr>
+            <a:spLocks noGrp="1"/>
+          </p:cNvSpPr>
+          <p:nvPr>
+            <p:ph type="ftr" sz="quarter" idx="11"/>
+          </p:nvPr>
+        </p:nvSpPr>
+        <p:spPr/>
+        <p:txBody>
+          <a:bodyPr/>
+          <a:lstStyle/>
+          <a:p>
+            <a:endParaRPr lang="en-CA"/>
+          </a:p>
+        </p:txBody>
+      </p:sp>
+      <p:sp>
+        <p:nvSpPr>
+          <p:cNvPr id="6" name="Slide Number Placeholder 5"/>
+          <p:cNvSpPr>
+            <a:spLocks noGrp="1"/>
+          </p:cNvSpPr>
+          <p:nvPr>
+            <p:ph type="sldNum" sz="quarter" idx="12"/>
+          </p:nvPr>
+        </p:nvSpPr>
+        <p:spPr/>
+        <p:txBody>
+          <a:bodyPr/>
+          <a:lstStyle/>
+          <a:p>
+            <a:fld id="{B9E7055C-48C2-411B-80D3-FB72D096FB00}" type="slidenum">
+              <a:rPr lang="en-CA" smtClean="0"/>
+            </a:fld>
+            <a:endParaRPr lang="en-CA"/>
+          </a:p>
+        </p:txBody>
+      </p:sp>
+    </p:spTree>
+  </p:cSld>
+  <p:clrMapOvr>
+    <a:masterClrMapping/>
+  </p:clrMapOvr>
+</p:sldLayout>
+</file>
+
+<file path=ppt/slideLayouts/slideLayout13.xml><?xml version="1.0" encoding="utf-8"?>
 <p:sldLayout xmlns:a="http://schemas.openxmlformats.org/drawingml/2006/main" xmlns:r="http://schemas.openxmlformats.org/officeDocument/2006/relationships" xmlns:p="http://schemas.openxmlformats.org/presentationml/2006/main" type="obj" preserve="1">
   <p:cSld name="Title and Content">
     <p:spTree>
@@ -774,13 +854,7 @@
       </p:grpSpPr>
       <p:sp>
         <p:nvSpPr>
-          <p:cNvPr id="2" name="Title 1">
-            <a:extLst>
-              <a:ext uri="{FF2B5EF4-FFF2-40B4-BE49-F238E27FC236}">
-                <a16:creationId xmlns:a16="http://schemas.microsoft.com/office/drawing/2014/main" id="{1317ABE7-107A-4EE5-840E-B1B0485D0847}"/>
-              </a:ext>
-            </a:extLst>
-          </p:cNvPr>
+          <p:cNvPr id="2" name="Title 1"/>
           <p:cNvSpPr>
             <a:spLocks noGrp="1"/>
           </p:cNvSpPr>
@@ -803,13 +877,7 @@
       </p:sp>
       <p:sp>
         <p:nvSpPr>
-          <p:cNvPr id="3" name="Content Placeholder 2">
-            <a:extLst>
-              <a:ext uri="{FF2B5EF4-FFF2-40B4-BE49-F238E27FC236}">
-                <a16:creationId xmlns:a16="http://schemas.microsoft.com/office/drawing/2014/main" id="{33F21B66-CBE0-4A59-83B1-F5A2078AFBE2}"/>
-              </a:ext>
-            </a:extLst>
-          </p:cNvPr>
+          <p:cNvPr id="3" name="Content Placeholder 2"/>
           <p:cNvSpPr>
             <a:spLocks noGrp="1"/>
           </p:cNvSpPr>
@@ -827,6 +895,7 @@
               <a:rPr lang="en-US"/>
               <a:t>Click to edit Master text styles</a:t>
             </a:r>
+            <a:endParaRPr lang="en-US"/>
           </a:p>
           <a:p>
             <a:pPr lvl="1"/>
@@ -834,6 +903,7 @@
               <a:rPr lang="en-US"/>
               <a:t>Second level</a:t>
             </a:r>
+            <a:endParaRPr lang="en-US"/>
           </a:p>
           <a:p>
             <a:pPr lvl="2"/>
@@ -841,6 +911,7 @@
               <a:rPr lang="en-US"/>
               <a:t>Third level</a:t>
             </a:r>
+            <a:endParaRPr lang="en-US"/>
           </a:p>
           <a:p>
             <a:pPr lvl="3"/>
@@ -848,6 +919,7 @@
               <a:rPr lang="en-US"/>
               <a:t>Fourth level</a:t>
             </a:r>
+            <a:endParaRPr lang="en-US"/>
           </a:p>
           <a:p>
             <a:pPr lvl="4"/>
@@ -861,13 +933,7 @@
       </p:sp>
       <p:sp>
         <p:nvSpPr>
-          <p:cNvPr id="4" name="Date Placeholder 3">
-            <a:extLst>
-              <a:ext uri="{FF2B5EF4-FFF2-40B4-BE49-F238E27FC236}">
-                <a16:creationId xmlns:a16="http://schemas.microsoft.com/office/drawing/2014/main" id="{53FD95F5-0E4A-443A-A46F-AAC75F302216}"/>
-              </a:ext>
-            </a:extLst>
-          </p:cNvPr>
+          <p:cNvPr id="4" name="Date Placeholder 3"/>
           <p:cNvSpPr>
             <a:spLocks noGrp="1"/>
           </p:cNvSpPr>
@@ -882,7 +948,6 @@
           <a:p>
             <a:fld id="{FA8E38F2-E683-4544-98ED-C0B89851DC53}" type="datetimeFigureOut">
               <a:rPr lang="en-CA" smtClean="0"/>
-              <a:t>2019-10-31</a:t>
             </a:fld>
             <a:endParaRPr lang="en-CA"/>
           </a:p>
@@ -890,13 +955,7 @@
       </p:sp>
       <p:sp>
         <p:nvSpPr>
-          <p:cNvPr id="5" name="Footer Placeholder 4">
-            <a:extLst>
-              <a:ext uri="{FF2B5EF4-FFF2-40B4-BE49-F238E27FC236}">
-                <a16:creationId xmlns:a16="http://schemas.microsoft.com/office/drawing/2014/main" id="{09EB2F9D-11F3-43D7-ADF7-580FCA9B73A4}"/>
-              </a:ext>
-            </a:extLst>
-          </p:cNvPr>
+          <p:cNvPr id="5" name="Footer Placeholder 4"/>
           <p:cNvSpPr>
             <a:spLocks noGrp="1"/>
           </p:cNvSpPr>
@@ -915,13 +974,7 @@
       </p:sp>
       <p:sp>
         <p:nvSpPr>
-          <p:cNvPr id="6" name="Slide Number Placeholder 5">
-            <a:extLst>
-              <a:ext uri="{FF2B5EF4-FFF2-40B4-BE49-F238E27FC236}">
-                <a16:creationId xmlns:a16="http://schemas.microsoft.com/office/drawing/2014/main" id="{4AB73F08-EC9E-45FD-8557-48D45E883E47}"/>
-              </a:ext>
-            </a:extLst>
-          </p:cNvPr>
+          <p:cNvPr id="6" name="Slide Number Placeholder 5"/>
           <p:cNvSpPr>
             <a:spLocks noGrp="1"/>
           </p:cNvSpPr>
@@ -936,18 +989,12 @@
           <a:p>
             <a:fld id="{B9E7055C-48C2-411B-80D3-FB72D096FB00}" type="slidenum">
               <a:rPr lang="en-CA" smtClean="0"/>
-              <a:t>‹#›</a:t>
             </a:fld>
             <a:endParaRPr lang="en-CA"/>
           </a:p>
         </p:txBody>
       </p:sp>
     </p:spTree>
-    <p:extLst>
-      <p:ext uri="{BB962C8B-B14F-4D97-AF65-F5344CB8AC3E}">
-        <p14:creationId xmlns:p14="http://schemas.microsoft.com/office/powerpoint/2010/main" val="3526121524"/>
-      </p:ext>
-    </p:extLst>
   </p:cSld>
   <p:clrMapOvr>
     <a:masterClrMapping/>
@@ -955,7 +1002,7 @@
 </p:sldLayout>
 </file>
 
-<file path=ppt/slideLayouts/slideLayout3.xml><?xml version="1.0" encoding="utf-8"?>
+<file path=ppt/slideLayouts/slideLayout14.xml><?xml version="1.0" encoding="utf-8"?>
 <p:sldLayout xmlns:a="http://schemas.openxmlformats.org/drawingml/2006/main" xmlns:r="http://schemas.openxmlformats.org/officeDocument/2006/relationships" xmlns:p="http://schemas.openxmlformats.org/presentationml/2006/main" type="secHead" preserve="1">
   <p:cSld name="Section Header">
     <p:spTree>
@@ -974,13 +1021,7 @@
       </p:grpSpPr>
       <p:sp>
         <p:nvSpPr>
-          <p:cNvPr id="2" name="Title 1">
-            <a:extLst>
-              <a:ext uri="{FF2B5EF4-FFF2-40B4-BE49-F238E27FC236}">
-                <a16:creationId xmlns:a16="http://schemas.microsoft.com/office/drawing/2014/main" id="{C160E20B-C82C-4AEF-A9D8-614D73CDA736}"/>
-              </a:ext>
-            </a:extLst>
-          </p:cNvPr>
+          <p:cNvPr id="2" name="Title 1"/>
           <p:cNvSpPr>
             <a:spLocks noGrp="1"/>
           </p:cNvSpPr>
@@ -1012,13 +1053,7 @@
       </p:sp>
       <p:sp>
         <p:nvSpPr>
-          <p:cNvPr id="3" name="Text Placeholder 2">
-            <a:extLst>
-              <a:ext uri="{FF2B5EF4-FFF2-40B4-BE49-F238E27FC236}">
-                <a16:creationId xmlns:a16="http://schemas.microsoft.com/office/drawing/2014/main" id="{34CC3AF0-655E-443B-82C3-966A4FB3E5E3}"/>
-              </a:ext>
-            </a:extLst>
-          </p:cNvPr>
+          <p:cNvPr id="3" name="Text Placeholder 2"/>
           <p:cNvSpPr>
             <a:spLocks noGrp="1"/>
           </p:cNvSpPr>
@@ -1132,18 +1167,13 @@
               <a:rPr lang="en-US"/>
               <a:t>Click to edit Master text styles</a:t>
             </a:r>
-          </a:p>
-        </p:txBody>
-      </p:sp>
-      <p:sp>
-        <p:nvSpPr>
-          <p:cNvPr id="4" name="Date Placeholder 3">
-            <a:extLst>
-              <a:ext uri="{FF2B5EF4-FFF2-40B4-BE49-F238E27FC236}">
-                <a16:creationId xmlns:a16="http://schemas.microsoft.com/office/drawing/2014/main" id="{36E7D3B2-B276-49DE-BCEE-9AC6DEC4F68C}"/>
-              </a:ext>
-            </a:extLst>
-          </p:cNvPr>
+            <a:endParaRPr lang="en-US"/>
+          </a:p>
+        </p:txBody>
+      </p:sp>
+      <p:sp>
+        <p:nvSpPr>
+          <p:cNvPr id="4" name="Date Placeholder 3"/>
           <p:cNvSpPr>
             <a:spLocks noGrp="1"/>
           </p:cNvSpPr>
@@ -1158,7 +1188,6 @@
           <a:p>
             <a:fld id="{FA8E38F2-E683-4544-98ED-C0B89851DC53}" type="datetimeFigureOut">
               <a:rPr lang="en-CA" smtClean="0"/>
-              <a:t>2019-10-31</a:t>
             </a:fld>
             <a:endParaRPr lang="en-CA"/>
           </a:p>
@@ -1166,13 +1195,7 @@
       </p:sp>
       <p:sp>
         <p:nvSpPr>
-          <p:cNvPr id="5" name="Footer Placeholder 4">
-            <a:extLst>
-              <a:ext uri="{FF2B5EF4-FFF2-40B4-BE49-F238E27FC236}">
-                <a16:creationId xmlns:a16="http://schemas.microsoft.com/office/drawing/2014/main" id="{B684C2B1-91E1-4A07-92E7-8015F858561E}"/>
-              </a:ext>
-            </a:extLst>
-          </p:cNvPr>
+          <p:cNvPr id="5" name="Footer Placeholder 4"/>
           <p:cNvSpPr>
             <a:spLocks noGrp="1"/>
           </p:cNvSpPr>
@@ -1191,13 +1214,7 @@
       </p:sp>
       <p:sp>
         <p:nvSpPr>
-          <p:cNvPr id="6" name="Slide Number Placeholder 5">
-            <a:extLst>
-              <a:ext uri="{FF2B5EF4-FFF2-40B4-BE49-F238E27FC236}">
-                <a16:creationId xmlns:a16="http://schemas.microsoft.com/office/drawing/2014/main" id="{32F00E68-11FF-4F53-8B40-430C467717C2}"/>
-              </a:ext>
-            </a:extLst>
-          </p:cNvPr>
+          <p:cNvPr id="6" name="Slide Number Placeholder 5"/>
           <p:cNvSpPr>
             <a:spLocks noGrp="1"/>
           </p:cNvSpPr>
@@ -1212,18 +1229,12 @@
           <a:p>
             <a:fld id="{B9E7055C-48C2-411B-80D3-FB72D096FB00}" type="slidenum">
               <a:rPr lang="en-CA" smtClean="0"/>
-              <a:t>‹#›</a:t>
             </a:fld>
             <a:endParaRPr lang="en-CA"/>
           </a:p>
         </p:txBody>
       </p:sp>
     </p:spTree>
-    <p:extLst>
-      <p:ext uri="{BB962C8B-B14F-4D97-AF65-F5344CB8AC3E}">
-        <p14:creationId xmlns:p14="http://schemas.microsoft.com/office/powerpoint/2010/main" val="597818953"/>
-      </p:ext>
-    </p:extLst>
   </p:cSld>
   <p:clrMapOvr>
     <a:masterClrMapping/>
@@ -1231,7 +1242,7 @@
 </p:sldLayout>
 </file>
 
-<file path=ppt/slideLayouts/slideLayout4.xml><?xml version="1.0" encoding="utf-8"?>
+<file path=ppt/slideLayouts/slideLayout15.xml><?xml version="1.0" encoding="utf-8"?>
 <p:sldLayout xmlns:a="http://schemas.openxmlformats.org/drawingml/2006/main" xmlns:r="http://schemas.openxmlformats.org/officeDocument/2006/relationships" xmlns:p="http://schemas.openxmlformats.org/presentationml/2006/main" type="twoObj" preserve="1">
   <p:cSld name="Two Content">
     <p:spTree>
@@ -1250,13 +1261,7 @@
       </p:grpSpPr>
       <p:sp>
         <p:nvSpPr>
-          <p:cNvPr id="2" name="Title 1">
-            <a:extLst>
-              <a:ext uri="{FF2B5EF4-FFF2-40B4-BE49-F238E27FC236}">
-                <a16:creationId xmlns:a16="http://schemas.microsoft.com/office/drawing/2014/main" id="{CD624C24-ACD4-4CB1-93AF-2D99C430427B}"/>
-              </a:ext>
-            </a:extLst>
-          </p:cNvPr>
+          <p:cNvPr id="2" name="Title 1"/>
           <p:cNvSpPr>
             <a:spLocks noGrp="1"/>
           </p:cNvSpPr>
@@ -1279,13 +1284,7 @@
       </p:sp>
       <p:sp>
         <p:nvSpPr>
-          <p:cNvPr id="3" name="Content Placeholder 2">
-            <a:extLst>
-              <a:ext uri="{FF2B5EF4-FFF2-40B4-BE49-F238E27FC236}">
-                <a16:creationId xmlns:a16="http://schemas.microsoft.com/office/drawing/2014/main" id="{532A51A9-B8C9-4C96-8074-9D29C59AD3FC}"/>
-              </a:ext>
-            </a:extLst>
-          </p:cNvPr>
+          <p:cNvPr id="3" name="Content Placeholder 2"/>
           <p:cNvSpPr>
             <a:spLocks noGrp="1"/>
           </p:cNvSpPr>
@@ -1308,6 +1307,7 @@
               <a:rPr lang="en-US"/>
               <a:t>Click to edit Master text styles</a:t>
             </a:r>
+            <a:endParaRPr lang="en-US"/>
           </a:p>
           <a:p>
             <a:pPr lvl="1"/>
@@ -1315,6 +1315,7 @@
               <a:rPr lang="en-US"/>
               <a:t>Second level</a:t>
             </a:r>
+            <a:endParaRPr lang="en-US"/>
           </a:p>
           <a:p>
             <a:pPr lvl="2"/>
@@ -1322,6 +1323,7 @@
               <a:rPr lang="en-US"/>
               <a:t>Third level</a:t>
             </a:r>
+            <a:endParaRPr lang="en-US"/>
           </a:p>
           <a:p>
             <a:pPr lvl="3"/>
@@ -1329,6 +1331,7 @@
               <a:rPr lang="en-US"/>
               <a:t>Fourth level</a:t>
             </a:r>
+            <a:endParaRPr lang="en-US"/>
           </a:p>
           <a:p>
             <a:pPr lvl="4"/>
@@ -1342,13 +1345,7 @@
       </p:sp>
       <p:sp>
         <p:nvSpPr>
-          <p:cNvPr id="4" name="Content Placeholder 3">
-            <a:extLst>
-              <a:ext uri="{FF2B5EF4-FFF2-40B4-BE49-F238E27FC236}">
-                <a16:creationId xmlns:a16="http://schemas.microsoft.com/office/drawing/2014/main" id="{2B6A6FBD-6233-4590-8920-E8E5F10D039E}"/>
-              </a:ext>
-            </a:extLst>
-          </p:cNvPr>
+          <p:cNvPr id="4" name="Content Placeholder 3"/>
           <p:cNvSpPr>
             <a:spLocks noGrp="1"/>
           </p:cNvSpPr>
@@ -1371,6 +1368,7 @@
               <a:rPr lang="en-US"/>
               <a:t>Click to edit Master text styles</a:t>
             </a:r>
+            <a:endParaRPr lang="en-US"/>
           </a:p>
           <a:p>
             <a:pPr lvl="1"/>
@@ -1378,6 +1376,7 @@
               <a:rPr lang="en-US"/>
               <a:t>Second level</a:t>
             </a:r>
+            <a:endParaRPr lang="en-US"/>
           </a:p>
           <a:p>
             <a:pPr lvl="2"/>
@@ -1385,6 +1384,7 @@
               <a:rPr lang="en-US"/>
               <a:t>Third level</a:t>
             </a:r>
+            <a:endParaRPr lang="en-US"/>
           </a:p>
           <a:p>
             <a:pPr lvl="3"/>
@@ -1392,6 +1392,7 @@
               <a:rPr lang="en-US"/>
               <a:t>Fourth level</a:t>
             </a:r>
+            <a:endParaRPr lang="en-US"/>
           </a:p>
           <a:p>
             <a:pPr lvl="4"/>
@@ -1405,13 +1406,7 @@
       </p:sp>
       <p:sp>
         <p:nvSpPr>
-          <p:cNvPr id="5" name="Date Placeholder 4">
-            <a:extLst>
-              <a:ext uri="{FF2B5EF4-FFF2-40B4-BE49-F238E27FC236}">
-                <a16:creationId xmlns:a16="http://schemas.microsoft.com/office/drawing/2014/main" id="{37E42D2E-A1EC-472D-A341-9F0E3FCB5663}"/>
-              </a:ext>
-            </a:extLst>
-          </p:cNvPr>
+          <p:cNvPr id="5" name="Date Placeholder 4"/>
           <p:cNvSpPr>
             <a:spLocks noGrp="1"/>
           </p:cNvSpPr>
@@ -1426,7 +1421,6 @@
           <a:p>
             <a:fld id="{FA8E38F2-E683-4544-98ED-C0B89851DC53}" type="datetimeFigureOut">
               <a:rPr lang="en-CA" smtClean="0"/>
-              <a:t>2019-10-31</a:t>
             </a:fld>
             <a:endParaRPr lang="en-CA"/>
           </a:p>
@@ -1434,13 +1428,7 @@
       </p:sp>
       <p:sp>
         <p:nvSpPr>
-          <p:cNvPr id="6" name="Footer Placeholder 5">
-            <a:extLst>
-              <a:ext uri="{FF2B5EF4-FFF2-40B4-BE49-F238E27FC236}">
-                <a16:creationId xmlns:a16="http://schemas.microsoft.com/office/drawing/2014/main" id="{AC6658E0-CE6B-4A00-8450-C4C36A881355}"/>
-              </a:ext>
-            </a:extLst>
-          </p:cNvPr>
+          <p:cNvPr id="6" name="Footer Placeholder 5"/>
           <p:cNvSpPr>
             <a:spLocks noGrp="1"/>
           </p:cNvSpPr>
@@ -1459,13 +1447,7 @@
       </p:sp>
       <p:sp>
         <p:nvSpPr>
-          <p:cNvPr id="7" name="Slide Number Placeholder 6">
-            <a:extLst>
-              <a:ext uri="{FF2B5EF4-FFF2-40B4-BE49-F238E27FC236}">
-                <a16:creationId xmlns:a16="http://schemas.microsoft.com/office/drawing/2014/main" id="{F26736B5-0895-45C3-81F7-2196FEADDF8D}"/>
-              </a:ext>
-            </a:extLst>
-          </p:cNvPr>
+          <p:cNvPr id="7" name="Slide Number Placeholder 6"/>
           <p:cNvSpPr>
             <a:spLocks noGrp="1"/>
           </p:cNvSpPr>
@@ -1480,18 +1462,12 @@
           <a:p>
             <a:fld id="{B9E7055C-48C2-411B-80D3-FB72D096FB00}" type="slidenum">
               <a:rPr lang="en-CA" smtClean="0"/>
-              <a:t>‹#›</a:t>
             </a:fld>
             <a:endParaRPr lang="en-CA"/>
           </a:p>
         </p:txBody>
       </p:sp>
     </p:spTree>
-    <p:extLst>
-      <p:ext uri="{BB962C8B-B14F-4D97-AF65-F5344CB8AC3E}">
-        <p14:creationId xmlns:p14="http://schemas.microsoft.com/office/powerpoint/2010/main" val="675647528"/>
-      </p:ext>
-    </p:extLst>
   </p:cSld>
   <p:clrMapOvr>
     <a:masterClrMapping/>
@@ -1499,7 +1475,7 @@
 </p:sldLayout>
 </file>
 
-<file path=ppt/slideLayouts/slideLayout5.xml><?xml version="1.0" encoding="utf-8"?>
+<file path=ppt/slideLayouts/slideLayout16.xml><?xml version="1.0" encoding="utf-8"?>
 <p:sldLayout xmlns:a="http://schemas.openxmlformats.org/drawingml/2006/main" xmlns:r="http://schemas.openxmlformats.org/officeDocument/2006/relationships" xmlns:p="http://schemas.openxmlformats.org/presentationml/2006/main" type="twoTxTwoObj" preserve="1">
   <p:cSld name="Comparison">
     <p:spTree>
@@ -1518,13 +1494,7 @@
       </p:grpSpPr>
       <p:sp>
         <p:nvSpPr>
-          <p:cNvPr id="2" name="Title 1">
-            <a:extLst>
-              <a:ext uri="{FF2B5EF4-FFF2-40B4-BE49-F238E27FC236}">
-                <a16:creationId xmlns:a16="http://schemas.microsoft.com/office/drawing/2014/main" id="{0EECD106-75D7-4923-8C9D-D035CC4657CD}"/>
-              </a:ext>
-            </a:extLst>
-          </p:cNvPr>
+          <p:cNvPr id="2" name="Title 1"/>
           <p:cNvSpPr>
             <a:spLocks noGrp="1"/>
           </p:cNvSpPr>
@@ -1552,13 +1522,7 @@
       </p:sp>
       <p:sp>
         <p:nvSpPr>
-          <p:cNvPr id="3" name="Text Placeholder 2">
-            <a:extLst>
-              <a:ext uri="{FF2B5EF4-FFF2-40B4-BE49-F238E27FC236}">
-                <a16:creationId xmlns:a16="http://schemas.microsoft.com/office/drawing/2014/main" id="{C06417B7-11B5-45F9-9D82-A6169215136C}"/>
-              </a:ext>
-            </a:extLst>
-          </p:cNvPr>
+          <p:cNvPr id="3" name="Text Placeholder 2"/>
           <p:cNvSpPr>
             <a:spLocks noGrp="1"/>
           </p:cNvSpPr>
@@ -1618,18 +1582,13 @@
               <a:rPr lang="en-US"/>
               <a:t>Click to edit Master text styles</a:t>
             </a:r>
-          </a:p>
-        </p:txBody>
-      </p:sp>
-      <p:sp>
-        <p:nvSpPr>
-          <p:cNvPr id="4" name="Content Placeholder 3">
-            <a:extLst>
-              <a:ext uri="{FF2B5EF4-FFF2-40B4-BE49-F238E27FC236}">
-                <a16:creationId xmlns:a16="http://schemas.microsoft.com/office/drawing/2014/main" id="{BD90CEFE-BF6B-44DA-A4E8-496D2B6BA3F6}"/>
-              </a:ext>
-            </a:extLst>
-          </p:cNvPr>
+            <a:endParaRPr lang="en-US"/>
+          </a:p>
+        </p:txBody>
+      </p:sp>
+      <p:sp>
+        <p:nvSpPr>
+          <p:cNvPr id="4" name="Content Placeholder 3"/>
           <p:cNvSpPr>
             <a:spLocks noGrp="1"/>
           </p:cNvSpPr>
@@ -1652,6 +1611,7 @@
               <a:rPr lang="en-US"/>
               <a:t>Click to edit Master text styles</a:t>
             </a:r>
+            <a:endParaRPr lang="en-US"/>
           </a:p>
           <a:p>
             <a:pPr lvl="1"/>
@@ -1659,6 +1619,7 @@
               <a:rPr lang="en-US"/>
               <a:t>Second level</a:t>
             </a:r>
+            <a:endParaRPr lang="en-US"/>
           </a:p>
           <a:p>
             <a:pPr lvl="2"/>
@@ -1666,6 +1627,7 @@
               <a:rPr lang="en-US"/>
               <a:t>Third level</a:t>
             </a:r>
+            <a:endParaRPr lang="en-US"/>
           </a:p>
           <a:p>
             <a:pPr lvl="3"/>
@@ -1673,6 +1635,7 @@
               <a:rPr lang="en-US"/>
               <a:t>Fourth level</a:t>
             </a:r>
+            <a:endParaRPr lang="en-US"/>
           </a:p>
           <a:p>
             <a:pPr lvl="4"/>
@@ -1686,13 +1649,7 @@
       </p:sp>
       <p:sp>
         <p:nvSpPr>
-          <p:cNvPr id="5" name="Text Placeholder 4">
-            <a:extLst>
-              <a:ext uri="{FF2B5EF4-FFF2-40B4-BE49-F238E27FC236}">
-                <a16:creationId xmlns:a16="http://schemas.microsoft.com/office/drawing/2014/main" id="{B32C0105-EF21-4FB4-B306-1025B9E45AF2}"/>
-              </a:ext>
-            </a:extLst>
-          </p:cNvPr>
+          <p:cNvPr id="5" name="Text Placeholder 4"/>
           <p:cNvSpPr>
             <a:spLocks noGrp="1"/>
           </p:cNvSpPr>
@@ -1752,18 +1709,13 @@
               <a:rPr lang="en-US"/>
               <a:t>Click to edit Master text styles</a:t>
             </a:r>
-          </a:p>
-        </p:txBody>
-      </p:sp>
-      <p:sp>
-        <p:nvSpPr>
-          <p:cNvPr id="6" name="Content Placeholder 5">
-            <a:extLst>
-              <a:ext uri="{FF2B5EF4-FFF2-40B4-BE49-F238E27FC236}">
-                <a16:creationId xmlns:a16="http://schemas.microsoft.com/office/drawing/2014/main" id="{B7D086ED-FF07-4566-89A0-D32C77FBB37E}"/>
-              </a:ext>
-            </a:extLst>
-          </p:cNvPr>
+            <a:endParaRPr lang="en-US"/>
+          </a:p>
+        </p:txBody>
+      </p:sp>
+      <p:sp>
+        <p:nvSpPr>
+          <p:cNvPr id="6" name="Content Placeholder 5"/>
           <p:cNvSpPr>
             <a:spLocks noGrp="1"/>
           </p:cNvSpPr>
@@ -1786,6 +1738,7 @@
               <a:rPr lang="en-US"/>
               <a:t>Click to edit Master text styles</a:t>
             </a:r>
+            <a:endParaRPr lang="en-US"/>
           </a:p>
           <a:p>
             <a:pPr lvl="1"/>
@@ -1793,6 +1746,7 @@
               <a:rPr lang="en-US"/>
               <a:t>Second level</a:t>
             </a:r>
+            <a:endParaRPr lang="en-US"/>
           </a:p>
           <a:p>
             <a:pPr lvl="2"/>
@@ -1800,6 +1754,7 @@
               <a:rPr lang="en-US"/>
               <a:t>Third level</a:t>
             </a:r>
+            <a:endParaRPr lang="en-US"/>
           </a:p>
           <a:p>
             <a:pPr lvl="3"/>
@@ -1807,6 +1762,7 @@
               <a:rPr lang="en-US"/>
               <a:t>Fourth level</a:t>
             </a:r>
+            <a:endParaRPr lang="en-US"/>
           </a:p>
           <a:p>
             <a:pPr lvl="4"/>
@@ -1820,13 +1776,7 @@
       </p:sp>
       <p:sp>
         <p:nvSpPr>
-          <p:cNvPr id="7" name="Date Placeholder 6">
-            <a:extLst>
-              <a:ext uri="{FF2B5EF4-FFF2-40B4-BE49-F238E27FC236}">
-                <a16:creationId xmlns:a16="http://schemas.microsoft.com/office/drawing/2014/main" id="{4F166254-1F81-4745-B415-2CE2661BF081}"/>
-              </a:ext>
-            </a:extLst>
-          </p:cNvPr>
+          <p:cNvPr id="7" name="Date Placeholder 6"/>
           <p:cNvSpPr>
             <a:spLocks noGrp="1"/>
           </p:cNvSpPr>
@@ -1841,7 +1791,6 @@
           <a:p>
             <a:fld id="{FA8E38F2-E683-4544-98ED-C0B89851DC53}" type="datetimeFigureOut">
               <a:rPr lang="en-CA" smtClean="0"/>
-              <a:t>2019-10-31</a:t>
             </a:fld>
             <a:endParaRPr lang="en-CA"/>
           </a:p>
@@ -1849,13 +1798,7 @@
       </p:sp>
       <p:sp>
         <p:nvSpPr>
-          <p:cNvPr id="8" name="Footer Placeholder 7">
-            <a:extLst>
-              <a:ext uri="{FF2B5EF4-FFF2-40B4-BE49-F238E27FC236}">
-                <a16:creationId xmlns:a16="http://schemas.microsoft.com/office/drawing/2014/main" id="{470D45E3-03EA-47F0-9611-E73C7E277A7B}"/>
-              </a:ext>
-            </a:extLst>
-          </p:cNvPr>
+          <p:cNvPr id="8" name="Footer Placeholder 7"/>
           <p:cNvSpPr>
             <a:spLocks noGrp="1"/>
           </p:cNvSpPr>
@@ -1874,13 +1817,7 @@
       </p:sp>
       <p:sp>
         <p:nvSpPr>
-          <p:cNvPr id="9" name="Slide Number Placeholder 8">
-            <a:extLst>
-              <a:ext uri="{FF2B5EF4-FFF2-40B4-BE49-F238E27FC236}">
-                <a16:creationId xmlns:a16="http://schemas.microsoft.com/office/drawing/2014/main" id="{B23A032B-74DD-41EC-88EE-5D6AB4557E25}"/>
-              </a:ext>
-            </a:extLst>
-          </p:cNvPr>
+          <p:cNvPr id="9" name="Slide Number Placeholder 8"/>
           <p:cNvSpPr>
             <a:spLocks noGrp="1"/>
           </p:cNvSpPr>
@@ -1895,18 +1832,12 @@
           <a:p>
             <a:fld id="{B9E7055C-48C2-411B-80D3-FB72D096FB00}" type="slidenum">
               <a:rPr lang="en-CA" smtClean="0"/>
-              <a:t>‹#›</a:t>
             </a:fld>
             <a:endParaRPr lang="en-CA"/>
           </a:p>
         </p:txBody>
       </p:sp>
     </p:spTree>
-    <p:extLst>
-      <p:ext uri="{BB962C8B-B14F-4D97-AF65-F5344CB8AC3E}">
-        <p14:creationId xmlns:p14="http://schemas.microsoft.com/office/powerpoint/2010/main" val="3451509615"/>
-      </p:ext>
-    </p:extLst>
   </p:cSld>
   <p:clrMapOvr>
     <a:masterClrMapping/>
@@ -1914,7 +1845,7 @@
 </p:sldLayout>
 </file>
 
-<file path=ppt/slideLayouts/slideLayout6.xml><?xml version="1.0" encoding="utf-8"?>
+<file path=ppt/slideLayouts/slideLayout17.xml><?xml version="1.0" encoding="utf-8"?>
 <p:sldLayout xmlns:a="http://schemas.openxmlformats.org/drawingml/2006/main" xmlns:r="http://schemas.openxmlformats.org/officeDocument/2006/relationships" xmlns:p="http://schemas.openxmlformats.org/presentationml/2006/main" type="titleOnly" preserve="1">
   <p:cSld name="Title Only">
     <p:spTree>
@@ -1933,13 +1864,7 @@
       </p:grpSpPr>
       <p:sp>
         <p:nvSpPr>
-          <p:cNvPr id="2" name="Title 1">
-            <a:extLst>
-              <a:ext uri="{FF2B5EF4-FFF2-40B4-BE49-F238E27FC236}">
-                <a16:creationId xmlns:a16="http://schemas.microsoft.com/office/drawing/2014/main" id="{F56CFB29-4C08-45B3-B1B2-2D20E3CCBC3A}"/>
-              </a:ext>
-            </a:extLst>
-          </p:cNvPr>
+          <p:cNvPr id="2" name="Title 1"/>
           <p:cNvSpPr>
             <a:spLocks noGrp="1"/>
           </p:cNvSpPr>
@@ -1962,13 +1887,7 @@
       </p:sp>
       <p:sp>
         <p:nvSpPr>
-          <p:cNvPr id="3" name="Date Placeholder 2">
-            <a:extLst>
-              <a:ext uri="{FF2B5EF4-FFF2-40B4-BE49-F238E27FC236}">
-                <a16:creationId xmlns:a16="http://schemas.microsoft.com/office/drawing/2014/main" id="{8BE6851B-39F0-414F-A055-8AD835BBA067}"/>
-              </a:ext>
-            </a:extLst>
-          </p:cNvPr>
+          <p:cNvPr id="3" name="Date Placeholder 2"/>
           <p:cNvSpPr>
             <a:spLocks noGrp="1"/>
           </p:cNvSpPr>
@@ -1983,7 +1902,6 @@
           <a:p>
             <a:fld id="{FA8E38F2-E683-4544-98ED-C0B89851DC53}" type="datetimeFigureOut">
               <a:rPr lang="en-CA" smtClean="0"/>
-              <a:t>2019-10-31</a:t>
             </a:fld>
             <a:endParaRPr lang="en-CA"/>
           </a:p>
@@ -1991,13 +1909,7 @@
       </p:sp>
       <p:sp>
         <p:nvSpPr>
-          <p:cNvPr id="4" name="Footer Placeholder 3">
-            <a:extLst>
-              <a:ext uri="{FF2B5EF4-FFF2-40B4-BE49-F238E27FC236}">
-                <a16:creationId xmlns:a16="http://schemas.microsoft.com/office/drawing/2014/main" id="{A2C823AA-4D3A-4F7B-A42D-43C161D8E172}"/>
-              </a:ext>
-            </a:extLst>
-          </p:cNvPr>
+          <p:cNvPr id="4" name="Footer Placeholder 3"/>
           <p:cNvSpPr>
             <a:spLocks noGrp="1"/>
           </p:cNvSpPr>
@@ -2016,13 +1928,7 @@
       </p:sp>
       <p:sp>
         <p:nvSpPr>
-          <p:cNvPr id="5" name="Slide Number Placeholder 4">
-            <a:extLst>
-              <a:ext uri="{FF2B5EF4-FFF2-40B4-BE49-F238E27FC236}">
-                <a16:creationId xmlns:a16="http://schemas.microsoft.com/office/drawing/2014/main" id="{80C0E3F6-EF58-41EA-BDBF-5F11436726EA}"/>
-              </a:ext>
-            </a:extLst>
-          </p:cNvPr>
+          <p:cNvPr id="5" name="Slide Number Placeholder 4"/>
           <p:cNvSpPr>
             <a:spLocks noGrp="1"/>
           </p:cNvSpPr>
@@ -2037,18 +1943,12 @@
           <a:p>
             <a:fld id="{B9E7055C-48C2-411B-80D3-FB72D096FB00}" type="slidenum">
               <a:rPr lang="en-CA" smtClean="0"/>
-              <a:t>‹#›</a:t>
             </a:fld>
             <a:endParaRPr lang="en-CA"/>
           </a:p>
         </p:txBody>
       </p:sp>
     </p:spTree>
-    <p:extLst>
-      <p:ext uri="{BB962C8B-B14F-4D97-AF65-F5344CB8AC3E}">
-        <p14:creationId xmlns:p14="http://schemas.microsoft.com/office/powerpoint/2010/main" val="868129506"/>
-      </p:ext>
-    </p:extLst>
   </p:cSld>
   <p:clrMapOvr>
     <a:masterClrMapping/>
@@ -2056,7 +1956,7 @@
 </p:sldLayout>
 </file>
 
-<file path=ppt/slideLayouts/slideLayout7.xml><?xml version="1.0" encoding="utf-8"?>
+<file path=ppt/slideLayouts/slideLayout18.xml><?xml version="1.0" encoding="utf-8"?>
 <p:sldLayout xmlns:a="http://schemas.openxmlformats.org/drawingml/2006/main" xmlns:r="http://schemas.openxmlformats.org/officeDocument/2006/relationships" xmlns:p="http://schemas.openxmlformats.org/presentationml/2006/main" type="blank" preserve="1">
   <p:cSld name="Blank">
     <p:spTree>
@@ -2075,13 +1975,7 @@
       </p:grpSpPr>
       <p:sp>
         <p:nvSpPr>
-          <p:cNvPr id="2" name="Date Placeholder 1">
-            <a:extLst>
-              <a:ext uri="{FF2B5EF4-FFF2-40B4-BE49-F238E27FC236}">
-                <a16:creationId xmlns:a16="http://schemas.microsoft.com/office/drawing/2014/main" id="{7B880001-DBB2-4650-B161-035172EA0AA9}"/>
-              </a:ext>
-            </a:extLst>
-          </p:cNvPr>
+          <p:cNvPr id="2" name="Date Placeholder 1"/>
           <p:cNvSpPr>
             <a:spLocks noGrp="1"/>
           </p:cNvSpPr>
@@ -2096,7 +1990,6 @@
           <a:p>
             <a:fld id="{FA8E38F2-E683-4544-98ED-C0B89851DC53}" type="datetimeFigureOut">
               <a:rPr lang="en-CA" smtClean="0"/>
-              <a:t>2019-10-31</a:t>
             </a:fld>
             <a:endParaRPr lang="en-CA"/>
           </a:p>
@@ -2104,13 +1997,7 @@
       </p:sp>
       <p:sp>
         <p:nvSpPr>
-          <p:cNvPr id="3" name="Footer Placeholder 2">
-            <a:extLst>
-              <a:ext uri="{FF2B5EF4-FFF2-40B4-BE49-F238E27FC236}">
-                <a16:creationId xmlns:a16="http://schemas.microsoft.com/office/drawing/2014/main" id="{68ECBB5C-117D-431C-A637-024106FC8BAE}"/>
-              </a:ext>
-            </a:extLst>
-          </p:cNvPr>
+          <p:cNvPr id="3" name="Footer Placeholder 2"/>
           <p:cNvSpPr>
             <a:spLocks noGrp="1"/>
           </p:cNvSpPr>
@@ -2129,13 +2016,7 @@
       </p:sp>
       <p:sp>
         <p:nvSpPr>
-          <p:cNvPr id="4" name="Slide Number Placeholder 3">
-            <a:extLst>
-              <a:ext uri="{FF2B5EF4-FFF2-40B4-BE49-F238E27FC236}">
-                <a16:creationId xmlns:a16="http://schemas.microsoft.com/office/drawing/2014/main" id="{2A266B79-D599-4533-90E5-F3B869C4723E}"/>
-              </a:ext>
-            </a:extLst>
-          </p:cNvPr>
+          <p:cNvPr id="4" name="Slide Number Placeholder 3"/>
           <p:cNvSpPr>
             <a:spLocks noGrp="1"/>
           </p:cNvSpPr>
@@ -2150,18 +2031,12 @@
           <a:p>
             <a:fld id="{B9E7055C-48C2-411B-80D3-FB72D096FB00}" type="slidenum">
               <a:rPr lang="en-CA" smtClean="0"/>
-              <a:t>‹#›</a:t>
             </a:fld>
             <a:endParaRPr lang="en-CA"/>
           </a:p>
         </p:txBody>
       </p:sp>
     </p:spTree>
-    <p:extLst>
-      <p:ext uri="{BB962C8B-B14F-4D97-AF65-F5344CB8AC3E}">
-        <p14:creationId xmlns:p14="http://schemas.microsoft.com/office/powerpoint/2010/main" val="2399399903"/>
-      </p:ext>
-    </p:extLst>
   </p:cSld>
   <p:clrMapOvr>
     <a:masterClrMapping/>
@@ -2169,7 +2044,7 @@
 </p:sldLayout>
 </file>
 
-<file path=ppt/slideLayouts/slideLayout8.xml><?xml version="1.0" encoding="utf-8"?>
+<file path=ppt/slideLayouts/slideLayout19.xml><?xml version="1.0" encoding="utf-8"?>
 <p:sldLayout xmlns:a="http://schemas.openxmlformats.org/drawingml/2006/main" xmlns:r="http://schemas.openxmlformats.org/officeDocument/2006/relationships" xmlns:p="http://schemas.openxmlformats.org/presentationml/2006/main" type="objTx" preserve="1">
   <p:cSld name="Content with Caption">
     <p:spTree>
@@ -2188,13 +2063,7 @@
       </p:grpSpPr>
       <p:sp>
         <p:nvSpPr>
-          <p:cNvPr id="2" name="Title 1">
-            <a:extLst>
-              <a:ext uri="{FF2B5EF4-FFF2-40B4-BE49-F238E27FC236}">
-                <a16:creationId xmlns:a16="http://schemas.microsoft.com/office/drawing/2014/main" id="{1FF4C72D-A4ED-4E07-8198-6D822CC5A767}"/>
-              </a:ext>
-            </a:extLst>
-          </p:cNvPr>
+          <p:cNvPr id="2" name="Title 1"/>
           <p:cNvSpPr>
             <a:spLocks noGrp="1"/>
           </p:cNvSpPr>
@@ -2226,13 +2095,7 @@
       </p:sp>
       <p:sp>
         <p:nvSpPr>
-          <p:cNvPr id="3" name="Content Placeholder 2">
-            <a:extLst>
-              <a:ext uri="{FF2B5EF4-FFF2-40B4-BE49-F238E27FC236}">
-                <a16:creationId xmlns:a16="http://schemas.microsoft.com/office/drawing/2014/main" id="{A9FB222A-EC2A-45D4-86E7-41166585106B}"/>
-              </a:ext>
-            </a:extLst>
-          </p:cNvPr>
+          <p:cNvPr id="3" name="Content Placeholder 2"/>
           <p:cNvSpPr>
             <a:spLocks noGrp="1"/>
           </p:cNvSpPr>
@@ -2283,6 +2146,7 @@
               <a:rPr lang="en-US"/>
               <a:t>Click to edit Master text styles</a:t>
             </a:r>
+            <a:endParaRPr lang="en-US"/>
           </a:p>
           <a:p>
             <a:pPr lvl="1"/>
@@ -2290,6 +2154,7 @@
               <a:rPr lang="en-US"/>
               <a:t>Second level</a:t>
             </a:r>
+            <a:endParaRPr lang="en-US"/>
           </a:p>
           <a:p>
             <a:pPr lvl="2"/>
@@ -2297,6 +2162,7 @@
               <a:rPr lang="en-US"/>
               <a:t>Third level</a:t>
             </a:r>
+            <a:endParaRPr lang="en-US"/>
           </a:p>
           <a:p>
             <a:pPr lvl="3"/>
@@ -2304,6 +2170,7 @@
               <a:rPr lang="en-US"/>
               <a:t>Fourth level</a:t>
             </a:r>
+            <a:endParaRPr lang="en-US"/>
           </a:p>
           <a:p>
             <a:pPr lvl="4"/>
@@ -2317,13 +2184,7 @@
       </p:sp>
       <p:sp>
         <p:nvSpPr>
-          <p:cNvPr id="4" name="Text Placeholder 3">
-            <a:extLst>
-              <a:ext uri="{FF2B5EF4-FFF2-40B4-BE49-F238E27FC236}">
-                <a16:creationId xmlns:a16="http://schemas.microsoft.com/office/drawing/2014/main" id="{081CADF3-214B-4F4E-8D7E-FB4DEAEEDC40}"/>
-              </a:ext>
-            </a:extLst>
-          </p:cNvPr>
+          <p:cNvPr id="4" name="Text Placeholder 3"/>
           <p:cNvSpPr>
             <a:spLocks noGrp="1"/>
           </p:cNvSpPr>
@@ -2383,18 +2244,13 @@
               <a:rPr lang="en-US"/>
               <a:t>Click to edit Master text styles</a:t>
             </a:r>
-          </a:p>
-        </p:txBody>
-      </p:sp>
-      <p:sp>
-        <p:nvSpPr>
-          <p:cNvPr id="5" name="Date Placeholder 4">
-            <a:extLst>
-              <a:ext uri="{FF2B5EF4-FFF2-40B4-BE49-F238E27FC236}">
-                <a16:creationId xmlns:a16="http://schemas.microsoft.com/office/drawing/2014/main" id="{0C565E13-A3DD-4426-AC93-90AD8926928E}"/>
-              </a:ext>
-            </a:extLst>
-          </p:cNvPr>
+            <a:endParaRPr lang="en-US"/>
+          </a:p>
+        </p:txBody>
+      </p:sp>
+      <p:sp>
+        <p:nvSpPr>
+          <p:cNvPr id="5" name="Date Placeholder 4"/>
           <p:cNvSpPr>
             <a:spLocks noGrp="1"/>
           </p:cNvSpPr>
@@ -2409,7 +2265,6 @@
           <a:p>
             <a:fld id="{FA8E38F2-E683-4544-98ED-C0B89851DC53}" type="datetimeFigureOut">
               <a:rPr lang="en-CA" smtClean="0"/>
-              <a:t>2019-10-31</a:t>
             </a:fld>
             <a:endParaRPr lang="en-CA"/>
           </a:p>
@@ -2417,13 +2272,7 @@
       </p:sp>
       <p:sp>
         <p:nvSpPr>
-          <p:cNvPr id="6" name="Footer Placeholder 5">
-            <a:extLst>
-              <a:ext uri="{FF2B5EF4-FFF2-40B4-BE49-F238E27FC236}">
-                <a16:creationId xmlns:a16="http://schemas.microsoft.com/office/drawing/2014/main" id="{D5284451-299E-4F7E-9EB1-112D65D2AD03}"/>
-              </a:ext>
-            </a:extLst>
-          </p:cNvPr>
+          <p:cNvPr id="6" name="Footer Placeholder 5"/>
           <p:cNvSpPr>
             <a:spLocks noGrp="1"/>
           </p:cNvSpPr>
@@ -2442,13 +2291,7 @@
       </p:sp>
       <p:sp>
         <p:nvSpPr>
-          <p:cNvPr id="7" name="Slide Number Placeholder 6">
-            <a:extLst>
-              <a:ext uri="{FF2B5EF4-FFF2-40B4-BE49-F238E27FC236}">
-                <a16:creationId xmlns:a16="http://schemas.microsoft.com/office/drawing/2014/main" id="{E61F6B93-B03B-44FF-B5F9-41E9A40A76CC}"/>
-              </a:ext>
-            </a:extLst>
-          </p:cNvPr>
+          <p:cNvPr id="7" name="Slide Number Placeholder 6"/>
           <p:cNvSpPr>
             <a:spLocks noGrp="1"/>
           </p:cNvSpPr>
@@ -2463,18 +2306,2087 @@
           <a:p>
             <a:fld id="{B9E7055C-48C2-411B-80D3-FB72D096FB00}" type="slidenum">
               <a:rPr lang="en-CA" smtClean="0"/>
-              <a:t>‹#›</a:t>
             </a:fld>
             <a:endParaRPr lang="en-CA"/>
           </a:p>
         </p:txBody>
       </p:sp>
     </p:spTree>
-    <p:extLst>
-      <p:ext uri="{BB962C8B-B14F-4D97-AF65-F5344CB8AC3E}">
-        <p14:creationId xmlns:p14="http://schemas.microsoft.com/office/powerpoint/2010/main" val="2127837192"/>
-      </p:ext>
-    </p:extLst>
+  </p:cSld>
+  <p:clrMapOvr>
+    <a:masterClrMapping/>
+  </p:clrMapOvr>
+</p:sldLayout>
+</file>
+
+<file path=ppt/slideLayouts/slideLayout2.xml><?xml version="1.0" encoding="utf-8"?>
+<p:sldLayout xmlns:a="http://schemas.openxmlformats.org/drawingml/2006/main" xmlns:r="http://schemas.openxmlformats.org/officeDocument/2006/relationships" xmlns:p="http://schemas.openxmlformats.org/presentationml/2006/main" type="obj" preserve="1">
+  <p:cSld name="Title and Content">
+    <p:spTree>
+      <p:nvGrpSpPr>
+        <p:cNvPr id="1" name=""/>
+        <p:cNvGrpSpPr/>
+        <p:nvPr/>
+      </p:nvGrpSpPr>
+      <p:grpSpPr>
+        <a:xfrm>
+          <a:off x="0" y="0"/>
+          <a:ext cx="0" cy="0"/>
+          <a:chOff x="0" y="0"/>
+          <a:chExt cx="0" cy="0"/>
+        </a:xfrm>
+      </p:grpSpPr>
+      <p:sp>
+        <p:nvSpPr>
+          <p:cNvPr id="2" name="Title 1"/>
+          <p:cNvSpPr>
+            <a:spLocks noGrp="1"/>
+          </p:cNvSpPr>
+          <p:nvPr>
+            <p:ph type="title"/>
+          </p:nvPr>
+        </p:nvSpPr>
+        <p:spPr/>
+        <p:txBody>
+          <a:bodyPr/>
+          <a:lstStyle/>
+          <a:p>
+            <a:r>
+              <a:rPr lang="en-US"/>
+              <a:t>Click to edit Master title style</a:t>
+            </a:r>
+            <a:endParaRPr lang="en-CA"/>
+          </a:p>
+        </p:txBody>
+      </p:sp>
+      <p:sp>
+        <p:nvSpPr>
+          <p:cNvPr id="3" name="Content Placeholder 2"/>
+          <p:cNvSpPr>
+            <a:spLocks noGrp="1"/>
+          </p:cNvSpPr>
+          <p:nvPr>
+            <p:ph idx="1"/>
+          </p:nvPr>
+        </p:nvSpPr>
+        <p:spPr/>
+        <p:txBody>
+          <a:bodyPr/>
+          <a:lstStyle/>
+          <a:p>
+            <a:pPr lvl="0"/>
+            <a:r>
+              <a:rPr lang="en-US"/>
+              <a:t>Click to edit Master text styles</a:t>
+            </a:r>
+            <a:endParaRPr lang="en-US"/>
+          </a:p>
+          <a:p>
+            <a:pPr lvl="1"/>
+            <a:r>
+              <a:rPr lang="en-US"/>
+              <a:t>Second level</a:t>
+            </a:r>
+            <a:endParaRPr lang="en-US"/>
+          </a:p>
+          <a:p>
+            <a:pPr lvl="2"/>
+            <a:r>
+              <a:rPr lang="en-US"/>
+              <a:t>Third level</a:t>
+            </a:r>
+            <a:endParaRPr lang="en-US"/>
+          </a:p>
+          <a:p>
+            <a:pPr lvl="3"/>
+            <a:r>
+              <a:rPr lang="en-US"/>
+              <a:t>Fourth level</a:t>
+            </a:r>
+            <a:endParaRPr lang="en-US"/>
+          </a:p>
+          <a:p>
+            <a:pPr lvl="4"/>
+            <a:r>
+              <a:rPr lang="en-US"/>
+              <a:t>Fifth level</a:t>
+            </a:r>
+            <a:endParaRPr lang="en-CA"/>
+          </a:p>
+        </p:txBody>
+      </p:sp>
+      <p:sp>
+        <p:nvSpPr>
+          <p:cNvPr id="4" name="Date Placeholder 3"/>
+          <p:cNvSpPr>
+            <a:spLocks noGrp="1"/>
+          </p:cNvSpPr>
+          <p:nvPr>
+            <p:ph type="dt" sz="half" idx="10"/>
+          </p:nvPr>
+        </p:nvSpPr>
+        <p:spPr/>
+        <p:txBody>
+          <a:bodyPr/>
+          <a:lstStyle/>
+          <a:p>
+            <a:fld id="{FA8E38F2-E683-4544-98ED-C0B89851DC53}" type="datetimeFigureOut">
+              <a:rPr lang="en-CA" smtClean="0"/>
+            </a:fld>
+            <a:endParaRPr lang="en-CA"/>
+          </a:p>
+        </p:txBody>
+      </p:sp>
+      <p:sp>
+        <p:nvSpPr>
+          <p:cNvPr id="5" name="Footer Placeholder 4"/>
+          <p:cNvSpPr>
+            <a:spLocks noGrp="1"/>
+          </p:cNvSpPr>
+          <p:nvPr>
+            <p:ph type="ftr" sz="quarter" idx="11"/>
+          </p:nvPr>
+        </p:nvSpPr>
+        <p:spPr/>
+        <p:txBody>
+          <a:bodyPr/>
+          <a:lstStyle/>
+          <a:p>
+            <a:endParaRPr lang="en-CA"/>
+          </a:p>
+        </p:txBody>
+      </p:sp>
+      <p:sp>
+        <p:nvSpPr>
+          <p:cNvPr id="6" name="Slide Number Placeholder 5"/>
+          <p:cNvSpPr>
+            <a:spLocks noGrp="1"/>
+          </p:cNvSpPr>
+          <p:nvPr>
+            <p:ph type="sldNum" sz="quarter" idx="12"/>
+          </p:nvPr>
+        </p:nvSpPr>
+        <p:spPr/>
+        <p:txBody>
+          <a:bodyPr/>
+          <a:lstStyle/>
+          <a:p>
+            <a:fld id="{B9E7055C-48C2-411B-80D3-FB72D096FB00}" type="slidenum">
+              <a:rPr lang="en-CA" smtClean="0"/>
+            </a:fld>
+            <a:endParaRPr lang="en-CA"/>
+          </a:p>
+        </p:txBody>
+      </p:sp>
+    </p:spTree>
+  </p:cSld>
+  <p:clrMapOvr>
+    <a:masterClrMapping/>
+  </p:clrMapOvr>
+</p:sldLayout>
+</file>
+
+<file path=ppt/slideLayouts/slideLayout20.xml><?xml version="1.0" encoding="utf-8"?>
+<p:sldLayout xmlns:a="http://schemas.openxmlformats.org/drawingml/2006/main" xmlns:r="http://schemas.openxmlformats.org/officeDocument/2006/relationships" xmlns:p="http://schemas.openxmlformats.org/presentationml/2006/main" type="picTx" preserve="1">
+  <p:cSld name="Picture with Caption">
+    <p:spTree>
+      <p:nvGrpSpPr>
+        <p:cNvPr id="1" name=""/>
+        <p:cNvGrpSpPr/>
+        <p:nvPr/>
+      </p:nvGrpSpPr>
+      <p:grpSpPr>
+        <a:xfrm>
+          <a:off x="0" y="0"/>
+          <a:ext cx="0" cy="0"/>
+          <a:chOff x="0" y="0"/>
+          <a:chExt cx="0" cy="0"/>
+        </a:xfrm>
+      </p:grpSpPr>
+      <p:sp>
+        <p:nvSpPr>
+          <p:cNvPr id="2" name="Title 1"/>
+          <p:cNvSpPr>
+            <a:spLocks noGrp="1"/>
+          </p:cNvSpPr>
+          <p:nvPr>
+            <p:ph type="title"/>
+          </p:nvPr>
+        </p:nvSpPr>
+        <p:spPr>
+          <a:xfrm>
+            <a:off x="839788" y="457200"/>
+            <a:ext cx="3932237" cy="1600200"/>
+          </a:xfrm>
+        </p:spPr>
+        <p:txBody>
+          <a:bodyPr anchor="b"/>
+          <a:lstStyle>
+            <a:lvl1pPr>
+              <a:defRPr sz="3200"/>
+            </a:lvl1pPr>
+          </a:lstStyle>
+          <a:p>
+            <a:r>
+              <a:rPr lang="en-US"/>
+              <a:t>Click to edit Master title style</a:t>
+            </a:r>
+            <a:endParaRPr lang="en-CA"/>
+          </a:p>
+        </p:txBody>
+      </p:sp>
+      <p:sp>
+        <p:nvSpPr>
+          <p:cNvPr id="3" name="Picture Placeholder 2"/>
+          <p:cNvSpPr>
+            <a:spLocks noGrp="1"/>
+          </p:cNvSpPr>
+          <p:nvPr>
+            <p:ph type="pic" idx="1"/>
+          </p:nvPr>
+        </p:nvSpPr>
+        <p:spPr>
+          <a:xfrm>
+            <a:off x="5183188" y="987425"/>
+            <a:ext cx="6172200" cy="4873625"/>
+          </a:xfrm>
+        </p:spPr>
+        <p:txBody>
+          <a:bodyPr/>
+          <a:lstStyle>
+            <a:lvl1pPr marL="0" indent="0">
+              <a:buNone/>
+              <a:defRPr sz="3200"/>
+            </a:lvl1pPr>
+            <a:lvl2pPr marL="457200" indent="0">
+              <a:buNone/>
+              <a:defRPr sz="2800"/>
+            </a:lvl2pPr>
+            <a:lvl3pPr marL="914400" indent="0">
+              <a:buNone/>
+              <a:defRPr sz="2400"/>
+            </a:lvl3pPr>
+            <a:lvl4pPr marL="1371600" indent="0">
+              <a:buNone/>
+              <a:defRPr sz="2000"/>
+            </a:lvl4pPr>
+            <a:lvl5pPr marL="1828800" indent="0">
+              <a:buNone/>
+              <a:defRPr sz="2000"/>
+            </a:lvl5pPr>
+            <a:lvl6pPr marL="2286000" indent="0">
+              <a:buNone/>
+              <a:defRPr sz="2000"/>
+            </a:lvl6pPr>
+            <a:lvl7pPr marL="2743200" indent="0">
+              <a:buNone/>
+              <a:defRPr sz="2000"/>
+            </a:lvl7pPr>
+            <a:lvl8pPr marL="3200400" indent="0">
+              <a:buNone/>
+              <a:defRPr sz="2000"/>
+            </a:lvl8pPr>
+            <a:lvl9pPr marL="3657600" indent="0">
+              <a:buNone/>
+              <a:defRPr sz="2000"/>
+            </a:lvl9pPr>
+          </a:lstStyle>
+          <a:p>
+            <a:endParaRPr lang="en-CA"/>
+          </a:p>
+        </p:txBody>
+      </p:sp>
+      <p:sp>
+        <p:nvSpPr>
+          <p:cNvPr id="4" name="Text Placeholder 3"/>
+          <p:cNvSpPr>
+            <a:spLocks noGrp="1"/>
+          </p:cNvSpPr>
+          <p:nvPr>
+            <p:ph type="body" sz="half" idx="2"/>
+          </p:nvPr>
+        </p:nvSpPr>
+        <p:spPr>
+          <a:xfrm>
+            <a:off x="839788" y="2057400"/>
+            <a:ext cx="3932237" cy="3811588"/>
+          </a:xfrm>
+        </p:spPr>
+        <p:txBody>
+          <a:bodyPr/>
+          <a:lstStyle>
+            <a:lvl1pPr marL="0" indent="0">
+              <a:buNone/>
+              <a:defRPr sz="1600"/>
+            </a:lvl1pPr>
+            <a:lvl2pPr marL="457200" indent="0">
+              <a:buNone/>
+              <a:defRPr sz="1400"/>
+            </a:lvl2pPr>
+            <a:lvl3pPr marL="914400" indent="0">
+              <a:buNone/>
+              <a:defRPr sz="1200"/>
+            </a:lvl3pPr>
+            <a:lvl4pPr marL="1371600" indent="0">
+              <a:buNone/>
+              <a:defRPr sz="1000"/>
+            </a:lvl4pPr>
+            <a:lvl5pPr marL="1828800" indent="0">
+              <a:buNone/>
+              <a:defRPr sz="1000"/>
+            </a:lvl5pPr>
+            <a:lvl6pPr marL="2286000" indent="0">
+              <a:buNone/>
+              <a:defRPr sz="1000"/>
+            </a:lvl6pPr>
+            <a:lvl7pPr marL="2743200" indent="0">
+              <a:buNone/>
+              <a:defRPr sz="1000"/>
+            </a:lvl7pPr>
+            <a:lvl8pPr marL="3200400" indent="0">
+              <a:buNone/>
+              <a:defRPr sz="1000"/>
+            </a:lvl8pPr>
+            <a:lvl9pPr marL="3657600" indent="0">
+              <a:buNone/>
+              <a:defRPr sz="1000"/>
+            </a:lvl9pPr>
+          </a:lstStyle>
+          <a:p>
+            <a:pPr lvl="0"/>
+            <a:r>
+              <a:rPr lang="en-US"/>
+              <a:t>Click to edit Master text styles</a:t>
+            </a:r>
+            <a:endParaRPr lang="en-US"/>
+          </a:p>
+        </p:txBody>
+      </p:sp>
+      <p:sp>
+        <p:nvSpPr>
+          <p:cNvPr id="5" name="Date Placeholder 4"/>
+          <p:cNvSpPr>
+            <a:spLocks noGrp="1"/>
+          </p:cNvSpPr>
+          <p:nvPr>
+            <p:ph type="dt" sz="half" idx="10"/>
+          </p:nvPr>
+        </p:nvSpPr>
+        <p:spPr/>
+        <p:txBody>
+          <a:bodyPr/>
+          <a:lstStyle/>
+          <a:p>
+            <a:fld id="{FA8E38F2-E683-4544-98ED-C0B89851DC53}" type="datetimeFigureOut">
+              <a:rPr lang="en-CA" smtClean="0"/>
+            </a:fld>
+            <a:endParaRPr lang="en-CA"/>
+          </a:p>
+        </p:txBody>
+      </p:sp>
+      <p:sp>
+        <p:nvSpPr>
+          <p:cNvPr id="6" name="Footer Placeholder 5"/>
+          <p:cNvSpPr>
+            <a:spLocks noGrp="1"/>
+          </p:cNvSpPr>
+          <p:nvPr>
+            <p:ph type="ftr" sz="quarter" idx="11"/>
+          </p:nvPr>
+        </p:nvSpPr>
+        <p:spPr/>
+        <p:txBody>
+          <a:bodyPr/>
+          <a:lstStyle/>
+          <a:p>
+            <a:endParaRPr lang="en-CA"/>
+          </a:p>
+        </p:txBody>
+      </p:sp>
+      <p:sp>
+        <p:nvSpPr>
+          <p:cNvPr id="7" name="Slide Number Placeholder 6"/>
+          <p:cNvSpPr>
+            <a:spLocks noGrp="1"/>
+          </p:cNvSpPr>
+          <p:nvPr>
+            <p:ph type="sldNum" sz="quarter" idx="12"/>
+          </p:nvPr>
+        </p:nvSpPr>
+        <p:spPr/>
+        <p:txBody>
+          <a:bodyPr/>
+          <a:lstStyle/>
+          <a:p>
+            <a:fld id="{B9E7055C-48C2-411B-80D3-FB72D096FB00}" type="slidenum">
+              <a:rPr lang="en-CA" smtClean="0"/>
+            </a:fld>
+            <a:endParaRPr lang="en-CA"/>
+          </a:p>
+        </p:txBody>
+      </p:sp>
+    </p:spTree>
+  </p:cSld>
+  <p:clrMapOvr>
+    <a:masterClrMapping/>
+  </p:clrMapOvr>
+</p:sldLayout>
+</file>
+
+<file path=ppt/slideLayouts/slideLayout21.xml><?xml version="1.0" encoding="utf-8"?>
+<p:sldLayout xmlns:a="http://schemas.openxmlformats.org/drawingml/2006/main" xmlns:r="http://schemas.openxmlformats.org/officeDocument/2006/relationships" xmlns:p="http://schemas.openxmlformats.org/presentationml/2006/main" type="vertTx" preserve="1">
+  <p:cSld name="Title and Vertical Text">
+    <p:spTree>
+      <p:nvGrpSpPr>
+        <p:cNvPr id="1" name=""/>
+        <p:cNvGrpSpPr/>
+        <p:nvPr/>
+      </p:nvGrpSpPr>
+      <p:grpSpPr>
+        <a:xfrm>
+          <a:off x="0" y="0"/>
+          <a:ext cx="0" cy="0"/>
+          <a:chOff x="0" y="0"/>
+          <a:chExt cx="0" cy="0"/>
+        </a:xfrm>
+      </p:grpSpPr>
+      <p:sp>
+        <p:nvSpPr>
+          <p:cNvPr id="2" name="Title 1"/>
+          <p:cNvSpPr>
+            <a:spLocks noGrp="1"/>
+          </p:cNvSpPr>
+          <p:nvPr>
+            <p:ph type="title"/>
+          </p:nvPr>
+        </p:nvSpPr>
+        <p:spPr/>
+        <p:txBody>
+          <a:bodyPr/>
+          <a:lstStyle/>
+          <a:p>
+            <a:r>
+              <a:rPr lang="en-US"/>
+              <a:t>Click to edit Master title style</a:t>
+            </a:r>
+            <a:endParaRPr lang="en-CA"/>
+          </a:p>
+        </p:txBody>
+      </p:sp>
+      <p:sp>
+        <p:nvSpPr>
+          <p:cNvPr id="3" name="Vertical Text Placeholder 2"/>
+          <p:cNvSpPr>
+            <a:spLocks noGrp="1"/>
+          </p:cNvSpPr>
+          <p:nvPr>
+            <p:ph type="body" orient="vert" idx="1"/>
+          </p:nvPr>
+        </p:nvSpPr>
+        <p:spPr/>
+        <p:txBody>
+          <a:bodyPr vert="eaVert"/>
+          <a:lstStyle/>
+          <a:p>
+            <a:pPr lvl="0"/>
+            <a:r>
+              <a:rPr lang="en-US"/>
+              <a:t>Click to edit Master text styles</a:t>
+            </a:r>
+            <a:endParaRPr lang="en-US"/>
+          </a:p>
+          <a:p>
+            <a:pPr lvl="1"/>
+            <a:r>
+              <a:rPr lang="en-US"/>
+              <a:t>Second level</a:t>
+            </a:r>
+            <a:endParaRPr lang="en-US"/>
+          </a:p>
+          <a:p>
+            <a:pPr lvl="2"/>
+            <a:r>
+              <a:rPr lang="en-US"/>
+              <a:t>Third level</a:t>
+            </a:r>
+            <a:endParaRPr lang="en-US"/>
+          </a:p>
+          <a:p>
+            <a:pPr lvl="3"/>
+            <a:r>
+              <a:rPr lang="en-US"/>
+              <a:t>Fourth level</a:t>
+            </a:r>
+            <a:endParaRPr lang="en-US"/>
+          </a:p>
+          <a:p>
+            <a:pPr lvl="4"/>
+            <a:r>
+              <a:rPr lang="en-US"/>
+              <a:t>Fifth level</a:t>
+            </a:r>
+            <a:endParaRPr lang="en-CA"/>
+          </a:p>
+        </p:txBody>
+      </p:sp>
+      <p:sp>
+        <p:nvSpPr>
+          <p:cNvPr id="4" name="Date Placeholder 3"/>
+          <p:cNvSpPr>
+            <a:spLocks noGrp="1"/>
+          </p:cNvSpPr>
+          <p:nvPr>
+            <p:ph type="dt" sz="half" idx="10"/>
+          </p:nvPr>
+        </p:nvSpPr>
+        <p:spPr/>
+        <p:txBody>
+          <a:bodyPr/>
+          <a:lstStyle/>
+          <a:p>
+            <a:fld id="{FA8E38F2-E683-4544-98ED-C0B89851DC53}" type="datetimeFigureOut">
+              <a:rPr lang="en-CA" smtClean="0"/>
+            </a:fld>
+            <a:endParaRPr lang="en-CA"/>
+          </a:p>
+        </p:txBody>
+      </p:sp>
+      <p:sp>
+        <p:nvSpPr>
+          <p:cNvPr id="5" name="Footer Placeholder 4"/>
+          <p:cNvSpPr>
+            <a:spLocks noGrp="1"/>
+          </p:cNvSpPr>
+          <p:nvPr>
+            <p:ph type="ftr" sz="quarter" idx="11"/>
+          </p:nvPr>
+        </p:nvSpPr>
+        <p:spPr/>
+        <p:txBody>
+          <a:bodyPr/>
+          <a:lstStyle/>
+          <a:p>
+            <a:endParaRPr lang="en-CA"/>
+          </a:p>
+        </p:txBody>
+      </p:sp>
+      <p:sp>
+        <p:nvSpPr>
+          <p:cNvPr id="6" name="Slide Number Placeholder 5"/>
+          <p:cNvSpPr>
+            <a:spLocks noGrp="1"/>
+          </p:cNvSpPr>
+          <p:nvPr>
+            <p:ph type="sldNum" sz="quarter" idx="12"/>
+          </p:nvPr>
+        </p:nvSpPr>
+        <p:spPr/>
+        <p:txBody>
+          <a:bodyPr/>
+          <a:lstStyle/>
+          <a:p>
+            <a:fld id="{B9E7055C-48C2-411B-80D3-FB72D096FB00}" type="slidenum">
+              <a:rPr lang="en-CA" smtClean="0"/>
+            </a:fld>
+            <a:endParaRPr lang="en-CA"/>
+          </a:p>
+        </p:txBody>
+      </p:sp>
+    </p:spTree>
+  </p:cSld>
+  <p:clrMapOvr>
+    <a:masterClrMapping/>
+  </p:clrMapOvr>
+</p:sldLayout>
+</file>
+
+<file path=ppt/slideLayouts/slideLayout22.xml><?xml version="1.0" encoding="utf-8"?>
+<p:sldLayout xmlns:a="http://schemas.openxmlformats.org/drawingml/2006/main" xmlns:r="http://schemas.openxmlformats.org/officeDocument/2006/relationships" xmlns:p="http://schemas.openxmlformats.org/presentationml/2006/main" type="vertTitleAndTx" preserve="1">
+  <p:cSld name="Vertical Title and Text">
+    <p:spTree>
+      <p:nvGrpSpPr>
+        <p:cNvPr id="1" name=""/>
+        <p:cNvGrpSpPr/>
+        <p:nvPr/>
+      </p:nvGrpSpPr>
+      <p:grpSpPr>
+        <a:xfrm>
+          <a:off x="0" y="0"/>
+          <a:ext cx="0" cy="0"/>
+          <a:chOff x="0" y="0"/>
+          <a:chExt cx="0" cy="0"/>
+        </a:xfrm>
+      </p:grpSpPr>
+      <p:sp>
+        <p:nvSpPr>
+          <p:cNvPr id="2" name="Vertical Title 1"/>
+          <p:cNvSpPr>
+            <a:spLocks noGrp="1"/>
+          </p:cNvSpPr>
+          <p:nvPr>
+            <p:ph type="title" orient="vert"/>
+          </p:nvPr>
+        </p:nvSpPr>
+        <p:spPr>
+          <a:xfrm>
+            <a:off x="8724900" y="365125"/>
+            <a:ext cx="2628900" cy="5811838"/>
+          </a:xfrm>
+        </p:spPr>
+        <p:txBody>
+          <a:bodyPr vert="eaVert"/>
+          <a:lstStyle/>
+          <a:p>
+            <a:r>
+              <a:rPr lang="en-US"/>
+              <a:t>Click to edit Master title style</a:t>
+            </a:r>
+            <a:endParaRPr lang="en-CA"/>
+          </a:p>
+        </p:txBody>
+      </p:sp>
+      <p:sp>
+        <p:nvSpPr>
+          <p:cNvPr id="3" name="Vertical Text Placeholder 2"/>
+          <p:cNvSpPr>
+            <a:spLocks noGrp="1"/>
+          </p:cNvSpPr>
+          <p:nvPr>
+            <p:ph type="body" orient="vert" idx="1"/>
+          </p:nvPr>
+        </p:nvSpPr>
+        <p:spPr>
+          <a:xfrm>
+            <a:off x="838200" y="365125"/>
+            <a:ext cx="7734300" cy="5811838"/>
+          </a:xfrm>
+        </p:spPr>
+        <p:txBody>
+          <a:bodyPr vert="eaVert"/>
+          <a:lstStyle/>
+          <a:p>
+            <a:pPr lvl="0"/>
+            <a:r>
+              <a:rPr lang="en-US"/>
+              <a:t>Click to edit Master text styles</a:t>
+            </a:r>
+            <a:endParaRPr lang="en-US"/>
+          </a:p>
+          <a:p>
+            <a:pPr lvl="1"/>
+            <a:r>
+              <a:rPr lang="en-US"/>
+              <a:t>Second level</a:t>
+            </a:r>
+            <a:endParaRPr lang="en-US"/>
+          </a:p>
+          <a:p>
+            <a:pPr lvl="2"/>
+            <a:r>
+              <a:rPr lang="en-US"/>
+              <a:t>Third level</a:t>
+            </a:r>
+            <a:endParaRPr lang="en-US"/>
+          </a:p>
+          <a:p>
+            <a:pPr lvl="3"/>
+            <a:r>
+              <a:rPr lang="en-US"/>
+              <a:t>Fourth level</a:t>
+            </a:r>
+            <a:endParaRPr lang="en-US"/>
+          </a:p>
+          <a:p>
+            <a:pPr lvl="4"/>
+            <a:r>
+              <a:rPr lang="en-US"/>
+              <a:t>Fifth level</a:t>
+            </a:r>
+            <a:endParaRPr lang="en-CA"/>
+          </a:p>
+        </p:txBody>
+      </p:sp>
+      <p:sp>
+        <p:nvSpPr>
+          <p:cNvPr id="4" name="Date Placeholder 3"/>
+          <p:cNvSpPr>
+            <a:spLocks noGrp="1"/>
+          </p:cNvSpPr>
+          <p:nvPr>
+            <p:ph type="dt" sz="half" idx="10"/>
+          </p:nvPr>
+        </p:nvSpPr>
+        <p:spPr/>
+        <p:txBody>
+          <a:bodyPr/>
+          <a:lstStyle/>
+          <a:p>
+            <a:fld id="{FA8E38F2-E683-4544-98ED-C0B89851DC53}" type="datetimeFigureOut">
+              <a:rPr lang="en-CA" smtClean="0"/>
+            </a:fld>
+            <a:endParaRPr lang="en-CA"/>
+          </a:p>
+        </p:txBody>
+      </p:sp>
+      <p:sp>
+        <p:nvSpPr>
+          <p:cNvPr id="5" name="Footer Placeholder 4"/>
+          <p:cNvSpPr>
+            <a:spLocks noGrp="1"/>
+          </p:cNvSpPr>
+          <p:nvPr>
+            <p:ph type="ftr" sz="quarter" idx="11"/>
+          </p:nvPr>
+        </p:nvSpPr>
+        <p:spPr/>
+        <p:txBody>
+          <a:bodyPr/>
+          <a:lstStyle/>
+          <a:p>
+            <a:endParaRPr lang="en-CA"/>
+          </a:p>
+        </p:txBody>
+      </p:sp>
+      <p:sp>
+        <p:nvSpPr>
+          <p:cNvPr id="6" name="Slide Number Placeholder 5"/>
+          <p:cNvSpPr>
+            <a:spLocks noGrp="1"/>
+          </p:cNvSpPr>
+          <p:nvPr>
+            <p:ph type="sldNum" sz="quarter" idx="12"/>
+          </p:nvPr>
+        </p:nvSpPr>
+        <p:spPr/>
+        <p:txBody>
+          <a:bodyPr/>
+          <a:lstStyle/>
+          <a:p>
+            <a:fld id="{B9E7055C-48C2-411B-80D3-FB72D096FB00}" type="slidenum">
+              <a:rPr lang="en-CA" smtClean="0"/>
+            </a:fld>
+            <a:endParaRPr lang="en-CA"/>
+          </a:p>
+        </p:txBody>
+      </p:sp>
+    </p:spTree>
+  </p:cSld>
+  <p:clrMapOvr>
+    <a:masterClrMapping/>
+  </p:clrMapOvr>
+</p:sldLayout>
+</file>
+
+<file path=ppt/slideLayouts/slideLayout3.xml><?xml version="1.0" encoding="utf-8"?>
+<p:sldLayout xmlns:a="http://schemas.openxmlformats.org/drawingml/2006/main" xmlns:r="http://schemas.openxmlformats.org/officeDocument/2006/relationships" xmlns:p="http://schemas.openxmlformats.org/presentationml/2006/main" type="secHead" preserve="1">
+  <p:cSld name="Section Header">
+    <p:spTree>
+      <p:nvGrpSpPr>
+        <p:cNvPr id="1" name=""/>
+        <p:cNvGrpSpPr/>
+        <p:nvPr/>
+      </p:nvGrpSpPr>
+      <p:grpSpPr>
+        <a:xfrm>
+          <a:off x="0" y="0"/>
+          <a:ext cx="0" cy="0"/>
+          <a:chOff x="0" y="0"/>
+          <a:chExt cx="0" cy="0"/>
+        </a:xfrm>
+      </p:grpSpPr>
+      <p:sp>
+        <p:nvSpPr>
+          <p:cNvPr id="2" name="Title 1"/>
+          <p:cNvSpPr>
+            <a:spLocks noGrp="1"/>
+          </p:cNvSpPr>
+          <p:nvPr>
+            <p:ph type="title"/>
+          </p:nvPr>
+        </p:nvSpPr>
+        <p:spPr>
+          <a:xfrm>
+            <a:off x="831850" y="1709738"/>
+            <a:ext cx="10515600" cy="2852737"/>
+          </a:xfrm>
+        </p:spPr>
+        <p:txBody>
+          <a:bodyPr anchor="b"/>
+          <a:lstStyle>
+            <a:lvl1pPr>
+              <a:defRPr sz="6000"/>
+            </a:lvl1pPr>
+          </a:lstStyle>
+          <a:p>
+            <a:r>
+              <a:rPr lang="en-US"/>
+              <a:t>Click to edit Master title style</a:t>
+            </a:r>
+            <a:endParaRPr lang="en-CA"/>
+          </a:p>
+        </p:txBody>
+      </p:sp>
+      <p:sp>
+        <p:nvSpPr>
+          <p:cNvPr id="3" name="Text Placeholder 2"/>
+          <p:cNvSpPr>
+            <a:spLocks noGrp="1"/>
+          </p:cNvSpPr>
+          <p:nvPr>
+            <p:ph type="body" idx="1"/>
+          </p:nvPr>
+        </p:nvSpPr>
+        <p:spPr>
+          <a:xfrm>
+            <a:off x="831850" y="4589463"/>
+            <a:ext cx="10515600" cy="1500187"/>
+          </a:xfrm>
+        </p:spPr>
+        <p:txBody>
+          <a:bodyPr/>
+          <a:lstStyle>
+            <a:lvl1pPr marL="0" indent="0">
+              <a:buNone/>
+              <a:defRPr sz="2400">
+                <a:solidFill>
+                  <a:schemeClr val="tx1">
+                    <a:tint val="75000"/>
+                  </a:schemeClr>
+                </a:solidFill>
+              </a:defRPr>
+            </a:lvl1pPr>
+            <a:lvl2pPr marL="457200" indent="0">
+              <a:buNone/>
+              <a:defRPr sz="2000">
+                <a:solidFill>
+                  <a:schemeClr val="tx1">
+                    <a:tint val="75000"/>
+                  </a:schemeClr>
+                </a:solidFill>
+              </a:defRPr>
+            </a:lvl2pPr>
+            <a:lvl3pPr marL="914400" indent="0">
+              <a:buNone/>
+              <a:defRPr sz="1800">
+                <a:solidFill>
+                  <a:schemeClr val="tx1">
+                    <a:tint val="75000"/>
+                  </a:schemeClr>
+                </a:solidFill>
+              </a:defRPr>
+            </a:lvl3pPr>
+            <a:lvl4pPr marL="1371600" indent="0">
+              <a:buNone/>
+              <a:defRPr sz="1600">
+                <a:solidFill>
+                  <a:schemeClr val="tx1">
+                    <a:tint val="75000"/>
+                  </a:schemeClr>
+                </a:solidFill>
+              </a:defRPr>
+            </a:lvl4pPr>
+            <a:lvl5pPr marL="1828800" indent="0">
+              <a:buNone/>
+              <a:defRPr sz="1600">
+                <a:solidFill>
+                  <a:schemeClr val="tx1">
+                    <a:tint val="75000"/>
+                  </a:schemeClr>
+                </a:solidFill>
+              </a:defRPr>
+            </a:lvl5pPr>
+            <a:lvl6pPr marL="2286000" indent="0">
+              <a:buNone/>
+              <a:defRPr sz="1600">
+                <a:solidFill>
+                  <a:schemeClr val="tx1">
+                    <a:tint val="75000"/>
+                  </a:schemeClr>
+                </a:solidFill>
+              </a:defRPr>
+            </a:lvl6pPr>
+            <a:lvl7pPr marL="2743200" indent="0">
+              <a:buNone/>
+              <a:defRPr sz="1600">
+                <a:solidFill>
+                  <a:schemeClr val="tx1">
+                    <a:tint val="75000"/>
+                  </a:schemeClr>
+                </a:solidFill>
+              </a:defRPr>
+            </a:lvl7pPr>
+            <a:lvl8pPr marL="3200400" indent="0">
+              <a:buNone/>
+              <a:defRPr sz="1600">
+                <a:solidFill>
+                  <a:schemeClr val="tx1">
+                    <a:tint val="75000"/>
+                  </a:schemeClr>
+                </a:solidFill>
+              </a:defRPr>
+            </a:lvl8pPr>
+            <a:lvl9pPr marL="3657600" indent="0">
+              <a:buNone/>
+              <a:defRPr sz="1600">
+                <a:solidFill>
+                  <a:schemeClr val="tx1">
+                    <a:tint val="75000"/>
+                  </a:schemeClr>
+                </a:solidFill>
+              </a:defRPr>
+            </a:lvl9pPr>
+          </a:lstStyle>
+          <a:p>
+            <a:pPr lvl="0"/>
+            <a:r>
+              <a:rPr lang="en-US"/>
+              <a:t>Click to edit Master text styles</a:t>
+            </a:r>
+            <a:endParaRPr lang="en-US"/>
+          </a:p>
+        </p:txBody>
+      </p:sp>
+      <p:sp>
+        <p:nvSpPr>
+          <p:cNvPr id="4" name="Date Placeholder 3"/>
+          <p:cNvSpPr>
+            <a:spLocks noGrp="1"/>
+          </p:cNvSpPr>
+          <p:nvPr>
+            <p:ph type="dt" sz="half" idx="10"/>
+          </p:nvPr>
+        </p:nvSpPr>
+        <p:spPr/>
+        <p:txBody>
+          <a:bodyPr/>
+          <a:lstStyle/>
+          <a:p>
+            <a:fld id="{FA8E38F2-E683-4544-98ED-C0B89851DC53}" type="datetimeFigureOut">
+              <a:rPr lang="en-CA" smtClean="0"/>
+            </a:fld>
+            <a:endParaRPr lang="en-CA"/>
+          </a:p>
+        </p:txBody>
+      </p:sp>
+      <p:sp>
+        <p:nvSpPr>
+          <p:cNvPr id="5" name="Footer Placeholder 4"/>
+          <p:cNvSpPr>
+            <a:spLocks noGrp="1"/>
+          </p:cNvSpPr>
+          <p:nvPr>
+            <p:ph type="ftr" sz="quarter" idx="11"/>
+          </p:nvPr>
+        </p:nvSpPr>
+        <p:spPr/>
+        <p:txBody>
+          <a:bodyPr/>
+          <a:lstStyle/>
+          <a:p>
+            <a:endParaRPr lang="en-CA"/>
+          </a:p>
+        </p:txBody>
+      </p:sp>
+      <p:sp>
+        <p:nvSpPr>
+          <p:cNvPr id="6" name="Slide Number Placeholder 5"/>
+          <p:cNvSpPr>
+            <a:spLocks noGrp="1"/>
+          </p:cNvSpPr>
+          <p:nvPr>
+            <p:ph type="sldNum" sz="quarter" idx="12"/>
+          </p:nvPr>
+        </p:nvSpPr>
+        <p:spPr/>
+        <p:txBody>
+          <a:bodyPr/>
+          <a:lstStyle/>
+          <a:p>
+            <a:fld id="{B9E7055C-48C2-411B-80D3-FB72D096FB00}" type="slidenum">
+              <a:rPr lang="en-CA" smtClean="0"/>
+            </a:fld>
+            <a:endParaRPr lang="en-CA"/>
+          </a:p>
+        </p:txBody>
+      </p:sp>
+    </p:spTree>
+  </p:cSld>
+  <p:clrMapOvr>
+    <a:masterClrMapping/>
+  </p:clrMapOvr>
+</p:sldLayout>
+</file>
+
+<file path=ppt/slideLayouts/slideLayout4.xml><?xml version="1.0" encoding="utf-8"?>
+<p:sldLayout xmlns:a="http://schemas.openxmlformats.org/drawingml/2006/main" xmlns:r="http://schemas.openxmlformats.org/officeDocument/2006/relationships" xmlns:p="http://schemas.openxmlformats.org/presentationml/2006/main" type="twoObj" preserve="1">
+  <p:cSld name="Two Content">
+    <p:spTree>
+      <p:nvGrpSpPr>
+        <p:cNvPr id="1" name=""/>
+        <p:cNvGrpSpPr/>
+        <p:nvPr/>
+      </p:nvGrpSpPr>
+      <p:grpSpPr>
+        <a:xfrm>
+          <a:off x="0" y="0"/>
+          <a:ext cx="0" cy="0"/>
+          <a:chOff x="0" y="0"/>
+          <a:chExt cx="0" cy="0"/>
+        </a:xfrm>
+      </p:grpSpPr>
+      <p:sp>
+        <p:nvSpPr>
+          <p:cNvPr id="2" name="Title 1"/>
+          <p:cNvSpPr>
+            <a:spLocks noGrp="1"/>
+          </p:cNvSpPr>
+          <p:nvPr>
+            <p:ph type="title"/>
+          </p:nvPr>
+        </p:nvSpPr>
+        <p:spPr/>
+        <p:txBody>
+          <a:bodyPr/>
+          <a:lstStyle/>
+          <a:p>
+            <a:r>
+              <a:rPr lang="en-US"/>
+              <a:t>Click to edit Master title style</a:t>
+            </a:r>
+            <a:endParaRPr lang="en-CA"/>
+          </a:p>
+        </p:txBody>
+      </p:sp>
+      <p:sp>
+        <p:nvSpPr>
+          <p:cNvPr id="3" name="Content Placeholder 2"/>
+          <p:cNvSpPr>
+            <a:spLocks noGrp="1"/>
+          </p:cNvSpPr>
+          <p:nvPr>
+            <p:ph sz="half" idx="1"/>
+          </p:nvPr>
+        </p:nvSpPr>
+        <p:spPr>
+          <a:xfrm>
+            <a:off x="838200" y="1825625"/>
+            <a:ext cx="5181600" cy="4351338"/>
+          </a:xfrm>
+        </p:spPr>
+        <p:txBody>
+          <a:bodyPr/>
+          <a:lstStyle/>
+          <a:p>
+            <a:pPr lvl="0"/>
+            <a:r>
+              <a:rPr lang="en-US"/>
+              <a:t>Click to edit Master text styles</a:t>
+            </a:r>
+            <a:endParaRPr lang="en-US"/>
+          </a:p>
+          <a:p>
+            <a:pPr lvl="1"/>
+            <a:r>
+              <a:rPr lang="en-US"/>
+              <a:t>Second level</a:t>
+            </a:r>
+            <a:endParaRPr lang="en-US"/>
+          </a:p>
+          <a:p>
+            <a:pPr lvl="2"/>
+            <a:r>
+              <a:rPr lang="en-US"/>
+              <a:t>Third level</a:t>
+            </a:r>
+            <a:endParaRPr lang="en-US"/>
+          </a:p>
+          <a:p>
+            <a:pPr lvl="3"/>
+            <a:r>
+              <a:rPr lang="en-US"/>
+              <a:t>Fourth level</a:t>
+            </a:r>
+            <a:endParaRPr lang="en-US"/>
+          </a:p>
+          <a:p>
+            <a:pPr lvl="4"/>
+            <a:r>
+              <a:rPr lang="en-US"/>
+              <a:t>Fifth level</a:t>
+            </a:r>
+            <a:endParaRPr lang="en-CA"/>
+          </a:p>
+        </p:txBody>
+      </p:sp>
+      <p:sp>
+        <p:nvSpPr>
+          <p:cNvPr id="4" name="Content Placeholder 3"/>
+          <p:cNvSpPr>
+            <a:spLocks noGrp="1"/>
+          </p:cNvSpPr>
+          <p:nvPr>
+            <p:ph sz="half" idx="2"/>
+          </p:nvPr>
+        </p:nvSpPr>
+        <p:spPr>
+          <a:xfrm>
+            <a:off x="6172200" y="1825625"/>
+            <a:ext cx="5181600" cy="4351338"/>
+          </a:xfrm>
+        </p:spPr>
+        <p:txBody>
+          <a:bodyPr/>
+          <a:lstStyle/>
+          <a:p>
+            <a:pPr lvl="0"/>
+            <a:r>
+              <a:rPr lang="en-US"/>
+              <a:t>Click to edit Master text styles</a:t>
+            </a:r>
+            <a:endParaRPr lang="en-US"/>
+          </a:p>
+          <a:p>
+            <a:pPr lvl="1"/>
+            <a:r>
+              <a:rPr lang="en-US"/>
+              <a:t>Second level</a:t>
+            </a:r>
+            <a:endParaRPr lang="en-US"/>
+          </a:p>
+          <a:p>
+            <a:pPr lvl="2"/>
+            <a:r>
+              <a:rPr lang="en-US"/>
+              <a:t>Third level</a:t>
+            </a:r>
+            <a:endParaRPr lang="en-US"/>
+          </a:p>
+          <a:p>
+            <a:pPr lvl="3"/>
+            <a:r>
+              <a:rPr lang="en-US"/>
+              <a:t>Fourth level</a:t>
+            </a:r>
+            <a:endParaRPr lang="en-US"/>
+          </a:p>
+          <a:p>
+            <a:pPr lvl="4"/>
+            <a:r>
+              <a:rPr lang="en-US"/>
+              <a:t>Fifth level</a:t>
+            </a:r>
+            <a:endParaRPr lang="en-CA"/>
+          </a:p>
+        </p:txBody>
+      </p:sp>
+      <p:sp>
+        <p:nvSpPr>
+          <p:cNvPr id="5" name="Date Placeholder 4"/>
+          <p:cNvSpPr>
+            <a:spLocks noGrp="1"/>
+          </p:cNvSpPr>
+          <p:nvPr>
+            <p:ph type="dt" sz="half" idx="10"/>
+          </p:nvPr>
+        </p:nvSpPr>
+        <p:spPr/>
+        <p:txBody>
+          <a:bodyPr/>
+          <a:lstStyle/>
+          <a:p>
+            <a:fld id="{FA8E38F2-E683-4544-98ED-C0B89851DC53}" type="datetimeFigureOut">
+              <a:rPr lang="en-CA" smtClean="0"/>
+            </a:fld>
+            <a:endParaRPr lang="en-CA"/>
+          </a:p>
+        </p:txBody>
+      </p:sp>
+      <p:sp>
+        <p:nvSpPr>
+          <p:cNvPr id="6" name="Footer Placeholder 5"/>
+          <p:cNvSpPr>
+            <a:spLocks noGrp="1"/>
+          </p:cNvSpPr>
+          <p:nvPr>
+            <p:ph type="ftr" sz="quarter" idx="11"/>
+          </p:nvPr>
+        </p:nvSpPr>
+        <p:spPr/>
+        <p:txBody>
+          <a:bodyPr/>
+          <a:lstStyle/>
+          <a:p>
+            <a:endParaRPr lang="en-CA"/>
+          </a:p>
+        </p:txBody>
+      </p:sp>
+      <p:sp>
+        <p:nvSpPr>
+          <p:cNvPr id="7" name="Slide Number Placeholder 6"/>
+          <p:cNvSpPr>
+            <a:spLocks noGrp="1"/>
+          </p:cNvSpPr>
+          <p:nvPr>
+            <p:ph type="sldNum" sz="quarter" idx="12"/>
+          </p:nvPr>
+        </p:nvSpPr>
+        <p:spPr/>
+        <p:txBody>
+          <a:bodyPr/>
+          <a:lstStyle/>
+          <a:p>
+            <a:fld id="{B9E7055C-48C2-411B-80D3-FB72D096FB00}" type="slidenum">
+              <a:rPr lang="en-CA" smtClean="0"/>
+            </a:fld>
+            <a:endParaRPr lang="en-CA"/>
+          </a:p>
+        </p:txBody>
+      </p:sp>
+    </p:spTree>
+  </p:cSld>
+  <p:clrMapOvr>
+    <a:masterClrMapping/>
+  </p:clrMapOvr>
+</p:sldLayout>
+</file>
+
+<file path=ppt/slideLayouts/slideLayout5.xml><?xml version="1.0" encoding="utf-8"?>
+<p:sldLayout xmlns:a="http://schemas.openxmlformats.org/drawingml/2006/main" xmlns:r="http://schemas.openxmlformats.org/officeDocument/2006/relationships" xmlns:p="http://schemas.openxmlformats.org/presentationml/2006/main" type="twoTxTwoObj" preserve="1">
+  <p:cSld name="Comparison">
+    <p:spTree>
+      <p:nvGrpSpPr>
+        <p:cNvPr id="1" name=""/>
+        <p:cNvGrpSpPr/>
+        <p:nvPr/>
+      </p:nvGrpSpPr>
+      <p:grpSpPr>
+        <a:xfrm>
+          <a:off x="0" y="0"/>
+          <a:ext cx="0" cy="0"/>
+          <a:chOff x="0" y="0"/>
+          <a:chExt cx="0" cy="0"/>
+        </a:xfrm>
+      </p:grpSpPr>
+      <p:sp>
+        <p:nvSpPr>
+          <p:cNvPr id="2" name="Title 1"/>
+          <p:cNvSpPr>
+            <a:spLocks noGrp="1"/>
+          </p:cNvSpPr>
+          <p:nvPr>
+            <p:ph type="title"/>
+          </p:nvPr>
+        </p:nvSpPr>
+        <p:spPr>
+          <a:xfrm>
+            <a:off x="839788" y="365125"/>
+            <a:ext cx="10515600" cy="1325563"/>
+          </a:xfrm>
+        </p:spPr>
+        <p:txBody>
+          <a:bodyPr/>
+          <a:lstStyle/>
+          <a:p>
+            <a:r>
+              <a:rPr lang="en-US"/>
+              <a:t>Click to edit Master title style</a:t>
+            </a:r>
+            <a:endParaRPr lang="en-CA"/>
+          </a:p>
+        </p:txBody>
+      </p:sp>
+      <p:sp>
+        <p:nvSpPr>
+          <p:cNvPr id="3" name="Text Placeholder 2"/>
+          <p:cNvSpPr>
+            <a:spLocks noGrp="1"/>
+          </p:cNvSpPr>
+          <p:nvPr>
+            <p:ph type="body" idx="1"/>
+          </p:nvPr>
+        </p:nvSpPr>
+        <p:spPr>
+          <a:xfrm>
+            <a:off x="839788" y="1681163"/>
+            <a:ext cx="5157787" cy="823912"/>
+          </a:xfrm>
+        </p:spPr>
+        <p:txBody>
+          <a:bodyPr anchor="b"/>
+          <a:lstStyle>
+            <a:lvl1pPr marL="0" indent="0">
+              <a:buNone/>
+              <a:defRPr sz="2400" b="1"/>
+            </a:lvl1pPr>
+            <a:lvl2pPr marL="457200" indent="0">
+              <a:buNone/>
+              <a:defRPr sz="2000" b="1"/>
+            </a:lvl2pPr>
+            <a:lvl3pPr marL="914400" indent="0">
+              <a:buNone/>
+              <a:defRPr sz="1800" b="1"/>
+            </a:lvl3pPr>
+            <a:lvl4pPr marL="1371600" indent="0">
+              <a:buNone/>
+              <a:defRPr sz="1600" b="1"/>
+            </a:lvl4pPr>
+            <a:lvl5pPr marL="1828800" indent="0">
+              <a:buNone/>
+              <a:defRPr sz="1600" b="1"/>
+            </a:lvl5pPr>
+            <a:lvl6pPr marL="2286000" indent="0">
+              <a:buNone/>
+              <a:defRPr sz="1600" b="1"/>
+            </a:lvl6pPr>
+            <a:lvl7pPr marL="2743200" indent="0">
+              <a:buNone/>
+              <a:defRPr sz="1600" b="1"/>
+            </a:lvl7pPr>
+            <a:lvl8pPr marL="3200400" indent="0">
+              <a:buNone/>
+              <a:defRPr sz="1600" b="1"/>
+            </a:lvl8pPr>
+            <a:lvl9pPr marL="3657600" indent="0">
+              <a:buNone/>
+              <a:defRPr sz="1600" b="1"/>
+            </a:lvl9pPr>
+          </a:lstStyle>
+          <a:p>
+            <a:pPr lvl="0"/>
+            <a:r>
+              <a:rPr lang="en-US"/>
+              <a:t>Click to edit Master text styles</a:t>
+            </a:r>
+            <a:endParaRPr lang="en-US"/>
+          </a:p>
+        </p:txBody>
+      </p:sp>
+      <p:sp>
+        <p:nvSpPr>
+          <p:cNvPr id="4" name="Content Placeholder 3"/>
+          <p:cNvSpPr>
+            <a:spLocks noGrp="1"/>
+          </p:cNvSpPr>
+          <p:nvPr>
+            <p:ph sz="half" idx="2"/>
+          </p:nvPr>
+        </p:nvSpPr>
+        <p:spPr>
+          <a:xfrm>
+            <a:off x="839788" y="2505075"/>
+            <a:ext cx="5157787" cy="3684588"/>
+          </a:xfrm>
+        </p:spPr>
+        <p:txBody>
+          <a:bodyPr/>
+          <a:lstStyle/>
+          <a:p>
+            <a:pPr lvl="0"/>
+            <a:r>
+              <a:rPr lang="en-US"/>
+              <a:t>Click to edit Master text styles</a:t>
+            </a:r>
+            <a:endParaRPr lang="en-US"/>
+          </a:p>
+          <a:p>
+            <a:pPr lvl="1"/>
+            <a:r>
+              <a:rPr lang="en-US"/>
+              <a:t>Second level</a:t>
+            </a:r>
+            <a:endParaRPr lang="en-US"/>
+          </a:p>
+          <a:p>
+            <a:pPr lvl="2"/>
+            <a:r>
+              <a:rPr lang="en-US"/>
+              <a:t>Third level</a:t>
+            </a:r>
+            <a:endParaRPr lang="en-US"/>
+          </a:p>
+          <a:p>
+            <a:pPr lvl="3"/>
+            <a:r>
+              <a:rPr lang="en-US"/>
+              <a:t>Fourth level</a:t>
+            </a:r>
+            <a:endParaRPr lang="en-US"/>
+          </a:p>
+          <a:p>
+            <a:pPr lvl="4"/>
+            <a:r>
+              <a:rPr lang="en-US"/>
+              <a:t>Fifth level</a:t>
+            </a:r>
+            <a:endParaRPr lang="en-CA"/>
+          </a:p>
+        </p:txBody>
+      </p:sp>
+      <p:sp>
+        <p:nvSpPr>
+          <p:cNvPr id="5" name="Text Placeholder 4"/>
+          <p:cNvSpPr>
+            <a:spLocks noGrp="1"/>
+          </p:cNvSpPr>
+          <p:nvPr>
+            <p:ph type="body" sz="quarter" idx="3"/>
+          </p:nvPr>
+        </p:nvSpPr>
+        <p:spPr>
+          <a:xfrm>
+            <a:off x="6172200" y="1681163"/>
+            <a:ext cx="5183188" cy="823912"/>
+          </a:xfrm>
+        </p:spPr>
+        <p:txBody>
+          <a:bodyPr anchor="b"/>
+          <a:lstStyle>
+            <a:lvl1pPr marL="0" indent="0">
+              <a:buNone/>
+              <a:defRPr sz="2400" b="1"/>
+            </a:lvl1pPr>
+            <a:lvl2pPr marL="457200" indent="0">
+              <a:buNone/>
+              <a:defRPr sz="2000" b="1"/>
+            </a:lvl2pPr>
+            <a:lvl3pPr marL="914400" indent="0">
+              <a:buNone/>
+              <a:defRPr sz="1800" b="1"/>
+            </a:lvl3pPr>
+            <a:lvl4pPr marL="1371600" indent="0">
+              <a:buNone/>
+              <a:defRPr sz="1600" b="1"/>
+            </a:lvl4pPr>
+            <a:lvl5pPr marL="1828800" indent="0">
+              <a:buNone/>
+              <a:defRPr sz="1600" b="1"/>
+            </a:lvl5pPr>
+            <a:lvl6pPr marL="2286000" indent="0">
+              <a:buNone/>
+              <a:defRPr sz="1600" b="1"/>
+            </a:lvl6pPr>
+            <a:lvl7pPr marL="2743200" indent="0">
+              <a:buNone/>
+              <a:defRPr sz="1600" b="1"/>
+            </a:lvl7pPr>
+            <a:lvl8pPr marL="3200400" indent="0">
+              <a:buNone/>
+              <a:defRPr sz="1600" b="1"/>
+            </a:lvl8pPr>
+            <a:lvl9pPr marL="3657600" indent="0">
+              <a:buNone/>
+              <a:defRPr sz="1600" b="1"/>
+            </a:lvl9pPr>
+          </a:lstStyle>
+          <a:p>
+            <a:pPr lvl="0"/>
+            <a:r>
+              <a:rPr lang="en-US"/>
+              <a:t>Click to edit Master text styles</a:t>
+            </a:r>
+            <a:endParaRPr lang="en-US"/>
+          </a:p>
+        </p:txBody>
+      </p:sp>
+      <p:sp>
+        <p:nvSpPr>
+          <p:cNvPr id="6" name="Content Placeholder 5"/>
+          <p:cNvSpPr>
+            <a:spLocks noGrp="1"/>
+          </p:cNvSpPr>
+          <p:nvPr>
+            <p:ph sz="quarter" idx="4"/>
+          </p:nvPr>
+        </p:nvSpPr>
+        <p:spPr>
+          <a:xfrm>
+            <a:off x="6172200" y="2505075"/>
+            <a:ext cx="5183188" cy="3684588"/>
+          </a:xfrm>
+        </p:spPr>
+        <p:txBody>
+          <a:bodyPr/>
+          <a:lstStyle/>
+          <a:p>
+            <a:pPr lvl="0"/>
+            <a:r>
+              <a:rPr lang="en-US"/>
+              <a:t>Click to edit Master text styles</a:t>
+            </a:r>
+            <a:endParaRPr lang="en-US"/>
+          </a:p>
+          <a:p>
+            <a:pPr lvl="1"/>
+            <a:r>
+              <a:rPr lang="en-US"/>
+              <a:t>Second level</a:t>
+            </a:r>
+            <a:endParaRPr lang="en-US"/>
+          </a:p>
+          <a:p>
+            <a:pPr lvl="2"/>
+            <a:r>
+              <a:rPr lang="en-US"/>
+              <a:t>Third level</a:t>
+            </a:r>
+            <a:endParaRPr lang="en-US"/>
+          </a:p>
+          <a:p>
+            <a:pPr lvl="3"/>
+            <a:r>
+              <a:rPr lang="en-US"/>
+              <a:t>Fourth level</a:t>
+            </a:r>
+            <a:endParaRPr lang="en-US"/>
+          </a:p>
+          <a:p>
+            <a:pPr lvl="4"/>
+            <a:r>
+              <a:rPr lang="en-US"/>
+              <a:t>Fifth level</a:t>
+            </a:r>
+            <a:endParaRPr lang="en-CA"/>
+          </a:p>
+        </p:txBody>
+      </p:sp>
+      <p:sp>
+        <p:nvSpPr>
+          <p:cNvPr id="7" name="Date Placeholder 6"/>
+          <p:cNvSpPr>
+            <a:spLocks noGrp="1"/>
+          </p:cNvSpPr>
+          <p:nvPr>
+            <p:ph type="dt" sz="half" idx="10"/>
+          </p:nvPr>
+        </p:nvSpPr>
+        <p:spPr/>
+        <p:txBody>
+          <a:bodyPr/>
+          <a:lstStyle/>
+          <a:p>
+            <a:fld id="{FA8E38F2-E683-4544-98ED-C0B89851DC53}" type="datetimeFigureOut">
+              <a:rPr lang="en-CA" smtClean="0"/>
+            </a:fld>
+            <a:endParaRPr lang="en-CA"/>
+          </a:p>
+        </p:txBody>
+      </p:sp>
+      <p:sp>
+        <p:nvSpPr>
+          <p:cNvPr id="8" name="Footer Placeholder 7"/>
+          <p:cNvSpPr>
+            <a:spLocks noGrp="1"/>
+          </p:cNvSpPr>
+          <p:nvPr>
+            <p:ph type="ftr" sz="quarter" idx="11"/>
+          </p:nvPr>
+        </p:nvSpPr>
+        <p:spPr/>
+        <p:txBody>
+          <a:bodyPr/>
+          <a:lstStyle/>
+          <a:p>
+            <a:endParaRPr lang="en-CA"/>
+          </a:p>
+        </p:txBody>
+      </p:sp>
+      <p:sp>
+        <p:nvSpPr>
+          <p:cNvPr id="9" name="Slide Number Placeholder 8"/>
+          <p:cNvSpPr>
+            <a:spLocks noGrp="1"/>
+          </p:cNvSpPr>
+          <p:nvPr>
+            <p:ph type="sldNum" sz="quarter" idx="12"/>
+          </p:nvPr>
+        </p:nvSpPr>
+        <p:spPr/>
+        <p:txBody>
+          <a:bodyPr/>
+          <a:lstStyle/>
+          <a:p>
+            <a:fld id="{B9E7055C-48C2-411B-80D3-FB72D096FB00}" type="slidenum">
+              <a:rPr lang="en-CA" smtClean="0"/>
+            </a:fld>
+            <a:endParaRPr lang="en-CA"/>
+          </a:p>
+        </p:txBody>
+      </p:sp>
+    </p:spTree>
+  </p:cSld>
+  <p:clrMapOvr>
+    <a:masterClrMapping/>
+  </p:clrMapOvr>
+</p:sldLayout>
+</file>
+
+<file path=ppt/slideLayouts/slideLayout6.xml><?xml version="1.0" encoding="utf-8"?>
+<p:sldLayout xmlns:a="http://schemas.openxmlformats.org/drawingml/2006/main" xmlns:r="http://schemas.openxmlformats.org/officeDocument/2006/relationships" xmlns:p="http://schemas.openxmlformats.org/presentationml/2006/main" type="titleOnly" preserve="1">
+  <p:cSld name="Title Only">
+    <p:spTree>
+      <p:nvGrpSpPr>
+        <p:cNvPr id="1" name=""/>
+        <p:cNvGrpSpPr/>
+        <p:nvPr/>
+      </p:nvGrpSpPr>
+      <p:grpSpPr>
+        <a:xfrm>
+          <a:off x="0" y="0"/>
+          <a:ext cx="0" cy="0"/>
+          <a:chOff x="0" y="0"/>
+          <a:chExt cx="0" cy="0"/>
+        </a:xfrm>
+      </p:grpSpPr>
+      <p:sp>
+        <p:nvSpPr>
+          <p:cNvPr id="2" name="Title 1"/>
+          <p:cNvSpPr>
+            <a:spLocks noGrp="1"/>
+          </p:cNvSpPr>
+          <p:nvPr>
+            <p:ph type="title"/>
+          </p:nvPr>
+        </p:nvSpPr>
+        <p:spPr/>
+        <p:txBody>
+          <a:bodyPr/>
+          <a:lstStyle/>
+          <a:p>
+            <a:r>
+              <a:rPr lang="en-US"/>
+              <a:t>Click to edit Master title style</a:t>
+            </a:r>
+            <a:endParaRPr lang="en-CA"/>
+          </a:p>
+        </p:txBody>
+      </p:sp>
+      <p:sp>
+        <p:nvSpPr>
+          <p:cNvPr id="3" name="Date Placeholder 2"/>
+          <p:cNvSpPr>
+            <a:spLocks noGrp="1"/>
+          </p:cNvSpPr>
+          <p:nvPr>
+            <p:ph type="dt" sz="half" idx="10"/>
+          </p:nvPr>
+        </p:nvSpPr>
+        <p:spPr/>
+        <p:txBody>
+          <a:bodyPr/>
+          <a:lstStyle/>
+          <a:p>
+            <a:fld id="{FA8E38F2-E683-4544-98ED-C0B89851DC53}" type="datetimeFigureOut">
+              <a:rPr lang="en-CA" smtClean="0"/>
+            </a:fld>
+            <a:endParaRPr lang="en-CA"/>
+          </a:p>
+        </p:txBody>
+      </p:sp>
+      <p:sp>
+        <p:nvSpPr>
+          <p:cNvPr id="4" name="Footer Placeholder 3"/>
+          <p:cNvSpPr>
+            <a:spLocks noGrp="1"/>
+          </p:cNvSpPr>
+          <p:nvPr>
+            <p:ph type="ftr" sz="quarter" idx="11"/>
+          </p:nvPr>
+        </p:nvSpPr>
+        <p:spPr/>
+        <p:txBody>
+          <a:bodyPr/>
+          <a:lstStyle/>
+          <a:p>
+            <a:endParaRPr lang="en-CA"/>
+          </a:p>
+        </p:txBody>
+      </p:sp>
+      <p:sp>
+        <p:nvSpPr>
+          <p:cNvPr id="5" name="Slide Number Placeholder 4"/>
+          <p:cNvSpPr>
+            <a:spLocks noGrp="1"/>
+          </p:cNvSpPr>
+          <p:nvPr>
+            <p:ph type="sldNum" sz="quarter" idx="12"/>
+          </p:nvPr>
+        </p:nvSpPr>
+        <p:spPr/>
+        <p:txBody>
+          <a:bodyPr/>
+          <a:lstStyle/>
+          <a:p>
+            <a:fld id="{B9E7055C-48C2-411B-80D3-FB72D096FB00}" type="slidenum">
+              <a:rPr lang="en-CA" smtClean="0"/>
+            </a:fld>
+            <a:endParaRPr lang="en-CA"/>
+          </a:p>
+        </p:txBody>
+      </p:sp>
+    </p:spTree>
+  </p:cSld>
+  <p:clrMapOvr>
+    <a:masterClrMapping/>
+  </p:clrMapOvr>
+</p:sldLayout>
+</file>
+
+<file path=ppt/slideLayouts/slideLayout7.xml><?xml version="1.0" encoding="utf-8"?>
+<p:sldLayout xmlns:a="http://schemas.openxmlformats.org/drawingml/2006/main" xmlns:r="http://schemas.openxmlformats.org/officeDocument/2006/relationships" xmlns:p="http://schemas.openxmlformats.org/presentationml/2006/main" type="blank" preserve="1">
+  <p:cSld name="Blank">
+    <p:spTree>
+      <p:nvGrpSpPr>
+        <p:cNvPr id="1" name=""/>
+        <p:cNvGrpSpPr/>
+        <p:nvPr/>
+      </p:nvGrpSpPr>
+      <p:grpSpPr>
+        <a:xfrm>
+          <a:off x="0" y="0"/>
+          <a:ext cx="0" cy="0"/>
+          <a:chOff x="0" y="0"/>
+          <a:chExt cx="0" cy="0"/>
+        </a:xfrm>
+      </p:grpSpPr>
+      <p:sp>
+        <p:nvSpPr>
+          <p:cNvPr id="2" name="Date Placeholder 1"/>
+          <p:cNvSpPr>
+            <a:spLocks noGrp="1"/>
+          </p:cNvSpPr>
+          <p:nvPr>
+            <p:ph type="dt" sz="half" idx="10"/>
+          </p:nvPr>
+        </p:nvSpPr>
+        <p:spPr/>
+        <p:txBody>
+          <a:bodyPr/>
+          <a:lstStyle/>
+          <a:p>
+            <a:fld id="{FA8E38F2-E683-4544-98ED-C0B89851DC53}" type="datetimeFigureOut">
+              <a:rPr lang="en-CA" smtClean="0"/>
+            </a:fld>
+            <a:endParaRPr lang="en-CA"/>
+          </a:p>
+        </p:txBody>
+      </p:sp>
+      <p:sp>
+        <p:nvSpPr>
+          <p:cNvPr id="3" name="Footer Placeholder 2"/>
+          <p:cNvSpPr>
+            <a:spLocks noGrp="1"/>
+          </p:cNvSpPr>
+          <p:nvPr>
+            <p:ph type="ftr" sz="quarter" idx="11"/>
+          </p:nvPr>
+        </p:nvSpPr>
+        <p:spPr/>
+        <p:txBody>
+          <a:bodyPr/>
+          <a:lstStyle/>
+          <a:p>
+            <a:endParaRPr lang="en-CA"/>
+          </a:p>
+        </p:txBody>
+      </p:sp>
+      <p:sp>
+        <p:nvSpPr>
+          <p:cNvPr id="4" name="Slide Number Placeholder 3"/>
+          <p:cNvSpPr>
+            <a:spLocks noGrp="1"/>
+          </p:cNvSpPr>
+          <p:nvPr>
+            <p:ph type="sldNum" sz="quarter" idx="12"/>
+          </p:nvPr>
+        </p:nvSpPr>
+        <p:spPr/>
+        <p:txBody>
+          <a:bodyPr/>
+          <a:lstStyle/>
+          <a:p>
+            <a:fld id="{B9E7055C-48C2-411B-80D3-FB72D096FB00}" type="slidenum">
+              <a:rPr lang="en-CA" smtClean="0"/>
+            </a:fld>
+            <a:endParaRPr lang="en-CA"/>
+          </a:p>
+        </p:txBody>
+      </p:sp>
+    </p:spTree>
+  </p:cSld>
+  <p:clrMapOvr>
+    <a:masterClrMapping/>
+  </p:clrMapOvr>
+</p:sldLayout>
+</file>
+
+<file path=ppt/slideLayouts/slideLayout8.xml><?xml version="1.0" encoding="utf-8"?>
+<p:sldLayout xmlns:a="http://schemas.openxmlformats.org/drawingml/2006/main" xmlns:r="http://schemas.openxmlformats.org/officeDocument/2006/relationships" xmlns:p="http://schemas.openxmlformats.org/presentationml/2006/main" type="objTx" preserve="1">
+  <p:cSld name="Content with Caption">
+    <p:spTree>
+      <p:nvGrpSpPr>
+        <p:cNvPr id="1" name=""/>
+        <p:cNvGrpSpPr/>
+        <p:nvPr/>
+      </p:nvGrpSpPr>
+      <p:grpSpPr>
+        <a:xfrm>
+          <a:off x="0" y="0"/>
+          <a:ext cx="0" cy="0"/>
+          <a:chOff x="0" y="0"/>
+          <a:chExt cx="0" cy="0"/>
+        </a:xfrm>
+      </p:grpSpPr>
+      <p:sp>
+        <p:nvSpPr>
+          <p:cNvPr id="2" name="Title 1"/>
+          <p:cNvSpPr>
+            <a:spLocks noGrp="1"/>
+          </p:cNvSpPr>
+          <p:nvPr>
+            <p:ph type="title"/>
+          </p:nvPr>
+        </p:nvSpPr>
+        <p:spPr>
+          <a:xfrm>
+            <a:off x="839788" y="457200"/>
+            <a:ext cx="3932237" cy="1600200"/>
+          </a:xfrm>
+        </p:spPr>
+        <p:txBody>
+          <a:bodyPr anchor="b"/>
+          <a:lstStyle>
+            <a:lvl1pPr>
+              <a:defRPr sz="3200"/>
+            </a:lvl1pPr>
+          </a:lstStyle>
+          <a:p>
+            <a:r>
+              <a:rPr lang="en-US"/>
+              <a:t>Click to edit Master title style</a:t>
+            </a:r>
+            <a:endParaRPr lang="en-CA"/>
+          </a:p>
+        </p:txBody>
+      </p:sp>
+      <p:sp>
+        <p:nvSpPr>
+          <p:cNvPr id="3" name="Content Placeholder 2"/>
+          <p:cNvSpPr>
+            <a:spLocks noGrp="1"/>
+          </p:cNvSpPr>
+          <p:nvPr>
+            <p:ph idx="1"/>
+          </p:nvPr>
+        </p:nvSpPr>
+        <p:spPr>
+          <a:xfrm>
+            <a:off x="5183188" y="987425"/>
+            <a:ext cx="6172200" cy="4873625"/>
+          </a:xfrm>
+        </p:spPr>
+        <p:txBody>
+          <a:bodyPr/>
+          <a:lstStyle>
+            <a:lvl1pPr>
+              <a:defRPr sz="3200"/>
+            </a:lvl1pPr>
+            <a:lvl2pPr>
+              <a:defRPr sz="2800"/>
+            </a:lvl2pPr>
+            <a:lvl3pPr>
+              <a:defRPr sz="2400"/>
+            </a:lvl3pPr>
+            <a:lvl4pPr>
+              <a:defRPr sz="2000"/>
+            </a:lvl4pPr>
+            <a:lvl5pPr>
+              <a:defRPr sz="2000"/>
+            </a:lvl5pPr>
+            <a:lvl6pPr>
+              <a:defRPr sz="2000"/>
+            </a:lvl6pPr>
+            <a:lvl7pPr>
+              <a:defRPr sz="2000"/>
+            </a:lvl7pPr>
+            <a:lvl8pPr>
+              <a:defRPr sz="2000"/>
+            </a:lvl8pPr>
+            <a:lvl9pPr>
+              <a:defRPr sz="2000"/>
+            </a:lvl9pPr>
+          </a:lstStyle>
+          <a:p>
+            <a:pPr lvl="0"/>
+            <a:r>
+              <a:rPr lang="en-US"/>
+              <a:t>Click to edit Master text styles</a:t>
+            </a:r>
+            <a:endParaRPr lang="en-US"/>
+          </a:p>
+          <a:p>
+            <a:pPr lvl="1"/>
+            <a:r>
+              <a:rPr lang="en-US"/>
+              <a:t>Second level</a:t>
+            </a:r>
+            <a:endParaRPr lang="en-US"/>
+          </a:p>
+          <a:p>
+            <a:pPr lvl="2"/>
+            <a:r>
+              <a:rPr lang="en-US"/>
+              <a:t>Third level</a:t>
+            </a:r>
+            <a:endParaRPr lang="en-US"/>
+          </a:p>
+          <a:p>
+            <a:pPr lvl="3"/>
+            <a:r>
+              <a:rPr lang="en-US"/>
+              <a:t>Fourth level</a:t>
+            </a:r>
+            <a:endParaRPr lang="en-US"/>
+          </a:p>
+          <a:p>
+            <a:pPr lvl="4"/>
+            <a:r>
+              <a:rPr lang="en-US"/>
+              <a:t>Fifth level</a:t>
+            </a:r>
+            <a:endParaRPr lang="en-CA"/>
+          </a:p>
+        </p:txBody>
+      </p:sp>
+      <p:sp>
+        <p:nvSpPr>
+          <p:cNvPr id="4" name="Text Placeholder 3"/>
+          <p:cNvSpPr>
+            <a:spLocks noGrp="1"/>
+          </p:cNvSpPr>
+          <p:nvPr>
+            <p:ph type="body" sz="half" idx="2"/>
+          </p:nvPr>
+        </p:nvSpPr>
+        <p:spPr>
+          <a:xfrm>
+            <a:off x="839788" y="2057400"/>
+            <a:ext cx="3932237" cy="3811588"/>
+          </a:xfrm>
+        </p:spPr>
+        <p:txBody>
+          <a:bodyPr/>
+          <a:lstStyle>
+            <a:lvl1pPr marL="0" indent="0">
+              <a:buNone/>
+              <a:defRPr sz="1600"/>
+            </a:lvl1pPr>
+            <a:lvl2pPr marL="457200" indent="0">
+              <a:buNone/>
+              <a:defRPr sz="1400"/>
+            </a:lvl2pPr>
+            <a:lvl3pPr marL="914400" indent="0">
+              <a:buNone/>
+              <a:defRPr sz="1200"/>
+            </a:lvl3pPr>
+            <a:lvl4pPr marL="1371600" indent="0">
+              <a:buNone/>
+              <a:defRPr sz="1000"/>
+            </a:lvl4pPr>
+            <a:lvl5pPr marL="1828800" indent="0">
+              <a:buNone/>
+              <a:defRPr sz="1000"/>
+            </a:lvl5pPr>
+            <a:lvl6pPr marL="2286000" indent="0">
+              <a:buNone/>
+              <a:defRPr sz="1000"/>
+            </a:lvl6pPr>
+            <a:lvl7pPr marL="2743200" indent="0">
+              <a:buNone/>
+              <a:defRPr sz="1000"/>
+            </a:lvl7pPr>
+            <a:lvl8pPr marL="3200400" indent="0">
+              <a:buNone/>
+              <a:defRPr sz="1000"/>
+            </a:lvl8pPr>
+            <a:lvl9pPr marL="3657600" indent="0">
+              <a:buNone/>
+              <a:defRPr sz="1000"/>
+            </a:lvl9pPr>
+          </a:lstStyle>
+          <a:p>
+            <a:pPr lvl="0"/>
+            <a:r>
+              <a:rPr lang="en-US"/>
+              <a:t>Click to edit Master text styles</a:t>
+            </a:r>
+            <a:endParaRPr lang="en-US"/>
+          </a:p>
+        </p:txBody>
+      </p:sp>
+      <p:sp>
+        <p:nvSpPr>
+          <p:cNvPr id="5" name="Date Placeholder 4"/>
+          <p:cNvSpPr>
+            <a:spLocks noGrp="1"/>
+          </p:cNvSpPr>
+          <p:nvPr>
+            <p:ph type="dt" sz="half" idx="10"/>
+          </p:nvPr>
+        </p:nvSpPr>
+        <p:spPr/>
+        <p:txBody>
+          <a:bodyPr/>
+          <a:lstStyle/>
+          <a:p>
+            <a:fld id="{FA8E38F2-E683-4544-98ED-C0B89851DC53}" type="datetimeFigureOut">
+              <a:rPr lang="en-CA" smtClean="0"/>
+            </a:fld>
+            <a:endParaRPr lang="en-CA"/>
+          </a:p>
+        </p:txBody>
+      </p:sp>
+      <p:sp>
+        <p:nvSpPr>
+          <p:cNvPr id="6" name="Footer Placeholder 5"/>
+          <p:cNvSpPr>
+            <a:spLocks noGrp="1"/>
+          </p:cNvSpPr>
+          <p:nvPr>
+            <p:ph type="ftr" sz="quarter" idx="11"/>
+          </p:nvPr>
+        </p:nvSpPr>
+        <p:spPr/>
+        <p:txBody>
+          <a:bodyPr/>
+          <a:lstStyle/>
+          <a:p>
+            <a:endParaRPr lang="en-CA"/>
+          </a:p>
+        </p:txBody>
+      </p:sp>
+      <p:sp>
+        <p:nvSpPr>
+          <p:cNvPr id="7" name="Slide Number Placeholder 6"/>
+          <p:cNvSpPr>
+            <a:spLocks noGrp="1"/>
+          </p:cNvSpPr>
+          <p:nvPr>
+            <p:ph type="sldNum" sz="quarter" idx="12"/>
+          </p:nvPr>
+        </p:nvSpPr>
+        <p:spPr/>
+        <p:txBody>
+          <a:bodyPr/>
+          <a:lstStyle/>
+          <a:p>
+            <a:fld id="{B9E7055C-48C2-411B-80D3-FB72D096FB00}" type="slidenum">
+              <a:rPr lang="en-CA" smtClean="0"/>
+            </a:fld>
+            <a:endParaRPr lang="en-CA"/>
+          </a:p>
+        </p:txBody>
+      </p:sp>
+    </p:spTree>
   </p:cSld>
   <p:clrMapOvr>
     <a:masterClrMapping/>
@@ -2501,13 +4413,7 @@
       </p:grpSpPr>
       <p:sp>
         <p:nvSpPr>
-          <p:cNvPr id="2" name="Title 1">
-            <a:extLst>
-              <a:ext uri="{FF2B5EF4-FFF2-40B4-BE49-F238E27FC236}">
-                <a16:creationId xmlns:a16="http://schemas.microsoft.com/office/drawing/2014/main" id="{348499A4-B15D-4E99-868E-26F5D92CBFEF}"/>
-              </a:ext>
-            </a:extLst>
-          </p:cNvPr>
+          <p:cNvPr id="2" name="Title 1"/>
           <p:cNvSpPr>
             <a:spLocks noGrp="1"/>
           </p:cNvSpPr>
@@ -2539,13 +4445,7 @@
       </p:sp>
       <p:sp>
         <p:nvSpPr>
-          <p:cNvPr id="3" name="Picture Placeholder 2">
-            <a:extLst>
-              <a:ext uri="{FF2B5EF4-FFF2-40B4-BE49-F238E27FC236}">
-                <a16:creationId xmlns:a16="http://schemas.microsoft.com/office/drawing/2014/main" id="{10448355-9705-4672-B271-262C327DFC29}"/>
-              </a:ext>
-            </a:extLst>
-          </p:cNvPr>
+          <p:cNvPr id="3" name="Picture Placeholder 2"/>
           <p:cNvSpPr>
             <a:spLocks noGrp="1"/>
           </p:cNvSpPr>
@@ -2606,13 +4506,7 @@
       </p:sp>
       <p:sp>
         <p:nvSpPr>
-          <p:cNvPr id="4" name="Text Placeholder 3">
-            <a:extLst>
-              <a:ext uri="{FF2B5EF4-FFF2-40B4-BE49-F238E27FC236}">
-                <a16:creationId xmlns:a16="http://schemas.microsoft.com/office/drawing/2014/main" id="{CEA4026C-9DDC-460A-B39F-E34A3CF49BB6}"/>
-              </a:ext>
-            </a:extLst>
-          </p:cNvPr>
+          <p:cNvPr id="4" name="Text Placeholder 3"/>
           <p:cNvSpPr>
             <a:spLocks noGrp="1"/>
           </p:cNvSpPr>
@@ -2672,18 +4566,13 @@
               <a:rPr lang="en-US"/>
               <a:t>Click to edit Master text styles</a:t>
             </a:r>
-          </a:p>
-        </p:txBody>
-      </p:sp>
-      <p:sp>
-        <p:nvSpPr>
-          <p:cNvPr id="5" name="Date Placeholder 4">
-            <a:extLst>
-              <a:ext uri="{FF2B5EF4-FFF2-40B4-BE49-F238E27FC236}">
-                <a16:creationId xmlns:a16="http://schemas.microsoft.com/office/drawing/2014/main" id="{5FB37F72-5364-4E6A-967A-45894E7DE942}"/>
-              </a:ext>
-            </a:extLst>
-          </p:cNvPr>
+            <a:endParaRPr lang="en-US"/>
+          </a:p>
+        </p:txBody>
+      </p:sp>
+      <p:sp>
+        <p:nvSpPr>
+          <p:cNvPr id="5" name="Date Placeholder 4"/>
           <p:cNvSpPr>
             <a:spLocks noGrp="1"/>
           </p:cNvSpPr>
@@ -2698,7 +4587,6 @@
           <a:p>
             <a:fld id="{FA8E38F2-E683-4544-98ED-C0B89851DC53}" type="datetimeFigureOut">
               <a:rPr lang="en-CA" smtClean="0"/>
-              <a:t>2019-10-31</a:t>
             </a:fld>
             <a:endParaRPr lang="en-CA"/>
           </a:p>
@@ -2706,13 +4594,7 @@
       </p:sp>
       <p:sp>
         <p:nvSpPr>
-          <p:cNvPr id="6" name="Footer Placeholder 5">
-            <a:extLst>
-              <a:ext uri="{FF2B5EF4-FFF2-40B4-BE49-F238E27FC236}">
-                <a16:creationId xmlns:a16="http://schemas.microsoft.com/office/drawing/2014/main" id="{609197F0-EAA0-48A9-9ABF-6FBF107A6C1F}"/>
-              </a:ext>
-            </a:extLst>
-          </p:cNvPr>
+          <p:cNvPr id="6" name="Footer Placeholder 5"/>
           <p:cNvSpPr>
             <a:spLocks noGrp="1"/>
           </p:cNvSpPr>
@@ -2731,13 +4613,7 @@
       </p:sp>
       <p:sp>
         <p:nvSpPr>
-          <p:cNvPr id="7" name="Slide Number Placeholder 6">
-            <a:extLst>
-              <a:ext uri="{FF2B5EF4-FFF2-40B4-BE49-F238E27FC236}">
-                <a16:creationId xmlns:a16="http://schemas.microsoft.com/office/drawing/2014/main" id="{3AE55367-C638-4444-9B64-131166477993}"/>
-              </a:ext>
-            </a:extLst>
-          </p:cNvPr>
+          <p:cNvPr id="7" name="Slide Number Placeholder 6"/>
           <p:cNvSpPr>
             <a:spLocks noGrp="1"/>
           </p:cNvSpPr>
@@ -2752,18 +4628,12 @@
           <a:p>
             <a:fld id="{B9E7055C-48C2-411B-80D3-FB72D096FB00}" type="slidenum">
               <a:rPr lang="en-CA" smtClean="0"/>
-              <a:t>‹#›</a:t>
             </a:fld>
             <a:endParaRPr lang="en-CA"/>
           </a:p>
         </p:txBody>
       </p:sp>
     </p:spTree>
-    <p:extLst>
-      <p:ext uri="{BB962C8B-B14F-4D97-AF65-F5344CB8AC3E}">
-        <p14:creationId xmlns:p14="http://schemas.microsoft.com/office/powerpoint/2010/main" val="3236102168"/>
-      </p:ext>
-    </p:extLst>
   </p:cSld>
   <p:clrMapOvr>
     <a:masterClrMapping/>
@@ -2795,13 +4665,7 @@
       </p:grpSpPr>
       <p:sp>
         <p:nvSpPr>
-          <p:cNvPr id="2" name="Title Placeholder 1">
-            <a:extLst>
-              <a:ext uri="{FF2B5EF4-FFF2-40B4-BE49-F238E27FC236}">
-                <a16:creationId xmlns:a16="http://schemas.microsoft.com/office/drawing/2014/main" id="{645F6C35-0EC6-4ED3-8C5D-E1E7A91D3B7A}"/>
-              </a:ext>
-            </a:extLst>
-          </p:cNvPr>
+          <p:cNvPr id="2" name="Title Placeholder 1"/>
           <p:cNvSpPr>
             <a:spLocks noGrp="1"/>
           </p:cNvSpPr>
@@ -2834,13 +4698,7 @@
       </p:sp>
       <p:sp>
         <p:nvSpPr>
-          <p:cNvPr id="3" name="Text Placeholder 2">
-            <a:extLst>
-              <a:ext uri="{FF2B5EF4-FFF2-40B4-BE49-F238E27FC236}">
-                <a16:creationId xmlns:a16="http://schemas.microsoft.com/office/drawing/2014/main" id="{029D21A1-01E2-44DF-B7C6-79EDFC5911D9}"/>
-              </a:ext>
-            </a:extLst>
-          </p:cNvPr>
+          <p:cNvPr id="3" name="Text Placeholder 2"/>
           <p:cNvSpPr>
             <a:spLocks noGrp="1"/>
           </p:cNvSpPr>
@@ -2868,6 +4726,7 @@
               <a:rPr lang="en-US"/>
               <a:t>Click to edit Master text styles</a:t>
             </a:r>
+            <a:endParaRPr lang="en-US"/>
           </a:p>
           <a:p>
             <a:pPr lvl="1"/>
@@ -2875,6 +4734,7 @@
               <a:rPr lang="en-US"/>
               <a:t>Second level</a:t>
             </a:r>
+            <a:endParaRPr lang="en-US"/>
           </a:p>
           <a:p>
             <a:pPr lvl="2"/>
@@ -2882,6 +4742,7 @@
               <a:rPr lang="en-US"/>
               <a:t>Third level</a:t>
             </a:r>
+            <a:endParaRPr lang="en-US"/>
           </a:p>
           <a:p>
             <a:pPr lvl="3"/>
@@ -2889,6 +4750,7 @@
               <a:rPr lang="en-US"/>
               <a:t>Fourth level</a:t>
             </a:r>
+            <a:endParaRPr lang="en-US"/>
           </a:p>
           <a:p>
             <a:pPr lvl="4"/>
@@ -2902,13 +4764,7 @@
       </p:sp>
       <p:sp>
         <p:nvSpPr>
-          <p:cNvPr id="4" name="Date Placeholder 3">
-            <a:extLst>
-              <a:ext uri="{FF2B5EF4-FFF2-40B4-BE49-F238E27FC236}">
-                <a16:creationId xmlns:a16="http://schemas.microsoft.com/office/drawing/2014/main" id="{9ECDFC5E-4520-4D38-9791-27D9B6C8F221}"/>
-              </a:ext>
-            </a:extLst>
-          </p:cNvPr>
+          <p:cNvPr id="4" name="Date Placeholder 3"/>
           <p:cNvSpPr>
             <a:spLocks noGrp="1"/>
           </p:cNvSpPr>
@@ -2941,7 +4797,6 @@
           <a:p>
             <a:fld id="{FA8E38F2-E683-4544-98ED-C0B89851DC53}" type="datetimeFigureOut">
               <a:rPr lang="en-CA" smtClean="0"/>
-              <a:t>2019-10-31</a:t>
             </a:fld>
             <a:endParaRPr lang="en-CA"/>
           </a:p>
@@ -2949,13 +4804,7 @@
       </p:sp>
       <p:sp>
         <p:nvSpPr>
-          <p:cNvPr id="5" name="Footer Placeholder 4">
-            <a:extLst>
-              <a:ext uri="{FF2B5EF4-FFF2-40B4-BE49-F238E27FC236}">
-                <a16:creationId xmlns:a16="http://schemas.microsoft.com/office/drawing/2014/main" id="{4B661968-D03B-4F68-B6C0-55C5EF40E55D}"/>
-              </a:ext>
-            </a:extLst>
-          </p:cNvPr>
+          <p:cNvPr id="5" name="Footer Placeholder 4"/>
           <p:cNvSpPr>
             <a:spLocks noGrp="1"/>
           </p:cNvSpPr>
@@ -2992,13 +4841,7 @@
       </p:sp>
       <p:sp>
         <p:nvSpPr>
-          <p:cNvPr id="6" name="Slide Number Placeholder 5">
-            <a:extLst>
-              <a:ext uri="{FF2B5EF4-FFF2-40B4-BE49-F238E27FC236}">
-                <a16:creationId xmlns:a16="http://schemas.microsoft.com/office/drawing/2014/main" id="{4D3623D6-45C6-46F3-9764-598513946003}"/>
-              </a:ext>
-            </a:extLst>
-          </p:cNvPr>
+          <p:cNvPr id="6" name="Slide Number Placeholder 5"/>
           <p:cNvSpPr>
             <a:spLocks noGrp="1"/>
           </p:cNvSpPr>
@@ -3031,18 +4874,12 @@
           <a:p>
             <a:fld id="{B9E7055C-48C2-411B-80D3-FB72D096FB00}" type="slidenum">
               <a:rPr lang="en-CA" smtClean="0"/>
-              <a:t>‹#›</a:t>
             </a:fld>
             <a:endParaRPr lang="en-CA"/>
           </a:p>
         </p:txBody>
       </p:sp>
     </p:spTree>
-    <p:extLst>
-      <p:ext uri="{BB962C8B-B14F-4D97-AF65-F5344CB8AC3E}">
-        <p14:creationId xmlns:p14="http://schemas.microsoft.com/office/powerpoint/2010/main" val="3003861842"/>
-      </p:ext>
-    </p:extLst>
   </p:cSld>
   <p:clrMap bg1="lt1" tx1="dk1" bg2="lt2" tx2="dk2" accent1="accent1" accent2="accent2" accent3="accent3" accent4="accent4" accent5="accent5" accent6="accent6" hlink="hlink" folHlink="folHlink"/>
   <p:sldLayoutIdLst>
@@ -3086,7 +4923,7 @@
         <a:spcBef>
           <a:spcPts val="1000"/>
         </a:spcBef>
-        <a:buFont typeface="Arial" panose="020B0604020202020204" pitchFamily="34" charset="0"/>
+        <a:buFont typeface="Arial" panose="02080604020202020204" pitchFamily="34" charset="0"/>
         <a:buChar char="•"/>
         <a:defRPr sz="2800" kern="1200">
           <a:solidFill>
@@ -3104,7 +4941,7 @@
         <a:spcBef>
           <a:spcPts val="500"/>
         </a:spcBef>
-        <a:buFont typeface="Arial" panose="020B0604020202020204" pitchFamily="34" charset="0"/>
+        <a:buFont typeface="Arial" panose="02080604020202020204" pitchFamily="34" charset="0"/>
         <a:buChar char="•"/>
         <a:defRPr sz="2400" kern="1200">
           <a:solidFill>
@@ -3122,7 +4959,7 @@
         <a:spcBef>
           <a:spcPts val="500"/>
         </a:spcBef>
-        <a:buFont typeface="Arial" panose="020B0604020202020204" pitchFamily="34" charset="0"/>
+        <a:buFont typeface="Arial" panose="02080604020202020204" pitchFamily="34" charset="0"/>
         <a:buChar char="•"/>
         <a:defRPr sz="2000" kern="1200">
           <a:solidFill>
@@ -3140,7 +4977,7 @@
         <a:spcBef>
           <a:spcPts val="500"/>
         </a:spcBef>
-        <a:buFont typeface="Arial" panose="020B0604020202020204" pitchFamily="34" charset="0"/>
+        <a:buFont typeface="Arial" panose="02080604020202020204" pitchFamily="34" charset="0"/>
         <a:buChar char="•"/>
         <a:defRPr sz="1800" kern="1200">
           <a:solidFill>
@@ -3158,7 +4995,7 @@
         <a:spcBef>
           <a:spcPts val="500"/>
         </a:spcBef>
-        <a:buFont typeface="Arial" panose="020B0604020202020204" pitchFamily="34" charset="0"/>
+        <a:buFont typeface="Arial" panose="02080604020202020204" pitchFamily="34" charset="0"/>
         <a:buChar char="•"/>
         <a:defRPr sz="1800" kern="1200">
           <a:solidFill>
@@ -3176,7 +5013,7 @@
         <a:spcBef>
           <a:spcPts val="500"/>
         </a:spcBef>
-        <a:buFont typeface="Arial" panose="020B0604020202020204" pitchFamily="34" charset="0"/>
+        <a:buFont typeface="Arial" panose="02080604020202020204" pitchFamily="34" charset="0"/>
         <a:buChar char="•"/>
         <a:defRPr sz="1800" kern="1200">
           <a:solidFill>
@@ -3194,7 +5031,7 @@
         <a:spcBef>
           <a:spcPts val="500"/>
         </a:spcBef>
-        <a:buFont typeface="Arial" panose="020B0604020202020204" pitchFamily="34" charset="0"/>
+        <a:buFont typeface="Arial" panose="02080604020202020204" pitchFamily="34" charset="0"/>
         <a:buChar char="•"/>
         <a:defRPr sz="1800" kern="1200">
           <a:solidFill>
@@ -3212,7 +5049,7 @@
         <a:spcBef>
           <a:spcPts val="500"/>
         </a:spcBef>
-        <a:buFont typeface="Arial" panose="020B0604020202020204" pitchFamily="34" charset="0"/>
+        <a:buFont typeface="Arial" panose="02080604020202020204" pitchFamily="34" charset="0"/>
         <a:buChar char="•"/>
         <a:defRPr sz="1800" kern="1200">
           <a:solidFill>
@@ -3230,7 +5067,544 @@
         <a:spcBef>
           <a:spcPts val="500"/>
         </a:spcBef>
-        <a:buFont typeface="Arial" panose="020B0604020202020204" pitchFamily="34" charset="0"/>
+        <a:buFont typeface="Arial" panose="02080604020202020204" pitchFamily="34" charset="0"/>
+        <a:buChar char="•"/>
+        <a:defRPr sz="1800" kern="1200">
+          <a:solidFill>
+            <a:schemeClr val="tx1"/>
+          </a:solidFill>
+          <a:latin typeface="+mn-lt"/>
+          <a:ea typeface="+mn-ea"/>
+          <a:cs typeface="+mn-cs"/>
+        </a:defRPr>
+      </a:lvl9pPr>
+    </p:bodyStyle>
+    <p:otherStyle>
+      <a:defPPr>
+        <a:defRPr lang="en-US"/>
+      </a:defPPr>
+      <a:lvl1pPr marL="0" algn="l" defTabSz="914400" rtl="0" eaLnBrk="1" latinLnBrk="0" hangingPunct="1">
+        <a:defRPr sz="1800" kern="1200">
+          <a:solidFill>
+            <a:schemeClr val="tx1"/>
+          </a:solidFill>
+          <a:latin typeface="+mn-lt"/>
+          <a:ea typeface="+mn-ea"/>
+          <a:cs typeface="+mn-cs"/>
+        </a:defRPr>
+      </a:lvl1pPr>
+      <a:lvl2pPr marL="457200" algn="l" defTabSz="914400" rtl="0" eaLnBrk="1" latinLnBrk="0" hangingPunct="1">
+        <a:defRPr sz="1800" kern="1200">
+          <a:solidFill>
+            <a:schemeClr val="tx1"/>
+          </a:solidFill>
+          <a:latin typeface="+mn-lt"/>
+          <a:ea typeface="+mn-ea"/>
+          <a:cs typeface="+mn-cs"/>
+        </a:defRPr>
+      </a:lvl2pPr>
+      <a:lvl3pPr marL="914400" algn="l" defTabSz="914400" rtl="0" eaLnBrk="1" latinLnBrk="0" hangingPunct="1">
+        <a:defRPr sz="1800" kern="1200">
+          <a:solidFill>
+            <a:schemeClr val="tx1"/>
+          </a:solidFill>
+          <a:latin typeface="+mn-lt"/>
+          <a:ea typeface="+mn-ea"/>
+          <a:cs typeface="+mn-cs"/>
+        </a:defRPr>
+      </a:lvl3pPr>
+      <a:lvl4pPr marL="1371600" algn="l" defTabSz="914400" rtl="0" eaLnBrk="1" latinLnBrk="0" hangingPunct="1">
+        <a:defRPr sz="1800" kern="1200">
+          <a:solidFill>
+            <a:schemeClr val="tx1"/>
+          </a:solidFill>
+          <a:latin typeface="+mn-lt"/>
+          <a:ea typeface="+mn-ea"/>
+          <a:cs typeface="+mn-cs"/>
+        </a:defRPr>
+      </a:lvl4pPr>
+      <a:lvl5pPr marL="1828800" algn="l" defTabSz="914400" rtl="0" eaLnBrk="1" latinLnBrk="0" hangingPunct="1">
+        <a:defRPr sz="1800" kern="1200">
+          <a:solidFill>
+            <a:schemeClr val="tx1"/>
+          </a:solidFill>
+          <a:latin typeface="+mn-lt"/>
+          <a:ea typeface="+mn-ea"/>
+          <a:cs typeface="+mn-cs"/>
+        </a:defRPr>
+      </a:lvl5pPr>
+      <a:lvl6pPr marL="2286000" algn="l" defTabSz="914400" rtl="0" eaLnBrk="1" latinLnBrk="0" hangingPunct="1">
+        <a:defRPr sz="1800" kern="1200">
+          <a:solidFill>
+            <a:schemeClr val="tx1"/>
+          </a:solidFill>
+          <a:latin typeface="+mn-lt"/>
+          <a:ea typeface="+mn-ea"/>
+          <a:cs typeface="+mn-cs"/>
+        </a:defRPr>
+      </a:lvl6pPr>
+      <a:lvl7pPr marL="2743200" algn="l" defTabSz="914400" rtl="0" eaLnBrk="1" latinLnBrk="0" hangingPunct="1">
+        <a:defRPr sz="1800" kern="1200">
+          <a:solidFill>
+            <a:schemeClr val="tx1"/>
+          </a:solidFill>
+          <a:latin typeface="+mn-lt"/>
+          <a:ea typeface="+mn-ea"/>
+          <a:cs typeface="+mn-cs"/>
+        </a:defRPr>
+      </a:lvl7pPr>
+      <a:lvl8pPr marL="3200400" algn="l" defTabSz="914400" rtl="0" eaLnBrk="1" latinLnBrk="0" hangingPunct="1">
+        <a:defRPr sz="1800" kern="1200">
+          <a:solidFill>
+            <a:schemeClr val="tx1"/>
+          </a:solidFill>
+          <a:latin typeface="+mn-lt"/>
+          <a:ea typeface="+mn-ea"/>
+          <a:cs typeface="+mn-cs"/>
+        </a:defRPr>
+      </a:lvl8pPr>
+      <a:lvl9pPr marL="3657600" algn="l" defTabSz="914400" rtl="0" eaLnBrk="1" latinLnBrk="0" hangingPunct="1">
+        <a:defRPr sz="1800" kern="1200">
+          <a:solidFill>
+            <a:schemeClr val="tx1"/>
+          </a:solidFill>
+          <a:latin typeface="+mn-lt"/>
+          <a:ea typeface="+mn-ea"/>
+          <a:cs typeface="+mn-cs"/>
+        </a:defRPr>
+      </a:lvl9pPr>
+    </p:otherStyle>
+  </p:txStyles>
+</p:sldMaster>
+</file>
+
+<file path=ppt/slideMasters/slideMaster2.xml><?xml version="1.0" encoding="utf-8"?>
+<p:sldMaster xmlns:a="http://schemas.openxmlformats.org/drawingml/2006/main" xmlns:r="http://schemas.openxmlformats.org/officeDocument/2006/relationships" xmlns:p="http://schemas.openxmlformats.org/presentationml/2006/main">
+  <p:cSld>
+    <p:bg>
+      <p:bgRef idx="1001">
+        <a:schemeClr val="bg1"/>
+      </p:bgRef>
+    </p:bg>
+    <p:spTree>
+      <p:nvGrpSpPr>
+        <p:cNvPr id="1" name=""/>
+        <p:cNvGrpSpPr/>
+        <p:nvPr/>
+      </p:nvGrpSpPr>
+      <p:grpSpPr>
+        <a:xfrm>
+          <a:off x="0" y="0"/>
+          <a:ext cx="0" cy="0"/>
+          <a:chOff x="0" y="0"/>
+          <a:chExt cx="0" cy="0"/>
+        </a:xfrm>
+      </p:grpSpPr>
+      <p:sp>
+        <p:nvSpPr>
+          <p:cNvPr id="2" name="Title Placeholder 1"/>
+          <p:cNvSpPr>
+            <a:spLocks noGrp="1"/>
+          </p:cNvSpPr>
+          <p:nvPr>
+            <p:ph type="title"/>
+          </p:nvPr>
+        </p:nvSpPr>
+        <p:spPr>
+          <a:xfrm>
+            <a:off x="838200" y="365125"/>
+            <a:ext cx="10515600" cy="1325563"/>
+          </a:xfrm>
+          <a:prstGeom prst="rect">
+            <a:avLst/>
+          </a:prstGeom>
+        </p:spPr>
+        <p:txBody>
+          <a:bodyPr vert="horz" lIns="91440" tIns="45720" rIns="91440" bIns="45720" rtlCol="0" anchor="ctr">
+            <a:normAutofit/>
+          </a:bodyPr>
+          <a:lstStyle/>
+          <a:p>
+            <a:r>
+              <a:rPr lang="en-US"/>
+              <a:t>Click to edit Master title style</a:t>
+            </a:r>
+            <a:endParaRPr lang="en-CA"/>
+          </a:p>
+        </p:txBody>
+      </p:sp>
+      <p:sp>
+        <p:nvSpPr>
+          <p:cNvPr id="3" name="Text Placeholder 2"/>
+          <p:cNvSpPr>
+            <a:spLocks noGrp="1"/>
+          </p:cNvSpPr>
+          <p:nvPr>
+            <p:ph type="body" idx="1"/>
+          </p:nvPr>
+        </p:nvSpPr>
+        <p:spPr>
+          <a:xfrm>
+            <a:off x="838200" y="1825625"/>
+            <a:ext cx="10515600" cy="4351338"/>
+          </a:xfrm>
+          <a:prstGeom prst="rect">
+            <a:avLst/>
+          </a:prstGeom>
+        </p:spPr>
+        <p:txBody>
+          <a:bodyPr vert="horz" lIns="91440" tIns="45720" rIns="91440" bIns="45720" rtlCol="0">
+            <a:normAutofit/>
+          </a:bodyPr>
+          <a:lstStyle/>
+          <a:p>
+            <a:pPr lvl="0"/>
+            <a:r>
+              <a:rPr lang="en-US"/>
+              <a:t>Click to edit Master text styles</a:t>
+            </a:r>
+            <a:endParaRPr lang="en-US"/>
+          </a:p>
+          <a:p>
+            <a:pPr lvl="1"/>
+            <a:r>
+              <a:rPr lang="en-US"/>
+              <a:t>Second level</a:t>
+            </a:r>
+            <a:endParaRPr lang="en-US"/>
+          </a:p>
+          <a:p>
+            <a:pPr lvl="2"/>
+            <a:r>
+              <a:rPr lang="en-US"/>
+              <a:t>Third level</a:t>
+            </a:r>
+            <a:endParaRPr lang="en-US"/>
+          </a:p>
+          <a:p>
+            <a:pPr lvl="3"/>
+            <a:r>
+              <a:rPr lang="en-US"/>
+              <a:t>Fourth level</a:t>
+            </a:r>
+            <a:endParaRPr lang="en-US"/>
+          </a:p>
+          <a:p>
+            <a:pPr lvl="4"/>
+            <a:r>
+              <a:rPr lang="en-US"/>
+              <a:t>Fifth level</a:t>
+            </a:r>
+            <a:endParaRPr lang="en-CA"/>
+          </a:p>
+        </p:txBody>
+      </p:sp>
+      <p:sp>
+        <p:nvSpPr>
+          <p:cNvPr id="4" name="Date Placeholder 3"/>
+          <p:cNvSpPr>
+            <a:spLocks noGrp="1"/>
+          </p:cNvSpPr>
+          <p:nvPr>
+            <p:ph type="dt" sz="half" idx="2"/>
+          </p:nvPr>
+        </p:nvSpPr>
+        <p:spPr>
+          <a:xfrm>
+            <a:off x="838200" y="6356350"/>
+            <a:ext cx="2743200" cy="365125"/>
+          </a:xfrm>
+          <a:prstGeom prst="rect">
+            <a:avLst/>
+          </a:prstGeom>
+        </p:spPr>
+        <p:txBody>
+          <a:bodyPr vert="horz" lIns="91440" tIns="45720" rIns="91440" bIns="45720" rtlCol="0" anchor="ctr"/>
+          <a:lstStyle>
+            <a:lvl1pPr algn="l">
+              <a:defRPr sz="1200">
+                <a:solidFill>
+                  <a:schemeClr val="tx1">
+                    <a:tint val="75000"/>
+                  </a:schemeClr>
+                </a:solidFill>
+              </a:defRPr>
+            </a:lvl1pPr>
+          </a:lstStyle>
+          <a:p>
+            <a:fld id="{FA8E38F2-E683-4544-98ED-C0B89851DC53}" type="datetimeFigureOut">
+              <a:rPr lang="en-CA" smtClean="0"/>
+            </a:fld>
+            <a:endParaRPr lang="en-CA"/>
+          </a:p>
+        </p:txBody>
+      </p:sp>
+      <p:sp>
+        <p:nvSpPr>
+          <p:cNvPr id="5" name="Footer Placeholder 4"/>
+          <p:cNvSpPr>
+            <a:spLocks noGrp="1"/>
+          </p:cNvSpPr>
+          <p:nvPr>
+            <p:ph type="ftr" sz="quarter" idx="3"/>
+          </p:nvPr>
+        </p:nvSpPr>
+        <p:spPr>
+          <a:xfrm>
+            <a:off x="4038600" y="6356350"/>
+            <a:ext cx="4114800" cy="365125"/>
+          </a:xfrm>
+          <a:prstGeom prst="rect">
+            <a:avLst/>
+          </a:prstGeom>
+        </p:spPr>
+        <p:txBody>
+          <a:bodyPr vert="horz" lIns="91440" tIns="45720" rIns="91440" bIns="45720" rtlCol="0" anchor="ctr"/>
+          <a:lstStyle>
+            <a:lvl1pPr algn="ctr">
+              <a:defRPr sz="1200">
+                <a:solidFill>
+                  <a:schemeClr val="tx1">
+                    <a:tint val="75000"/>
+                  </a:schemeClr>
+                </a:solidFill>
+              </a:defRPr>
+            </a:lvl1pPr>
+          </a:lstStyle>
+          <a:p>
+            <a:endParaRPr lang="en-CA"/>
+          </a:p>
+        </p:txBody>
+      </p:sp>
+      <p:sp>
+        <p:nvSpPr>
+          <p:cNvPr id="6" name="Slide Number Placeholder 5"/>
+          <p:cNvSpPr>
+            <a:spLocks noGrp="1"/>
+          </p:cNvSpPr>
+          <p:nvPr>
+            <p:ph type="sldNum" sz="quarter" idx="4"/>
+          </p:nvPr>
+        </p:nvSpPr>
+        <p:spPr>
+          <a:xfrm>
+            <a:off x="8610600" y="6356350"/>
+            <a:ext cx="2743200" cy="365125"/>
+          </a:xfrm>
+          <a:prstGeom prst="rect">
+            <a:avLst/>
+          </a:prstGeom>
+        </p:spPr>
+        <p:txBody>
+          <a:bodyPr vert="horz" lIns="91440" tIns="45720" rIns="91440" bIns="45720" rtlCol="0" anchor="ctr"/>
+          <a:lstStyle>
+            <a:lvl1pPr algn="r">
+              <a:defRPr sz="1200">
+                <a:solidFill>
+                  <a:schemeClr val="tx1">
+                    <a:tint val="75000"/>
+                  </a:schemeClr>
+                </a:solidFill>
+              </a:defRPr>
+            </a:lvl1pPr>
+          </a:lstStyle>
+          <a:p>
+            <a:fld id="{B9E7055C-48C2-411B-80D3-FB72D096FB00}" type="slidenum">
+              <a:rPr lang="en-CA" smtClean="0"/>
+            </a:fld>
+            <a:endParaRPr lang="en-CA"/>
+          </a:p>
+        </p:txBody>
+      </p:sp>
+    </p:spTree>
+  </p:cSld>
+  <p:clrMap bg1="lt1" tx1="dk1" bg2="lt2" tx2="dk2" accent1="accent1" accent2="accent2" accent3="accent3" accent4="accent4" accent5="accent5" accent6="accent6" hlink="hlink" folHlink="folHlink"/>
+  <p:sldLayoutIdLst>
+    <p:sldLayoutId id="2147483661" r:id="rId1"/>
+    <p:sldLayoutId id="2147483662" r:id="rId2"/>
+    <p:sldLayoutId id="2147483663" r:id="rId3"/>
+    <p:sldLayoutId id="2147483664" r:id="rId4"/>
+    <p:sldLayoutId id="2147483665" r:id="rId5"/>
+    <p:sldLayoutId id="2147483666" r:id="rId6"/>
+    <p:sldLayoutId id="2147483667" r:id="rId7"/>
+    <p:sldLayoutId id="2147483668" r:id="rId8"/>
+    <p:sldLayoutId id="2147483669" r:id="rId9"/>
+    <p:sldLayoutId id="2147483670" r:id="rId10"/>
+    <p:sldLayoutId id="2147483671" r:id="rId11"/>
+  </p:sldLayoutIdLst>
+  <p:txStyles>
+    <p:titleStyle>
+      <a:lvl1pPr algn="l" defTabSz="914400" rtl="0" eaLnBrk="1" latinLnBrk="0" hangingPunct="1">
+        <a:lnSpc>
+          <a:spcPct val="90000"/>
+        </a:lnSpc>
+        <a:spcBef>
+          <a:spcPct val="0"/>
+        </a:spcBef>
+        <a:buNone/>
+        <a:defRPr sz="4400" kern="1200">
+          <a:solidFill>
+            <a:schemeClr val="tx1"/>
+          </a:solidFill>
+          <a:latin typeface="+mj-lt"/>
+          <a:ea typeface="+mj-ea"/>
+          <a:cs typeface="+mj-cs"/>
+        </a:defRPr>
+      </a:lvl1pPr>
+    </p:titleStyle>
+    <p:bodyStyle>
+      <a:lvl1pPr marL="228600" indent="-228600" algn="l" defTabSz="914400" rtl="0" eaLnBrk="1" latinLnBrk="0" hangingPunct="1">
+        <a:lnSpc>
+          <a:spcPct val="90000"/>
+        </a:lnSpc>
+        <a:spcBef>
+          <a:spcPts val="1000"/>
+        </a:spcBef>
+        <a:buFont typeface="Arial" panose="02080604020202020204" pitchFamily="34" charset="0"/>
+        <a:buChar char="•"/>
+        <a:defRPr sz="2800" kern="1200">
+          <a:solidFill>
+            <a:schemeClr val="tx1"/>
+          </a:solidFill>
+          <a:latin typeface="+mn-lt"/>
+          <a:ea typeface="+mn-ea"/>
+          <a:cs typeface="+mn-cs"/>
+        </a:defRPr>
+      </a:lvl1pPr>
+      <a:lvl2pPr marL="685800" indent="-228600" algn="l" defTabSz="914400" rtl="0" eaLnBrk="1" latinLnBrk="0" hangingPunct="1">
+        <a:lnSpc>
+          <a:spcPct val="90000"/>
+        </a:lnSpc>
+        <a:spcBef>
+          <a:spcPts val="500"/>
+        </a:spcBef>
+        <a:buFont typeface="Arial" panose="02080604020202020204" pitchFamily="34" charset="0"/>
+        <a:buChar char="•"/>
+        <a:defRPr sz="2400" kern="1200">
+          <a:solidFill>
+            <a:schemeClr val="tx1"/>
+          </a:solidFill>
+          <a:latin typeface="+mn-lt"/>
+          <a:ea typeface="+mn-ea"/>
+          <a:cs typeface="+mn-cs"/>
+        </a:defRPr>
+      </a:lvl2pPr>
+      <a:lvl3pPr marL="1143000" indent="-228600" algn="l" defTabSz="914400" rtl="0" eaLnBrk="1" latinLnBrk="0" hangingPunct="1">
+        <a:lnSpc>
+          <a:spcPct val="90000"/>
+        </a:lnSpc>
+        <a:spcBef>
+          <a:spcPts val="500"/>
+        </a:spcBef>
+        <a:buFont typeface="Arial" panose="02080604020202020204" pitchFamily="34" charset="0"/>
+        <a:buChar char="•"/>
+        <a:defRPr sz="2000" kern="1200">
+          <a:solidFill>
+            <a:schemeClr val="tx1"/>
+          </a:solidFill>
+          <a:latin typeface="+mn-lt"/>
+          <a:ea typeface="+mn-ea"/>
+          <a:cs typeface="+mn-cs"/>
+        </a:defRPr>
+      </a:lvl3pPr>
+      <a:lvl4pPr marL="1600200" indent="-228600" algn="l" defTabSz="914400" rtl="0" eaLnBrk="1" latinLnBrk="0" hangingPunct="1">
+        <a:lnSpc>
+          <a:spcPct val="90000"/>
+        </a:lnSpc>
+        <a:spcBef>
+          <a:spcPts val="500"/>
+        </a:spcBef>
+        <a:buFont typeface="Arial" panose="02080604020202020204" pitchFamily="34" charset="0"/>
+        <a:buChar char="•"/>
+        <a:defRPr sz="1800" kern="1200">
+          <a:solidFill>
+            <a:schemeClr val="tx1"/>
+          </a:solidFill>
+          <a:latin typeface="+mn-lt"/>
+          <a:ea typeface="+mn-ea"/>
+          <a:cs typeface="+mn-cs"/>
+        </a:defRPr>
+      </a:lvl4pPr>
+      <a:lvl5pPr marL="2057400" indent="-228600" algn="l" defTabSz="914400" rtl="0" eaLnBrk="1" latinLnBrk="0" hangingPunct="1">
+        <a:lnSpc>
+          <a:spcPct val="90000"/>
+        </a:lnSpc>
+        <a:spcBef>
+          <a:spcPts val="500"/>
+        </a:spcBef>
+        <a:buFont typeface="Arial" panose="02080604020202020204" pitchFamily="34" charset="0"/>
+        <a:buChar char="•"/>
+        <a:defRPr sz="1800" kern="1200">
+          <a:solidFill>
+            <a:schemeClr val="tx1"/>
+          </a:solidFill>
+          <a:latin typeface="+mn-lt"/>
+          <a:ea typeface="+mn-ea"/>
+          <a:cs typeface="+mn-cs"/>
+        </a:defRPr>
+      </a:lvl5pPr>
+      <a:lvl6pPr marL="2514600" indent="-228600" algn="l" defTabSz="914400" rtl="0" eaLnBrk="1" latinLnBrk="0" hangingPunct="1">
+        <a:lnSpc>
+          <a:spcPct val="90000"/>
+        </a:lnSpc>
+        <a:spcBef>
+          <a:spcPts val="500"/>
+        </a:spcBef>
+        <a:buFont typeface="Arial" panose="02080604020202020204" pitchFamily="34" charset="0"/>
+        <a:buChar char="•"/>
+        <a:defRPr sz="1800" kern="1200">
+          <a:solidFill>
+            <a:schemeClr val="tx1"/>
+          </a:solidFill>
+          <a:latin typeface="+mn-lt"/>
+          <a:ea typeface="+mn-ea"/>
+          <a:cs typeface="+mn-cs"/>
+        </a:defRPr>
+      </a:lvl6pPr>
+      <a:lvl7pPr marL="2971800" indent="-228600" algn="l" defTabSz="914400" rtl="0" eaLnBrk="1" latinLnBrk="0" hangingPunct="1">
+        <a:lnSpc>
+          <a:spcPct val="90000"/>
+        </a:lnSpc>
+        <a:spcBef>
+          <a:spcPts val="500"/>
+        </a:spcBef>
+        <a:buFont typeface="Arial" panose="02080604020202020204" pitchFamily="34" charset="0"/>
+        <a:buChar char="•"/>
+        <a:defRPr sz="1800" kern="1200">
+          <a:solidFill>
+            <a:schemeClr val="tx1"/>
+          </a:solidFill>
+          <a:latin typeface="+mn-lt"/>
+          <a:ea typeface="+mn-ea"/>
+          <a:cs typeface="+mn-cs"/>
+        </a:defRPr>
+      </a:lvl7pPr>
+      <a:lvl8pPr marL="3429000" indent="-228600" algn="l" defTabSz="914400" rtl="0" eaLnBrk="1" latinLnBrk="0" hangingPunct="1">
+        <a:lnSpc>
+          <a:spcPct val="90000"/>
+        </a:lnSpc>
+        <a:spcBef>
+          <a:spcPts val="500"/>
+        </a:spcBef>
+        <a:buFont typeface="Arial" panose="02080604020202020204" pitchFamily="34" charset="0"/>
+        <a:buChar char="•"/>
+        <a:defRPr sz="1800" kern="1200">
+          <a:solidFill>
+            <a:schemeClr val="tx1"/>
+          </a:solidFill>
+          <a:latin typeface="+mn-lt"/>
+          <a:ea typeface="+mn-ea"/>
+          <a:cs typeface="+mn-cs"/>
+        </a:defRPr>
+      </a:lvl8pPr>
+      <a:lvl9pPr marL="3886200" indent="-228600" algn="l" defTabSz="914400" rtl="0" eaLnBrk="1" latinLnBrk="0" hangingPunct="1">
+        <a:lnSpc>
+          <a:spcPct val="90000"/>
+        </a:lnSpc>
+        <a:spcBef>
+          <a:spcPts val="500"/>
+        </a:spcBef>
+        <a:buFont typeface="Arial" panose="02080604020202020204" pitchFamily="34" charset="0"/>
         <a:buChar char="•"/>
         <a:defRPr sz="1800" kern="1200">
           <a:solidFill>
@@ -3360,13 +5734,7 @@
       </p:grpSpPr>
       <p:sp>
         <p:nvSpPr>
-          <p:cNvPr id="2" name="Title 1">
-            <a:extLst>
-              <a:ext uri="{FF2B5EF4-FFF2-40B4-BE49-F238E27FC236}">
-                <a16:creationId xmlns:a16="http://schemas.microsoft.com/office/drawing/2014/main" id="{D991EBDC-2490-4A79-ABF5-2C546FE2855B}"/>
-              </a:ext>
-            </a:extLst>
-          </p:cNvPr>
+          <p:cNvPr id="2" name="Title 1"/>
           <p:cNvSpPr>
             <a:spLocks noGrp="1"/>
           </p:cNvSpPr>
@@ -3394,13 +5762,7 @@
       </p:sp>
       <p:sp>
         <p:nvSpPr>
-          <p:cNvPr id="3" name="Subtitle 2">
-            <a:extLst>
-              <a:ext uri="{FF2B5EF4-FFF2-40B4-BE49-F238E27FC236}">
-                <a16:creationId xmlns:a16="http://schemas.microsoft.com/office/drawing/2014/main" id="{79124731-0C72-41FC-AC08-B8B803926B50}"/>
-              </a:ext>
-            </a:extLst>
-          </p:cNvPr>
+          <p:cNvPr id="3" name="Subtitle 2"/>
           <p:cNvSpPr>
             <a:spLocks noGrp="1"/>
           </p:cNvSpPr>
@@ -3422,12 +5784,14 @@
               <a:rPr lang="en-US" dirty="0"/>
               <a:t>Results: ingestion, EDA, modeling</a:t>
             </a:r>
+            <a:endParaRPr lang="en-US" dirty="0"/>
           </a:p>
           <a:p>
             <a:r>
               <a:rPr lang="en-US" dirty="0"/>
               <a:t>Prepared by: Stepan Oskin</a:t>
             </a:r>
+            <a:endParaRPr lang="en-US" dirty="0"/>
           </a:p>
           <a:p>
             <a:r>
@@ -3447,11 +5811,6 @@
         </p:txBody>
       </p:sp>
     </p:spTree>
-    <p:extLst>
-      <p:ext uri="{BB962C8B-B14F-4D97-AF65-F5344CB8AC3E}">
-        <p14:creationId xmlns:p14="http://schemas.microsoft.com/office/powerpoint/2010/main" val="268333011"/>
-      </p:ext>
-    </p:extLst>
   </p:cSld>
   <p:clrMapOvr>
     <a:masterClrMapping/>
@@ -3460,6 +5819,195 @@
 </file>
 
 <file path=ppt/slides/slide10.xml><?xml version="1.0" encoding="utf-8"?>
+<p:sld xmlns:a="http://schemas.openxmlformats.org/drawingml/2006/main" xmlns:r="http://schemas.openxmlformats.org/officeDocument/2006/relationships" xmlns:p="http://schemas.openxmlformats.org/presentationml/2006/main">
+  <p:cSld>
+    <p:spTree>
+      <p:nvGrpSpPr>
+        <p:cNvPr id="1" name=""/>
+        <p:cNvGrpSpPr/>
+        <p:nvPr/>
+      </p:nvGrpSpPr>
+      <p:grpSpPr>
+        <a:xfrm>
+          <a:off x="0" y="0"/>
+          <a:ext cx="0" cy="0"/>
+          <a:chOff x="0" y="0"/>
+          <a:chExt cx="0" cy="0"/>
+        </a:xfrm>
+      </p:grpSpPr>
+      <p:sp>
+        <p:nvSpPr>
+          <p:cNvPr id="2" name="Title 1"/>
+          <p:cNvSpPr>
+            <a:spLocks noGrp="1"/>
+          </p:cNvSpPr>
+          <p:nvPr>
+            <p:ph type="title"/>
+          </p:nvPr>
+        </p:nvSpPr>
+        <p:spPr/>
+        <p:txBody>
+          <a:bodyPr/>
+          <a:lstStyle/>
+          <a:p>
+            <a:r>
+              <a:rPr lang="en-US" dirty="0"/>
+              <a:t>EDA findings</a:t>
+            </a:r>
+            <a:endParaRPr lang="en-CA" dirty="0"/>
+          </a:p>
+        </p:txBody>
+      </p:sp>
+      <p:sp>
+        <p:nvSpPr>
+          <p:cNvPr id="3" name="Content Placeholder 2"/>
+          <p:cNvSpPr>
+            <a:spLocks noGrp="1"/>
+          </p:cNvSpPr>
+          <p:nvPr>
+            <p:ph idx="1"/>
+          </p:nvPr>
+        </p:nvSpPr>
+        <p:spPr/>
+        <p:txBody>
+          <a:bodyPr/>
+          <a:lstStyle/>
+          <a:p>
+            <a:r>
+              <a:rPr lang="en-US" dirty="0"/>
+              <a:t>It’s all about customer service</a:t>
+            </a:r>
+            <a:endParaRPr lang="en-US" dirty="0"/>
+          </a:p>
+          <a:p>
+            <a:r>
+              <a:rPr lang="en-US" dirty="0"/>
+              <a:t>Much more positive reviews, most are 5-star</a:t>
+            </a:r>
+            <a:endParaRPr lang="en-CA" dirty="0"/>
+          </a:p>
+        </p:txBody>
+      </p:sp>
+      <p:pic>
+        <p:nvPicPr>
+          <p:cNvPr id="4" name="Picture 3"/>
+          <p:cNvPicPr>
+            <a:picLocks noChangeAspect="1"/>
+          </p:cNvPicPr>
+          <p:nvPr/>
+        </p:nvPicPr>
+        <p:blipFill>
+          <a:blip r:embed="rId1"/>
+          <a:stretch>
+            <a:fillRect/>
+          </a:stretch>
+        </p:blipFill>
+        <p:spPr>
+          <a:xfrm>
+            <a:off x="838200" y="2899505"/>
+            <a:ext cx="5681219" cy="3593370"/>
+          </a:xfrm>
+          <a:prstGeom prst="rect">
+            <a:avLst/>
+          </a:prstGeom>
+        </p:spPr>
+      </p:pic>
+    </p:spTree>
+  </p:cSld>
+  <p:clrMapOvr>
+    <a:masterClrMapping/>
+  </p:clrMapOvr>
+</p:sld>
+</file>
+
+<file path=ppt/slides/slide11.xml><?xml version="1.0" encoding="utf-8"?>
+<p:sld xmlns:a="http://schemas.openxmlformats.org/drawingml/2006/main" xmlns:r="http://schemas.openxmlformats.org/officeDocument/2006/relationships" xmlns:p="http://schemas.openxmlformats.org/presentationml/2006/main">
+  <p:cSld>
+    <p:spTree>
+      <p:nvGrpSpPr>
+        <p:cNvPr id="1" name=""/>
+        <p:cNvGrpSpPr/>
+        <p:nvPr/>
+      </p:nvGrpSpPr>
+      <p:grpSpPr>
+        <a:xfrm>
+          <a:off x="0" y="0"/>
+          <a:ext cx="0" cy="0"/>
+          <a:chOff x="0" y="0"/>
+          <a:chExt cx="0" cy="0"/>
+        </a:xfrm>
+      </p:grpSpPr>
+      <p:sp>
+        <p:nvSpPr>
+          <p:cNvPr id="2" name="Title 1"/>
+          <p:cNvSpPr>
+            <a:spLocks noGrp="1"/>
+          </p:cNvSpPr>
+          <p:nvPr>
+            <p:ph type="ctrTitle"/>
+          </p:nvPr>
+        </p:nvSpPr>
+        <p:spPr>
+          <a:xfrm>
+            <a:off x="1524000" y="1122363"/>
+            <a:ext cx="9144000" cy="2387600"/>
+          </a:xfrm>
+        </p:spPr>
+        <p:txBody>
+          <a:bodyPr/>
+          <a:lstStyle/>
+          <a:p>
+            <a:r>
+              <a:rPr lang="en-US" dirty="0"/>
+              <a:t>Section </a:t>
+            </a:r>
+            <a:r>
+              <a:rPr lang="" altLang="en-US" dirty="0"/>
+              <a:t>4</a:t>
+            </a:r>
+            <a:endParaRPr lang="" altLang="en-US" dirty="0"/>
+          </a:p>
+        </p:txBody>
+      </p:sp>
+      <p:sp>
+        <p:nvSpPr>
+          <p:cNvPr id="3" name="Subtitle 2"/>
+          <p:cNvSpPr>
+            <a:spLocks noGrp="1"/>
+          </p:cNvSpPr>
+          <p:nvPr>
+            <p:ph type="subTitle" idx="1"/>
+          </p:nvPr>
+        </p:nvSpPr>
+        <p:spPr>
+          <a:xfrm>
+            <a:off x="1524000" y="3602038"/>
+            <a:ext cx="9144000" cy="1655762"/>
+          </a:xfrm>
+        </p:spPr>
+        <p:txBody>
+          <a:bodyPr>
+            <a:normAutofit/>
+          </a:bodyPr>
+          <a:lstStyle/>
+          <a:p>
+            <a:r>
+              <a:rPr lang="en-US" sz="4400" dirty="0"/>
+              <a:t>Modeling results: predicting rating from review text</a:t>
+            </a:r>
+            <a:endParaRPr lang="en-CA" sz="4400" dirty="0"/>
+          </a:p>
+        </p:txBody>
+      </p:sp>
+    </p:spTree>
+  </p:cSld>
+  <p:clrMapOvr>
+    <a:masterClrMapping/>
+  </p:clrMapOvr>
+</p:sld>
+</file>
+
+<file path=ppt/slides/slide12.xml><?xml version="1.0" encoding="utf-8"?>
 <p:sld xmlns:a="http://schemas.openxmlformats.org/drawingml/2006/main" xmlns:r="http://schemas.openxmlformats.org/officeDocument/2006/relationships" xmlns:p="http://schemas.openxmlformats.org/presentationml/2006/main">
   <p:cSld>
     <p:bg>
@@ -3486,13 +6034,7 @@
       </p:grpSpPr>
       <p:sp>
         <p:nvSpPr>
-          <p:cNvPr id="2" name="Title 1">
-            <a:extLst>
-              <a:ext uri="{FF2B5EF4-FFF2-40B4-BE49-F238E27FC236}">
-                <a16:creationId xmlns:a16="http://schemas.microsoft.com/office/drawing/2014/main" id="{6DEAB4BA-8CC6-4348-9381-1B0A9990A471}"/>
-              </a:ext>
-            </a:extLst>
-          </p:cNvPr>
+          <p:cNvPr id="2" name="Title 1"/>
           <p:cNvSpPr>
             <a:spLocks noGrp="1"/>
           </p:cNvSpPr>
@@ -3524,25 +6066,27 @@
               </a:rPr>
               <a:t>Dealing with class imbalance</a:t>
             </a:r>
+            <a:endParaRPr lang="en-US" sz="5400" kern="1200" dirty="0">
+              <a:solidFill>
+                <a:schemeClr val="tx1"/>
+              </a:solidFill>
+              <a:latin typeface="+mj-lt"/>
+              <a:ea typeface="+mj-ea"/>
+              <a:cs typeface="+mj-cs"/>
+            </a:endParaRPr>
           </a:p>
         </p:txBody>
       </p:sp>
       <p:pic>
         <p:nvPicPr>
-          <p:cNvPr id="5" name="Picture 4">
-            <a:extLst>
-              <a:ext uri="{FF2B5EF4-FFF2-40B4-BE49-F238E27FC236}">
-                <a16:creationId xmlns:a16="http://schemas.microsoft.com/office/drawing/2014/main" id="{63CB208B-CBD8-409A-A2CA-60B3A0732FBD}"/>
-              </a:ext>
-            </a:extLst>
-          </p:cNvPr>
+          <p:cNvPr id="5" name="Picture 4"/>
           <p:cNvPicPr>
             <a:picLocks noChangeAspect="1"/>
           </p:cNvPicPr>
           <p:nvPr/>
         </p:nvPicPr>
         <p:blipFill>
-          <a:blip r:embed="rId2"/>
+          <a:blip r:embed="rId1"/>
           <a:stretch>
             <a:fillRect/>
           </a:stretch>
@@ -3559,20 +6103,14 @@
       </p:pic>
       <p:pic>
         <p:nvPicPr>
-          <p:cNvPr id="4" name="Picture 3">
-            <a:extLst>
-              <a:ext uri="{FF2B5EF4-FFF2-40B4-BE49-F238E27FC236}">
-                <a16:creationId xmlns:a16="http://schemas.microsoft.com/office/drawing/2014/main" id="{B65BF989-F6CF-4A37-8A1B-D16D38C30810}"/>
-              </a:ext>
-            </a:extLst>
-          </p:cNvPr>
+          <p:cNvPr id="4" name="Picture 3"/>
           <p:cNvPicPr>
             <a:picLocks noChangeAspect="1"/>
           </p:cNvPicPr>
           <p:nvPr/>
         </p:nvPicPr>
         <p:blipFill>
-          <a:blip r:embed="rId3"/>
+          <a:blip r:embed="rId2"/>
           <a:stretch>
             <a:fillRect/>
           </a:stretch>
@@ -3589,13 +6127,7 @@
       </p:pic>
       <p:sp>
         <p:nvSpPr>
-          <p:cNvPr id="6" name="TextBox 5">
-            <a:extLst>
-              <a:ext uri="{FF2B5EF4-FFF2-40B4-BE49-F238E27FC236}">
-                <a16:creationId xmlns:a16="http://schemas.microsoft.com/office/drawing/2014/main" id="{072B52BF-3F16-4AC1-99D5-D5E107E00F25}"/>
-              </a:ext>
-            </a:extLst>
-          </p:cNvPr>
+          <p:cNvPr id="6" name="TextBox 5"/>
           <p:cNvSpPr txBox="1"/>
           <p:nvPr/>
         </p:nvSpPr>
@@ -3628,11 +6160,6 @@
         </p:txBody>
       </p:sp>
     </p:spTree>
-    <p:extLst>
-      <p:ext uri="{BB962C8B-B14F-4D97-AF65-F5344CB8AC3E}">
-        <p14:creationId xmlns:p14="http://schemas.microsoft.com/office/powerpoint/2010/main" val="2813561075"/>
-      </p:ext>
-    </p:extLst>
   </p:cSld>
   <p:clrMapOvr>
     <a:masterClrMapping/>
@@ -3640,7 +6167,7 @@
 </p:sld>
 </file>
 
-<file path=ppt/slides/slide11.xml><?xml version="1.0" encoding="utf-8"?>
+<file path=ppt/slides/slide13.xml><?xml version="1.0" encoding="utf-8"?>
 <p:sld xmlns:a="http://schemas.openxmlformats.org/drawingml/2006/main" xmlns:r="http://schemas.openxmlformats.org/officeDocument/2006/relationships" xmlns:p="http://schemas.openxmlformats.org/presentationml/2006/main">
   <p:cSld>
     <p:spTree>
@@ -3659,13 +6186,7 @@
       </p:grpSpPr>
       <p:sp>
         <p:nvSpPr>
-          <p:cNvPr id="2" name="Title 1">
-            <a:extLst>
-              <a:ext uri="{FF2B5EF4-FFF2-40B4-BE49-F238E27FC236}">
-                <a16:creationId xmlns:a16="http://schemas.microsoft.com/office/drawing/2014/main" id="{1D879E5D-7252-4F6A-B7DD-ACB64BF3C477}"/>
-              </a:ext>
-            </a:extLst>
-          </p:cNvPr>
+          <p:cNvPr id="2" name="Title 1"/>
           <p:cNvSpPr>
             <a:spLocks noGrp="1"/>
           </p:cNvSpPr>
@@ -3688,13 +6209,7 @@
       </p:sp>
       <p:sp>
         <p:nvSpPr>
-          <p:cNvPr id="3" name="Content Placeholder 2">
-            <a:extLst>
-              <a:ext uri="{FF2B5EF4-FFF2-40B4-BE49-F238E27FC236}">
-                <a16:creationId xmlns:a16="http://schemas.microsoft.com/office/drawing/2014/main" id="{1476A926-4597-4EC0-8521-B7302CD8EF8B}"/>
-              </a:ext>
-            </a:extLst>
-          </p:cNvPr>
+          <p:cNvPr id="3" name="Content Placeholder 2"/>
           <p:cNvSpPr>
             <a:spLocks noGrp="1"/>
           </p:cNvSpPr>
@@ -3716,6 +6231,7 @@
               <a:rPr lang="en-US" dirty="0"/>
               <a:t>Tokenization</a:t>
             </a:r>
+            <a:endParaRPr lang="en-US" dirty="0"/>
           </a:p>
           <a:p>
             <a:endParaRPr lang="en-US" dirty="0"/>
@@ -3731,6 +6247,7 @@
               <a:rPr lang="en-US" dirty="0"/>
               <a:t>Term frequency (bag-of-words), unigrams</a:t>
             </a:r>
+            <a:endParaRPr lang="en-US" dirty="0"/>
           </a:p>
           <a:p>
             <a:endParaRPr lang="en-US" dirty="0"/>
@@ -3745,20 +6262,14 @@
       </p:sp>
       <p:pic>
         <p:nvPicPr>
-          <p:cNvPr id="4" name="Picture 3">
-            <a:extLst>
-              <a:ext uri="{FF2B5EF4-FFF2-40B4-BE49-F238E27FC236}">
-                <a16:creationId xmlns:a16="http://schemas.microsoft.com/office/drawing/2014/main" id="{04FA7936-EF59-4596-AB22-8D023901BEC9}"/>
-              </a:ext>
-            </a:extLst>
-          </p:cNvPr>
+          <p:cNvPr id="4" name="Picture 3"/>
           <p:cNvPicPr>
             <a:picLocks noChangeAspect="1"/>
           </p:cNvPicPr>
           <p:nvPr/>
         </p:nvPicPr>
         <p:blipFill>
-          <a:blip r:embed="rId2"/>
+          <a:blip r:embed="rId1"/>
           <a:stretch>
             <a:fillRect/>
           </a:stretch>
@@ -3775,20 +6286,14 @@
       </p:pic>
       <p:pic>
         <p:nvPicPr>
-          <p:cNvPr id="5" name="Picture 4">
-            <a:extLst>
-              <a:ext uri="{FF2B5EF4-FFF2-40B4-BE49-F238E27FC236}">
-                <a16:creationId xmlns:a16="http://schemas.microsoft.com/office/drawing/2014/main" id="{DCC87040-32CC-4EEF-9ECE-63B1CADD816A}"/>
-              </a:ext>
-            </a:extLst>
-          </p:cNvPr>
+          <p:cNvPr id="5" name="Picture 4"/>
           <p:cNvPicPr>
             <a:picLocks noChangeAspect="1"/>
           </p:cNvPicPr>
           <p:nvPr/>
         </p:nvPicPr>
         <p:blipFill>
-          <a:blip r:embed="rId3"/>
+          <a:blip r:embed="rId2"/>
           <a:stretch>
             <a:fillRect/>
           </a:stretch>
@@ -3805,20 +6310,14 @@
       </p:pic>
       <p:pic>
         <p:nvPicPr>
-          <p:cNvPr id="6" name="Picture 5">
-            <a:extLst>
-              <a:ext uri="{FF2B5EF4-FFF2-40B4-BE49-F238E27FC236}">
-                <a16:creationId xmlns:a16="http://schemas.microsoft.com/office/drawing/2014/main" id="{EB0FA89F-BA56-4C5C-B7FC-AC87EF426BED}"/>
-              </a:ext>
-            </a:extLst>
-          </p:cNvPr>
+          <p:cNvPr id="6" name="Picture 5"/>
           <p:cNvPicPr>
             <a:picLocks noChangeAspect="1"/>
           </p:cNvPicPr>
           <p:nvPr/>
         </p:nvPicPr>
         <p:blipFill>
-          <a:blip r:embed="rId4"/>
+          <a:blip r:embed="rId3"/>
           <a:stretch>
             <a:fillRect/>
           </a:stretch>
@@ -3834,11 +6333,6 @@
         </p:spPr>
       </p:pic>
     </p:spTree>
-    <p:extLst>
-      <p:ext uri="{BB962C8B-B14F-4D97-AF65-F5344CB8AC3E}">
-        <p14:creationId xmlns:p14="http://schemas.microsoft.com/office/powerpoint/2010/main" val="188607221"/>
-      </p:ext>
-    </p:extLst>
   </p:cSld>
   <p:clrMapOvr>
     <a:masterClrMapping/>
@@ -3846,7 +6340,7 @@
 </p:sld>
 </file>
 
-<file path=ppt/slides/slide12.xml><?xml version="1.0" encoding="utf-8"?>
+<file path=ppt/slides/slide14.xml><?xml version="1.0" encoding="utf-8"?>
 <p:sld xmlns:a="http://schemas.openxmlformats.org/drawingml/2006/main" xmlns:r="http://schemas.openxmlformats.org/officeDocument/2006/relationships" xmlns:p="http://schemas.openxmlformats.org/presentationml/2006/main">
   <p:cSld>
     <p:spTree>
@@ -3865,13 +6359,7 @@
       </p:grpSpPr>
       <p:sp>
         <p:nvSpPr>
-          <p:cNvPr id="2" name="Title 1">
-            <a:extLst>
-              <a:ext uri="{FF2B5EF4-FFF2-40B4-BE49-F238E27FC236}">
-                <a16:creationId xmlns:a16="http://schemas.microsoft.com/office/drawing/2014/main" id="{ED3146C0-0A1A-49E9-B869-FCB34F7EF2C4}"/>
-              </a:ext>
-            </a:extLst>
-          </p:cNvPr>
+          <p:cNvPr id="2" name="Title 1"/>
           <p:cNvSpPr>
             <a:spLocks noGrp="1"/>
           </p:cNvSpPr>
@@ -3899,20 +6387,14 @@
       </p:sp>
       <p:pic>
         <p:nvPicPr>
-          <p:cNvPr id="4" name="Picture 3">
-            <a:extLst>
-              <a:ext uri="{FF2B5EF4-FFF2-40B4-BE49-F238E27FC236}">
-                <a16:creationId xmlns:a16="http://schemas.microsoft.com/office/drawing/2014/main" id="{94396833-3033-4157-A171-E4F51D82599C}"/>
-              </a:ext>
-            </a:extLst>
-          </p:cNvPr>
+          <p:cNvPr id="4" name="Picture 3"/>
           <p:cNvPicPr>
             <a:picLocks noChangeAspect="1"/>
           </p:cNvPicPr>
           <p:nvPr/>
         </p:nvPicPr>
         <p:blipFill>
-          <a:blip r:embed="rId2"/>
+          <a:blip r:embed="rId1"/>
           <a:stretch>
             <a:fillRect/>
           </a:stretch>
@@ -3929,20 +6411,14 @@
       </p:pic>
       <p:pic>
         <p:nvPicPr>
-          <p:cNvPr id="5" name="Picture 4">
-            <a:extLst>
-              <a:ext uri="{FF2B5EF4-FFF2-40B4-BE49-F238E27FC236}">
-                <a16:creationId xmlns:a16="http://schemas.microsoft.com/office/drawing/2014/main" id="{AE85A377-D4CB-4887-A5B3-06DC59F9052F}"/>
-              </a:ext>
-            </a:extLst>
-          </p:cNvPr>
+          <p:cNvPr id="5" name="Picture 4"/>
           <p:cNvPicPr>
             <a:picLocks noChangeAspect="1"/>
           </p:cNvPicPr>
           <p:nvPr/>
         </p:nvPicPr>
         <p:blipFill>
-          <a:blip r:embed="rId3"/>
+          <a:blip r:embed="rId2"/>
           <a:stretch>
             <a:fillRect/>
           </a:stretch>
@@ -3958,11 +6434,6 @@
         </p:spPr>
       </p:pic>
     </p:spTree>
-    <p:extLst>
-      <p:ext uri="{BB962C8B-B14F-4D97-AF65-F5344CB8AC3E}">
-        <p14:creationId xmlns:p14="http://schemas.microsoft.com/office/powerpoint/2010/main" val="3162780434"/>
-      </p:ext>
-    </p:extLst>
   </p:cSld>
   <p:clrMapOvr>
     <a:masterClrMapping/>
@@ -3989,13 +6460,7 @@
       </p:grpSpPr>
       <p:sp>
         <p:nvSpPr>
-          <p:cNvPr id="2" name="Title 1">
-            <a:extLst>
-              <a:ext uri="{FF2B5EF4-FFF2-40B4-BE49-F238E27FC236}">
-                <a16:creationId xmlns:a16="http://schemas.microsoft.com/office/drawing/2014/main" id="{D991EBDC-2490-4A79-ABF5-2C546FE2855B}"/>
-              </a:ext>
-            </a:extLst>
-          </p:cNvPr>
+          <p:cNvPr id="2" name="Title 1"/>
           <p:cNvSpPr>
             <a:spLocks noGrp="1"/>
           </p:cNvSpPr>
@@ -4023,13 +6488,7 @@
       </p:sp>
       <p:sp>
         <p:nvSpPr>
-          <p:cNvPr id="3" name="Subtitle 2">
-            <a:extLst>
-              <a:ext uri="{FF2B5EF4-FFF2-40B4-BE49-F238E27FC236}">
-                <a16:creationId xmlns:a16="http://schemas.microsoft.com/office/drawing/2014/main" id="{79124731-0C72-41FC-AC08-B8B803926B50}"/>
-              </a:ext>
-            </a:extLst>
-          </p:cNvPr>
+          <p:cNvPr id="3" name="Subtitle 2"/>
           <p:cNvSpPr>
             <a:spLocks noGrp="1"/>
           </p:cNvSpPr>
@@ -4050,19 +6509,14 @@
           <a:lstStyle/>
           <a:p>
             <a:r>
-              <a:rPr lang="en-US" sz="4400" dirty="0"/>
-              <a:t>Word clouds from Yelp reviews</a:t>
-            </a:r>
-            <a:endParaRPr lang="en-CA" sz="4400" dirty="0"/>
+              <a:rPr lang="" sz="4400" dirty="0"/>
+              <a:t>Data ingestion</a:t>
+            </a:r>
+            <a:endParaRPr lang="" sz="4400" dirty="0"/>
           </a:p>
         </p:txBody>
       </p:sp>
     </p:spTree>
-    <p:extLst>
-      <p:ext uri="{BB962C8B-B14F-4D97-AF65-F5344CB8AC3E}">
-        <p14:creationId xmlns:p14="http://schemas.microsoft.com/office/powerpoint/2010/main" val="3740225939"/>
-      </p:ext>
-    </p:extLst>
   </p:cSld>
   <p:clrMapOvr>
     <a:masterClrMapping/>
@@ -4079,50 +6533,90 @@
         <p:cNvGrpSpPr/>
         <p:nvPr/>
       </p:nvGrpSpPr>
-      <p:grpSpPr>
-        <a:xfrm>
-          <a:off x="0" y="0"/>
-          <a:ext cx="0" cy="0"/>
-          <a:chOff x="0" y="0"/>
-          <a:chExt cx="0" cy="0"/>
-        </a:xfrm>
-      </p:grpSpPr>
-      <p:pic>
-        <p:nvPicPr>
-          <p:cNvPr id="21" name="Picture 20">
-            <a:extLst>
-              <a:ext uri="{FF2B5EF4-FFF2-40B4-BE49-F238E27FC236}">
-                <a16:creationId xmlns:a16="http://schemas.microsoft.com/office/drawing/2014/main" id="{9FE5CF01-E463-4983-A44A-E2F8A8C5609B}"/>
-              </a:ext>
-            </a:extLst>
-          </p:cNvPr>
-          <p:cNvPicPr>
-            <a:picLocks noChangeAspect="1"/>
-          </p:cNvPicPr>
-          <p:nvPr/>
-        </p:nvPicPr>
-        <p:blipFill>
-          <a:blip r:embed="rId2"/>
-          <a:stretch>
-            <a:fillRect/>
-          </a:stretch>
-        </p:blipFill>
-        <p:spPr>
-          <a:xfrm>
-            <a:off x="735194" y="644222"/>
-            <a:ext cx="10599915" cy="5569543"/>
-          </a:xfrm>
-          <a:prstGeom prst="rect">
-            <a:avLst/>
-          </a:prstGeom>
-        </p:spPr>
-      </p:pic>
+      <p:grpSpPr/>
+      <p:sp>
+        <p:nvSpPr>
+          <p:cNvPr id="2" name="Title 1"/>
+          <p:cNvSpPr>
+            <a:spLocks noGrp="1"/>
+          </p:cNvSpPr>
+          <p:nvPr>
+            <p:ph type="title"/>
+          </p:nvPr>
+        </p:nvSpPr>
+        <p:spPr/>
+        <p:txBody>
+          <a:bodyPr/>
+          <a:p>
+            <a:r>
+              <a:rPr lang="" altLang="en-US"/>
+              <a:t>Data storage: PostgreSQL database</a:t>
+            </a:r>
+            <a:endParaRPr lang="" altLang="en-US"/>
+          </a:p>
+        </p:txBody>
+      </p:sp>
+      <p:sp>
+        <p:nvSpPr>
+          <p:cNvPr id="3" name="Content Placeholder 2"/>
+          <p:cNvSpPr>
+            <a:spLocks noGrp="1"/>
+          </p:cNvSpPr>
+          <p:nvPr>
+            <p:ph idx="1"/>
+          </p:nvPr>
+        </p:nvSpPr>
+        <p:spPr/>
+        <p:txBody>
+          <a:bodyPr>
+            <a:normAutofit lnSpcReduction="10000"/>
+          </a:bodyPr>
+          <a:p>
+            <a:pPr marL="0" indent="0">
+              <a:buNone/>
+            </a:pPr>
+            <a:r>
+              <a:rPr lang="" altLang="en-US"/>
+              <a:t>PostgreSQL database has been chosen for data storage</a:t>
+            </a:r>
+            <a:endParaRPr lang="" altLang="en-US"/>
+          </a:p>
+          <a:p>
+            <a:pPr marL="0" indent="0">
+              <a:buNone/>
+            </a:pPr>
+            <a:endParaRPr lang="en-US"/>
+          </a:p>
+          <a:p>
+            <a:r>
+              <a:rPr lang="" altLang="en-US"/>
+              <a:t>Yelp dataset is relational in nature, questions require joining tables -- relational database is a good fit</a:t>
+            </a:r>
+            <a:endParaRPr lang="" altLang="en-US"/>
+          </a:p>
+          <a:p>
+            <a:endParaRPr lang="" altLang="en-US"/>
+          </a:p>
+          <a:p>
+            <a:r>
+              <a:rPr lang="" altLang="en-US"/>
+              <a:t>PostgreSQL: high stability, ease of accessbility in cloud providers (AWS, Google Cloud, etc), open source</a:t>
+            </a:r>
+            <a:endParaRPr lang="" altLang="en-US"/>
+          </a:p>
+          <a:p>
+            <a:endParaRPr lang="" altLang="en-US"/>
+          </a:p>
+          <a:p>
+            <a:r>
+              <a:rPr lang="" altLang="en-US"/>
+              <a:t>psycopg2 python driver: actively maintained, thread-safe</a:t>
+            </a:r>
+            <a:endParaRPr lang="" altLang="en-US"/>
+          </a:p>
+        </p:txBody>
+      </p:sp>
     </p:spTree>
-    <p:extLst>
-      <p:ext uri="{BB962C8B-B14F-4D97-AF65-F5344CB8AC3E}">
-        <p14:creationId xmlns:p14="http://schemas.microsoft.com/office/powerpoint/2010/main" val="3216370221"/>
-      </p:ext>
-    </p:extLst>
   </p:cSld>
   <p:clrMapOvr>
     <a:masterClrMapping/>
@@ -4147,42 +6641,69 @@
           <a:chExt cx="0" cy="0"/>
         </a:xfrm>
       </p:grpSpPr>
-      <p:pic>
-        <p:nvPicPr>
-          <p:cNvPr id="2" name="Picture 1">
-            <a:extLst>
-              <a:ext uri="{FF2B5EF4-FFF2-40B4-BE49-F238E27FC236}">
-                <a16:creationId xmlns:a16="http://schemas.microsoft.com/office/drawing/2014/main" id="{F837BC6A-8817-4C7F-8AD0-B0EB5093DD46}"/>
-              </a:ext>
-            </a:extLst>
-          </p:cNvPr>
-          <p:cNvPicPr>
-            <a:picLocks noChangeAspect="1"/>
-          </p:cNvPicPr>
-          <p:nvPr/>
-        </p:nvPicPr>
-        <p:blipFill>
-          <a:blip r:embed="rId2"/>
-          <a:stretch>
-            <a:fillRect/>
-          </a:stretch>
-        </p:blipFill>
+      <p:sp>
+        <p:nvSpPr>
+          <p:cNvPr id="2" name="Title 1"/>
+          <p:cNvSpPr>
+            <a:spLocks noGrp="1"/>
+          </p:cNvSpPr>
+          <p:nvPr>
+            <p:ph type="ctrTitle"/>
+          </p:nvPr>
+        </p:nvSpPr>
         <p:spPr>
           <a:xfrm>
-            <a:off x="735194" y="647356"/>
-            <a:ext cx="10599910" cy="5566421"/>
+            <a:off x="1524000" y="1122363"/>
+            <a:ext cx="9144000" cy="2387600"/>
           </a:xfrm>
-          <a:prstGeom prst="rect">
-            <a:avLst/>
-          </a:prstGeom>
         </p:spPr>
-      </p:pic>
+        <p:txBody>
+          <a:bodyPr/>
+          <a:lstStyle/>
+          <a:p>
+            <a:r>
+              <a:rPr lang="en-US" dirty="0"/>
+              <a:t>Section </a:t>
+            </a:r>
+            <a:r>
+              <a:rPr lang="" altLang="en-US" dirty="0"/>
+              <a:t>3</a:t>
+            </a:r>
+            <a:endParaRPr lang="" altLang="en-US" dirty="0"/>
+          </a:p>
+        </p:txBody>
+      </p:sp>
+      <p:sp>
+        <p:nvSpPr>
+          <p:cNvPr id="3" name="Subtitle 2"/>
+          <p:cNvSpPr>
+            <a:spLocks noGrp="1"/>
+          </p:cNvSpPr>
+          <p:nvPr>
+            <p:ph type="subTitle" idx="1"/>
+          </p:nvPr>
+        </p:nvSpPr>
+        <p:spPr>
+          <a:xfrm>
+            <a:off x="1524000" y="3602038"/>
+            <a:ext cx="9144000" cy="1655762"/>
+          </a:xfrm>
+        </p:spPr>
+        <p:txBody>
+          <a:bodyPr>
+            <a:normAutofit/>
+          </a:bodyPr>
+          <a:lstStyle/>
+          <a:p>
+            <a:r>
+              <a:rPr lang="en-US" sz="4400" dirty="0"/>
+              <a:t>Word clouds from Yelp reviews</a:t>
+            </a:r>
+            <a:endParaRPr lang="en-CA" sz="4400" dirty="0"/>
+          </a:p>
+        </p:txBody>
+      </p:sp>
     </p:spTree>
-    <p:extLst>
-      <p:ext uri="{BB962C8B-B14F-4D97-AF65-F5344CB8AC3E}">
-        <p14:creationId xmlns:p14="http://schemas.microsoft.com/office/powerpoint/2010/main" val="3280972380"/>
-      </p:ext>
-    </p:extLst>
   </p:cSld>
   <p:clrMapOvr>
     <a:masterClrMapping/>
@@ -4209,28 +6730,22 @@
       </p:grpSpPr>
       <p:pic>
         <p:nvPicPr>
-          <p:cNvPr id="3" name="Picture 2">
-            <a:extLst>
-              <a:ext uri="{FF2B5EF4-FFF2-40B4-BE49-F238E27FC236}">
-                <a16:creationId xmlns:a16="http://schemas.microsoft.com/office/drawing/2014/main" id="{BD4E5995-6110-40FF-8F15-F7AC0EC19CB1}"/>
-              </a:ext>
-            </a:extLst>
-          </p:cNvPr>
+          <p:cNvPr id="21" name="Picture 20"/>
           <p:cNvPicPr>
             <a:picLocks noChangeAspect="1"/>
           </p:cNvPicPr>
           <p:nvPr/>
         </p:nvPicPr>
         <p:blipFill>
-          <a:blip r:embed="rId2"/>
+          <a:blip r:embed="rId1"/>
           <a:stretch>
             <a:fillRect/>
           </a:stretch>
         </p:blipFill>
         <p:spPr>
           <a:xfrm>
-            <a:off x="735194" y="611549"/>
-            <a:ext cx="10599909" cy="5602228"/>
+            <a:off x="735194" y="644222"/>
+            <a:ext cx="10599915" cy="5569543"/>
           </a:xfrm>
           <a:prstGeom prst="rect">
             <a:avLst/>
@@ -4238,11 +6753,6 @@
         </p:spPr>
       </p:pic>
     </p:spTree>
-    <p:extLst>
-      <p:ext uri="{BB962C8B-B14F-4D97-AF65-F5344CB8AC3E}">
-        <p14:creationId xmlns:p14="http://schemas.microsoft.com/office/powerpoint/2010/main" val="249387022"/>
-      </p:ext>
-    </p:extLst>
   </p:cSld>
   <p:clrMapOvr>
     <a:masterClrMapping/>
@@ -4269,28 +6779,22 @@
       </p:grpSpPr>
       <p:pic>
         <p:nvPicPr>
-          <p:cNvPr id="2" name="Picture 1">
-            <a:extLst>
-              <a:ext uri="{FF2B5EF4-FFF2-40B4-BE49-F238E27FC236}">
-                <a16:creationId xmlns:a16="http://schemas.microsoft.com/office/drawing/2014/main" id="{6415B3F3-AFCC-40EB-A210-8F8A0169FB1A}"/>
-              </a:ext>
-            </a:extLst>
-          </p:cNvPr>
+          <p:cNvPr id="2" name="Picture 1"/>
           <p:cNvPicPr>
             <a:picLocks noChangeAspect="1"/>
           </p:cNvPicPr>
           <p:nvPr/>
         </p:nvPicPr>
         <p:blipFill>
-          <a:blip r:embed="rId2"/>
+          <a:blip r:embed="rId1"/>
           <a:stretch>
             <a:fillRect/>
           </a:stretch>
         </p:blipFill>
         <p:spPr>
           <a:xfrm>
-            <a:off x="735194" y="707904"/>
-            <a:ext cx="10599910" cy="5505847"/>
+            <a:off x="735194" y="647356"/>
+            <a:ext cx="10599910" cy="5566421"/>
           </a:xfrm>
           <a:prstGeom prst="rect">
             <a:avLst/>
@@ -4298,11 +6802,6 @@
         </p:spPr>
       </p:pic>
     </p:spTree>
-    <p:extLst>
-      <p:ext uri="{BB962C8B-B14F-4D97-AF65-F5344CB8AC3E}">
-        <p14:creationId xmlns:p14="http://schemas.microsoft.com/office/powerpoint/2010/main" val="1992612254"/>
-      </p:ext>
-    </p:extLst>
   </p:cSld>
   <p:clrMapOvr>
     <a:masterClrMapping/>
@@ -4329,28 +6828,22 @@
       </p:grpSpPr>
       <p:pic>
         <p:nvPicPr>
-          <p:cNvPr id="3" name="Picture 2">
-            <a:extLst>
-              <a:ext uri="{FF2B5EF4-FFF2-40B4-BE49-F238E27FC236}">
-                <a16:creationId xmlns:a16="http://schemas.microsoft.com/office/drawing/2014/main" id="{B671CBCD-852B-4635-8833-46BD4DACD12F}"/>
-              </a:ext>
-            </a:extLst>
-          </p:cNvPr>
+          <p:cNvPr id="3" name="Picture 2"/>
           <p:cNvPicPr>
             <a:picLocks noChangeAspect="1"/>
           </p:cNvPicPr>
           <p:nvPr/>
         </p:nvPicPr>
         <p:blipFill>
-          <a:blip r:embed="rId2"/>
+          <a:blip r:embed="rId1"/>
           <a:stretch>
             <a:fillRect/>
           </a:stretch>
         </p:blipFill>
         <p:spPr>
           <a:xfrm>
-            <a:off x="735195" y="644222"/>
-            <a:ext cx="10599912" cy="5644435"/>
+            <a:off x="735194" y="611549"/>
+            <a:ext cx="10599909" cy="5602228"/>
           </a:xfrm>
           <a:prstGeom prst="rect">
             <a:avLst/>
@@ -4358,11 +6851,6 @@
         </p:spPr>
       </p:pic>
     </p:spTree>
-    <p:extLst>
-      <p:ext uri="{BB962C8B-B14F-4D97-AF65-F5344CB8AC3E}">
-        <p14:creationId xmlns:p14="http://schemas.microsoft.com/office/powerpoint/2010/main" val="1685946259"/>
-      </p:ext>
-    </p:extLst>
   </p:cSld>
   <p:clrMapOvr>
     <a:masterClrMapping/>
@@ -4387,94 +6875,24 @@
           <a:chExt cx="0" cy="0"/>
         </a:xfrm>
       </p:grpSpPr>
-      <p:sp>
-        <p:nvSpPr>
-          <p:cNvPr id="2" name="Title 1">
-            <a:extLst>
-              <a:ext uri="{FF2B5EF4-FFF2-40B4-BE49-F238E27FC236}">
-                <a16:creationId xmlns:a16="http://schemas.microsoft.com/office/drawing/2014/main" id="{72D0149D-6664-45B0-923F-3F6DDD991B46}"/>
-              </a:ext>
-            </a:extLst>
-          </p:cNvPr>
-          <p:cNvSpPr>
-            <a:spLocks noGrp="1"/>
-          </p:cNvSpPr>
-          <p:nvPr>
-            <p:ph type="title"/>
-          </p:nvPr>
-        </p:nvSpPr>
-        <p:spPr/>
-        <p:txBody>
-          <a:bodyPr/>
-          <a:lstStyle/>
-          <a:p>
-            <a:r>
-              <a:rPr lang="en-US" dirty="0"/>
-              <a:t>EDA findings</a:t>
-            </a:r>
-            <a:endParaRPr lang="en-CA" dirty="0"/>
-          </a:p>
-        </p:txBody>
-      </p:sp>
-      <p:sp>
-        <p:nvSpPr>
-          <p:cNvPr id="3" name="Content Placeholder 2">
-            <a:extLst>
-              <a:ext uri="{FF2B5EF4-FFF2-40B4-BE49-F238E27FC236}">
-                <a16:creationId xmlns:a16="http://schemas.microsoft.com/office/drawing/2014/main" id="{CCCE0194-F150-4F0B-8EF7-02ED6AE131E1}"/>
-              </a:ext>
-            </a:extLst>
-          </p:cNvPr>
-          <p:cNvSpPr>
-            <a:spLocks noGrp="1"/>
-          </p:cNvSpPr>
-          <p:nvPr>
-            <p:ph idx="1"/>
-          </p:nvPr>
-        </p:nvSpPr>
-        <p:spPr/>
-        <p:txBody>
-          <a:bodyPr/>
-          <a:lstStyle/>
-          <a:p>
-            <a:r>
-              <a:rPr lang="en-US" dirty="0"/>
-              <a:t>It’s all about customer service</a:t>
-            </a:r>
-          </a:p>
-          <a:p>
-            <a:r>
-              <a:rPr lang="en-US" dirty="0"/>
-              <a:t>Much more positive reviews, most are 5-star</a:t>
-            </a:r>
-            <a:endParaRPr lang="en-CA" dirty="0"/>
-          </a:p>
-        </p:txBody>
-      </p:sp>
       <p:pic>
         <p:nvPicPr>
-          <p:cNvPr id="4" name="Picture 3">
-            <a:extLst>
-              <a:ext uri="{FF2B5EF4-FFF2-40B4-BE49-F238E27FC236}">
-                <a16:creationId xmlns:a16="http://schemas.microsoft.com/office/drawing/2014/main" id="{2270563C-84ED-4C6F-BDC0-234EE050D54D}"/>
-              </a:ext>
-            </a:extLst>
-          </p:cNvPr>
+          <p:cNvPr id="2" name="Picture 1"/>
           <p:cNvPicPr>
             <a:picLocks noChangeAspect="1"/>
           </p:cNvPicPr>
           <p:nvPr/>
         </p:nvPicPr>
         <p:blipFill>
-          <a:blip r:embed="rId2"/>
+          <a:blip r:embed="rId1"/>
           <a:stretch>
             <a:fillRect/>
           </a:stretch>
         </p:blipFill>
         <p:spPr>
           <a:xfrm>
-            <a:off x="838200" y="2899505"/>
-            <a:ext cx="5681219" cy="3593370"/>
+            <a:off x="735194" y="707904"/>
+            <a:ext cx="10599910" cy="5505847"/>
           </a:xfrm>
           <a:prstGeom prst="rect">
             <a:avLst/>
@@ -4482,11 +6900,6 @@
         </p:spPr>
       </p:pic>
     </p:spTree>
-    <p:extLst>
-      <p:ext uri="{BB962C8B-B14F-4D97-AF65-F5344CB8AC3E}">
-        <p14:creationId xmlns:p14="http://schemas.microsoft.com/office/powerpoint/2010/main" val="3975582332"/>
-      </p:ext>
-    </p:extLst>
   </p:cSld>
   <p:clrMapOvr>
     <a:masterClrMapping/>
@@ -4511,82 +6924,31 @@
           <a:chExt cx="0" cy="0"/>
         </a:xfrm>
       </p:grpSpPr>
-      <p:sp>
-        <p:nvSpPr>
-          <p:cNvPr id="2" name="Title 1">
-            <a:extLst>
-              <a:ext uri="{FF2B5EF4-FFF2-40B4-BE49-F238E27FC236}">
-                <a16:creationId xmlns:a16="http://schemas.microsoft.com/office/drawing/2014/main" id="{D991EBDC-2490-4A79-ABF5-2C546FE2855B}"/>
-              </a:ext>
-            </a:extLst>
-          </p:cNvPr>
-          <p:cNvSpPr>
-            <a:spLocks noGrp="1"/>
-          </p:cNvSpPr>
-          <p:nvPr>
-            <p:ph type="ctrTitle"/>
-          </p:nvPr>
-        </p:nvSpPr>
+      <p:pic>
+        <p:nvPicPr>
+          <p:cNvPr id="3" name="Picture 2"/>
+          <p:cNvPicPr>
+            <a:picLocks noChangeAspect="1"/>
+          </p:cNvPicPr>
+          <p:nvPr/>
+        </p:nvPicPr>
+        <p:blipFill>
+          <a:blip r:embed="rId1"/>
+          <a:stretch>
+            <a:fillRect/>
+          </a:stretch>
+        </p:blipFill>
         <p:spPr>
           <a:xfrm>
-            <a:off x="1524000" y="1122363"/>
-            <a:ext cx="9144000" cy="2387600"/>
+            <a:off x="735195" y="644222"/>
+            <a:ext cx="10599912" cy="5644435"/>
           </a:xfrm>
+          <a:prstGeom prst="rect">
+            <a:avLst/>
+          </a:prstGeom>
         </p:spPr>
-        <p:txBody>
-          <a:bodyPr/>
-          <a:lstStyle/>
-          <a:p>
-            <a:r>
-              <a:rPr lang="en-US" dirty="0"/>
-              <a:t>Section 2</a:t>
-            </a:r>
-            <a:endParaRPr lang="en-CA" dirty="0"/>
-          </a:p>
-        </p:txBody>
-      </p:sp>
-      <p:sp>
-        <p:nvSpPr>
-          <p:cNvPr id="3" name="Subtitle 2">
-            <a:extLst>
-              <a:ext uri="{FF2B5EF4-FFF2-40B4-BE49-F238E27FC236}">
-                <a16:creationId xmlns:a16="http://schemas.microsoft.com/office/drawing/2014/main" id="{79124731-0C72-41FC-AC08-B8B803926B50}"/>
-              </a:ext>
-            </a:extLst>
-          </p:cNvPr>
-          <p:cNvSpPr>
-            <a:spLocks noGrp="1"/>
-          </p:cNvSpPr>
-          <p:nvPr>
-            <p:ph type="subTitle" idx="1"/>
-          </p:nvPr>
-        </p:nvSpPr>
-        <p:spPr>
-          <a:xfrm>
-            <a:off x="1524000" y="3602038"/>
-            <a:ext cx="9144000" cy="1655762"/>
-          </a:xfrm>
-        </p:spPr>
-        <p:txBody>
-          <a:bodyPr>
-            <a:normAutofit/>
-          </a:bodyPr>
-          <a:lstStyle/>
-          <a:p>
-            <a:r>
-              <a:rPr lang="en-US" sz="4400" dirty="0"/>
-              <a:t>Modeling results: predicting rating from review text</a:t>
-            </a:r>
-            <a:endParaRPr lang="en-CA" sz="4400" dirty="0"/>
-          </a:p>
-        </p:txBody>
-      </p:sp>
+      </p:pic>
     </p:spTree>
-    <p:extLst>
-      <p:ext uri="{BB962C8B-B14F-4D97-AF65-F5344CB8AC3E}">
-        <p14:creationId xmlns:p14="http://schemas.microsoft.com/office/powerpoint/2010/main" val="1119473176"/>
-      </p:ext>
-    </p:extLst>
   </p:cSld>
   <p:clrMapOvr>
     <a:masterClrMapping/>
@@ -4637,7 +6999,7 @@
     </a:clrScheme>
     <a:fontScheme name="Office">
       <a:majorFont>
-        <a:latin typeface="Calibri Light" panose="020F0302020204030204"/>
+        <a:latin typeface="Calibri Light"/>
         <a:ea typeface=""/>
         <a:cs typeface=""/>
         <a:font script="Jpan" typeface="游ゴシック Light"/>
@@ -4670,26 +7032,9 @@
         <a:font script="Viet" typeface="Times New Roman"/>
         <a:font script="Uigh" typeface="Microsoft Uighur"/>
         <a:font script="Geor" typeface="Sylfaen"/>
-        <a:font script="Armn" typeface="Arial"/>
-        <a:font script="Bugi" typeface="Leelawadee UI"/>
-        <a:font script="Bopo" typeface="Microsoft JhengHei"/>
-        <a:font script="Java" typeface="Javanese Text"/>
-        <a:font script="Lisu" typeface="Segoe UI"/>
-        <a:font script="Mymr" typeface="Myanmar Text"/>
-        <a:font script="Nkoo" typeface="Ebrima"/>
-        <a:font script="Olck" typeface="Nirmala UI"/>
-        <a:font script="Osma" typeface="Ebrima"/>
-        <a:font script="Phag" typeface="Phagspa"/>
-        <a:font script="Syrn" typeface="Estrangelo Edessa"/>
-        <a:font script="Syrj" typeface="Estrangelo Edessa"/>
-        <a:font script="Syre" typeface="Estrangelo Edessa"/>
-        <a:font script="Sora" typeface="Nirmala UI"/>
-        <a:font script="Tale" typeface="Microsoft Tai Le"/>
-        <a:font script="Talu" typeface="Microsoft New Tai Lue"/>
-        <a:font script="Tfng" typeface="Ebrima"/>
       </a:majorFont>
       <a:minorFont>
-        <a:latin typeface="Calibri" panose="020F0502020204030204"/>
+        <a:latin typeface="Calibri"/>
         <a:ea typeface=""/>
         <a:cs typeface=""/>
         <a:font script="Jpan" typeface="游ゴシック"/>
@@ -4722,23 +7067,6 @@
         <a:font script="Viet" typeface="Arial"/>
         <a:font script="Uigh" typeface="Microsoft Uighur"/>
         <a:font script="Geor" typeface="Sylfaen"/>
-        <a:font script="Armn" typeface="Arial"/>
-        <a:font script="Bugi" typeface="Leelawadee UI"/>
-        <a:font script="Bopo" typeface="Microsoft JhengHei"/>
-        <a:font script="Java" typeface="Javanese Text"/>
-        <a:font script="Lisu" typeface="Segoe UI"/>
-        <a:font script="Mymr" typeface="Myanmar Text"/>
-        <a:font script="Nkoo" typeface="Ebrima"/>
-        <a:font script="Olck" typeface="Nirmala UI"/>
-        <a:font script="Osma" typeface="Ebrima"/>
-        <a:font script="Phag" typeface="Phagspa"/>
-        <a:font script="Syrn" typeface="Estrangelo Edessa"/>
-        <a:font script="Syrj" typeface="Estrangelo Edessa"/>
-        <a:font script="Syre" typeface="Estrangelo Edessa"/>
-        <a:font script="Sora" typeface="Nirmala UI"/>
-        <a:font script="Tale" typeface="Microsoft Tai Le"/>
-        <a:font script="Talu" typeface="Microsoft New Tai Lue"/>
-        <a:font script="Tfng" typeface="Ebrima"/>
       </a:minorFont>
     </a:fontScheme>
     <a:fmtScheme name="Office">
@@ -4879,8 +7207,265 @@
       </a:bgFillStyleLst>
     </a:fmtScheme>
   </a:themeElements>
-  <a:objectDefaults/>
-  <a:extraClrSchemeLst/>
+  <a:extLst>
+    <a:ext uri="{05A4C25C-085E-4340-85A3-A5531E510DB2}">
+      <thm15:themeFamily xmlns:thm15="http://schemas.microsoft.com/office/thememl/2012/main" name="Office Theme" id="{62F939B6-93AF-4DB8-9C6B-D6C7DFDC589F}" vid="{4A3C46E8-61CC-4603-A589-7422A47A8E4A}"/>
+    </a:ext>
+  </a:extLst>
+</a:theme>
+</file>
+
+<file path=ppt/theme/theme2.xml><?xml version="1.0" encoding="utf-8"?>
+<a:theme xmlns:a="http://schemas.openxmlformats.org/drawingml/2006/main" name="1_Office Theme">
+  <a:themeElements>
+    <a:clrScheme name="Office">
+      <a:dk1>
+        <a:sysClr val="windowText" lastClr="000000"/>
+      </a:dk1>
+      <a:lt1>
+        <a:sysClr val="window" lastClr="FFFFFF"/>
+      </a:lt1>
+      <a:dk2>
+        <a:srgbClr val="44546A"/>
+      </a:dk2>
+      <a:lt2>
+        <a:srgbClr val="E7E6E6"/>
+      </a:lt2>
+      <a:accent1>
+        <a:srgbClr val="4472C4"/>
+      </a:accent1>
+      <a:accent2>
+        <a:srgbClr val="ED7D31"/>
+      </a:accent2>
+      <a:accent3>
+        <a:srgbClr val="A5A5A5"/>
+      </a:accent3>
+      <a:accent4>
+        <a:srgbClr val="FFC000"/>
+      </a:accent4>
+      <a:accent5>
+        <a:srgbClr val="5B9BD5"/>
+      </a:accent5>
+      <a:accent6>
+        <a:srgbClr val="70AD47"/>
+      </a:accent6>
+      <a:hlink>
+        <a:srgbClr val="0563C1"/>
+      </a:hlink>
+      <a:folHlink>
+        <a:srgbClr val="954F72"/>
+      </a:folHlink>
+    </a:clrScheme>
+    <a:fontScheme name="Office">
+      <a:majorFont>
+        <a:latin typeface="Calibri Light"/>
+        <a:ea typeface=""/>
+        <a:cs typeface=""/>
+        <a:font script="Jpan" typeface="游ゴシック Light"/>
+        <a:font script="Hang" typeface="맑은 고딕"/>
+        <a:font script="Hans" typeface="等线 Light"/>
+        <a:font script="Hant" typeface="新細明體"/>
+        <a:font script="Arab" typeface="Times New Roman"/>
+        <a:font script="Hebr" typeface="Times New Roman"/>
+        <a:font script="Thai" typeface="Angsana New"/>
+        <a:font script="Ethi" typeface="Nyala"/>
+        <a:font script="Beng" typeface="Vrinda"/>
+        <a:font script="Gujr" typeface="Shruti"/>
+        <a:font script="Khmr" typeface="MoolBoran"/>
+        <a:font script="Knda" typeface="Tunga"/>
+        <a:font script="Guru" typeface="Raavi"/>
+        <a:font script="Cans" typeface="Euphemia"/>
+        <a:font script="Cher" typeface="Plantagenet Cherokee"/>
+        <a:font script="Yiii" typeface="Microsoft Yi Baiti"/>
+        <a:font script="Tibt" typeface="Microsoft Himalaya"/>
+        <a:font script="Thaa" typeface="MV Boli"/>
+        <a:font script="Deva" typeface="Mangal"/>
+        <a:font script="Telu" typeface="Gautami"/>
+        <a:font script="Taml" typeface="Latha"/>
+        <a:font script="Syrc" typeface="Estrangelo Edessa"/>
+        <a:font script="Orya" typeface="Kalinga"/>
+        <a:font script="Mlym" typeface="Kartika"/>
+        <a:font script="Laoo" typeface="DokChampa"/>
+        <a:font script="Sinh" typeface="Iskoola Pota"/>
+        <a:font script="Mong" typeface="Mongolian Baiti"/>
+        <a:font script="Viet" typeface="Times New Roman"/>
+        <a:font script="Uigh" typeface="Microsoft Uighur"/>
+        <a:font script="Geor" typeface="Sylfaen"/>
+      </a:majorFont>
+      <a:minorFont>
+        <a:latin typeface="Calibri"/>
+        <a:ea typeface=""/>
+        <a:cs typeface=""/>
+        <a:font script="Jpan" typeface="游ゴシック"/>
+        <a:font script="Hang" typeface="맑은 고딕"/>
+        <a:font script="Hans" typeface="等线"/>
+        <a:font script="Hant" typeface="新細明體"/>
+        <a:font script="Arab" typeface="Arial"/>
+        <a:font script="Hebr" typeface="Arial"/>
+        <a:font script="Thai" typeface="Cordia New"/>
+        <a:font script="Ethi" typeface="Nyala"/>
+        <a:font script="Beng" typeface="Vrinda"/>
+        <a:font script="Gujr" typeface="Shruti"/>
+        <a:font script="Khmr" typeface="DaunPenh"/>
+        <a:font script="Knda" typeface="Tunga"/>
+        <a:font script="Guru" typeface="Raavi"/>
+        <a:font script="Cans" typeface="Euphemia"/>
+        <a:font script="Cher" typeface="Plantagenet Cherokee"/>
+        <a:font script="Yiii" typeface="Microsoft Yi Baiti"/>
+        <a:font script="Tibt" typeface="Microsoft Himalaya"/>
+        <a:font script="Thaa" typeface="MV Boli"/>
+        <a:font script="Deva" typeface="Mangal"/>
+        <a:font script="Telu" typeface="Gautami"/>
+        <a:font script="Taml" typeface="Latha"/>
+        <a:font script="Syrc" typeface="Estrangelo Edessa"/>
+        <a:font script="Orya" typeface="Kalinga"/>
+        <a:font script="Mlym" typeface="Kartika"/>
+        <a:font script="Laoo" typeface="DokChampa"/>
+        <a:font script="Sinh" typeface="Iskoola Pota"/>
+        <a:font script="Mong" typeface="Mongolian Baiti"/>
+        <a:font script="Viet" typeface="Arial"/>
+        <a:font script="Uigh" typeface="Microsoft Uighur"/>
+        <a:font script="Geor" typeface="Sylfaen"/>
+      </a:minorFont>
+    </a:fontScheme>
+    <a:fmtScheme name="Office">
+      <a:fillStyleLst>
+        <a:solidFill>
+          <a:schemeClr val="phClr"/>
+        </a:solidFill>
+        <a:gradFill rotWithShape="1">
+          <a:gsLst>
+            <a:gs pos="0">
+              <a:schemeClr val="phClr">
+                <a:lumMod val="110000"/>
+                <a:satMod val="105000"/>
+                <a:tint val="67000"/>
+              </a:schemeClr>
+            </a:gs>
+            <a:gs pos="50000">
+              <a:schemeClr val="phClr">
+                <a:lumMod val="105000"/>
+                <a:satMod val="103000"/>
+                <a:tint val="73000"/>
+              </a:schemeClr>
+            </a:gs>
+            <a:gs pos="100000">
+              <a:schemeClr val="phClr">
+                <a:lumMod val="105000"/>
+                <a:satMod val="109000"/>
+                <a:tint val="81000"/>
+              </a:schemeClr>
+            </a:gs>
+          </a:gsLst>
+          <a:lin ang="5400000" scaled="0"/>
+        </a:gradFill>
+        <a:gradFill rotWithShape="1">
+          <a:gsLst>
+            <a:gs pos="0">
+              <a:schemeClr val="phClr">
+                <a:satMod val="103000"/>
+                <a:lumMod val="102000"/>
+                <a:tint val="94000"/>
+              </a:schemeClr>
+            </a:gs>
+            <a:gs pos="50000">
+              <a:schemeClr val="phClr">
+                <a:satMod val="110000"/>
+                <a:lumMod val="100000"/>
+                <a:shade val="100000"/>
+              </a:schemeClr>
+            </a:gs>
+            <a:gs pos="100000">
+              <a:schemeClr val="phClr">
+                <a:lumMod val="99000"/>
+                <a:satMod val="120000"/>
+                <a:shade val="78000"/>
+              </a:schemeClr>
+            </a:gs>
+          </a:gsLst>
+          <a:lin ang="5400000" scaled="0"/>
+        </a:gradFill>
+      </a:fillStyleLst>
+      <a:lnStyleLst>
+        <a:ln w="6350" cap="flat" cmpd="sng" algn="ctr">
+          <a:solidFill>
+            <a:schemeClr val="phClr"/>
+          </a:solidFill>
+          <a:prstDash val="solid"/>
+          <a:miter lim="800000"/>
+        </a:ln>
+        <a:ln w="12700" cap="flat" cmpd="sng" algn="ctr">
+          <a:solidFill>
+            <a:schemeClr val="phClr"/>
+          </a:solidFill>
+          <a:prstDash val="solid"/>
+          <a:miter lim="800000"/>
+        </a:ln>
+        <a:ln w="19050" cap="flat" cmpd="sng" algn="ctr">
+          <a:solidFill>
+            <a:schemeClr val="phClr"/>
+          </a:solidFill>
+          <a:prstDash val="solid"/>
+          <a:miter lim="800000"/>
+        </a:ln>
+      </a:lnStyleLst>
+      <a:effectStyleLst>
+        <a:effectStyle>
+          <a:effectLst/>
+        </a:effectStyle>
+        <a:effectStyle>
+          <a:effectLst/>
+        </a:effectStyle>
+        <a:effectStyle>
+          <a:effectLst>
+            <a:outerShdw blurRad="57150" dist="19050" dir="5400000" algn="ctr" rotWithShape="0">
+              <a:srgbClr val="000000">
+                <a:alpha val="63000"/>
+              </a:srgbClr>
+            </a:outerShdw>
+          </a:effectLst>
+        </a:effectStyle>
+      </a:effectStyleLst>
+      <a:bgFillStyleLst>
+        <a:solidFill>
+          <a:schemeClr val="phClr"/>
+        </a:solidFill>
+        <a:solidFill>
+          <a:schemeClr val="phClr">
+            <a:tint val="95000"/>
+            <a:satMod val="170000"/>
+          </a:schemeClr>
+        </a:solidFill>
+        <a:gradFill rotWithShape="1">
+          <a:gsLst>
+            <a:gs pos="0">
+              <a:schemeClr val="phClr">
+                <a:tint val="93000"/>
+                <a:satMod val="150000"/>
+                <a:shade val="98000"/>
+                <a:lumMod val="102000"/>
+              </a:schemeClr>
+            </a:gs>
+            <a:gs pos="50000">
+              <a:schemeClr val="phClr">
+                <a:tint val="98000"/>
+                <a:satMod val="130000"/>
+                <a:shade val="90000"/>
+                <a:lumMod val="103000"/>
+              </a:schemeClr>
+            </a:gs>
+            <a:gs pos="100000">
+              <a:schemeClr val="phClr">
+                <a:shade val="63000"/>
+                <a:satMod val="120000"/>
+              </a:schemeClr>
+            </a:gs>
+          </a:gsLst>
+          <a:lin ang="5400000" scaled="0"/>
+        </a:gradFill>
+      </a:bgFillStyleLst>
+    </a:fmtScheme>
+  </a:themeElements>
   <a:extLst>
     <a:ext uri="{05A4C25C-085E-4340-85A3-A5531E510DB2}">
       <thm15:themeFamily xmlns:thm15="http://schemas.microsoft.com/office/thememl/2012/main" name="Office Theme" id="{62F939B6-93AF-4DB8-9C6B-D6C7DFDC589F}" vid="{4A3C46E8-61CC-4603-A589-7422A47A8E4A}"/>

--- a/presentations/Yelp_dataset_results.pptx
+++ b/presentations/Yelp_dataset_results.pptx
@@ -8,18 +8,25 @@
   <p:sldIdLst>
     <p:sldId id="256" r:id="rId4"/>
     <p:sldId id="263" r:id="rId5"/>
-    <p:sldId id="276" r:id="rId6"/>
-    <p:sldId id="275" r:id="rId7"/>
-    <p:sldId id="257" r:id="rId8"/>
-    <p:sldId id="264" r:id="rId9"/>
-    <p:sldId id="265" r:id="rId10"/>
-    <p:sldId id="266" r:id="rId11"/>
-    <p:sldId id="267" r:id="rId12"/>
-    <p:sldId id="270" r:id="rId13"/>
-    <p:sldId id="269" r:id="rId14"/>
-    <p:sldId id="268" r:id="rId15"/>
-    <p:sldId id="271" r:id="rId16"/>
-    <p:sldId id="272" r:id="rId17"/>
+    <p:sldId id="292" r:id="rId6"/>
+    <p:sldId id="293" r:id="rId7"/>
+    <p:sldId id="294" r:id="rId8"/>
+    <p:sldId id="291" r:id="rId9"/>
+    <p:sldId id="295" r:id="rId10"/>
+    <p:sldId id="290" r:id="rId11"/>
+    <p:sldId id="276" r:id="rId12"/>
+    <p:sldId id="289" r:id="rId13"/>
+    <p:sldId id="275" r:id="rId14"/>
+    <p:sldId id="257" r:id="rId15"/>
+    <p:sldId id="264" r:id="rId16"/>
+    <p:sldId id="265" r:id="rId17"/>
+    <p:sldId id="266" r:id="rId18"/>
+    <p:sldId id="267" r:id="rId19"/>
+    <p:sldId id="270" r:id="rId20"/>
+    <p:sldId id="269" r:id="rId21"/>
+    <p:sldId id="268" r:id="rId22"/>
+    <p:sldId id="271" r:id="rId23"/>
+    <p:sldId id="272" r:id="rId24"/>
   </p:sldIdLst>
   <p:sldSz cx="12192000" cy="6858000"/>
   <p:notesSz cx="6858000" cy="9144000"/>
@@ -5842,6 +5849,425 @@
             <a:spLocks noGrp="1"/>
           </p:cNvSpPr>
           <p:nvPr>
+            <p:ph type="ctrTitle"/>
+          </p:nvPr>
+        </p:nvSpPr>
+        <p:spPr>
+          <a:xfrm>
+            <a:off x="1524000" y="1122363"/>
+            <a:ext cx="9144000" cy="2387600"/>
+          </a:xfrm>
+        </p:spPr>
+        <p:txBody>
+          <a:bodyPr/>
+          <a:lstStyle/>
+          <a:p>
+            <a:r>
+              <a:rPr lang="en-US" dirty="0"/>
+              <a:t>Section </a:t>
+            </a:r>
+            <a:r>
+              <a:rPr lang="" altLang="en-US" dirty="0"/>
+              <a:t>2</a:t>
+            </a:r>
+            <a:endParaRPr lang="" altLang="en-US" dirty="0"/>
+          </a:p>
+        </p:txBody>
+      </p:sp>
+      <p:sp>
+        <p:nvSpPr>
+          <p:cNvPr id="3" name="Subtitle 2"/>
+          <p:cNvSpPr>
+            <a:spLocks noGrp="1"/>
+          </p:cNvSpPr>
+          <p:nvPr>
+            <p:ph type="subTitle" idx="1"/>
+          </p:nvPr>
+        </p:nvSpPr>
+        <p:spPr>
+          <a:xfrm>
+            <a:off x="1524000" y="3602038"/>
+            <a:ext cx="9144000" cy="1655762"/>
+          </a:xfrm>
+        </p:spPr>
+        <p:txBody>
+          <a:bodyPr>
+            <a:normAutofit/>
+          </a:bodyPr>
+          <a:lstStyle/>
+          <a:p>
+            <a:r>
+              <a:rPr lang="" altLang="en-US" sz="4400" dirty="0"/>
+              <a:t>Q2-Q7: Analytics</a:t>
+            </a:r>
+            <a:endParaRPr lang="" altLang="en-US" sz="4400" dirty="0"/>
+          </a:p>
+        </p:txBody>
+      </p:sp>
+    </p:spTree>
+  </p:cSld>
+  <p:clrMapOvr>
+    <a:masterClrMapping/>
+  </p:clrMapOvr>
+</p:sld>
+</file>
+
+<file path=ppt/slides/slide11.xml><?xml version="1.0" encoding="utf-8"?>
+<p:sld xmlns:a="http://schemas.openxmlformats.org/drawingml/2006/main" xmlns:r="http://schemas.openxmlformats.org/officeDocument/2006/relationships" xmlns:p="http://schemas.openxmlformats.org/presentationml/2006/main">
+  <p:cSld>
+    <p:spTree>
+      <p:nvGrpSpPr>
+        <p:cNvPr id="1" name=""/>
+        <p:cNvGrpSpPr/>
+        <p:nvPr/>
+      </p:nvGrpSpPr>
+      <p:grpSpPr>
+        <a:xfrm>
+          <a:off x="0" y="0"/>
+          <a:ext cx="0" cy="0"/>
+          <a:chOff x="0" y="0"/>
+          <a:chExt cx="0" cy="0"/>
+        </a:xfrm>
+      </p:grpSpPr>
+      <p:sp>
+        <p:nvSpPr>
+          <p:cNvPr id="2" name="Title 1"/>
+          <p:cNvSpPr>
+            <a:spLocks noGrp="1"/>
+          </p:cNvSpPr>
+          <p:nvPr>
+            <p:ph type="ctrTitle"/>
+          </p:nvPr>
+        </p:nvSpPr>
+        <p:spPr>
+          <a:xfrm>
+            <a:off x="1524000" y="1122363"/>
+            <a:ext cx="9144000" cy="2387600"/>
+          </a:xfrm>
+        </p:spPr>
+        <p:txBody>
+          <a:bodyPr/>
+          <a:lstStyle/>
+          <a:p>
+            <a:r>
+              <a:rPr lang="en-US" dirty="0"/>
+              <a:t>Section </a:t>
+            </a:r>
+            <a:r>
+              <a:rPr lang="en-US" altLang="en-US" dirty="0"/>
+              <a:t>3</a:t>
+            </a:r>
+            <a:endParaRPr lang="en-US" altLang="en-US" dirty="0"/>
+          </a:p>
+        </p:txBody>
+      </p:sp>
+      <p:sp>
+        <p:nvSpPr>
+          <p:cNvPr id="3" name="Subtitle 2"/>
+          <p:cNvSpPr>
+            <a:spLocks noGrp="1"/>
+          </p:cNvSpPr>
+          <p:nvPr>
+            <p:ph type="subTitle" idx="1"/>
+          </p:nvPr>
+        </p:nvSpPr>
+        <p:spPr>
+          <a:xfrm>
+            <a:off x="1524000" y="3602038"/>
+            <a:ext cx="9144000" cy="1655762"/>
+          </a:xfrm>
+        </p:spPr>
+        <p:txBody>
+          <a:bodyPr>
+            <a:normAutofit/>
+          </a:bodyPr>
+          <a:lstStyle/>
+          <a:p>
+            <a:r>
+              <a:rPr lang="en-US" sz="4400" dirty="0"/>
+              <a:t>Word clouds from Yelp reviews</a:t>
+            </a:r>
+            <a:endParaRPr lang="en-CA" sz="4400" dirty="0"/>
+          </a:p>
+        </p:txBody>
+      </p:sp>
+    </p:spTree>
+  </p:cSld>
+  <p:clrMapOvr>
+    <a:masterClrMapping/>
+  </p:clrMapOvr>
+</p:sld>
+</file>
+
+<file path=ppt/slides/slide12.xml><?xml version="1.0" encoding="utf-8"?>
+<p:sld xmlns:a="http://schemas.openxmlformats.org/drawingml/2006/main" xmlns:r="http://schemas.openxmlformats.org/officeDocument/2006/relationships" xmlns:p="http://schemas.openxmlformats.org/presentationml/2006/main">
+  <p:cSld>
+    <p:spTree>
+      <p:nvGrpSpPr>
+        <p:cNvPr id="1" name=""/>
+        <p:cNvGrpSpPr/>
+        <p:nvPr/>
+      </p:nvGrpSpPr>
+      <p:grpSpPr>
+        <a:xfrm>
+          <a:off x="0" y="0"/>
+          <a:ext cx="0" cy="0"/>
+          <a:chOff x="0" y="0"/>
+          <a:chExt cx="0" cy="0"/>
+        </a:xfrm>
+      </p:grpSpPr>
+      <p:pic>
+        <p:nvPicPr>
+          <p:cNvPr id="21" name="Picture 20"/>
+          <p:cNvPicPr>
+            <a:picLocks noChangeAspect="1"/>
+          </p:cNvPicPr>
+          <p:nvPr/>
+        </p:nvPicPr>
+        <p:blipFill>
+          <a:blip r:embed="rId1"/>
+          <a:stretch>
+            <a:fillRect/>
+          </a:stretch>
+        </p:blipFill>
+        <p:spPr>
+          <a:xfrm>
+            <a:off x="735194" y="644222"/>
+            <a:ext cx="10599915" cy="5569543"/>
+          </a:xfrm>
+          <a:prstGeom prst="rect">
+            <a:avLst/>
+          </a:prstGeom>
+        </p:spPr>
+      </p:pic>
+    </p:spTree>
+  </p:cSld>
+  <p:clrMapOvr>
+    <a:masterClrMapping/>
+  </p:clrMapOvr>
+</p:sld>
+</file>
+
+<file path=ppt/slides/slide13.xml><?xml version="1.0" encoding="utf-8"?>
+<p:sld xmlns:a="http://schemas.openxmlformats.org/drawingml/2006/main" xmlns:r="http://schemas.openxmlformats.org/officeDocument/2006/relationships" xmlns:p="http://schemas.openxmlformats.org/presentationml/2006/main">
+  <p:cSld>
+    <p:spTree>
+      <p:nvGrpSpPr>
+        <p:cNvPr id="1" name=""/>
+        <p:cNvGrpSpPr/>
+        <p:nvPr/>
+      </p:nvGrpSpPr>
+      <p:grpSpPr>
+        <a:xfrm>
+          <a:off x="0" y="0"/>
+          <a:ext cx="0" cy="0"/>
+          <a:chOff x="0" y="0"/>
+          <a:chExt cx="0" cy="0"/>
+        </a:xfrm>
+      </p:grpSpPr>
+      <p:pic>
+        <p:nvPicPr>
+          <p:cNvPr id="2" name="Picture 1"/>
+          <p:cNvPicPr>
+            <a:picLocks noChangeAspect="1"/>
+          </p:cNvPicPr>
+          <p:nvPr/>
+        </p:nvPicPr>
+        <p:blipFill>
+          <a:blip r:embed="rId1"/>
+          <a:stretch>
+            <a:fillRect/>
+          </a:stretch>
+        </p:blipFill>
+        <p:spPr>
+          <a:xfrm>
+            <a:off x="735194" y="647356"/>
+            <a:ext cx="10599910" cy="5566421"/>
+          </a:xfrm>
+          <a:prstGeom prst="rect">
+            <a:avLst/>
+          </a:prstGeom>
+        </p:spPr>
+      </p:pic>
+    </p:spTree>
+  </p:cSld>
+  <p:clrMapOvr>
+    <a:masterClrMapping/>
+  </p:clrMapOvr>
+</p:sld>
+</file>
+
+<file path=ppt/slides/slide14.xml><?xml version="1.0" encoding="utf-8"?>
+<p:sld xmlns:a="http://schemas.openxmlformats.org/drawingml/2006/main" xmlns:r="http://schemas.openxmlformats.org/officeDocument/2006/relationships" xmlns:p="http://schemas.openxmlformats.org/presentationml/2006/main">
+  <p:cSld>
+    <p:spTree>
+      <p:nvGrpSpPr>
+        <p:cNvPr id="1" name=""/>
+        <p:cNvGrpSpPr/>
+        <p:nvPr/>
+      </p:nvGrpSpPr>
+      <p:grpSpPr>
+        <a:xfrm>
+          <a:off x="0" y="0"/>
+          <a:ext cx="0" cy="0"/>
+          <a:chOff x="0" y="0"/>
+          <a:chExt cx="0" cy="0"/>
+        </a:xfrm>
+      </p:grpSpPr>
+      <p:pic>
+        <p:nvPicPr>
+          <p:cNvPr id="3" name="Picture 2"/>
+          <p:cNvPicPr>
+            <a:picLocks noChangeAspect="1"/>
+          </p:cNvPicPr>
+          <p:nvPr/>
+        </p:nvPicPr>
+        <p:blipFill>
+          <a:blip r:embed="rId1"/>
+          <a:stretch>
+            <a:fillRect/>
+          </a:stretch>
+        </p:blipFill>
+        <p:spPr>
+          <a:xfrm>
+            <a:off x="735194" y="611549"/>
+            <a:ext cx="10599909" cy="5602228"/>
+          </a:xfrm>
+          <a:prstGeom prst="rect">
+            <a:avLst/>
+          </a:prstGeom>
+        </p:spPr>
+      </p:pic>
+    </p:spTree>
+  </p:cSld>
+  <p:clrMapOvr>
+    <a:masterClrMapping/>
+  </p:clrMapOvr>
+</p:sld>
+</file>
+
+<file path=ppt/slides/slide15.xml><?xml version="1.0" encoding="utf-8"?>
+<p:sld xmlns:a="http://schemas.openxmlformats.org/drawingml/2006/main" xmlns:r="http://schemas.openxmlformats.org/officeDocument/2006/relationships" xmlns:p="http://schemas.openxmlformats.org/presentationml/2006/main">
+  <p:cSld>
+    <p:spTree>
+      <p:nvGrpSpPr>
+        <p:cNvPr id="1" name=""/>
+        <p:cNvGrpSpPr/>
+        <p:nvPr/>
+      </p:nvGrpSpPr>
+      <p:grpSpPr>
+        <a:xfrm>
+          <a:off x="0" y="0"/>
+          <a:ext cx="0" cy="0"/>
+          <a:chOff x="0" y="0"/>
+          <a:chExt cx="0" cy="0"/>
+        </a:xfrm>
+      </p:grpSpPr>
+      <p:pic>
+        <p:nvPicPr>
+          <p:cNvPr id="2" name="Picture 1"/>
+          <p:cNvPicPr>
+            <a:picLocks noChangeAspect="1"/>
+          </p:cNvPicPr>
+          <p:nvPr/>
+        </p:nvPicPr>
+        <p:blipFill>
+          <a:blip r:embed="rId1"/>
+          <a:stretch>
+            <a:fillRect/>
+          </a:stretch>
+        </p:blipFill>
+        <p:spPr>
+          <a:xfrm>
+            <a:off x="735194" y="707904"/>
+            <a:ext cx="10599910" cy="5505847"/>
+          </a:xfrm>
+          <a:prstGeom prst="rect">
+            <a:avLst/>
+          </a:prstGeom>
+        </p:spPr>
+      </p:pic>
+    </p:spTree>
+  </p:cSld>
+  <p:clrMapOvr>
+    <a:masterClrMapping/>
+  </p:clrMapOvr>
+</p:sld>
+</file>
+
+<file path=ppt/slides/slide16.xml><?xml version="1.0" encoding="utf-8"?>
+<p:sld xmlns:a="http://schemas.openxmlformats.org/drawingml/2006/main" xmlns:r="http://schemas.openxmlformats.org/officeDocument/2006/relationships" xmlns:p="http://schemas.openxmlformats.org/presentationml/2006/main">
+  <p:cSld>
+    <p:spTree>
+      <p:nvGrpSpPr>
+        <p:cNvPr id="1" name=""/>
+        <p:cNvGrpSpPr/>
+        <p:nvPr/>
+      </p:nvGrpSpPr>
+      <p:grpSpPr>
+        <a:xfrm>
+          <a:off x="0" y="0"/>
+          <a:ext cx="0" cy="0"/>
+          <a:chOff x="0" y="0"/>
+          <a:chExt cx="0" cy="0"/>
+        </a:xfrm>
+      </p:grpSpPr>
+      <p:pic>
+        <p:nvPicPr>
+          <p:cNvPr id="3" name="Picture 2"/>
+          <p:cNvPicPr>
+            <a:picLocks noChangeAspect="1"/>
+          </p:cNvPicPr>
+          <p:nvPr/>
+        </p:nvPicPr>
+        <p:blipFill>
+          <a:blip r:embed="rId1"/>
+          <a:stretch>
+            <a:fillRect/>
+          </a:stretch>
+        </p:blipFill>
+        <p:spPr>
+          <a:xfrm>
+            <a:off x="735195" y="644222"/>
+            <a:ext cx="10599912" cy="5644435"/>
+          </a:xfrm>
+          <a:prstGeom prst="rect">
+            <a:avLst/>
+          </a:prstGeom>
+        </p:spPr>
+      </p:pic>
+    </p:spTree>
+  </p:cSld>
+  <p:clrMapOvr>
+    <a:masterClrMapping/>
+  </p:clrMapOvr>
+</p:sld>
+</file>
+
+<file path=ppt/slides/slide17.xml><?xml version="1.0" encoding="utf-8"?>
+<p:sld xmlns:a="http://schemas.openxmlformats.org/drawingml/2006/main" xmlns:r="http://schemas.openxmlformats.org/officeDocument/2006/relationships" xmlns:p="http://schemas.openxmlformats.org/presentationml/2006/main">
+  <p:cSld>
+    <p:spTree>
+      <p:nvGrpSpPr>
+        <p:cNvPr id="1" name=""/>
+        <p:cNvGrpSpPr/>
+        <p:nvPr/>
+      </p:nvGrpSpPr>
+      <p:grpSpPr>
+        <a:xfrm>
+          <a:off x="0" y="0"/>
+          <a:ext cx="0" cy="0"/>
+          <a:chOff x="0" y="0"/>
+          <a:chExt cx="0" cy="0"/>
+        </a:xfrm>
+      </p:grpSpPr>
+      <p:sp>
+        <p:nvSpPr>
+          <p:cNvPr id="2" name="Title 1"/>
+          <p:cNvSpPr>
+            <a:spLocks noGrp="1"/>
+          </p:cNvSpPr>
+          <p:nvPr>
             <p:ph type="title"/>
           </p:nvPr>
         </p:nvSpPr>
@@ -5920,7 +6346,7 @@
 </p:sld>
 </file>
 
-<file path=ppt/slides/slide11.xml><?xml version="1.0" encoding="utf-8"?>
+<file path=ppt/slides/slide18.xml><?xml version="1.0" encoding="utf-8"?>
 <p:sld xmlns:a="http://schemas.openxmlformats.org/drawingml/2006/main" xmlns:r="http://schemas.openxmlformats.org/officeDocument/2006/relationships" xmlns:p="http://schemas.openxmlformats.org/presentationml/2006/main">
   <p:cSld>
     <p:spTree>
@@ -5962,10 +6388,10 @@
               <a:t>Section </a:t>
             </a:r>
             <a:r>
-              <a:rPr lang="" altLang="en-US" dirty="0"/>
+              <a:rPr lang="en-US" altLang="en-US" dirty="0"/>
               <a:t>4</a:t>
             </a:r>
-            <a:endParaRPr lang="" altLang="en-US" dirty="0"/>
+            <a:endParaRPr lang="en-US" altLang="en-US" dirty="0"/>
           </a:p>
         </p:txBody>
       </p:sp>
@@ -6007,7 +6433,7 @@
 </p:sld>
 </file>
 
-<file path=ppt/slides/slide12.xml><?xml version="1.0" encoding="utf-8"?>
+<file path=ppt/slides/slide19.xml><?xml version="1.0" encoding="utf-8"?>
 <p:sld xmlns:a="http://schemas.openxmlformats.org/drawingml/2006/main" xmlns:r="http://schemas.openxmlformats.org/officeDocument/2006/relationships" xmlns:p="http://schemas.openxmlformats.org/presentationml/2006/main">
   <p:cSld>
     <p:bg>
@@ -6167,7 +6593,94 @@
 </p:sld>
 </file>
 
-<file path=ppt/slides/slide13.xml><?xml version="1.0" encoding="utf-8"?>
+<file path=ppt/slides/slide2.xml><?xml version="1.0" encoding="utf-8"?>
+<p:sld xmlns:a="http://schemas.openxmlformats.org/drawingml/2006/main" xmlns:r="http://schemas.openxmlformats.org/officeDocument/2006/relationships" xmlns:p="http://schemas.openxmlformats.org/presentationml/2006/main">
+  <p:cSld>
+    <p:spTree>
+      <p:nvGrpSpPr>
+        <p:cNvPr id="1" name=""/>
+        <p:cNvGrpSpPr/>
+        <p:nvPr/>
+      </p:nvGrpSpPr>
+      <p:grpSpPr>
+        <a:xfrm>
+          <a:off x="0" y="0"/>
+          <a:ext cx="0" cy="0"/>
+          <a:chOff x="0" y="0"/>
+          <a:chExt cx="0" cy="0"/>
+        </a:xfrm>
+      </p:grpSpPr>
+      <p:sp>
+        <p:nvSpPr>
+          <p:cNvPr id="2" name="Title 1"/>
+          <p:cNvSpPr>
+            <a:spLocks noGrp="1"/>
+          </p:cNvSpPr>
+          <p:nvPr>
+            <p:ph type="ctrTitle"/>
+          </p:nvPr>
+        </p:nvSpPr>
+        <p:spPr>
+          <a:xfrm>
+            <a:off x="1524000" y="1122363"/>
+            <a:ext cx="9144000" cy="2387600"/>
+          </a:xfrm>
+        </p:spPr>
+        <p:txBody>
+          <a:bodyPr/>
+          <a:lstStyle/>
+          <a:p>
+            <a:r>
+              <a:rPr lang="en-US" dirty="0"/>
+              <a:t>Section 1</a:t>
+            </a:r>
+            <a:endParaRPr lang="en-CA" dirty="0"/>
+          </a:p>
+        </p:txBody>
+      </p:sp>
+      <p:sp>
+        <p:nvSpPr>
+          <p:cNvPr id="3" name="Subtitle 2"/>
+          <p:cNvSpPr>
+            <a:spLocks noGrp="1"/>
+          </p:cNvSpPr>
+          <p:nvPr>
+            <p:ph type="subTitle" idx="1"/>
+          </p:nvPr>
+        </p:nvSpPr>
+        <p:spPr>
+          <a:xfrm>
+            <a:off x="1524000" y="3602038"/>
+            <a:ext cx="9144000" cy="1655762"/>
+          </a:xfrm>
+        </p:spPr>
+        <p:txBody>
+          <a:bodyPr>
+            <a:normAutofit/>
+          </a:bodyPr>
+          <a:lstStyle/>
+          <a:p>
+            <a:r>
+              <a:rPr lang="" altLang="en-US" sz="4400" dirty="0"/>
+              <a:t>Q1: </a:t>
+            </a:r>
+            <a:r>
+              <a:rPr lang="en-US" sz="4400" dirty="0"/>
+              <a:t>Data ingestion</a:t>
+            </a:r>
+            <a:endParaRPr lang="en-US" sz="4400" dirty="0"/>
+          </a:p>
+        </p:txBody>
+      </p:sp>
+    </p:spTree>
+  </p:cSld>
+  <p:clrMapOvr>
+    <a:masterClrMapping/>
+  </p:clrMapOvr>
+</p:sld>
+</file>
+
+<file path=ppt/slides/slide20.xml><?xml version="1.0" encoding="utf-8"?>
 <p:sld xmlns:a="http://schemas.openxmlformats.org/drawingml/2006/main" xmlns:r="http://schemas.openxmlformats.org/officeDocument/2006/relationships" xmlns:p="http://schemas.openxmlformats.org/presentationml/2006/main">
   <p:cSld>
     <p:spTree>
@@ -6340,7 +6853,7 @@
 </p:sld>
 </file>
 
-<file path=ppt/slides/slide14.xml><?xml version="1.0" encoding="utf-8"?>
+<file path=ppt/slides/slide21.xml><?xml version="1.0" encoding="utf-8"?>
 <p:sld xmlns:a="http://schemas.openxmlformats.org/drawingml/2006/main" xmlns:r="http://schemas.openxmlformats.org/officeDocument/2006/relationships" xmlns:p="http://schemas.openxmlformats.org/presentationml/2006/main">
   <p:cSld>
     <p:spTree>
@@ -6441,89 +6954,6 @@
 </p:sld>
 </file>
 
-<file path=ppt/slides/slide2.xml><?xml version="1.0" encoding="utf-8"?>
-<p:sld xmlns:a="http://schemas.openxmlformats.org/drawingml/2006/main" xmlns:r="http://schemas.openxmlformats.org/officeDocument/2006/relationships" xmlns:p="http://schemas.openxmlformats.org/presentationml/2006/main">
-  <p:cSld>
-    <p:spTree>
-      <p:nvGrpSpPr>
-        <p:cNvPr id="1" name=""/>
-        <p:cNvGrpSpPr/>
-        <p:nvPr/>
-      </p:nvGrpSpPr>
-      <p:grpSpPr>
-        <a:xfrm>
-          <a:off x="0" y="0"/>
-          <a:ext cx="0" cy="0"/>
-          <a:chOff x="0" y="0"/>
-          <a:chExt cx="0" cy="0"/>
-        </a:xfrm>
-      </p:grpSpPr>
-      <p:sp>
-        <p:nvSpPr>
-          <p:cNvPr id="2" name="Title 1"/>
-          <p:cNvSpPr>
-            <a:spLocks noGrp="1"/>
-          </p:cNvSpPr>
-          <p:nvPr>
-            <p:ph type="ctrTitle"/>
-          </p:nvPr>
-        </p:nvSpPr>
-        <p:spPr>
-          <a:xfrm>
-            <a:off x="1524000" y="1122363"/>
-            <a:ext cx="9144000" cy="2387600"/>
-          </a:xfrm>
-        </p:spPr>
-        <p:txBody>
-          <a:bodyPr/>
-          <a:lstStyle/>
-          <a:p>
-            <a:r>
-              <a:rPr lang="en-US" dirty="0"/>
-              <a:t>Section 1</a:t>
-            </a:r>
-            <a:endParaRPr lang="en-CA" dirty="0"/>
-          </a:p>
-        </p:txBody>
-      </p:sp>
-      <p:sp>
-        <p:nvSpPr>
-          <p:cNvPr id="3" name="Subtitle 2"/>
-          <p:cNvSpPr>
-            <a:spLocks noGrp="1"/>
-          </p:cNvSpPr>
-          <p:nvPr>
-            <p:ph type="subTitle" idx="1"/>
-          </p:nvPr>
-        </p:nvSpPr>
-        <p:spPr>
-          <a:xfrm>
-            <a:off x="1524000" y="3602038"/>
-            <a:ext cx="9144000" cy="1655762"/>
-          </a:xfrm>
-        </p:spPr>
-        <p:txBody>
-          <a:bodyPr>
-            <a:normAutofit/>
-          </a:bodyPr>
-          <a:lstStyle/>
-          <a:p>
-            <a:r>
-              <a:rPr lang="" sz="4400" dirty="0"/>
-              <a:t>Data ingestion</a:t>
-            </a:r>
-            <a:endParaRPr lang="" sz="4400" dirty="0"/>
-          </a:p>
-        </p:txBody>
-      </p:sp>
-    </p:spTree>
-  </p:cSld>
-  <p:clrMapOvr>
-    <a:masterClrMapping/>
-  </p:clrMapOvr>
-</p:sld>
-</file>
-
 <file path=ppt/slides/slide3.xml><?xml version="1.0" encoding="utf-8"?>
 <p:sld xmlns:a="http://schemas.openxmlformats.org/drawingml/2006/main" xmlns:r="http://schemas.openxmlformats.org/officeDocument/2006/relationships" xmlns:p="http://schemas.openxmlformats.org/presentationml/2006/main">
   <p:cSld>
@@ -6549,10 +6979,10 @@
           <a:bodyPr/>
           <a:p>
             <a:r>
-              <a:rPr lang="" altLang="en-US"/>
-              <a:t>Data storage: PostgreSQL database</a:t>
-            </a:r>
-            <a:endParaRPr lang="" altLang="en-US"/>
+              <a:rPr lang="en-US" altLang="en-US"/>
+              <a:t>Data ingestion: Yelp dataset</a:t>
+            </a:r>
+            <a:endParaRPr lang="en-US" altLang="en-US"/>
           </a:p>
         </p:txBody>
       </p:sp>
@@ -6572,47 +7002,134 @@
             <a:normAutofit lnSpcReduction="10000"/>
           </a:bodyPr>
           <a:p>
+            <a:r>
+              <a:rPr lang="en-US" altLang="en-US">
+                <a:solidFill>
+                  <a:schemeClr val="accent1">
+                    <a:lumMod val="75000"/>
+                  </a:schemeClr>
+                </a:solidFill>
+              </a:rPr>
+              <a:t>Yelp dataset consists of related </a:t>
+            </a:r>
+            <a:endParaRPr lang="en-US" altLang="en-US">
+              <a:solidFill>
+                <a:schemeClr val="accent1">
+                  <a:lumMod val="75000"/>
+                </a:schemeClr>
+              </a:solidFill>
+            </a:endParaRPr>
+          </a:p>
+          <a:p>
             <a:pPr marL="0" indent="0">
               <a:buNone/>
             </a:pPr>
             <a:r>
-              <a:rPr lang="" altLang="en-US"/>
-              <a:t>PostgreSQL database has been chosen for data storage</a:t>
-            </a:r>
-            <a:endParaRPr lang="" altLang="en-US"/>
+              <a:rPr lang="en-US" altLang="en-US">
+                <a:solidFill>
+                  <a:schemeClr val="accent1">
+                    <a:lumMod val="75000"/>
+                  </a:schemeClr>
+                </a:solidFill>
+              </a:rPr>
+              <a:t>JSON files</a:t>
+            </a:r>
+            <a:endParaRPr lang="en-US" altLang="en-US">
+              <a:solidFill>
+                <a:schemeClr val="accent1">
+                  <a:lumMod val="75000"/>
+                </a:schemeClr>
+              </a:solidFill>
+            </a:endParaRPr>
           </a:p>
           <a:p>
             <a:pPr marL="0" indent="0">
               <a:buNone/>
             </a:pPr>
+            <a:endParaRPr lang="en-US" altLang="en-US">
+              <a:solidFill>
+                <a:schemeClr val="accent1">
+                  <a:lumMod val="75000"/>
+                </a:schemeClr>
+              </a:solidFill>
+            </a:endParaRPr>
+          </a:p>
+        </p:txBody>
+      </p:sp>
+      <p:pic>
+        <p:nvPicPr>
+          <p:cNvPr id="4" name="Picture 3"/>
+          <p:cNvPicPr>
+            <a:picLocks noChangeAspect="1"/>
+          </p:cNvPicPr>
+          <p:nvPr/>
+        </p:nvPicPr>
+        <p:blipFill>
+          <a:blip r:embed="rId1"/>
+          <a:stretch>
+            <a:fillRect/>
+          </a:stretch>
+        </p:blipFill>
+        <p:spPr>
+          <a:xfrm>
+            <a:off x="351155" y="3145155"/>
+            <a:ext cx="7133590" cy="2409825"/>
+          </a:xfrm>
+          <a:prstGeom prst="rect">
+            <a:avLst/>
+          </a:prstGeom>
+        </p:spPr>
+      </p:pic>
+      <p:pic>
+        <p:nvPicPr>
+          <p:cNvPr id="6" name="Picture 5" descr="yelp_dataset"/>
+          <p:cNvPicPr>
+            <a:picLocks noChangeAspect="1"/>
+          </p:cNvPicPr>
+          <p:nvPr/>
+        </p:nvPicPr>
+        <p:blipFill>
+          <a:blip r:embed="rId2"/>
+          <a:stretch>
+            <a:fillRect/>
+          </a:stretch>
+        </p:blipFill>
+        <p:spPr>
+          <a:xfrm>
+            <a:off x="7484745" y="1367790"/>
+            <a:ext cx="4342765" cy="5266690"/>
+          </a:xfrm>
+          <a:prstGeom prst="rect">
+            <a:avLst/>
+          </a:prstGeom>
+        </p:spPr>
+      </p:pic>
+      <p:sp>
+        <p:nvSpPr>
+          <p:cNvPr id="7" name="Text Box 6"/>
+          <p:cNvSpPr txBox="1"/>
+          <p:nvPr/>
+        </p:nvSpPr>
+        <p:spPr>
+          <a:xfrm>
+            <a:off x="2192655" y="5664200"/>
+            <a:ext cx="4880610" cy="368300"/>
+          </a:xfrm>
+          <a:prstGeom prst="rect">
+            <a:avLst/>
+          </a:prstGeom>
+          <a:noFill/>
+        </p:spPr>
+        <p:txBody>
+          <a:bodyPr wrap="square" rtlCol="0" anchor="t">
+            <a:spAutoFit/>
+          </a:bodyPr>
+          <a:p>
+            <a:r>
+              <a:rPr lang="en-US"/>
+              <a:t>https://www.yelp.com/dataset</a:t>
+            </a:r>
             <a:endParaRPr lang="en-US"/>
-          </a:p>
-          <a:p>
-            <a:r>
-              <a:rPr lang="" altLang="en-US"/>
-              <a:t>Yelp dataset is relational in nature, questions require joining tables -- relational database is a good fit</a:t>
-            </a:r>
-            <a:endParaRPr lang="" altLang="en-US"/>
-          </a:p>
-          <a:p>
-            <a:endParaRPr lang="" altLang="en-US"/>
-          </a:p>
-          <a:p>
-            <a:r>
-              <a:rPr lang="" altLang="en-US"/>
-              <a:t>PostgreSQL: high stability, ease of accessbility in cloud providers (AWS, Google Cloud, etc), open source</a:t>
-            </a:r>
-            <a:endParaRPr lang="" altLang="en-US"/>
-          </a:p>
-          <a:p>
-            <a:endParaRPr lang="" altLang="en-US"/>
-          </a:p>
-          <a:p>
-            <a:r>
-              <a:rPr lang="" altLang="en-US"/>
-              <a:t>psycopg2 python driver: actively maintained, thread-safe</a:t>
-            </a:r>
-            <a:endParaRPr lang="" altLang="en-US"/>
           </a:p>
         </p:txBody>
       </p:sp>
@@ -6633,14 +7150,7 @@
         <p:cNvGrpSpPr/>
         <p:nvPr/>
       </p:nvGrpSpPr>
-      <p:grpSpPr>
-        <a:xfrm>
-          <a:off x="0" y="0"/>
-          <a:ext cx="0" cy="0"/>
-          <a:chOff x="0" y="0"/>
-          <a:chExt cx="0" cy="0"/>
-        </a:xfrm>
-      </p:grpSpPr>
+      <p:grpSpPr/>
       <p:sp>
         <p:nvSpPr>
           <p:cNvPr id="2" name="Title 1"/>
@@ -6648,58 +7158,155 @@
             <a:spLocks noGrp="1"/>
           </p:cNvSpPr>
           <p:nvPr>
-            <p:ph type="ctrTitle"/>
-          </p:nvPr>
-        </p:nvSpPr>
-        <p:spPr>
-          <a:xfrm>
-            <a:off x="1524000" y="1122363"/>
-            <a:ext cx="9144000" cy="2387600"/>
-          </a:xfrm>
-        </p:spPr>
-        <p:txBody>
-          <a:bodyPr/>
-          <a:lstStyle/>
-          <a:p>
-            <a:r>
-              <a:rPr lang="en-US" dirty="0"/>
-              <a:t>Section </a:t>
-            </a:r>
-            <a:r>
-              <a:rPr lang="" altLang="en-US" dirty="0"/>
-              <a:t>3</a:t>
-            </a:r>
-            <a:endParaRPr lang="" altLang="en-US" dirty="0"/>
-          </a:p>
-        </p:txBody>
-      </p:sp>
-      <p:sp>
-        <p:nvSpPr>
-          <p:cNvPr id="3" name="Subtitle 2"/>
-          <p:cNvSpPr>
-            <a:spLocks noGrp="1"/>
-          </p:cNvSpPr>
-          <p:nvPr>
-            <p:ph type="subTitle" idx="1"/>
-          </p:nvPr>
-        </p:nvSpPr>
-        <p:spPr>
-          <a:xfrm>
-            <a:off x="1524000" y="3602038"/>
-            <a:ext cx="9144000" cy="1655762"/>
-          </a:xfrm>
-        </p:spPr>
+            <p:ph type="title"/>
+          </p:nvPr>
+        </p:nvSpPr>
+        <p:spPr/>
         <p:txBody>
           <a:bodyPr>
             <a:normAutofit/>
           </a:bodyPr>
-          <a:lstStyle/>
-          <a:p>
-            <a:r>
-              <a:rPr lang="en-US" sz="4400" dirty="0"/>
-              <a:t>Word clouds from Yelp reviews</a:t>
-            </a:r>
-            <a:endParaRPr lang="en-CA" sz="4400" dirty="0"/>
+          <a:p>
+            <a:r>
+              <a:rPr lang="" altLang="en-US"/>
+              <a:t>Yelp dataset characteristics</a:t>
+            </a:r>
+            <a:endParaRPr lang="" altLang="en-US"/>
+          </a:p>
+        </p:txBody>
+      </p:sp>
+      <p:pic>
+        <p:nvPicPr>
+          <p:cNvPr id="8" name="Picture 7" descr="business.json_sample"/>
+          <p:cNvPicPr>
+            <a:picLocks noChangeAspect="1"/>
+          </p:cNvPicPr>
+          <p:nvPr/>
+        </p:nvPicPr>
+        <p:blipFill>
+          <a:blip r:embed="rId1"/>
+          <a:stretch>
+            <a:fillRect/>
+          </a:stretch>
+        </p:blipFill>
+        <p:spPr>
+          <a:xfrm>
+            <a:off x="2637155" y="1517015"/>
+            <a:ext cx="8507095" cy="4624070"/>
+          </a:xfrm>
+          <a:prstGeom prst="rect">
+            <a:avLst/>
+          </a:prstGeom>
+        </p:spPr>
+      </p:pic>
+      <p:sp>
+        <p:nvSpPr>
+          <p:cNvPr id="9" name="Text Box 8"/>
+          <p:cNvSpPr txBox="1"/>
+          <p:nvPr/>
+        </p:nvSpPr>
+        <p:spPr>
+          <a:xfrm>
+            <a:off x="777875" y="2870200"/>
+            <a:ext cx="1707515" cy="1753235"/>
+          </a:xfrm>
+          <a:prstGeom prst="rect">
+            <a:avLst/>
+          </a:prstGeom>
+          <a:noFill/>
+        </p:spPr>
+        <p:txBody>
+          <a:bodyPr wrap="none" rtlCol="0">
+            <a:spAutoFit/>
+          </a:bodyPr>
+          <a:p>
+            <a:pPr algn="ctr"/>
+            <a:r>
+              <a:rPr lang="" altLang="en-US" sz="3600">
+                <a:solidFill>
+                  <a:schemeClr val="accent1">
+                    <a:lumMod val="75000"/>
+                  </a:schemeClr>
+                </a:solidFill>
+              </a:rPr>
+              <a:t>JSON</a:t>
+            </a:r>
+            <a:endParaRPr lang="" altLang="en-US" sz="3600">
+              <a:solidFill>
+                <a:schemeClr val="accent1">
+                  <a:lumMod val="75000"/>
+                </a:schemeClr>
+              </a:solidFill>
+            </a:endParaRPr>
+          </a:p>
+          <a:p>
+            <a:pPr algn="ctr"/>
+            <a:r>
+              <a:rPr lang="" altLang="en-US" sz="3600">
+                <a:solidFill>
+                  <a:schemeClr val="accent1">
+                    <a:lumMod val="75000"/>
+                  </a:schemeClr>
+                </a:solidFill>
+              </a:rPr>
+              <a:t>file</a:t>
+            </a:r>
+            <a:endParaRPr lang="" altLang="en-US" sz="3600">
+              <a:solidFill>
+                <a:schemeClr val="accent1">
+                  <a:lumMod val="75000"/>
+                </a:schemeClr>
+              </a:solidFill>
+            </a:endParaRPr>
+          </a:p>
+          <a:p>
+            <a:pPr algn="ctr"/>
+            <a:r>
+              <a:rPr lang="" altLang="en-US" sz="3600">
+                <a:solidFill>
+                  <a:schemeClr val="accent1">
+                    <a:lumMod val="75000"/>
+                  </a:schemeClr>
+                </a:solidFill>
+              </a:rPr>
+              <a:t>format</a:t>
+            </a:r>
+            <a:endParaRPr lang="" altLang="en-US" sz="3600">
+              <a:solidFill>
+                <a:schemeClr val="accent1">
+                  <a:lumMod val="75000"/>
+                </a:schemeClr>
+              </a:solidFill>
+            </a:endParaRPr>
+          </a:p>
+        </p:txBody>
+      </p:sp>
+      <p:sp>
+        <p:nvSpPr>
+          <p:cNvPr id="10" name="Text Box 9"/>
+          <p:cNvSpPr txBox="1"/>
+          <p:nvPr/>
+        </p:nvSpPr>
+        <p:spPr>
+          <a:xfrm>
+            <a:off x="2838450" y="6316345"/>
+            <a:ext cx="6096000" cy="368300"/>
+          </a:xfrm>
+          <a:prstGeom prst="rect">
+            <a:avLst/>
+          </a:prstGeom>
+          <a:noFill/>
+        </p:spPr>
+        <p:txBody>
+          <a:bodyPr wrap="none" rtlCol="0">
+            <a:spAutoFit/>
+          </a:bodyPr>
+          <a:p>
+            <a:r>
+              <a:rPr lang="" altLang="en-US"/>
+              <a:t>Sample of Yelp dataset: section of file business.json</a:t>
+            </a:r>
+            <a:endParaRPr lang="" altLang="en-US"/>
           </a:p>
         </p:txBody>
       </p:sp>
@@ -6720,17 +7327,34 @@
         <p:cNvGrpSpPr/>
         <p:nvPr/>
       </p:nvGrpSpPr>
-      <p:grpSpPr>
-        <a:xfrm>
-          <a:off x="0" y="0"/>
-          <a:ext cx="0" cy="0"/>
-          <a:chOff x="0" y="0"/>
-          <a:chExt cx="0" cy="0"/>
-        </a:xfrm>
-      </p:grpSpPr>
+      <p:grpSpPr/>
+      <p:sp>
+        <p:nvSpPr>
+          <p:cNvPr id="2" name="Title 1"/>
+          <p:cNvSpPr>
+            <a:spLocks noGrp="1"/>
+          </p:cNvSpPr>
+          <p:nvPr>
+            <p:ph type="title"/>
+          </p:nvPr>
+        </p:nvSpPr>
+        <p:spPr/>
+        <p:txBody>
+          <a:bodyPr>
+            <a:normAutofit/>
+          </a:bodyPr>
+          <a:p>
+            <a:r>
+              <a:rPr lang="en-US" altLang="en-US"/>
+              <a:t>Yelp dataset characteristics</a:t>
+            </a:r>
+            <a:endParaRPr lang="en-US" altLang="en-US"/>
+          </a:p>
+        </p:txBody>
+      </p:sp>
       <p:pic>
         <p:nvPicPr>
-          <p:cNvPr id="21" name="Picture 20"/>
+          <p:cNvPr id="4" name="Picture 3"/>
           <p:cNvPicPr>
             <a:picLocks noChangeAspect="1"/>
           </p:cNvPicPr>
@@ -6744,14 +7368,80 @@
         </p:blipFill>
         <p:spPr>
           <a:xfrm>
-            <a:off x="735194" y="644222"/>
-            <a:ext cx="10599915" cy="5569543"/>
+            <a:off x="407035" y="2388235"/>
+            <a:ext cx="11333480" cy="3829050"/>
           </a:xfrm>
           <a:prstGeom prst="rect">
             <a:avLst/>
           </a:prstGeom>
         </p:spPr>
       </p:pic>
+      <p:sp>
+        <p:nvSpPr>
+          <p:cNvPr id="3" name="Text Box 2"/>
+          <p:cNvSpPr txBox="1"/>
+          <p:nvPr/>
+        </p:nvSpPr>
+        <p:spPr>
+          <a:xfrm>
+            <a:off x="838200" y="1786890"/>
+            <a:ext cx="10902315" cy="460375"/>
+          </a:xfrm>
+          <a:prstGeom prst="rect">
+            <a:avLst/>
+          </a:prstGeom>
+          <a:noFill/>
+        </p:spPr>
+        <p:txBody>
+          <a:bodyPr wrap="none" rtlCol="0">
+            <a:spAutoFit/>
+          </a:bodyPr>
+          <a:p>
+            <a:pPr algn="l"/>
+            <a:r>
+              <a:rPr lang="en-US" altLang="en-US" sz="2400">
+                <a:solidFill>
+                  <a:schemeClr val="accent1">
+                    <a:lumMod val="75000"/>
+                  </a:schemeClr>
+                </a:solidFill>
+                <a:sym typeface="+mn-ea"/>
+              </a:rPr>
+              <a:t>Related entities (e.g, businesses and reviews, reviews and users, </a:t>
+            </a:r>
+            <a:r>
+              <a:rPr lang="en-US" altLang="en-US" sz="2400" i="1">
+                <a:solidFill>
+                  <a:schemeClr val="accent1">
+                    <a:lumMod val="75000"/>
+                  </a:schemeClr>
+                </a:solidFill>
+                <a:sym typeface="+mn-ea"/>
+              </a:rPr>
+              <a:t>etc.</a:t>
+            </a:r>
+            <a:r>
+              <a:rPr lang="en-US" altLang="en-US" sz="2400">
+                <a:solidFill>
+                  <a:schemeClr val="accent1">
+                    <a:lumMod val="75000"/>
+                  </a:schemeClr>
+                </a:solidFill>
+                <a:sym typeface="+mn-ea"/>
+              </a:rPr>
+              <a:t>)</a:t>
+            </a:r>
+            <a:endParaRPr lang="en-US" altLang="en-US" sz="2400">
+              <a:solidFill>
+                <a:schemeClr val="accent1">
+                  <a:lumMod val="75000"/>
+                </a:schemeClr>
+              </a:solidFill>
+              <a:sym typeface="+mn-ea"/>
+            </a:endParaRPr>
+          </a:p>
+        </p:txBody>
+      </p:sp>
     </p:spTree>
   </p:cSld>
   <p:clrMapOvr>
@@ -6769,17 +7459,73 @@
         <p:cNvGrpSpPr/>
         <p:nvPr/>
       </p:nvGrpSpPr>
-      <p:grpSpPr>
-        <a:xfrm>
-          <a:off x="0" y="0"/>
-          <a:ext cx="0" cy="0"/>
-          <a:chOff x="0" y="0"/>
-          <a:chExt cx="0" cy="0"/>
-        </a:xfrm>
-      </p:grpSpPr>
+      <p:grpSpPr/>
+      <p:sp>
+        <p:nvSpPr>
+          <p:cNvPr id="2" name="Title 1"/>
+          <p:cNvSpPr>
+            <a:spLocks noGrp="1"/>
+          </p:cNvSpPr>
+          <p:nvPr>
+            <p:ph type="title"/>
+          </p:nvPr>
+        </p:nvSpPr>
+        <p:spPr/>
+        <p:txBody>
+          <a:bodyPr/>
+          <a:p>
+            <a:r>
+              <a:rPr lang="en-US" altLang="en-US">
+                <a:sym typeface="+mn-ea"/>
+              </a:rPr>
+              <a:t>Yelp dataset characteristics</a:t>
+            </a:r>
+            <a:endParaRPr lang="" altLang="en-US"/>
+          </a:p>
+        </p:txBody>
+      </p:sp>
+      <p:sp>
+        <p:nvSpPr>
+          <p:cNvPr id="3" name="Content Placeholder 2"/>
+          <p:cNvSpPr>
+            <a:spLocks noGrp="1"/>
+          </p:cNvSpPr>
+          <p:nvPr>
+            <p:ph idx="1"/>
+          </p:nvPr>
+        </p:nvSpPr>
+        <p:spPr/>
+        <p:txBody>
+          <a:bodyPr>
+            <a:normAutofit lnSpcReduction="10000"/>
+          </a:bodyPr>
+          <a:p>
+            <a:pPr marL="0" indent="0">
+              <a:buNone/>
+            </a:pPr>
+            <a:r>
+              <a:rPr lang="en-US" altLang="en-US">
+                <a:solidFill>
+                  <a:schemeClr val="accent1">
+                    <a:lumMod val="75000"/>
+                  </a:schemeClr>
+                </a:solidFill>
+              </a:rPr>
+              <a:t>Varying and nested attributes (e.g., file “business.json”)</a:t>
+            </a:r>
+            <a:endParaRPr lang="en-US" altLang="en-US">
+              <a:solidFill>
+                <a:schemeClr val="accent1">
+                  <a:lumMod val="75000"/>
+                </a:schemeClr>
+              </a:solidFill>
+            </a:endParaRPr>
+          </a:p>
+        </p:txBody>
+      </p:sp>
       <p:pic>
         <p:nvPicPr>
-          <p:cNvPr id="2" name="Picture 1"/>
+          <p:cNvPr id="6" name="Picture 5" descr="business.json_fields"/>
           <p:cNvPicPr>
             <a:picLocks noChangeAspect="1"/>
           </p:cNvPicPr>
@@ -6793,8 +7539,8 @@
         </p:blipFill>
         <p:spPr>
           <a:xfrm>
-            <a:off x="735194" y="647356"/>
-            <a:ext cx="10599910" cy="5566421"/>
+            <a:off x="1104900" y="2220595"/>
+            <a:ext cx="9676130" cy="4133215"/>
           </a:xfrm>
           <a:prstGeom prst="rect">
             <a:avLst/>
@@ -6818,38 +7564,92 @@
         <p:cNvGrpSpPr/>
         <p:nvPr/>
       </p:nvGrpSpPr>
-      <p:grpSpPr>
-        <a:xfrm>
-          <a:off x="0" y="0"/>
-          <a:ext cx="0" cy="0"/>
-          <a:chOff x="0" y="0"/>
-          <a:chExt cx="0" cy="0"/>
-        </a:xfrm>
-      </p:grpSpPr>
-      <p:pic>
-        <p:nvPicPr>
-          <p:cNvPr id="3" name="Picture 2"/>
-          <p:cNvPicPr>
-            <a:picLocks noChangeAspect="1"/>
-          </p:cNvPicPr>
-          <p:nvPr/>
-        </p:nvPicPr>
-        <p:blipFill>
-          <a:blip r:embed="rId1"/>
-          <a:stretch>
-            <a:fillRect/>
-          </a:stretch>
-        </p:blipFill>
-        <p:spPr>
-          <a:xfrm>
-            <a:off x="735194" y="611549"/>
-            <a:ext cx="10599909" cy="5602228"/>
-          </a:xfrm>
-          <a:prstGeom prst="rect">
-            <a:avLst/>
-          </a:prstGeom>
-        </p:spPr>
-      </p:pic>
+      <p:grpSpPr/>
+      <p:sp>
+        <p:nvSpPr>
+          <p:cNvPr id="2" name="Title 1"/>
+          <p:cNvSpPr>
+            <a:spLocks noGrp="1"/>
+          </p:cNvSpPr>
+          <p:nvPr>
+            <p:ph type="title"/>
+          </p:nvPr>
+        </p:nvSpPr>
+        <p:spPr/>
+        <p:txBody>
+          <a:bodyPr/>
+          <a:p>
+            <a:r>
+              <a:rPr lang="en-US" altLang="en-US"/>
+              <a:t>Data ingestion: Yelp dataset</a:t>
+            </a:r>
+            <a:endParaRPr lang="en-US" altLang="en-US"/>
+          </a:p>
+        </p:txBody>
+      </p:sp>
+      <p:sp>
+        <p:nvSpPr>
+          <p:cNvPr id="3" name="Content Placeholder 2"/>
+          <p:cNvSpPr>
+            <a:spLocks noGrp="1"/>
+          </p:cNvSpPr>
+          <p:nvPr>
+            <p:ph idx="1"/>
+          </p:nvPr>
+        </p:nvSpPr>
+        <p:spPr/>
+        <p:txBody>
+          <a:bodyPr>
+            <a:normAutofit lnSpcReduction="10000"/>
+          </a:bodyPr>
+          <a:p>
+            <a:pPr marL="0" indent="0">
+              <a:buNone/>
+            </a:pPr>
+            <a:r>
+              <a:rPr lang="en-US" altLang="en-US"/>
+              <a:t>Characteristics of Yelp dataset:</a:t>
+            </a:r>
+            <a:endParaRPr lang="en-US" altLang="en-US"/>
+          </a:p>
+          <a:p>
+            <a:r>
+              <a:rPr lang="en-US" altLang="en-US"/>
+              <a:t>JSON file format</a:t>
+            </a:r>
+            <a:endParaRPr lang="en-US" altLang="en-US"/>
+          </a:p>
+          <a:p>
+            <a:r>
+              <a:rPr lang="en-US" altLang="en-US"/>
+              <a:t>Related entities (e.g, businesses and reviews, reviews and users, </a:t>
+            </a:r>
+            <a:r>
+              <a:rPr lang="en-US" altLang="en-US" i="1"/>
+              <a:t>etc.</a:t>
+            </a:r>
+            <a:r>
+              <a:rPr lang="en-US" altLang="en-US"/>
+              <a:t>)</a:t>
+            </a:r>
+            <a:endParaRPr lang="en-US" altLang="en-US"/>
+          </a:p>
+          <a:p>
+            <a:r>
+              <a:rPr lang="en-US" altLang="en-US"/>
+              <a:t>Varying and nested attributes (e.g., file “business.json”)</a:t>
+            </a:r>
+            <a:endParaRPr lang="en-US" altLang="en-US"/>
+          </a:p>
+          <a:p>
+            <a:r>
+              <a:rPr lang="en-US" altLang="en-US"/>
+              <a:t>Queries require joining data (e.g., “business” and “review”)</a:t>
+            </a:r>
+            <a:endParaRPr lang="en-US" altLang="en-US"/>
+          </a:p>
+        </p:txBody>
+      </p:sp>
     </p:spTree>
   </p:cSld>
   <p:clrMapOvr>
@@ -6867,38 +7667,81 @@
         <p:cNvGrpSpPr/>
         <p:nvPr/>
       </p:nvGrpSpPr>
-      <p:grpSpPr>
-        <a:xfrm>
-          <a:off x="0" y="0"/>
-          <a:ext cx="0" cy="0"/>
-          <a:chOff x="0" y="0"/>
-          <a:chExt cx="0" cy="0"/>
-        </a:xfrm>
-      </p:grpSpPr>
-      <p:pic>
-        <p:nvPicPr>
-          <p:cNvPr id="2" name="Picture 1"/>
-          <p:cNvPicPr>
-            <a:picLocks noChangeAspect="1"/>
-          </p:cNvPicPr>
-          <p:nvPr/>
-        </p:nvPicPr>
-        <p:blipFill>
-          <a:blip r:embed="rId1"/>
-          <a:stretch>
-            <a:fillRect/>
-          </a:stretch>
-        </p:blipFill>
-        <p:spPr>
-          <a:xfrm>
-            <a:off x="735194" y="707904"/>
-            <a:ext cx="10599910" cy="5505847"/>
-          </a:xfrm>
-          <a:prstGeom prst="rect">
-            <a:avLst/>
-          </a:prstGeom>
-        </p:spPr>
-      </p:pic>
+      <p:grpSpPr/>
+      <p:sp>
+        <p:nvSpPr>
+          <p:cNvPr id="2" name="Title 1"/>
+          <p:cNvSpPr>
+            <a:spLocks noGrp="1"/>
+          </p:cNvSpPr>
+          <p:nvPr>
+            <p:ph type="title"/>
+          </p:nvPr>
+        </p:nvSpPr>
+        <p:spPr/>
+        <p:txBody>
+          <a:bodyPr/>
+          <a:p>
+            <a:r>
+              <a:rPr lang="" altLang="en-US"/>
+              <a:t>Data ingestion: SQL or NoSQL?</a:t>
+            </a:r>
+            <a:endParaRPr lang="" altLang="en-US"/>
+          </a:p>
+        </p:txBody>
+      </p:sp>
+      <p:sp>
+        <p:nvSpPr>
+          <p:cNvPr id="3" name="Content Placeholder 2"/>
+          <p:cNvSpPr>
+            <a:spLocks noGrp="1"/>
+          </p:cNvSpPr>
+          <p:nvPr>
+            <p:ph idx="1"/>
+          </p:nvPr>
+        </p:nvSpPr>
+        <p:spPr/>
+        <p:txBody>
+          <a:bodyPr>
+            <a:normAutofit lnSpcReduction="10000"/>
+          </a:bodyPr>
+          <a:p>
+            <a:r>
+              <a:rPr lang="" altLang="en-US"/>
+              <a:t>Yelp dataset consists of related JSON files</a:t>
+            </a:r>
+            <a:endParaRPr lang="" altLang="en-US"/>
+          </a:p>
+          <a:p>
+            <a:r>
+              <a:rPr lang="" altLang="en-US"/>
+              <a:t>Varying and nested attributes (e.g., file “business.json”)</a:t>
+            </a:r>
+            <a:endParaRPr lang="" altLang="en-US"/>
+          </a:p>
+          <a:p>
+            <a:r>
+              <a:rPr lang="" altLang="en-US"/>
+              <a:t>Queries require joining data (e.g., “business” and “review”)</a:t>
+            </a:r>
+            <a:endParaRPr lang="" altLang="en-US"/>
+          </a:p>
+          <a:p>
+            <a:r>
+              <a:rPr lang="" altLang="en-US"/>
+              <a:t>NoSQL: “pay the price” on the read, fast ingestion, less flexibility in writing queries on joined tables</a:t>
+            </a:r>
+            <a:endParaRPr lang="" altLang="en-US"/>
+          </a:p>
+          <a:p>
+            <a:r>
+              <a:rPr lang="" altLang="en-US"/>
+              <a:t>SQL: “pay the price” on the write, slow ingestion (schema needs to be derived, INSERT statements need to be composed), fast and efficient queries on joined tables</a:t>
+            </a:r>
+            <a:endParaRPr lang="" altLang="en-US"/>
+          </a:p>
+        </p:txBody>
+      </p:sp>
     </p:spTree>
   </p:cSld>
   <p:clrMapOvr>
@@ -6916,38 +7759,89 @@
         <p:cNvGrpSpPr/>
         <p:nvPr/>
       </p:nvGrpSpPr>
-      <p:grpSpPr>
-        <a:xfrm>
-          <a:off x="0" y="0"/>
-          <a:ext cx="0" cy="0"/>
-          <a:chOff x="0" y="0"/>
-          <a:chExt cx="0" cy="0"/>
-        </a:xfrm>
-      </p:grpSpPr>
-      <p:pic>
-        <p:nvPicPr>
-          <p:cNvPr id="3" name="Picture 2"/>
-          <p:cNvPicPr>
-            <a:picLocks noChangeAspect="1"/>
-          </p:cNvPicPr>
-          <p:nvPr/>
-        </p:nvPicPr>
-        <p:blipFill>
-          <a:blip r:embed="rId1"/>
-          <a:stretch>
-            <a:fillRect/>
-          </a:stretch>
-        </p:blipFill>
-        <p:spPr>
-          <a:xfrm>
-            <a:off x="735195" y="644222"/>
-            <a:ext cx="10599912" cy="5644435"/>
-          </a:xfrm>
-          <a:prstGeom prst="rect">
-            <a:avLst/>
-          </a:prstGeom>
-        </p:spPr>
-      </p:pic>
+      <p:grpSpPr/>
+      <p:sp>
+        <p:nvSpPr>
+          <p:cNvPr id="2" name="Title 1"/>
+          <p:cNvSpPr>
+            <a:spLocks noGrp="1"/>
+          </p:cNvSpPr>
+          <p:nvPr>
+            <p:ph type="title"/>
+          </p:nvPr>
+        </p:nvSpPr>
+        <p:spPr/>
+        <p:txBody>
+          <a:bodyPr/>
+          <a:p>
+            <a:r>
+              <a:rPr lang="en-US" altLang="en-US"/>
+              <a:t>Data storage: PostgreSQL database</a:t>
+            </a:r>
+            <a:endParaRPr lang="en-US" altLang="en-US"/>
+          </a:p>
+        </p:txBody>
+      </p:sp>
+      <p:sp>
+        <p:nvSpPr>
+          <p:cNvPr id="3" name="Content Placeholder 2"/>
+          <p:cNvSpPr>
+            <a:spLocks noGrp="1"/>
+          </p:cNvSpPr>
+          <p:nvPr>
+            <p:ph idx="1"/>
+          </p:nvPr>
+        </p:nvSpPr>
+        <p:spPr/>
+        <p:txBody>
+          <a:bodyPr>
+            <a:normAutofit lnSpcReduction="10000"/>
+          </a:bodyPr>
+          <a:p>
+            <a:pPr marL="0" indent="0">
+              <a:buNone/>
+            </a:pPr>
+            <a:r>
+              <a:rPr lang="en-US" altLang="en-US"/>
+              <a:t>PostgreSQL database has been chosen for data storage</a:t>
+            </a:r>
+            <a:endParaRPr lang="en-US" altLang="en-US"/>
+          </a:p>
+          <a:p>
+            <a:pPr marL="0" indent="0">
+              <a:buNone/>
+            </a:pPr>
+            <a:endParaRPr lang="en-US"/>
+          </a:p>
+          <a:p>
+            <a:r>
+              <a:rPr lang="en-US" altLang="en-US"/>
+              <a:t>Yelp dataset is relational in nature, questions require joining tables -- relational database is a good fit</a:t>
+            </a:r>
+            <a:endParaRPr lang="en-US" altLang="en-US"/>
+          </a:p>
+          <a:p>
+            <a:endParaRPr lang="en-US" altLang="en-US"/>
+          </a:p>
+          <a:p>
+            <a:r>
+              <a:rPr lang="en-US" altLang="en-US"/>
+              <a:t>PostgreSQL: high stability, ease of accessbility in cloud providers (AWS, Google Cloud, etc), open source</a:t>
+            </a:r>
+            <a:endParaRPr lang="en-US" altLang="en-US"/>
+          </a:p>
+          <a:p>
+            <a:endParaRPr lang="en-US" altLang="en-US"/>
+          </a:p>
+          <a:p>
+            <a:r>
+              <a:rPr lang="en-US" altLang="en-US"/>
+              <a:t>psycopg2 python driver: actively maintained, thread-safe</a:t>
+            </a:r>
+            <a:endParaRPr lang="en-US" altLang="en-US"/>
+          </a:p>
+        </p:txBody>
+      </p:sp>
     </p:spTree>
   </p:cSld>
   <p:clrMapOvr>

--- a/presentations/Yelp_dataset_results.pptx
+++ b/presentations/Yelp_dataset_results.pptx
@@ -14,19 +14,22 @@
     <p:sldId id="291" r:id="rId9"/>
     <p:sldId id="295" r:id="rId10"/>
     <p:sldId id="290" r:id="rId11"/>
-    <p:sldId id="276" r:id="rId12"/>
-    <p:sldId id="289" r:id="rId13"/>
-    <p:sldId id="275" r:id="rId14"/>
-    <p:sldId id="257" r:id="rId15"/>
-    <p:sldId id="264" r:id="rId16"/>
-    <p:sldId id="265" r:id="rId17"/>
-    <p:sldId id="266" r:id="rId18"/>
-    <p:sldId id="267" r:id="rId19"/>
-    <p:sldId id="270" r:id="rId20"/>
-    <p:sldId id="269" r:id="rId21"/>
-    <p:sldId id="268" r:id="rId22"/>
-    <p:sldId id="271" r:id="rId23"/>
-    <p:sldId id="272" r:id="rId24"/>
+    <p:sldId id="297" r:id="rId12"/>
+    <p:sldId id="298" r:id="rId13"/>
+    <p:sldId id="299" r:id="rId14"/>
+    <p:sldId id="300" r:id="rId15"/>
+    <p:sldId id="289" r:id="rId16"/>
+    <p:sldId id="275" r:id="rId17"/>
+    <p:sldId id="257" r:id="rId18"/>
+    <p:sldId id="264" r:id="rId19"/>
+    <p:sldId id="265" r:id="rId20"/>
+    <p:sldId id="266" r:id="rId21"/>
+    <p:sldId id="267" r:id="rId22"/>
+    <p:sldId id="270" r:id="rId23"/>
+    <p:sldId id="269" r:id="rId24"/>
+    <p:sldId id="268" r:id="rId25"/>
+    <p:sldId id="271" r:id="rId26"/>
+    <p:sldId id="272" r:id="rId27"/>
   </p:sldIdLst>
   <p:sldSz cx="12192000" cy="6858000"/>
   <p:notesSz cx="6858000" cy="9144000"/>
@@ -5834,14 +5837,7 @@
         <p:cNvGrpSpPr/>
         <p:nvPr/>
       </p:nvGrpSpPr>
-      <p:grpSpPr>
-        <a:xfrm>
-          <a:off x="0" y="0"/>
-          <a:ext cx="0" cy="0"/>
-          <a:chOff x="0" y="0"/>
-          <a:chExt cx="0" cy="0"/>
-        </a:xfrm>
-      </p:grpSpPr>
+      <p:grpSpPr/>
       <p:sp>
         <p:nvSpPr>
           <p:cNvPr id="2" name="Title 1"/>
@@ -5849,61 +5845,69 @@
             <a:spLocks noGrp="1"/>
           </p:cNvSpPr>
           <p:nvPr>
-            <p:ph type="ctrTitle"/>
-          </p:nvPr>
-        </p:nvSpPr>
-        <p:spPr>
-          <a:xfrm>
-            <a:off x="1524000" y="1122363"/>
-            <a:ext cx="9144000" cy="2387600"/>
-          </a:xfrm>
-        </p:spPr>
-        <p:txBody>
-          <a:bodyPr/>
-          <a:lstStyle/>
-          <a:p>
-            <a:r>
-              <a:rPr lang="en-US" dirty="0"/>
-              <a:t>Section </a:t>
-            </a:r>
-            <a:r>
-              <a:rPr lang="" altLang="en-US" dirty="0"/>
-              <a:t>2</a:t>
-            </a:r>
-            <a:endParaRPr lang="" altLang="en-US" dirty="0"/>
-          </a:p>
-        </p:txBody>
-      </p:sp>
-      <p:sp>
-        <p:nvSpPr>
-          <p:cNvPr id="3" name="Subtitle 2"/>
-          <p:cNvSpPr>
-            <a:spLocks noGrp="1"/>
-          </p:cNvSpPr>
-          <p:nvPr>
-            <p:ph type="subTitle" idx="1"/>
-          </p:nvPr>
-        </p:nvSpPr>
-        <p:spPr>
-          <a:xfrm>
-            <a:off x="1524000" y="3602038"/>
-            <a:ext cx="9144000" cy="1655762"/>
-          </a:xfrm>
-        </p:spPr>
-        <p:txBody>
-          <a:bodyPr>
-            <a:normAutofit/>
-          </a:bodyPr>
-          <a:lstStyle/>
-          <a:p>
-            <a:r>
-              <a:rPr lang="" altLang="en-US" sz="4400" dirty="0"/>
-              <a:t>Q2-Q7: Analytics</a:t>
-            </a:r>
-            <a:endParaRPr lang="" altLang="en-US" sz="4400" dirty="0"/>
-          </a:p>
-        </p:txBody>
-      </p:sp>
+            <p:ph type="title"/>
+          </p:nvPr>
+        </p:nvSpPr>
+        <p:spPr/>
+        <p:txBody>
+          <a:bodyPr/>
+          <a:p>
+            <a:r>
+              <a:rPr lang="en-US" altLang="en-US"/>
+              <a:t>Data ingestion: PostgreSQL</a:t>
+            </a:r>
+            <a:endParaRPr lang="en-US" altLang="en-US"/>
+          </a:p>
+        </p:txBody>
+      </p:sp>
+      <p:pic>
+        <p:nvPicPr>
+          <p:cNvPr id="6" name="Picture 5"/>
+          <p:cNvPicPr>
+            <a:picLocks noChangeAspect="1"/>
+          </p:cNvPicPr>
+          <p:nvPr/>
+        </p:nvPicPr>
+        <p:blipFill>
+          <a:blip r:embed="rId1"/>
+          <a:stretch>
+            <a:fillRect/>
+          </a:stretch>
+        </p:blipFill>
+        <p:spPr>
+          <a:xfrm flipH="1">
+            <a:off x="8731885" y="473075"/>
+            <a:ext cx="1189355" cy="1109345"/>
+          </a:xfrm>
+          <a:prstGeom prst="rect">
+            <a:avLst/>
+          </a:prstGeom>
+        </p:spPr>
+      </p:pic>
+      <p:pic>
+        <p:nvPicPr>
+          <p:cNvPr id="9" name="Picture 8" descr="yelp_db_setup_postgres"/>
+          <p:cNvPicPr>
+            <a:picLocks noChangeAspect="1"/>
+          </p:cNvPicPr>
+          <p:nvPr/>
+        </p:nvPicPr>
+        <p:blipFill>
+          <a:blip r:embed="rId2"/>
+          <a:stretch>
+            <a:fillRect/>
+          </a:stretch>
+        </p:blipFill>
+        <p:spPr>
+          <a:xfrm>
+            <a:off x="313690" y="1473835"/>
+            <a:ext cx="11565255" cy="4903470"/>
+          </a:xfrm>
+          <a:prstGeom prst="rect">
+            <a:avLst/>
+          </a:prstGeom>
+        </p:spPr>
+      </p:pic>
     </p:spTree>
   </p:cSld>
   <p:clrMapOvr>
@@ -5921,14 +5925,7 @@
         <p:cNvGrpSpPr/>
         <p:nvPr/>
       </p:nvGrpSpPr>
-      <p:grpSpPr>
-        <a:xfrm>
-          <a:off x="0" y="0"/>
-          <a:ext cx="0" cy="0"/>
-          <a:chOff x="0" y="0"/>
-          <a:chExt cx="0" cy="0"/>
-        </a:xfrm>
-      </p:grpSpPr>
+      <p:grpSpPr/>
       <p:sp>
         <p:nvSpPr>
           <p:cNvPr id="2" name="Title 1"/>
@@ -5936,58 +5933,150 @@
             <a:spLocks noGrp="1"/>
           </p:cNvSpPr>
           <p:nvPr>
-            <p:ph type="ctrTitle"/>
-          </p:nvPr>
-        </p:nvSpPr>
-        <p:spPr>
-          <a:xfrm>
-            <a:off x="1524000" y="1122363"/>
-            <a:ext cx="9144000" cy="2387600"/>
-          </a:xfrm>
-        </p:spPr>
-        <p:txBody>
-          <a:bodyPr/>
-          <a:lstStyle/>
-          <a:p>
-            <a:r>
-              <a:rPr lang="en-US" dirty="0"/>
-              <a:t>Section </a:t>
-            </a:r>
-            <a:r>
-              <a:rPr lang="en-US" altLang="en-US" dirty="0"/>
-              <a:t>3</a:t>
-            </a:r>
-            <a:endParaRPr lang="en-US" altLang="en-US" dirty="0"/>
-          </a:p>
-        </p:txBody>
-      </p:sp>
-      <p:sp>
-        <p:nvSpPr>
-          <p:cNvPr id="3" name="Subtitle 2"/>
-          <p:cNvSpPr>
-            <a:spLocks noGrp="1"/>
-          </p:cNvSpPr>
-          <p:nvPr>
-            <p:ph type="subTitle" idx="1"/>
-          </p:nvPr>
-        </p:nvSpPr>
-        <p:spPr>
-          <a:xfrm>
-            <a:off x="1524000" y="3602038"/>
-            <a:ext cx="9144000" cy="1655762"/>
-          </a:xfrm>
-        </p:spPr>
-        <p:txBody>
-          <a:bodyPr>
-            <a:normAutofit/>
+            <p:ph type="title"/>
+          </p:nvPr>
+        </p:nvSpPr>
+        <p:spPr/>
+        <p:txBody>
+          <a:bodyPr/>
+          <a:p>
+            <a:r>
+              <a:rPr lang="en-US" altLang="en-US"/>
+              <a:t>Data ingestion: PostgreSQL</a:t>
+            </a:r>
+            <a:endParaRPr lang="en-US" altLang="en-US"/>
+          </a:p>
+        </p:txBody>
+      </p:sp>
+      <p:pic>
+        <p:nvPicPr>
+          <p:cNvPr id="6" name="Picture 5"/>
+          <p:cNvPicPr>
+            <a:picLocks noChangeAspect="1"/>
+          </p:cNvPicPr>
+          <p:nvPr/>
+        </p:nvPicPr>
+        <p:blipFill>
+          <a:blip r:embed="rId1"/>
+          <a:stretch>
+            <a:fillRect/>
+          </a:stretch>
+        </p:blipFill>
+        <p:spPr>
+          <a:xfrm flipH="1">
+            <a:off x="8731885" y="473075"/>
+            <a:ext cx="1189355" cy="1109345"/>
+          </a:xfrm>
+          <a:prstGeom prst="rect">
+            <a:avLst/>
+          </a:prstGeom>
+        </p:spPr>
+      </p:pic>
+      <p:pic>
+        <p:nvPicPr>
+          <p:cNvPr id="4" name="Picture 3" descr="postgres_er"/>
+          <p:cNvPicPr>
+            <a:picLocks noChangeAspect="1"/>
+          </p:cNvPicPr>
+          <p:nvPr/>
+        </p:nvPicPr>
+        <p:blipFill>
+          <a:blip r:embed="rId2"/>
+          <a:stretch>
+            <a:fillRect/>
+          </a:stretch>
+        </p:blipFill>
+        <p:spPr>
+          <a:xfrm>
+            <a:off x="411480" y="1376680"/>
+            <a:ext cx="5434330" cy="4662170"/>
+          </a:xfrm>
+          <a:prstGeom prst="rect">
+            <a:avLst/>
+          </a:prstGeom>
+        </p:spPr>
+      </p:pic>
+      <p:sp>
+        <p:nvSpPr>
+          <p:cNvPr id="7" name="Text Box 6"/>
+          <p:cNvSpPr txBox="1"/>
+          <p:nvPr/>
+        </p:nvSpPr>
+        <p:spPr>
+          <a:xfrm>
+            <a:off x="6288405" y="2581275"/>
+            <a:ext cx="4956810" cy="2676525"/>
+          </a:xfrm>
+          <a:prstGeom prst="rect">
+            <a:avLst/>
+          </a:prstGeom>
+          <a:noFill/>
+        </p:spPr>
+        <p:txBody>
+          <a:bodyPr wrap="square" rtlCol="0" anchor="t">
+            <a:spAutoFit/>
           </a:bodyPr>
-          <a:lstStyle/>
-          <a:p>
-            <a:r>
-              <a:rPr lang="en-US" sz="4400" dirty="0"/>
-              <a:t>Word clouds from Yelp reviews</a:t>
-            </a:r>
-            <a:endParaRPr lang="en-CA" sz="4400" dirty="0"/>
+          <a:p>
+            <a:pPr marL="285750" indent="-285750">
+              <a:buFont typeface="Arial" panose="02080604020202020204" pitchFamily="34" charset="0"/>
+              <a:buChar char="•"/>
+            </a:pPr>
+            <a:r>
+              <a:rPr lang="" altLang="en-US" sz="2400"/>
+              <a:t>Complete PostgreSQL database setup via a Python script takes</a:t>
+            </a:r>
+            <a:r>
+              <a:rPr lang="en-US" sz="2400"/>
+              <a:t> 701.52 minutes</a:t>
+            </a:r>
+            <a:endParaRPr lang="en-US" sz="2400"/>
+          </a:p>
+          <a:p>
+            <a:pPr indent="0">
+              <a:buFont typeface="Arial" panose="02080604020202020204" pitchFamily="34" charset="0"/>
+              <a:buNone/>
+            </a:pPr>
+            <a:endParaRPr lang="en-US" sz="2400"/>
+          </a:p>
+          <a:p>
+            <a:pPr marL="285750" indent="-285750">
+              <a:buFont typeface="Arial" panose="02080604020202020204" pitchFamily="34" charset="0"/>
+              <a:buChar char="•"/>
+            </a:pPr>
+            <a:r>
+              <a:rPr lang="" altLang="en-US" sz="2400"/>
+              <a:t>Tables are related via referential integrity constraints</a:t>
+            </a:r>
+            <a:endParaRPr lang="" altLang="en-US" sz="2400"/>
+          </a:p>
+        </p:txBody>
+      </p:sp>
+      <p:sp>
+        <p:nvSpPr>
+          <p:cNvPr id="8" name="Text Box 7"/>
+          <p:cNvSpPr txBox="1"/>
+          <p:nvPr/>
+        </p:nvSpPr>
+        <p:spPr>
+          <a:xfrm>
+            <a:off x="411480" y="6038850"/>
+            <a:ext cx="6957695" cy="368300"/>
+          </a:xfrm>
+          <a:prstGeom prst="rect">
+            <a:avLst/>
+          </a:prstGeom>
+          <a:noFill/>
+        </p:spPr>
+        <p:txBody>
+          <a:bodyPr wrap="square" rtlCol="0">
+            <a:spAutoFit/>
+          </a:bodyPr>
+          <a:p>
+            <a:r>
+              <a:rPr lang="" altLang="en-US"/>
+              <a:t>SQL: Entity Relationship (ER) diagram for Yelp dataset</a:t>
+            </a:r>
+            <a:endParaRPr lang="" altLang="en-US"/>
           </a:p>
         </p:txBody>
       </p:sp>
@@ -6000,6 +6089,406 @@
 </file>
 
 <file path=ppt/slides/slide12.xml><?xml version="1.0" encoding="utf-8"?>
+<p:sld xmlns:a="http://schemas.openxmlformats.org/drawingml/2006/main" xmlns:r="http://schemas.openxmlformats.org/officeDocument/2006/relationships" xmlns:p="http://schemas.openxmlformats.org/presentationml/2006/main">
+  <p:cSld>
+    <p:spTree>
+      <p:nvGrpSpPr>
+        <p:cNvPr id="1" name=""/>
+        <p:cNvGrpSpPr/>
+        <p:nvPr/>
+      </p:nvGrpSpPr>
+      <p:grpSpPr/>
+      <p:pic>
+        <p:nvPicPr>
+          <p:cNvPr id="3" name="Picture 2"/>
+          <p:cNvPicPr>
+            <a:picLocks noChangeAspect="1"/>
+          </p:cNvPicPr>
+          <p:nvPr/>
+        </p:nvPicPr>
+        <p:blipFill>
+          <a:blip r:embed="rId1"/>
+          <a:stretch>
+            <a:fillRect/>
+          </a:stretch>
+        </p:blipFill>
+        <p:spPr>
+          <a:xfrm>
+            <a:off x="8006715" y="365125"/>
+            <a:ext cx="1304925" cy="1304925"/>
+          </a:xfrm>
+          <a:prstGeom prst="rect">
+            <a:avLst/>
+          </a:prstGeom>
+        </p:spPr>
+      </p:pic>
+      <p:sp>
+        <p:nvSpPr>
+          <p:cNvPr id="2" name="Title 1"/>
+          <p:cNvSpPr>
+            <a:spLocks noGrp="1"/>
+          </p:cNvSpPr>
+          <p:nvPr>
+            <p:ph type="title"/>
+          </p:nvPr>
+        </p:nvSpPr>
+        <p:spPr/>
+        <p:txBody>
+          <a:bodyPr/>
+          <a:p>
+            <a:r>
+              <a:rPr lang="en-US" altLang="en-US"/>
+              <a:t>Data ingestion: </a:t>
+            </a:r>
+            <a:r>
+              <a:rPr lang="" altLang="en-US"/>
+              <a:t>MongoDB</a:t>
+            </a:r>
+            <a:endParaRPr lang="" altLang="en-US"/>
+          </a:p>
+        </p:txBody>
+      </p:sp>
+      <p:sp>
+        <p:nvSpPr>
+          <p:cNvPr id="7" name="Text Box 6"/>
+          <p:cNvSpPr txBox="1"/>
+          <p:nvPr/>
+        </p:nvSpPr>
+        <p:spPr>
+          <a:xfrm>
+            <a:off x="8886190" y="875665"/>
+            <a:ext cx="2929890" cy="5631180"/>
+          </a:xfrm>
+          <a:prstGeom prst="rect">
+            <a:avLst/>
+          </a:prstGeom>
+          <a:noFill/>
+        </p:spPr>
+        <p:txBody>
+          <a:bodyPr wrap="square" rtlCol="0" anchor="t">
+            <a:spAutoFit/>
+          </a:bodyPr>
+          <a:p>
+            <a:pPr marL="285750" indent="-285750">
+              <a:buFont typeface="Arial" panose="02080604020202020204" pitchFamily="34" charset="0"/>
+              <a:buChar char="•"/>
+            </a:pPr>
+            <a:r>
+              <a:rPr lang="en-US" altLang="en-US" sz="2400"/>
+              <a:t>Complete </a:t>
+            </a:r>
+            <a:r>
+              <a:rPr lang="" altLang="en-US" sz="2400"/>
+              <a:t>MongoDB </a:t>
+            </a:r>
+            <a:r>
+              <a:rPr lang="en-US" altLang="en-US" sz="2400"/>
+              <a:t>database setup via a Python script takes</a:t>
+            </a:r>
+            <a:r>
+              <a:rPr lang="en-US" sz="2400"/>
+              <a:t> </a:t>
+            </a:r>
+            <a:r>
+              <a:rPr lang="" altLang="en-US" sz="2400"/>
+              <a:t>51</a:t>
+            </a:r>
+            <a:r>
+              <a:rPr lang="en-US" sz="2400"/>
+              <a:t>.</a:t>
+            </a:r>
+            <a:r>
+              <a:rPr lang="" altLang="en-US" sz="2400"/>
+              <a:t>64</a:t>
+            </a:r>
+            <a:r>
+              <a:rPr lang="en-US" sz="2400"/>
+              <a:t> minutes</a:t>
+            </a:r>
+            <a:endParaRPr lang="en-US" sz="2400"/>
+          </a:p>
+          <a:p>
+            <a:pPr marL="285750" indent="-285750">
+              <a:buFont typeface="Arial" panose="02080604020202020204" pitchFamily="34" charset="0"/>
+              <a:buChar char="•"/>
+            </a:pPr>
+            <a:endParaRPr lang="en-US" sz="2400"/>
+          </a:p>
+          <a:p>
+            <a:pPr marL="285750" indent="-285750">
+              <a:buFont typeface="Arial" panose="02080604020202020204" pitchFamily="34" charset="0"/>
+              <a:buChar char="•"/>
+            </a:pPr>
+            <a:r>
+              <a:rPr lang="" altLang="en-US" sz="2400"/>
+              <a:t>No document embedding</a:t>
+            </a:r>
+            <a:endParaRPr lang="" altLang="en-US" sz="2400"/>
+          </a:p>
+          <a:p>
+            <a:pPr marL="285750" indent="-285750">
+              <a:buFont typeface="Arial" panose="02080604020202020204" pitchFamily="34" charset="0"/>
+              <a:buChar char="•"/>
+            </a:pPr>
+            <a:endParaRPr lang="" altLang="en-US" sz="2400"/>
+          </a:p>
+          <a:p>
+            <a:pPr marL="285750" indent="-285750">
+              <a:buFont typeface="Arial" panose="02080604020202020204" pitchFamily="34" charset="0"/>
+              <a:buChar char="•"/>
+            </a:pPr>
+            <a:r>
+              <a:rPr lang="" altLang="en-US" sz="2400"/>
+              <a:t>Collections are related via aggregation pipelines and indices</a:t>
+            </a:r>
+            <a:endParaRPr lang="" altLang="en-US" sz="2400"/>
+          </a:p>
+        </p:txBody>
+      </p:sp>
+      <p:sp>
+        <p:nvSpPr>
+          <p:cNvPr id="8" name="Text Box 7"/>
+          <p:cNvSpPr txBox="1"/>
+          <p:nvPr/>
+        </p:nvSpPr>
+        <p:spPr>
+          <a:xfrm>
+            <a:off x="520065" y="5171440"/>
+            <a:ext cx="8702040" cy="368300"/>
+          </a:xfrm>
+          <a:prstGeom prst="rect">
+            <a:avLst/>
+          </a:prstGeom>
+          <a:noFill/>
+        </p:spPr>
+        <p:txBody>
+          <a:bodyPr wrap="square" rtlCol="0">
+            <a:spAutoFit/>
+          </a:bodyPr>
+          <a:p>
+            <a:r>
+              <a:rPr lang="" altLang="en-US"/>
+              <a:t>Document database: collections in MongoDB database </a:t>
+            </a:r>
+            <a:r>
+              <a:rPr lang="en-US" altLang="en-US"/>
+              <a:t>for Yelp </a:t>
+            </a:r>
+            <a:r>
+              <a:rPr lang="" altLang="en-US"/>
+              <a:t>dataset</a:t>
+            </a:r>
+            <a:endParaRPr lang="" altLang="en-US"/>
+          </a:p>
+        </p:txBody>
+      </p:sp>
+      <p:pic>
+        <p:nvPicPr>
+          <p:cNvPr id="5" name="Picture 4" descr="yelp_db_mongo_collections"/>
+          <p:cNvPicPr>
+            <a:picLocks noChangeAspect="1"/>
+          </p:cNvPicPr>
+          <p:nvPr/>
+        </p:nvPicPr>
+        <p:blipFill>
+          <a:blip r:embed="rId2"/>
+          <a:stretch>
+            <a:fillRect/>
+          </a:stretch>
+        </p:blipFill>
+        <p:spPr>
+          <a:xfrm>
+            <a:off x="411480" y="1814830"/>
+            <a:ext cx="7790180" cy="3228340"/>
+          </a:xfrm>
+          <a:prstGeom prst="rect">
+            <a:avLst/>
+          </a:prstGeom>
+        </p:spPr>
+      </p:pic>
+    </p:spTree>
+  </p:cSld>
+  <p:clrMapOvr>
+    <a:masterClrMapping/>
+  </p:clrMapOvr>
+</p:sld>
+</file>
+
+<file path=ppt/slides/slide13.xml><?xml version="1.0" encoding="utf-8"?>
+<p:sld xmlns:a="http://schemas.openxmlformats.org/drawingml/2006/main" xmlns:r="http://schemas.openxmlformats.org/officeDocument/2006/relationships" xmlns:p="http://schemas.openxmlformats.org/presentationml/2006/main">
+  <p:cSld>
+    <p:spTree>
+      <p:nvGrpSpPr>
+        <p:cNvPr id="1" name=""/>
+        <p:cNvGrpSpPr/>
+        <p:nvPr/>
+      </p:nvGrpSpPr>
+      <p:grpSpPr>
+        <a:xfrm>
+          <a:off x="0" y="0"/>
+          <a:ext cx="0" cy="0"/>
+          <a:chOff x="0" y="0"/>
+          <a:chExt cx="0" cy="0"/>
+        </a:xfrm>
+      </p:grpSpPr>
+      <p:sp>
+        <p:nvSpPr>
+          <p:cNvPr id="2" name="Title 1"/>
+          <p:cNvSpPr>
+            <a:spLocks noGrp="1"/>
+          </p:cNvSpPr>
+          <p:nvPr>
+            <p:ph type="ctrTitle"/>
+          </p:nvPr>
+        </p:nvSpPr>
+        <p:spPr>
+          <a:xfrm>
+            <a:off x="1524000" y="1122363"/>
+            <a:ext cx="9144000" cy="2387600"/>
+          </a:xfrm>
+        </p:spPr>
+        <p:txBody>
+          <a:bodyPr/>
+          <a:lstStyle/>
+          <a:p>
+            <a:r>
+              <a:rPr lang="en-US" dirty="0"/>
+              <a:t>Section </a:t>
+            </a:r>
+            <a:r>
+              <a:rPr lang="" altLang="en-US" dirty="0"/>
+              <a:t>2</a:t>
+            </a:r>
+            <a:endParaRPr lang="" altLang="en-US" dirty="0"/>
+          </a:p>
+        </p:txBody>
+      </p:sp>
+      <p:sp>
+        <p:nvSpPr>
+          <p:cNvPr id="3" name="Subtitle 2"/>
+          <p:cNvSpPr>
+            <a:spLocks noGrp="1"/>
+          </p:cNvSpPr>
+          <p:nvPr>
+            <p:ph type="subTitle" idx="1"/>
+          </p:nvPr>
+        </p:nvSpPr>
+        <p:spPr>
+          <a:xfrm>
+            <a:off x="1524000" y="3602038"/>
+            <a:ext cx="9144000" cy="1655762"/>
+          </a:xfrm>
+        </p:spPr>
+        <p:txBody>
+          <a:bodyPr>
+            <a:normAutofit/>
+          </a:bodyPr>
+          <a:lstStyle/>
+          <a:p>
+            <a:r>
+              <a:rPr lang="" altLang="en-US" sz="4400" dirty="0"/>
+              <a:t>Q2-Q7: Analytics</a:t>
+            </a:r>
+            <a:endParaRPr lang="" altLang="en-US" sz="4400" dirty="0"/>
+          </a:p>
+        </p:txBody>
+      </p:sp>
+    </p:spTree>
+  </p:cSld>
+  <p:clrMapOvr>
+    <a:masterClrMapping/>
+  </p:clrMapOvr>
+</p:sld>
+</file>
+
+<file path=ppt/slides/slide14.xml><?xml version="1.0" encoding="utf-8"?>
+<p:sld xmlns:a="http://schemas.openxmlformats.org/drawingml/2006/main" xmlns:r="http://schemas.openxmlformats.org/officeDocument/2006/relationships" xmlns:p="http://schemas.openxmlformats.org/presentationml/2006/main">
+  <p:cSld>
+    <p:spTree>
+      <p:nvGrpSpPr>
+        <p:cNvPr id="1" name=""/>
+        <p:cNvGrpSpPr/>
+        <p:nvPr/>
+      </p:nvGrpSpPr>
+      <p:grpSpPr>
+        <a:xfrm>
+          <a:off x="0" y="0"/>
+          <a:ext cx="0" cy="0"/>
+          <a:chOff x="0" y="0"/>
+          <a:chExt cx="0" cy="0"/>
+        </a:xfrm>
+      </p:grpSpPr>
+      <p:sp>
+        <p:nvSpPr>
+          <p:cNvPr id="2" name="Title 1"/>
+          <p:cNvSpPr>
+            <a:spLocks noGrp="1"/>
+          </p:cNvSpPr>
+          <p:nvPr>
+            <p:ph type="ctrTitle"/>
+          </p:nvPr>
+        </p:nvSpPr>
+        <p:spPr>
+          <a:xfrm>
+            <a:off x="1524000" y="1122363"/>
+            <a:ext cx="9144000" cy="2387600"/>
+          </a:xfrm>
+        </p:spPr>
+        <p:txBody>
+          <a:bodyPr/>
+          <a:lstStyle/>
+          <a:p>
+            <a:r>
+              <a:rPr lang="en-US" dirty="0"/>
+              <a:t>Section </a:t>
+            </a:r>
+            <a:r>
+              <a:rPr lang="en-US" altLang="en-US" dirty="0"/>
+              <a:t>3</a:t>
+            </a:r>
+            <a:endParaRPr lang="en-US" altLang="en-US" dirty="0"/>
+          </a:p>
+        </p:txBody>
+      </p:sp>
+      <p:sp>
+        <p:nvSpPr>
+          <p:cNvPr id="3" name="Subtitle 2"/>
+          <p:cNvSpPr>
+            <a:spLocks noGrp="1"/>
+          </p:cNvSpPr>
+          <p:nvPr>
+            <p:ph type="subTitle" idx="1"/>
+          </p:nvPr>
+        </p:nvSpPr>
+        <p:spPr>
+          <a:xfrm>
+            <a:off x="1524000" y="3602038"/>
+            <a:ext cx="9144000" cy="1655762"/>
+          </a:xfrm>
+        </p:spPr>
+        <p:txBody>
+          <a:bodyPr>
+            <a:normAutofit/>
+          </a:bodyPr>
+          <a:lstStyle/>
+          <a:p>
+            <a:r>
+              <a:rPr lang="en-US" sz="4400" dirty="0"/>
+              <a:t>Word clouds from Yelp reviews</a:t>
+            </a:r>
+            <a:endParaRPr lang="en-CA" sz="4400" dirty="0"/>
+          </a:p>
+        </p:txBody>
+      </p:sp>
+    </p:spTree>
+  </p:cSld>
+  <p:clrMapOvr>
+    <a:masterClrMapping/>
+  </p:clrMapOvr>
+</p:sld>
+</file>
+
+<file path=ppt/slides/slide15.xml><?xml version="1.0" encoding="utf-8"?>
 <p:sld xmlns:a="http://schemas.openxmlformats.org/drawingml/2006/main" xmlns:r="http://schemas.openxmlformats.org/officeDocument/2006/relationships" xmlns:p="http://schemas.openxmlformats.org/presentationml/2006/main">
   <p:cSld>
     <p:spTree>
@@ -6048,7 +6537,7 @@
 </p:sld>
 </file>
 
-<file path=ppt/slides/slide13.xml><?xml version="1.0" encoding="utf-8"?>
+<file path=ppt/slides/slide16.xml><?xml version="1.0" encoding="utf-8"?>
 <p:sld xmlns:a="http://schemas.openxmlformats.org/drawingml/2006/main" xmlns:r="http://schemas.openxmlformats.org/officeDocument/2006/relationships" xmlns:p="http://schemas.openxmlformats.org/presentationml/2006/main">
   <p:cSld>
     <p:spTree>
@@ -6097,7 +6586,7 @@
 </p:sld>
 </file>
 
-<file path=ppt/slides/slide14.xml><?xml version="1.0" encoding="utf-8"?>
+<file path=ppt/slides/slide17.xml><?xml version="1.0" encoding="utf-8"?>
 <p:sld xmlns:a="http://schemas.openxmlformats.org/drawingml/2006/main" xmlns:r="http://schemas.openxmlformats.org/officeDocument/2006/relationships" xmlns:p="http://schemas.openxmlformats.org/presentationml/2006/main">
   <p:cSld>
     <p:spTree>
@@ -6146,7 +6635,7 @@
 </p:sld>
 </file>
 
-<file path=ppt/slides/slide15.xml><?xml version="1.0" encoding="utf-8"?>
+<file path=ppt/slides/slide18.xml><?xml version="1.0" encoding="utf-8"?>
 <p:sld xmlns:a="http://schemas.openxmlformats.org/drawingml/2006/main" xmlns:r="http://schemas.openxmlformats.org/officeDocument/2006/relationships" xmlns:p="http://schemas.openxmlformats.org/presentationml/2006/main">
   <p:cSld>
     <p:spTree>
@@ -6195,7 +6684,7 @@
 </p:sld>
 </file>
 
-<file path=ppt/slides/slide16.xml><?xml version="1.0" encoding="utf-8"?>
+<file path=ppt/slides/slide19.xml><?xml version="1.0" encoding="utf-8"?>
 <p:sld xmlns:a="http://schemas.openxmlformats.org/drawingml/2006/main" xmlns:r="http://schemas.openxmlformats.org/officeDocument/2006/relationships" xmlns:p="http://schemas.openxmlformats.org/presentationml/2006/main">
   <p:cSld>
     <p:spTree>
@@ -6244,355 +6733,6 @@
 </p:sld>
 </file>
 
-<file path=ppt/slides/slide17.xml><?xml version="1.0" encoding="utf-8"?>
-<p:sld xmlns:a="http://schemas.openxmlformats.org/drawingml/2006/main" xmlns:r="http://schemas.openxmlformats.org/officeDocument/2006/relationships" xmlns:p="http://schemas.openxmlformats.org/presentationml/2006/main">
-  <p:cSld>
-    <p:spTree>
-      <p:nvGrpSpPr>
-        <p:cNvPr id="1" name=""/>
-        <p:cNvGrpSpPr/>
-        <p:nvPr/>
-      </p:nvGrpSpPr>
-      <p:grpSpPr>
-        <a:xfrm>
-          <a:off x="0" y="0"/>
-          <a:ext cx="0" cy="0"/>
-          <a:chOff x="0" y="0"/>
-          <a:chExt cx="0" cy="0"/>
-        </a:xfrm>
-      </p:grpSpPr>
-      <p:sp>
-        <p:nvSpPr>
-          <p:cNvPr id="2" name="Title 1"/>
-          <p:cNvSpPr>
-            <a:spLocks noGrp="1"/>
-          </p:cNvSpPr>
-          <p:nvPr>
-            <p:ph type="title"/>
-          </p:nvPr>
-        </p:nvSpPr>
-        <p:spPr/>
-        <p:txBody>
-          <a:bodyPr/>
-          <a:lstStyle/>
-          <a:p>
-            <a:r>
-              <a:rPr lang="en-US" dirty="0"/>
-              <a:t>EDA findings</a:t>
-            </a:r>
-            <a:endParaRPr lang="en-CA" dirty="0"/>
-          </a:p>
-        </p:txBody>
-      </p:sp>
-      <p:sp>
-        <p:nvSpPr>
-          <p:cNvPr id="3" name="Content Placeholder 2"/>
-          <p:cNvSpPr>
-            <a:spLocks noGrp="1"/>
-          </p:cNvSpPr>
-          <p:nvPr>
-            <p:ph idx="1"/>
-          </p:nvPr>
-        </p:nvSpPr>
-        <p:spPr/>
-        <p:txBody>
-          <a:bodyPr/>
-          <a:lstStyle/>
-          <a:p>
-            <a:r>
-              <a:rPr lang="en-US" dirty="0"/>
-              <a:t>It’s all about customer service</a:t>
-            </a:r>
-            <a:endParaRPr lang="en-US" dirty="0"/>
-          </a:p>
-          <a:p>
-            <a:r>
-              <a:rPr lang="en-US" dirty="0"/>
-              <a:t>Much more positive reviews, most are 5-star</a:t>
-            </a:r>
-            <a:endParaRPr lang="en-CA" dirty="0"/>
-          </a:p>
-        </p:txBody>
-      </p:sp>
-      <p:pic>
-        <p:nvPicPr>
-          <p:cNvPr id="4" name="Picture 3"/>
-          <p:cNvPicPr>
-            <a:picLocks noChangeAspect="1"/>
-          </p:cNvPicPr>
-          <p:nvPr/>
-        </p:nvPicPr>
-        <p:blipFill>
-          <a:blip r:embed="rId1"/>
-          <a:stretch>
-            <a:fillRect/>
-          </a:stretch>
-        </p:blipFill>
-        <p:spPr>
-          <a:xfrm>
-            <a:off x="838200" y="2899505"/>
-            <a:ext cx="5681219" cy="3593370"/>
-          </a:xfrm>
-          <a:prstGeom prst="rect">
-            <a:avLst/>
-          </a:prstGeom>
-        </p:spPr>
-      </p:pic>
-    </p:spTree>
-  </p:cSld>
-  <p:clrMapOvr>
-    <a:masterClrMapping/>
-  </p:clrMapOvr>
-</p:sld>
-</file>
-
-<file path=ppt/slides/slide18.xml><?xml version="1.0" encoding="utf-8"?>
-<p:sld xmlns:a="http://schemas.openxmlformats.org/drawingml/2006/main" xmlns:r="http://schemas.openxmlformats.org/officeDocument/2006/relationships" xmlns:p="http://schemas.openxmlformats.org/presentationml/2006/main">
-  <p:cSld>
-    <p:spTree>
-      <p:nvGrpSpPr>
-        <p:cNvPr id="1" name=""/>
-        <p:cNvGrpSpPr/>
-        <p:nvPr/>
-      </p:nvGrpSpPr>
-      <p:grpSpPr>
-        <a:xfrm>
-          <a:off x="0" y="0"/>
-          <a:ext cx="0" cy="0"/>
-          <a:chOff x="0" y="0"/>
-          <a:chExt cx="0" cy="0"/>
-        </a:xfrm>
-      </p:grpSpPr>
-      <p:sp>
-        <p:nvSpPr>
-          <p:cNvPr id="2" name="Title 1"/>
-          <p:cNvSpPr>
-            <a:spLocks noGrp="1"/>
-          </p:cNvSpPr>
-          <p:nvPr>
-            <p:ph type="ctrTitle"/>
-          </p:nvPr>
-        </p:nvSpPr>
-        <p:spPr>
-          <a:xfrm>
-            <a:off x="1524000" y="1122363"/>
-            <a:ext cx="9144000" cy="2387600"/>
-          </a:xfrm>
-        </p:spPr>
-        <p:txBody>
-          <a:bodyPr/>
-          <a:lstStyle/>
-          <a:p>
-            <a:r>
-              <a:rPr lang="en-US" dirty="0"/>
-              <a:t>Section </a:t>
-            </a:r>
-            <a:r>
-              <a:rPr lang="en-US" altLang="en-US" dirty="0"/>
-              <a:t>4</a:t>
-            </a:r>
-            <a:endParaRPr lang="en-US" altLang="en-US" dirty="0"/>
-          </a:p>
-        </p:txBody>
-      </p:sp>
-      <p:sp>
-        <p:nvSpPr>
-          <p:cNvPr id="3" name="Subtitle 2"/>
-          <p:cNvSpPr>
-            <a:spLocks noGrp="1"/>
-          </p:cNvSpPr>
-          <p:nvPr>
-            <p:ph type="subTitle" idx="1"/>
-          </p:nvPr>
-        </p:nvSpPr>
-        <p:spPr>
-          <a:xfrm>
-            <a:off x="1524000" y="3602038"/>
-            <a:ext cx="9144000" cy="1655762"/>
-          </a:xfrm>
-        </p:spPr>
-        <p:txBody>
-          <a:bodyPr>
-            <a:normAutofit/>
-          </a:bodyPr>
-          <a:lstStyle/>
-          <a:p>
-            <a:r>
-              <a:rPr lang="en-US" sz="4400" dirty="0"/>
-              <a:t>Modeling results: predicting rating from review text</a:t>
-            </a:r>
-            <a:endParaRPr lang="en-CA" sz="4400" dirty="0"/>
-          </a:p>
-        </p:txBody>
-      </p:sp>
-    </p:spTree>
-  </p:cSld>
-  <p:clrMapOvr>
-    <a:masterClrMapping/>
-  </p:clrMapOvr>
-</p:sld>
-</file>
-
-<file path=ppt/slides/slide19.xml><?xml version="1.0" encoding="utf-8"?>
-<p:sld xmlns:a="http://schemas.openxmlformats.org/drawingml/2006/main" xmlns:r="http://schemas.openxmlformats.org/officeDocument/2006/relationships" xmlns:p="http://schemas.openxmlformats.org/presentationml/2006/main">
-  <p:cSld>
-    <p:bg>
-      <p:bgPr>
-        <a:solidFill>
-          <a:schemeClr val="bg1"/>
-        </a:solidFill>
-        <a:effectLst/>
-      </p:bgPr>
-    </p:bg>
-    <p:spTree>
-      <p:nvGrpSpPr>
-        <p:cNvPr id="1" name=""/>
-        <p:cNvGrpSpPr/>
-        <p:nvPr/>
-      </p:nvGrpSpPr>
-      <p:grpSpPr>
-        <a:xfrm>
-          <a:off x="0" y="0"/>
-          <a:ext cx="0" cy="0"/>
-          <a:chOff x="0" y="0"/>
-          <a:chExt cx="0" cy="0"/>
-        </a:xfrm>
-      </p:grpSpPr>
-      <p:sp>
-        <p:nvSpPr>
-          <p:cNvPr id="2" name="Title 1"/>
-          <p:cNvSpPr>
-            <a:spLocks noGrp="1"/>
-          </p:cNvSpPr>
-          <p:nvPr>
-            <p:ph type="title"/>
-          </p:nvPr>
-        </p:nvSpPr>
-        <p:spPr>
-          <a:xfrm>
-            <a:off x="847344" y="300505"/>
-            <a:ext cx="10506456" cy="1197864"/>
-          </a:xfrm>
-        </p:spPr>
-        <p:txBody>
-          <a:bodyPr vert="horz" lIns="91440" tIns="45720" rIns="91440" bIns="45720" rtlCol="0" anchor="b">
-            <a:normAutofit/>
-          </a:bodyPr>
-          <a:lstStyle/>
-          <a:p>
-            <a:pPr algn="ctr"/>
-            <a:r>
-              <a:rPr lang="en-US" sz="5400" kern="1200" dirty="0">
-                <a:solidFill>
-                  <a:schemeClr val="tx1"/>
-                </a:solidFill>
-                <a:latin typeface="+mj-lt"/>
-                <a:ea typeface="+mj-ea"/>
-                <a:cs typeface="+mj-cs"/>
-              </a:rPr>
-              <a:t>Dealing with class imbalance</a:t>
-            </a:r>
-            <a:endParaRPr lang="en-US" sz="5400" kern="1200" dirty="0">
-              <a:solidFill>
-                <a:schemeClr val="tx1"/>
-              </a:solidFill>
-              <a:latin typeface="+mj-lt"/>
-              <a:ea typeface="+mj-ea"/>
-              <a:cs typeface="+mj-cs"/>
-            </a:endParaRPr>
-          </a:p>
-        </p:txBody>
-      </p:sp>
-      <p:pic>
-        <p:nvPicPr>
-          <p:cNvPr id="5" name="Picture 4"/>
-          <p:cNvPicPr>
-            <a:picLocks noChangeAspect="1"/>
-          </p:cNvPicPr>
-          <p:nvPr/>
-        </p:nvPicPr>
-        <p:blipFill>
-          <a:blip r:embed="rId1"/>
-          <a:stretch>
-            <a:fillRect/>
-          </a:stretch>
-        </p:blipFill>
-        <p:spPr>
-          <a:xfrm>
-            <a:off x="6095999" y="2073960"/>
-            <a:ext cx="5489276" cy="3636644"/>
-          </a:xfrm>
-          <a:prstGeom prst="rect">
-            <a:avLst/>
-          </a:prstGeom>
-        </p:spPr>
-      </p:pic>
-      <p:pic>
-        <p:nvPicPr>
-          <p:cNvPr id="4" name="Picture 3"/>
-          <p:cNvPicPr>
-            <a:picLocks noChangeAspect="1"/>
-          </p:cNvPicPr>
-          <p:nvPr/>
-        </p:nvPicPr>
-        <p:blipFill>
-          <a:blip r:embed="rId2"/>
-          <a:stretch>
-            <a:fillRect/>
-          </a:stretch>
-        </p:blipFill>
-        <p:spPr>
-          <a:xfrm>
-            <a:off x="414780" y="2073959"/>
-            <a:ext cx="5681219" cy="3593370"/>
-          </a:xfrm>
-          <a:prstGeom prst="rect">
-            <a:avLst/>
-          </a:prstGeom>
-        </p:spPr>
-      </p:pic>
-      <p:sp>
-        <p:nvSpPr>
-          <p:cNvPr id="6" name="TextBox 5"/>
-          <p:cNvSpPr txBox="1"/>
-          <p:nvPr/>
-        </p:nvSpPr>
-        <p:spPr>
-          <a:xfrm>
-            <a:off x="2694330" y="5916863"/>
-            <a:ext cx="6803337" cy="369332"/>
-          </a:xfrm>
-          <a:prstGeom prst="rect">
-            <a:avLst/>
-          </a:prstGeom>
-          <a:noFill/>
-        </p:spPr>
-        <p:txBody>
-          <a:bodyPr wrap="none" rtlCol="0">
-            <a:spAutoFit/>
-          </a:bodyPr>
-          <a:lstStyle/>
-          <a:p>
-            <a:r>
-              <a:rPr lang="en-US" dirty="0"/>
-              <a:t>To address target class imbalance, majority classes were </a:t>
-            </a:r>
-            <a:r>
-              <a:rPr lang="en-US" dirty="0" err="1"/>
-              <a:t>downsampled</a:t>
-            </a:r>
-            <a:endParaRPr lang="en-CA" dirty="0"/>
-          </a:p>
-        </p:txBody>
-      </p:sp>
-    </p:spTree>
-  </p:cSld>
-  <p:clrMapOvr>
-    <a:masterClrMapping/>
-  </p:clrMapOvr>
-</p:sld>
-</file>
-
 <file path=ppt/slides/slide2.xml><?xml version="1.0" encoding="utf-8"?>
 <p:sld xmlns:a="http://schemas.openxmlformats.org/drawingml/2006/main" xmlns:r="http://schemas.openxmlformats.org/officeDocument/2006/relationships" xmlns:p="http://schemas.openxmlformats.org/presentationml/2006/main">
   <p:cSld>
@@ -6714,7 +6854,7 @@
           <a:p>
             <a:r>
               <a:rPr lang="en-US" dirty="0"/>
-              <a:t>Text vectorization</a:t>
+              <a:t>EDA findings</a:t>
             </a:r>
             <a:endParaRPr lang="en-CA" dirty="0"/>
           </a:p>
@@ -6730,45 +6870,22 @@
             <p:ph idx="1"/>
           </p:nvPr>
         </p:nvSpPr>
-        <p:spPr>
-          <a:xfrm>
-            <a:off x="838200" y="1534480"/>
-            <a:ext cx="10515600" cy="4351338"/>
-          </a:xfrm>
-        </p:spPr>
+        <p:spPr/>
         <p:txBody>
           <a:bodyPr/>
           <a:lstStyle/>
           <a:p>
             <a:r>
               <a:rPr lang="en-US" dirty="0"/>
-              <a:t>Tokenization</a:t>
+              <a:t>It’s all about customer service</a:t>
             </a:r>
             <a:endParaRPr lang="en-US" dirty="0"/>
           </a:p>
           <a:p>
-            <a:endParaRPr lang="en-US" dirty="0"/>
-          </a:p>
-          <a:p>
-            <a:endParaRPr lang="en-US" dirty="0"/>
-          </a:p>
-          <a:p>
-            <a:endParaRPr lang="en-US" dirty="0"/>
-          </a:p>
-          <a:p>
             <a:r>
               <a:rPr lang="en-US" dirty="0"/>
-              <a:t>Term frequency (bag-of-words), unigrams</a:t>
-            </a:r>
-            <a:endParaRPr lang="en-US" dirty="0"/>
-          </a:p>
-          <a:p>
-            <a:endParaRPr lang="en-US" dirty="0"/>
-          </a:p>
-          <a:p>
-            <a:endParaRPr lang="en-US" dirty="0"/>
-          </a:p>
-          <a:p>
+              <a:t>Much more positive reviews, most are 5-star</a:t>
+            </a:r>
             <a:endParaRPr lang="en-CA" dirty="0"/>
           </a:p>
         </p:txBody>
@@ -6789,56 +6906,8 @@
         </p:blipFill>
         <p:spPr>
           <a:xfrm>
-            <a:off x="1498058" y="2130903"/>
-            <a:ext cx="5667375" cy="1104900"/>
-          </a:xfrm>
-          <a:prstGeom prst="rect">
-            <a:avLst/>
-          </a:prstGeom>
-        </p:spPr>
-      </p:pic>
-      <p:pic>
-        <p:nvPicPr>
-          <p:cNvPr id="5" name="Picture 4"/>
-          <p:cNvPicPr>
-            <a:picLocks noChangeAspect="1"/>
-          </p:cNvPicPr>
-          <p:nvPr/>
-        </p:nvPicPr>
-        <p:blipFill>
-          <a:blip r:embed="rId2"/>
-          <a:stretch>
-            <a:fillRect/>
-          </a:stretch>
-        </p:blipFill>
-        <p:spPr>
-          <a:xfrm>
-            <a:off x="1498058" y="4147866"/>
-            <a:ext cx="6296025" cy="647700"/>
-          </a:xfrm>
-          <a:prstGeom prst="rect">
-            <a:avLst/>
-          </a:prstGeom>
-        </p:spPr>
-      </p:pic>
-      <p:pic>
-        <p:nvPicPr>
-          <p:cNvPr id="6" name="Picture 5"/>
-          <p:cNvPicPr>
-            <a:picLocks noChangeAspect="1"/>
-          </p:cNvPicPr>
-          <p:nvPr/>
-        </p:nvPicPr>
-        <p:blipFill>
-          <a:blip r:embed="rId3"/>
-          <a:stretch>
-            <a:fillRect/>
-          </a:stretch>
-        </p:blipFill>
-        <p:spPr>
-          <a:xfrm>
-            <a:off x="1498058" y="4829224"/>
-            <a:ext cx="6400800" cy="1285875"/>
+            <a:off x="838200" y="2899505"/>
+            <a:ext cx="5681219" cy="3593370"/>
           </a:xfrm>
           <a:prstGeom prst="rect">
             <a:avLst/>
@@ -6877,6 +6946,426 @@
             <a:spLocks noGrp="1"/>
           </p:cNvSpPr>
           <p:nvPr>
+            <p:ph type="ctrTitle"/>
+          </p:nvPr>
+        </p:nvSpPr>
+        <p:spPr>
+          <a:xfrm>
+            <a:off x="1524000" y="1122363"/>
+            <a:ext cx="9144000" cy="2387600"/>
+          </a:xfrm>
+        </p:spPr>
+        <p:txBody>
+          <a:bodyPr/>
+          <a:lstStyle/>
+          <a:p>
+            <a:r>
+              <a:rPr lang="en-US" dirty="0"/>
+              <a:t>Section </a:t>
+            </a:r>
+            <a:r>
+              <a:rPr lang="en-US" altLang="en-US" dirty="0"/>
+              <a:t>4</a:t>
+            </a:r>
+            <a:endParaRPr lang="en-US" altLang="en-US" dirty="0"/>
+          </a:p>
+        </p:txBody>
+      </p:sp>
+      <p:sp>
+        <p:nvSpPr>
+          <p:cNvPr id="3" name="Subtitle 2"/>
+          <p:cNvSpPr>
+            <a:spLocks noGrp="1"/>
+          </p:cNvSpPr>
+          <p:nvPr>
+            <p:ph type="subTitle" idx="1"/>
+          </p:nvPr>
+        </p:nvSpPr>
+        <p:spPr>
+          <a:xfrm>
+            <a:off x="1524000" y="3602038"/>
+            <a:ext cx="9144000" cy="1655762"/>
+          </a:xfrm>
+        </p:spPr>
+        <p:txBody>
+          <a:bodyPr>
+            <a:normAutofit/>
+          </a:bodyPr>
+          <a:lstStyle/>
+          <a:p>
+            <a:r>
+              <a:rPr lang="en-US" sz="4400" dirty="0"/>
+              <a:t>Modeling results: predicting rating from review text</a:t>
+            </a:r>
+            <a:endParaRPr lang="en-CA" sz="4400" dirty="0"/>
+          </a:p>
+        </p:txBody>
+      </p:sp>
+    </p:spTree>
+  </p:cSld>
+  <p:clrMapOvr>
+    <a:masterClrMapping/>
+  </p:clrMapOvr>
+</p:sld>
+</file>
+
+<file path=ppt/slides/slide22.xml><?xml version="1.0" encoding="utf-8"?>
+<p:sld xmlns:a="http://schemas.openxmlformats.org/drawingml/2006/main" xmlns:r="http://schemas.openxmlformats.org/officeDocument/2006/relationships" xmlns:p="http://schemas.openxmlformats.org/presentationml/2006/main">
+  <p:cSld>
+    <p:bg>
+      <p:bgPr>
+        <a:solidFill>
+          <a:schemeClr val="bg1"/>
+        </a:solidFill>
+        <a:effectLst/>
+      </p:bgPr>
+    </p:bg>
+    <p:spTree>
+      <p:nvGrpSpPr>
+        <p:cNvPr id="1" name=""/>
+        <p:cNvGrpSpPr/>
+        <p:nvPr/>
+      </p:nvGrpSpPr>
+      <p:grpSpPr>
+        <a:xfrm>
+          <a:off x="0" y="0"/>
+          <a:ext cx="0" cy="0"/>
+          <a:chOff x="0" y="0"/>
+          <a:chExt cx="0" cy="0"/>
+        </a:xfrm>
+      </p:grpSpPr>
+      <p:sp>
+        <p:nvSpPr>
+          <p:cNvPr id="2" name="Title 1"/>
+          <p:cNvSpPr>
+            <a:spLocks noGrp="1"/>
+          </p:cNvSpPr>
+          <p:nvPr>
+            <p:ph type="title"/>
+          </p:nvPr>
+        </p:nvSpPr>
+        <p:spPr>
+          <a:xfrm>
+            <a:off x="847344" y="300505"/>
+            <a:ext cx="10506456" cy="1197864"/>
+          </a:xfrm>
+        </p:spPr>
+        <p:txBody>
+          <a:bodyPr vert="horz" lIns="91440" tIns="45720" rIns="91440" bIns="45720" rtlCol="0" anchor="b">
+            <a:normAutofit/>
+          </a:bodyPr>
+          <a:lstStyle/>
+          <a:p>
+            <a:pPr algn="ctr"/>
+            <a:r>
+              <a:rPr lang="en-US" sz="5400" kern="1200" dirty="0">
+                <a:solidFill>
+                  <a:schemeClr val="tx1"/>
+                </a:solidFill>
+                <a:latin typeface="+mj-lt"/>
+                <a:ea typeface="+mj-ea"/>
+                <a:cs typeface="+mj-cs"/>
+              </a:rPr>
+              <a:t>Dealing with class imbalance</a:t>
+            </a:r>
+            <a:endParaRPr lang="en-US" sz="5400" kern="1200" dirty="0">
+              <a:solidFill>
+                <a:schemeClr val="tx1"/>
+              </a:solidFill>
+              <a:latin typeface="+mj-lt"/>
+              <a:ea typeface="+mj-ea"/>
+              <a:cs typeface="+mj-cs"/>
+            </a:endParaRPr>
+          </a:p>
+        </p:txBody>
+      </p:sp>
+      <p:pic>
+        <p:nvPicPr>
+          <p:cNvPr id="5" name="Picture 4"/>
+          <p:cNvPicPr>
+            <a:picLocks noChangeAspect="1"/>
+          </p:cNvPicPr>
+          <p:nvPr/>
+        </p:nvPicPr>
+        <p:blipFill>
+          <a:blip r:embed="rId1"/>
+          <a:stretch>
+            <a:fillRect/>
+          </a:stretch>
+        </p:blipFill>
+        <p:spPr>
+          <a:xfrm>
+            <a:off x="6095999" y="2073960"/>
+            <a:ext cx="5489276" cy="3636644"/>
+          </a:xfrm>
+          <a:prstGeom prst="rect">
+            <a:avLst/>
+          </a:prstGeom>
+        </p:spPr>
+      </p:pic>
+      <p:pic>
+        <p:nvPicPr>
+          <p:cNvPr id="4" name="Picture 3"/>
+          <p:cNvPicPr>
+            <a:picLocks noChangeAspect="1"/>
+          </p:cNvPicPr>
+          <p:nvPr/>
+        </p:nvPicPr>
+        <p:blipFill>
+          <a:blip r:embed="rId2"/>
+          <a:stretch>
+            <a:fillRect/>
+          </a:stretch>
+        </p:blipFill>
+        <p:spPr>
+          <a:xfrm>
+            <a:off x="414780" y="2073959"/>
+            <a:ext cx="5681219" cy="3593370"/>
+          </a:xfrm>
+          <a:prstGeom prst="rect">
+            <a:avLst/>
+          </a:prstGeom>
+        </p:spPr>
+      </p:pic>
+      <p:sp>
+        <p:nvSpPr>
+          <p:cNvPr id="6" name="TextBox 5"/>
+          <p:cNvSpPr txBox="1"/>
+          <p:nvPr/>
+        </p:nvSpPr>
+        <p:spPr>
+          <a:xfrm>
+            <a:off x="2694330" y="5916863"/>
+            <a:ext cx="6803337" cy="369332"/>
+          </a:xfrm>
+          <a:prstGeom prst="rect">
+            <a:avLst/>
+          </a:prstGeom>
+          <a:noFill/>
+        </p:spPr>
+        <p:txBody>
+          <a:bodyPr wrap="none" rtlCol="0">
+            <a:spAutoFit/>
+          </a:bodyPr>
+          <a:lstStyle/>
+          <a:p>
+            <a:r>
+              <a:rPr lang="en-US" dirty="0"/>
+              <a:t>To address target class imbalance, majority classes were </a:t>
+            </a:r>
+            <a:r>
+              <a:rPr lang="en-US" dirty="0" err="1"/>
+              <a:t>downsampled</a:t>
+            </a:r>
+            <a:endParaRPr lang="en-CA" dirty="0"/>
+          </a:p>
+        </p:txBody>
+      </p:sp>
+    </p:spTree>
+  </p:cSld>
+  <p:clrMapOvr>
+    <a:masterClrMapping/>
+  </p:clrMapOvr>
+</p:sld>
+</file>
+
+<file path=ppt/slides/slide23.xml><?xml version="1.0" encoding="utf-8"?>
+<p:sld xmlns:a="http://schemas.openxmlformats.org/drawingml/2006/main" xmlns:r="http://schemas.openxmlformats.org/officeDocument/2006/relationships" xmlns:p="http://schemas.openxmlformats.org/presentationml/2006/main">
+  <p:cSld>
+    <p:spTree>
+      <p:nvGrpSpPr>
+        <p:cNvPr id="1" name=""/>
+        <p:cNvGrpSpPr/>
+        <p:nvPr/>
+      </p:nvGrpSpPr>
+      <p:grpSpPr>
+        <a:xfrm>
+          <a:off x="0" y="0"/>
+          <a:ext cx="0" cy="0"/>
+          <a:chOff x="0" y="0"/>
+          <a:chExt cx="0" cy="0"/>
+        </a:xfrm>
+      </p:grpSpPr>
+      <p:sp>
+        <p:nvSpPr>
+          <p:cNvPr id="2" name="Title 1"/>
+          <p:cNvSpPr>
+            <a:spLocks noGrp="1"/>
+          </p:cNvSpPr>
+          <p:nvPr>
+            <p:ph type="title"/>
+          </p:nvPr>
+        </p:nvSpPr>
+        <p:spPr/>
+        <p:txBody>
+          <a:bodyPr/>
+          <a:lstStyle/>
+          <a:p>
+            <a:r>
+              <a:rPr lang="en-US" dirty="0"/>
+              <a:t>Text vectorization</a:t>
+            </a:r>
+            <a:endParaRPr lang="en-CA" dirty="0"/>
+          </a:p>
+        </p:txBody>
+      </p:sp>
+      <p:sp>
+        <p:nvSpPr>
+          <p:cNvPr id="3" name="Content Placeholder 2"/>
+          <p:cNvSpPr>
+            <a:spLocks noGrp="1"/>
+          </p:cNvSpPr>
+          <p:nvPr>
+            <p:ph idx="1"/>
+          </p:nvPr>
+        </p:nvSpPr>
+        <p:spPr>
+          <a:xfrm>
+            <a:off x="838200" y="1534480"/>
+            <a:ext cx="10515600" cy="4351338"/>
+          </a:xfrm>
+        </p:spPr>
+        <p:txBody>
+          <a:bodyPr/>
+          <a:lstStyle/>
+          <a:p>
+            <a:r>
+              <a:rPr lang="en-US" dirty="0"/>
+              <a:t>Tokenization</a:t>
+            </a:r>
+            <a:endParaRPr lang="en-US" dirty="0"/>
+          </a:p>
+          <a:p>
+            <a:endParaRPr lang="en-US" dirty="0"/>
+          </a:p>
+          <a:p>
+            <a:endParaRPr lang="en-US" dirty="0"/>
+          </a:p>
+          <a:p>
+            <a:endParaRPr lang="en-US" dirty="0"/>
+          </a:p>
+          <a:p>
+            <a:r>
+              <a:rPr lang="en-US" dirty="0"/>
+              <a:t>Term frequency (bag-of-words), unigrams</a:t>
+            </a:r>
+            <a:endParaRPr lang="en-US" dirty="0"/>
+          </a:p>
+          <a:p>
+            <a:endParaRPr lang="en-US" dirty="0"/>
+          </a:p>
+          <a:p>
+            <a:endParaRPr lang="en-US" dirty="0"/>
+          </a:p>
+          <a:p>
+            <a:endParaRPr lang="en-CA" dirty="0"/>
+          </a:p>
+        </p:txBody>
+      </p:sp>
+      <p:pic>
+        <p:nvPicPr>
+          <p:cNvPr id="4" name="Picture 3"/>
+          <p:cNvPicPr>
+            <a:picLocks noChangeAspect="1"/>
+          </p:cNvPicPr>
+          <p:nvPr/>
+        </p:nvPicPr>
+        <p:blipFill>
+          <a:blip r:embed="rId1"/>
+          <a:stretch>
+            <a:fillRect/>
+          </a:stretch>
+        </p:blipFill>
+        <p:spPr>
+          <a:xfrm>
+            <a:off x="1498058" y="2130903"/>
+            <a:ext cx="5667375" cy="1104900"/>
+          </a:xfrm>
+          <a:prstGeom prst="rect">
+            <a:avLst/>
+          </a:prstGeom>
+        </p:spPr>
+      </p:pic>
+      <p:pic>
+        <p:nvPicPr>
+          <p:cNvPr id="5" name="Picture 4"/>
+          <p:cNvPicPr>
+            <a:picLocks noChangeAspect="1"/>
+          </p:cNvPicPr>
+          <p:nvPr/>
+        </p:nvPicPr>
+        <p:blipFill>
+          <a:blip r:embed="rId2"/>
+          <a:stretch>
+            <a:fillRect/>
+          </a:stretch>
+        </p:blipFill>
+        <p:spPr>
+          <a:xfrm>
+            <a:off x="1498058" y="4147866"/>
+            <a:ext cx="6296025" cy="647700"/>
+          </a:xfrm>
+          <a:prstGeom prst="rect">
+            <a:avLst/>
+          </a:prstGeom>
+        </p:spPr>
+      </p:pic>
+      <p:pic>
+        <p:nvPicPr>
+          <p:cNvPr id="6" name="Picture 5"/>
+          <p:cNvPicPr>
+            <a:picLocks noChangeAspect="1"/>
+          </p:cNvPicPr>
+          <p:nvPr/>
+        </p:nvPicPr>
+        <p:blipFill>
+          <a:blip r:embed="rId3"/>
+          <a:stretch>
+            <a:fillRect/>
+          </a:stretch>
+        </p:blipFill>
+        <p:spPr>
+          <a:xfrm>
+            <a:off x="1498058" y="4829224"/>
+            <a:ext cx="6400800" cy="1285875"/>
+          </a:xfrm>
+          <a:prstGeom prst="rect">
+            <a:avLst/>
+          </a:prstGeom>
+        </p:spPr>
+      </p:pic>
+    </p:spTree>
+  </p:cSld>
+  <p:clrMapOvr>
+    <a:masterClrMapping/>
+  </p:clrMapOvr>
+</p:sld>
+</file>
+
+<file path=ppt/slides/slide24.xml><?xml version="1.0" encoding="utf-8"?>
+<p:sld xmlns:a="http://schemas.openxmlformats.org/drawingml/2006/main" xmlns:r="http://schemas.openxmlformats.org/officeDocument/2006/relationships" xmlns:p="http://schemas.openxmlformats.org/presentationml/2006/main">
+  <p:cSld>
+    <p:spTree>
+      <p:nvGrpSpPr>
+        <p:cNvPr id="1" name=""/>
+        <p:cNvGrpSpPr/>
+        <p:nvPr/>
+      </p:nvGrpSpPr>
+      <p:grpSpPr>
+        <a:xfrm>
+          <a:off x="0" y="0"/>
+          <a:ext cx="0" cy="0"/>
+          <a:chOff x="0" y="0"/>
+          <a:chExt cx="0" cy="0"/>
+        </a:xfrm>
+      </p:grpSpPr>
+      <p:sp>
+        <p:nvSpPr>
+          <p:cNvPr id="2" name="Title 1"/>
+          <p:cNvSpPr>
+            <a:spLocks noGrp="1"/>
+          </p:cNvSpPr>
+          <p:nvPr>
             <p:ph type="title"/>
           </p:nvPr>
         </p:nvSpPr>
@@ -7547,6 +8036,114 @@
           </a:prstGeom>
         </p:spPr>
       </p:pic>
+      <p:sp>
+        <p:nvSpPr>
+          <p:cNvPr id="7" name="Oval 6"/>
+          <p:cNvSpPr/>
+          <p:nvPr/>
+        </p:nvSpPr>
+        <p:spPr>
+          <a:xfrm>
+            <a:off x="5129530" y="3769995"/>
+            <a:ext cx="1789430" cy="2893060"/>
+          </a:xfrm>
+          <a:prstGeom prst="ellipse">
+            <a:avLst/>
+          </a:prstGeom>
+          <a:noFill/>
+          <a:ln w="57150">
+            <a:solidFill>
+              <a:srgbClr val="FD5C0C"/>
+            </a:solidFill>
+          </a:ln>
+          <a:extLst>
+            <a:ext uri="{909E8E84-426E-40DD-AFC4-6F175D3DCCD1}">
+              <a14:hiddenFill xmlns:a14="http://schemas.microsoft.com/office/drawing/2010/main">
+                <a:solidFill>
+                  <a:schemeClr val="accent1"/>
+                </a:solidFill>
+              </a14:hiddenFill>
+            </a:ext>
+          </a:extLst>
+        </p:spPr>
+        <p:style>
+          <a:lnRef idx="2">
+            <a:schemeClr val="accent1">
+              <a:shade val="50000"/>
+            </a:schemeClr>
+          </a:lnRef>
+          <a:fillRef idx="1">
+            <a:schemeClr val="accent1"/>
+          </a:fillRef>
+          <a:effectRef idx="0">
+            <a:schemeClr val="accent1"/>
+          </a:effectRef>
+          <a:fontRef idx="minor">
+            <a:schemeClr val="lt1"/>
+          </a:fontRef>
+        </p:style>
+        <p:txBody>
+          <a:bodyPr rtlCol="0" anchor="ctr"/>
+          <a:p>
+            <a:pPr algn="ctr"/>
+            <a:endParaRPr lang="en-US"/>
+          </a:p>
+        </p:txBody>
+      </p:sp>
+      <p:sp>
+        <p:nvSpPr>
+          <p:cNvPr id="8" name="Oval 7"/>
+          <p:cNvSpPr/>
+          <p:nvPr/>
+        </p:nvSpPr>
+        <p:spPr>
+          <a:xfrm>
+            <a:off x="8991600" y="3769995"/>
+            <a:ext cx="1789430" cy="2893060"/>
+          </a:xfrm>
+          <a:prstGeom prst="ellipse">
+            <a:avLst/>
+          </a:prstGeom>
+          <a:noFill/>
+          <a:ln w="57150">
+            <a:solidFill>
+              <a:srgbClr val="FD5C0C"/>
+            </a:solidFill>
+          </a:ln>
+          <a:extLst>
+            <a:ext uri="{909E8E84-426E-40DD-AFC4-6F175D3DCCD1}">
+              <a14:hiddenFill xmlns:a14="http://schemas.microsoft.com/office/drawing/2010/main">
+                <a:solidFill>
+                  <a:schemeClr val="accent1"/>
+                </a:solidFill>
+              </a14:hiddenFill>
+            </a:ext>
+          </a:extLst>
+        </p:spPr>
+        <p:style>
+          <a:lnRef idx="2">
+            <a:schemeClr val="accent1">
+              <a:shade val="50000"/>
+            </a:schemeClr>
+          </a:lnRef>
+          <a:fillRef idx="1">
+            <a:schemeClr val="accent1"/>
+          </a:fillRef>
+          <a:effectRef idx="0">
+            <a:schemeClr val="accent1"/>
+          </a:effectRef>
+          <a:fontRef idx="minor">
+            <a:schemeClr val="lt1"/>
+          </a:fontRef>
+        </p:style>
+        <p:txBody>
+          <a:bodyPr rtlCol="0" anchor="ctr"/>
+          <a:p>
+            <a:pPr algn="ctr"/>
+            <a:endParaRPr lang="en-US"/>
+          </a:p>
+        </p:txBody>
+      </p:sp>
     </p:spTree>
   </p:cSld>
   <p:clrMapOvr>
@@ -7597,7 +8194,12 @@
             <p:ph idx="1"/>
           </p:nvPr>
         </p:nvSpPr>
-        <p:spPr/>
+        <p:spPr>
+          <a:xfrm>
+            <a:off x="838200" y="1804035"/>
+            <a:ext cx="10515600" cy="4351655"/>
+          </a:xfrm>
+        </p:spPr>
         <p:txBody>
           <a:bodyPr>
             <a:normAutofit lnSpcReduction="10000"/>
@@ -7607,44 +8209,316 @@
               <a:buNone/>
             </a:pPr>
             <a:r>
+              <a:rPr lang="en-US" altLang="en-US">
+                <a:solidFill>
+                  <a:schemeClr val="accent1">
+                    <a:lumMod val="75000"/>
+                  </a:schemeClr>
+                </a:solidFill>
+              </a:rPr>
+              <a:t>Queries require joining data (e.g., “business” and “review”)</a:t>
+            </a:r>
+            <a:endParaRPr lang="en-US" altLang="en-US">
+              <a:solidFill>
+                <a:schemeClr val="accent1">
+                  <a:lumMod val="75000"/>
+                </a:schemeClr>
+              </a:solidFill>
+            </a:endParaRPr>
+          </a:p>
+        </p:txBody>
+      </p:sp>
+      <p:pic>
+        <p:nvPicPr>
+          <p:cNvPr id="4" name="Picture 3"/>
+          <p:cNvPicPr>
+            <a:picLocks noChangeAspect="1"/>
+          </p:cNvPicPr>
+          <p:nvPr/>
+        </p:nvPicPr>
+        <p:blipFill>
+          <a:blip r:embed="rId1"/>
+          <a:stretch>
+            <a:fillRect/>
+          </a:stretch>
+        </p:blipFill>
+        <p:spPr>
+          <a:xfrm>
+            <a:off x="378460" y="2781300"/>
+            <a:ext cx="11435080" cy="1295400"/>
+          </a:xfrm>
+          <a:prstGeom prst="rect">
+            <a:avLst/>
+          </a:prstGeom>
+        </p:spPr>
+      </p:pic>
+      <p:sp>
+        <p:nvSpPr>
+          <p:cNvPr id="5" name="Flowchart: Magnetic Disk 4"/>
+          <p:cNvSpPr/>
+          <p:nvPr/>
+        </p:nvSpPr>
+        <p:spPr>
+          <a:xfrm>
+            <a:off x="1864360" y="4377690"/>
+            <a:ext cx="1278890" cy="1039495"/>
+          </a:xfrm>
+          <a:prstGeom prst="flowChartMagneticDisk">
+            <a:avLst/>
+          </a:prstGeom>
+        </p:spPr>
+        <p:style>
+          <a:lnRef idx="2">
+            <a:schemeClr val="accent1">
+              <a:shade val="50000"/>
+            </a:schemeClr>
+          </a:lnRef>
+          <a:fillRef idx="1">
+            <a:schemeClr val="accent1"/>
+          </a:fillRef>
+          <a:effectRef idx="0">
+            <a:schemeClr val="accent1"/>
+          </a:effectRef>
+          <a:fontRef idx="minor">
+            <a:schemeClr val="lt1"/>
+          </a:fontRef>
+        </p:style>
+        <p:txBody>
+          <a:bodyPr rtlCol="0" anchor="ctr"/>
+          <a:p>
+            <a:pPr algn="ctr"/>
+            <a:r>
+              <a:rPr lang="" altLang="en-US"/>
+              <a:t>Business</a:t>
+            </a:r>
+            <a:endParaRPr lang="" altLang="en-US"/>
+          </a:p>
+        </p:txBody>
+      </p:sp>
+      <p:sp>
+        <p:nvSpPr>
+          <p:cNvPr id="6" name="Flowchart: Magnetic Disk 5"/>
+          <p:cNvSpPr/>
+          <p:nvPr/>
+        </p:nvSpPr>
+        <p:spPr>
+          <a:xfrm>
+            <a:off x="7907655" y="4107815"/>
+            <a:ext cx="2708275" cy="1580515"/>
+          </a:xfrm>
+          <a:prstGeom prst="flowChartMagneticDisk">
+            <a:avLst/>
+          </a:prstGeom>
+          <a:solidFill>
+            <a:schemeClr val="accent2">
+              <a:lumMod val="75000"/>
+            </a:schemeClr>
+          </a:solidFill>
+        </p:spPr>
+        <p:style>
+          <a:lnRef idx="2">
+            <a:schemeClr val="accent1">
+              <a:shade val="50000"/>
+            </a:schemeClr>
+          </a:lnRef>
+          <a:fillRef idx="1">
+            <a:schemeClr val="accent1"/>
+          </a:fillRef>
+          <a:effectRef idx="0">
+            <a:schemeClr val="accent1"/>
+          </a:effectRef>
+          <a:fontRef idx="minor">
+            <a:schemeClr val="lt1"/>
+          </a:fontRef>
+        </p:style>
+        <p:txBody>
+          <a:bodyPr rtlCol="0" anchor="ctr"/>
+          <a:p>
+            <a:pPr algn="ctr"/>
+            <a:r>
+              <a:rPr lang="" altLang="en-US"/>
+              <a:t>Review</a:t>
+            </a:r>
+            <a:endParaRPr lang="" altLang="en-US"/>
+          </a:p>
+        </p:txBody>
+      </p:sp>
+      <p:cxnSp>
+        <p:nvCxnSpPr>
+          <p:cNvPr id="7" name="Straight Arrow Connector 6"/>
+          <p:cNvCxnSpPr>
+            <a:stCxn id="5" idx="4"/>
+            <a:endCxn id="6" idx="2"/>
+          </p:cNvCxnSpPr>
+          <p:nvPr/>
+        </p:nvCxnSpPr>
+        <p:spPr>
+          <a:xfrm>
+            <a:off x="3143250" y="4897755"/>
+            <a:ext cx="4764405" cy="635"/>
+          </a:xfrm>
+          <a:prstGeom prst="straightConnector1">
+            <a:avLst/>
+          </a:prstGeom>
+          <a:ln w="57150">
+            <a:solidFill>
+              <a:srgbClr val="FFC000"/>
+            </a:solidFill>
+            <a:tailEnd type="arrow"/>
+          </a:ln>
+        </p:spPr>
+        <p:style>
+          <a:lnRef idx="1">
+            <a:schemeClr val="accent1"/>
+          </a:lnRef>
+          <a:fillRef idx="0">
+            <a:schemeClr val="accent1"/>
+          </a:fillRef>
+          <a:effectRef idx="0">
+            <a:schemeClr val="accent1"/>
+          </a:effectRef>
+          <a:fontRef idx="minor">
+            <a:schemeClr val="tx1"/>
+          </a:fontRef>
+        </p:style>
+      </p:cxnSp>
+      <p:sp>
+        <p:nvSpPr>
+          <p:cNvPr id="8" name="Text Box 7"/>
+          <p:cNvSpPr txBox="1"/>
+          <p:nvPr/>
+        </p:nvSpPr>
+        <p:spPr>
+          <a:xfrm>
+            <a:off x="1216025" y="5535930"/>
+            <a:ext cx="2576195" cy="368300"/>
+          </a:xfrm>
+          <a:prstGeom prst="rect">
+            <a:avLst/>
+          </a:prstGeom>
+          <a:noFill/>
+        </p:spPr>
+        <p:txBody>
+          <a:bodyPr wrap="none" rtlCol="0">
+            <a:spAutoFit/>
+          </a:bodyPr>
+          <a:p>
+            <a:r>
+              <a:rPr lang="" altLang="en-US"/>
+              <a:t>name: Mon Ami Gabi</a:t>
+            </a:r>
+            <a:endParaRPr lang="" altLang="en-US"/>
+          </a:p>
+        </p:txBody>
+      </p:sp>
+      <p:sp>
+        <p:nvSpPr>
+          <p:cNvPr id="9" name="Text Box 8"/>
+          <p:cNvSpPr txBox="1"/>
+          <p:nvPr/>
+        </p:nvSpPr>
+        <p:spPr>
+          <a:xfrm>
+            <a:off x="8307705" y="5774690"/>
+            <a:ext cx="1908810" cy="922020"/>
+          </a:xfrm>
+          <a:prstGeom prst="rect">
+            <a:avLst/>
+          </a:prstGeom>
+          <a:noFill/>
+        </p:spPr>
+        <p:txBody>
+          <a:bodyPr wrap="none" rtlCol="0">
+            <a:spAutoFit/>
+          </a:bodyPr>
+          <a:p>
+            <a:r>
+              <a:rPr lang="" altLang="en-US"/>
+              <a:t>user_id: review</a:t>
+            </a:r>
+            <a:endParaRPr lang="" altLang="en-US"/>
+          </a:p>
+          <a:p>
+            <a:r>
+              <a:rPr lang="" altLang="en-US"/>
+              <a:t>user_id: review</a:t>
+            </a:r>
+            <a:endParaRPr lang="" altLang="en-US"/>
+          </a:p>
+          <a:p>
+            <a:r>
+              <a:rPr lang="" altLang="en-US"/>
+              <a:t>...</a:t>
+            </a:r>
+            <a:endParaRPr lang="" altLang="en-US"/>
+          </a:p>
+        </p:txBody>
+      </p:sp>
+      <p:sp>
+        <p:nvSpPr>
+          <p:cNvPr id="10" name="Text Box 9"/>
+          <p:cNvSpPr txBox="1"/>
+          <p:nvPr/>
+        </p:nvSpPr>
+        <p:spPr>
+          <a:xfrm>
+            <a:off x="3143250" y="4377690"/>
+            <a:ext cx="1929765" cy="368300"/>
+          </a:xfrm>
+          <a:prstGeom prst="rect">
+            <a:avLst/>
+          </a:prstGeom>
+          <a:noFill/>
+        </p:spPr>
+        <p:txBody>
+          <a:bodyPr wrap="none" rtlCol="0">
+            <a:spAutoFit/>
+          </a:bodyPr>
+          <a:p>
+            <a:r>
+              <a:rPr lang="" altLang="en-US" i="1"/>
+              <a:t>pk: </a:t>
+            </a:r>
+            <a:r>
+              <a:rPr lang="" altLang="en-US"/>
+              <a:t>business_id</a:t>
+            </a:r>
+            <a:endParaRPr lang="" altLang="en-US"/>
+          </a:p>
+        </p:txBody>
+      </p:sp>
+      <p:sp>
+        <p:nvSpPr>
+          <p:cNvPr id="11" name="Text Box 10"/>
+          <p:cNvSpPr txBox="1"/>
+          <p:nvPr/>
+        </p:nvSpPr>
+        <p:spPr>
+          <a:xfrm>
+            <a:off x="5977890" y="4377690"/>
+            <a:ext cx="1864995" cy="368300"/>
+          </a:xfrm>
+          <a:prstGeom prst="rect">
+            <a:avLst/>
+          </a:prstGeom>
+          <a:noFill/>
+        </p:spPr>
+        <p:txBody>
+          <a:bodyPr wrap="none" rtlCol="0">
+            <a:spAutoFit/>
+          </a:bodyPr>
+          <a:p>
+            <a:r>
+              <a:rPr lang="" altLang="en-US" i="1"/>
+              <a:t>f</a:t>
+            </a:r>
+            <a:r>
+              <a:rPr lang="en-US" altLang="en-US" i="1"/>
+              <a:t>k: </a:t>
+            </a:r>
+            <a:r>
               <a:rPr lang="en-US" altLang="en-US"/>
-              <a:t>Characteristics of Yelp dataset:</a:t>
-            </a:r>
-            <a:endParaRPr lang="en-US" altLang="en-US"/>
-          </a:p>
-          <a:p>
-            <a:r>
-              <a:rPr lang="en-US" altLang="en-US"/>
-              <a:t>JSON file format</a:t>
-            </a:r>
-            <a:endParaRPr lang="en-US" altLang="en-US"/>
-          </a:p>
-          <a:p>
-            <a:r>
-              <a:rPr lang="en-US" altLang="en-US"/>
-              <a:t>Related entities (e.g, businesses and reviews, reviews and users, </a:t>
-            </a:r>
-            <a:r>
-              <a:rPr lang="en-US" altLang="en-US" i="1"/>
-              <a:t>etc.</a:t>
-            </a:r>
-            <a:r>
-              <a:rPr lang="en-US" altLang="en-US"/>
-              <a:t>)</a:t>
-            </a:r>
-            <a:endParaRPr lang="en-US" altLang="en-US"/>
-          </a:p>
-          <a:p>
-            <a:r>
-              <a:rPr lang="en-US" altLang="en-US"/>
-              <a:t>Varying and nested attributes (e.g., file “business.json”)</a:t>
-            </a:r>
-            <a:endParaRPr lang="en-US" altLang="en-US"/>
-          </a:p>
-          <a:p>
-            <a:r>
-              <a:rPr lang="en-US" altLang="en-US"/>
-              <a:t>Queries require joining data (e.g., “business” and “review”)</a:t>
+              <a:t>business_id</a:t>
             </a:r>
             <a:endParaRPr lang="en-US" altLang="en-US"/>
           </a:p>
@@ -7700,48 +8574,393 @@
             <p:ph idx="1"/>
           </p:nvPr>
         </p:nvSpPr>
-        <p:spPr/>
+        <p:spPr>
+          <a:xfrm>
+            <a:off x="491490" y="3613785"/>
+            <a:ext cx="5086350" cy="3321050"/>
+          </a:xfrm>
+        </p:spPr>
         <p:txBody>
           <a:bodyPr>
-            <a:normAutofit lnSpcReduction="10000"/>
+            <a:normAutofit lnSpcReduction="20000"/>
           </a:bodyPr>
           <a:p>
+            <a:pPr marL="0" indent="0">
+              <a:buNone/>
+            </a:pPr>
+            <a:r>
+              <a:rPr lang="" altLang="en-US" b="1"/>
+              <a:t>SQL </a:t>
+            </a:r>
+            <a:endParaRPr lang="" altLang="en-US"/>
+          </a:p>
+          <a:p>
             <a:r>
               <a:rPr lang="" altLang="en-US"/>
-              <a:t>Yelp dataset consists of related JSON files</a:t>
+              <a:t>“pay the price” on the write</a:t>
             </a:r>
             <a:endParaRPr lang="" altLang="en-US"/>
           </a:p>
           <a:p>
             <a:r>
-              <a:rPr lang="" altLang="en-US"/>
-              <a:t>Varying and nested attributes (e.g., file “business.json”)</a:t>
+              <a:rPr lang="" altLang="en-US">
+                <a:solidFill>
+                  <a:srgbClr val="C00000"/>
+                </a:solidFill>
+              </a:rPr>
+              <a:t>slower ingestion</a:t>
             </a:r>
             <a:endParaRPr lang="" altLang="en-US"/>
           </a:p>
           <a:p>
             <a:r>
-              <a:rPr lang="" altLang="en-US"/>
-              <a:t>Queries require joining data (e.g., “business” and “review”)</a:t>
+              <a:rPr lang="" altLang="en-US">
+                <a:solidFill>
+                  <a:srgbClr val="C00000"/>
+                </a:solidFill>
+              </a:rPr>
+              <a:t>need schema</a:t>
             </a:r>
             <a:endParaRPr lang="" altLang="en-US"/>
           </a:p>
           <a:p>
             <a:r>
-              <a:rPr lang="" altLang="en-US"/>
-              <a:t>NoSQL: “pay the price” on the read, fast ingestion, less flexibility in writing queries on joined tables</a:t>
-            </a:r>
-            <a:endParaRPr lang="" altLang="en-US"/>
-          </a:p>
-          <a:p>
-            <a:r>
-              <a:rPr lang="" altLang="en-US"/>
-              <a:t>SQL: “pay the price” on the write, slow ingestion (schema needs to be derived, INSERT statements need to be composed), fast and efficient queries on joined tables</a:t>
-            </a:r>
-            <a:endParaRPr lang="" altLang="en-US"/>
-          </a:p>
-        </p:txBody>
-      </p:sp>
+              <a:rPr lang="" altLang="en-US">
+                <a:solidFill>
+                  <a:srgbClr val="339620"/>
+                </a:solidFill>
+              </a:rPr>
+              <a:t>fast and efficient queries on joined tables</a:t>
+            </a:r>
+            <a:endParaRPr lang="" altLang="en-US">
+              <a:solidFill>
+                <a:srgbClr val="339620"/>
+              </a:solidFill>
+            </a:endParaRPr>
+          </a:p>
+        </p:txBody>
+      </p:sp>
+      <p:pic>
+        <p:nvPicPr>
+          <p:cNvPr id="4" name="Picture 3"/>
+          <p:cNvPicPr>
+            <a:picLocks noChangeAspect="1"/>
+          </p:cNvPicPr>
+          <p:nvPr/>
+        </p:nvPicPr>
+        <p:blipFill>
+          <a:blip r:embed="rId1"/>
+          <a:stretch>
+            <a:fillRect/>
+          </a:stretch>
+        </p:blipFill>
+        <p:spPr>
+          <a:xfrm>
+            <a:off x="1518920" y="1452880"/>
+            <a:ext cx="2293620" cy="2366645"/>
+          </a:xfrm>
+          <a:prstGeom prst="rect">
+            <a:avLst/>
+          </a:prstGeom>
+        </p:spPr>
+      </p:pic>
+      <p:sp>
+        <p:nvSpPr>
+          <p:cNvPr id="7" name="Content Placeholder 2"/>
+          <p:cNvSpPr>
+            <a:spLocks noGrp="1"/>
+          </p:cNvSpPr>
+          <p:nvPr/>
+        </p:nvSpPr>
+        <p:spPr>
+          <a:xfrm>
+            <a:off x="6266815" y="3613785"/>
+            <a:ext cx="5086985" cy="2966085"/>
+          </a:xfrm>
+          <a:prstGeom prst="rect">
+            <a:avLst/>
+          </a:prstGeom>
+        </p:spPr>
+        <p:txBody>
+          <a:bodyPr vert="horz" lIns="91440" tIns="45720" rIns="91440" bIns="45720" rtlCol="0">
+            <a:normAutofit lnSpcReduction="20000"/>
+          </a:bodyPr>
+          <a:lstStyle>
+            <a:lvl1pPr marL="228600" indent="-228600" algn="l" defTabSz="914400" rtl="0" eaLnBrk="1" latinLnBrk="0" hangingPunct="1">
+              <a:lnSpc>
+                <a:spcPct val="90000"/>
+              </a:lnSpc>
+              <a:spcBef>
+                <a:spcPts val="1000"/>
+              </a:spcBef>
+              <a:buFont typeface="Arial" panose="02080604020202020204" pitchFamily="34" charset="0"/>
+              <a:buChar char="•"/>
+              <a:defRPr sz="2800" kern="1200">
+                <a:solidFill>
+                  <a:schemeClr val="tx1"/>
+                </a:solidFill>
+                <a:latin typeface="+mn-lt"/>
+                <a:ea typeface="+mn-ea"/>
+                <a:cs typeface="+mn-cs"/>
+              </a:defRPr>
+            </a:lvl1pPr>
+            <a:lvl2pPr marL="685800" indent="-228600" algn="l" defTabSz="914400" rtl="0" eaLnBrk="1" latinLnBrk="0" hangingPunct="1">
+              <a:lnSpc>
+                <a:spcPct val="90000"/>
+              </a:lnSpc>
+              <a:spcBef>
+                <a:spcPts val="500"/>
+              </a:spcBef>
+              <a:buFont typeface="Arial" panose="02080604020202020204" pitchFamily="34" charset="0"/>
+              <a:buChar char="•"/>
+              <a:defRPr sz="2400" kern="1200">
+                <a:solidFill>
+                  <a:schemeClr val="tx1"/>
+                </a:solidFill>
+                <a:latin typeface="+mn-lt"/>
+                <a:ea typeface="+mn-ea"/>
+                <a:cs typeface="+mn-cs"/>
+              </a:defRPr>
+            </a:lvl2pPr>
+            <a:lvl3pPr marL="1143000" indent="-228600" algn="l" defTabSz="914400" rtl="0" eaLnBrk="1" latinLnBrk="0" hangingPunct="1">
+              <a:lnSpc>
+                <a:spcPct val="90000"/>
+              </a:lnSpc>
+              <a:spcBef>
+                <a:spcPts val="500"/>
+              </a:spcBef>
+              <a:buFont typeface="Arial" panose="02080604020202020204" pitchFamily="34" charset="0"/>
+              <a:buChar char="•"/>
+              <a:defRPr sz="2000" kern="1200">
+                <a:solidFill>
+                  <a:schemeClr val="tx1"/>
+                </a:solidFill>
+                <a:latin typeface="+mn-lt"/>
+                <a:ea typeface="+mn-ea"/>
+                <a:cs typeface="+mn-cs"/>
+              </a:defRPr>
+            </a:lvl3pPr>
+            <a:lvl4pPr marL="1600200" indent="-228600" algn="l" defTabSz="914400" rtl="0" eaLnBrk="1" latinLnBrk="0" hangingPunct="1">
+              <a:lnSpc>
+                <a:spcPct val="90000"/>
+              </a:lnSpc>
+              <a:spcBef>
+                <a:spcPts val="500"/>
+              </a:spcBef>
+              <a:buFont typeface="Arial" panose="02080604020202020204" pitchFamily="34" charset="0"/>
+              <a:buChar char="•"/>
+              <a:defRPr sz="1800" kern="1200">
+                <a:solidFill>
+                  <a:schemeClr val="tx1"/>
+                </a:solidFill>
+                <a:latin typeface="+mn-lt"/>
+                <a:ea typeface="+mn-ea"/>
+                <a:cs typeface="+mn-cs"/>
+              </a:defRPr>
+            </a:lvl4pPr>
+            <a:lvl5pPr marL="2057400" indent="-228600" algn="l" defTabSz="914400" rtl="0" eaLnBrk="1" latinLnBrk="0" hangingPunct="1">
+              <a:lnSpc>
+                <a:spcPct val="90000"/>
+              </a:lnSpc>
+              <a:spcBef>
+                <a:spcPts val="500"/>
+              </a:spcBef>
+              <a:buFont typeface="Arial" panose="02080604020202020204" pitchFamily="34" charset="0"/>
+              <a:buChar char="•"/>
+              <a:defRPr sz="1800" kern="1200">
+                <a:solidFill>
+                  <a:schemeClr val="tx1"/>
+                </a:solidFill>
+                <a:latin typeface="+mn-lt"/>
+                <a:ea typeface="+mn-ea"/>
+                <a:cs typeface="+mn-cs"/>
+              </a:defRPr>
+            </a:lvl5pPr>
+            <a:lvl6pPr marL="2514600" indent="-228600" algn="l" defTabSz="914400" rtl="0" eaLnBrk="1" latinLnBrk="0" hangingPunct="1">
+              <a:lnSpc>
+                <a:spcPct val="90000"/>
+              </a:lnSpc>
+              <a:spcBef>
+                <a:spcPts val="500"/>
+              </a:spcBef>
+              <a:buFont typeface="Arial" panose="02080604020202020204" pitchFamily="34" charset="0"/>
+              <a:buChar char="•"/>
+              <a:defRPr sz="1800" kern="1200">
+                <a:solidFill>
+                  <a:schemeClr val="tx1"/>
+                </a:solidFill>
+                <a:latin typeface="+mn-lt"/>
+                <a:ea typeface="+mn-ea"/>
+                <a:cs typeface="+mn-cs"/>
+              </a:defRPr>
+            </a:lvl6pPr>
+            <a:lvl7pPr marL="2971800" indent="-228600" algn="l" defTabSz="914400" rtl="0" eaLnBrk="1" latinLnBrk="0" hangingPunct="1">
+              <a:lnSpc>
+                <a:spcPct val="90000"/>
+              </a:lnSpc>
+              <a:spcBef>
+                <a:spcPts val="500"/>
+              </a:spcBef>
+              <a:buFont typeface="Arial" panose="02080604020202020204" pitchFamily="34" charset="0"/>
+              <a:buChar char="•"/>
+              <a:defRPr sz="1800" kern="1200">
+                <a:solidFill>
+                  <a:schemeClr val="tx1"/>
+                </a:solidFill>
+                <a:latin typeface="+mn-lt"/>
+                <a:ea typeface="+mn-ea"/>
+                <a:cs typeface="+mn-cs"/>
+              </a:defRPr>
+            </a:lvl7pPr>
+            <a:lvl8pPr marL="3429000" indent="-228600" algn="l" defTabSz="914400" rtl="0" eaLnBrk="1" latinLnBrk="0" hangingPunct="1">
+              <a:lnSpc>
+                <a:spcPct val="90000"/>
+              </a:lnSpc>
+              <a:spcBef>
+                <a:spcPts val="500"/>
+              </a:spcBef>
+              <a:buFont typeface="Arial" panose="02080604020202020204" pitchFamily="34" charset="0"/>
+              <a:buChar char="•"/>
+              <a:defRPr sz="1800" kern="1200">
+                <a:solidFill>
+                  <a:schemeClr val="tx1"/>
+                </a:solidFill>
+                <a:latin typeface="+mn-lt"/>
+                <a:ea typeface="+mn-ea"/>
+                <a:cs typeface="+mn-cs"/>
+              </a:defRPr>
+            </a:lvl8pPr>
+            <a:lvl9pPr marL="3886200" indent="-228600" algn="l" defTabSz="914400" rtl="0" eaLnBrk="1" latinLnBrk="0" hangingPunct="1">
+              <a:lnSpc>
+                <a:spcPct val="90000"/>
+              </a:lnSpc>
+              <a:spcBef>
+                <a:spcPts val="500"/>
+              </a:spcBef>
+              <a:buFont typeface="Arial" panose="02080604020202020204" pitchFamily="34" charset="0"/>
+              <a:buChar char="•"/>
+              <a:defRPr sz="1800" kern="1200">
+                <a:solidFill>
+                  <a:schemeClr val="tx1"/>
+                </a:solidFill>
+                <a:latin typeface="+mn-lt"/>
+                <a:ea typeface="+mn-ea"/>
+                <a:cs typeface="+mn-cs"/>
+              </a:defRPr>
+            </a:lvl9pPr>
+          </a:lstStyle>
+          <a:p>
+            <a:pPr marL="0" indent="0" algn="r">
+              <a:buNone/>
+            </a:pPr>
+            <a:r>
+              <a:rPr lang="en-US" altLang="en-US" b="1">
+                <a:sym typeface="+mn-ea"/>
+              </a:rPr>
+              <a:t>NoSQL </a:t>
+            </a:r>
+            <a:endParaRPr lang="en-US" altLang="en-US">
+              <a:sym typeface="+mn-ea"/>
+            </a:endParaRPr>
+          </a:p>
+          <a:p>
+            <a:pPr algn="l"/>
+            <a:r>
+              <a:rPr lang="en-US" altLang="en-US">
+                <a:sym typeface="+mn-ea"/>
+              </a:rPr>
+              <a:t>“pay the price” on the read</a:t>
+            </a:r>
+            <a:endParaRPr lang="en-US" altLang="en-US">
+              <a:sym typeface="+mn-ea"/>
+            </a:endParaRPr>
+          </a:p>
+          <a:p>
+            <a:pPr algn="l"/>
+            <a:r>
+              <a:rPr lang="en-US" altLang="en-US">
+                <a:solidFill>
+                  <a:srgbClr val="339620"/>
+                </a:solidFill>
+                <a:sym typeface="+mn-ea"/>
+              </a:rPr>
+              <a:t>fast </a:t>
+            </a:r>
+            <a:r>
+              <a:rPr lang="" altLang="en-US">
+                <a:solidFill>
+                  <a:srgbClr val="339620"/>
+                </a:solidFill>
+                <a:sym typeface="+mn-ea"/>
+              </a:rPr>
+              <a:t>and flexible </a:t>
+            </a:r>
+            <a:r>
+              <a:rPr lang="en-US" altLang="en-US">
+                <a:solidFill>
+                  <a:srgbClr val="339620"/>
+                </a:solidFill>
+                <a:sym typeface="+mn-ea"/>
+              </a:rPr>
+              <a:t>ingestion</a:t>
+            </a:r>
+            <a:endParaRPr lang="en-US" altLang="en-US">
+              <a:solidFill>
+                <a:srgbClr val="339620"/>
+              </a:solidFill>
+              <a:sym typeface="+mn-ea"/>
+            </a:endParaRPr>
+          </a:p>
+          <a:p>
+            <a:pPr algn="l"/>
+            <a:r>
+              <a:rPr lang="en-US" altLang="en-US">
+                <a:solidFill>
+                  <a:srgbClr val="C00000"/>
+                </a:solidFill>
+                <a:sym typeface="+mn-ea"/>
+              </a:rPr>
+              <a:t>less flexibility in writing queries on joined tables</a:t>
+            </a:r>
+            <a:endParaRPr lang="en-US">
+              <a:solidFill>
+                <a:srgbClr val="C00000"/>
+              </a:solidFill>
+            </a:endParaRPr>
+          </a:p>
+          <a:p>
+            <a:endParaRPr lang="en-US" altLang="en-US">
+              <a:solidFill>
+                <a:srgbClr val="C00000"/>
+              </a:solidFill>
+            </a:endParaRPr>
+          </a:p>
+        </p:txBody>
+      </p:sp>
+      <p:pic>
+        <p:nvPicPr>
+          <p:cNvPr id="8" name="Picture 7"/>
+          <p:cNvPicPr>
+            <a:picLocks noChangeAspect="1"/>
+          </p:cNvPicPr>
+          <p:nvPr/>
+        </p:nvPicPr>
+        <p:blipFill>
+          <a:blip r:embed="rId2"/>
+          <a:stretch>
+            <a:fillRect/>
+          </a:stretch>
+        </p:blipFill>
+        <p:spPr>
+          <a:xfrm>
+            <a:off x="7096760" y="1269365"/>
+            <a:ext cx="2733040" cy="2733040"/>
+          </a:xfrm>
+          <a:prstGeom prst="rect">
+            <a:avLst/>
+          </a:prstGeom>
+        </p:spPr>
+      </p:pic>
     </p:spTree>
   </p:cSld>
   <p:clrMapOvr>
@@ -7776,72 +8995,64 @@
           <a:p>
             <a:r>
               <a:rPr lang="en-US" altLang="en-US"/>
-              <a:t>Data storage: PostgreSQL database</a:t>
-            </a:r>
-            <a:endParaRPr lang="en-US" altLang="en-US"/>
-          </a:p>
-        </p:txBody>
-      </p:sp>
-      <p:sp>
-        <p:nvSpPr>
-          <p:cNvPr id="3" name="Content Placeholder 2"/>
-          <p:cNvSpPr>
-            <a:spLocks noGrp="1"/>
-          </p:cNvSpPr>
-          <p:nvPr>
-            <p:ph idx="1"/>
-          </p:nvPr>
-        </p:nvSpPr>
-        <p:spPr/>
-        <p:txBody>
-          <a:bodyPr>
-            <a:normAutofit lnSpcReduction="10000"/>
-          </a:bodyPr>
-          <a:p>
-            <a:pPr marL="0" indent="0">
-              <a:buNone/>
-            </a:pPr>
-            <a:r>
-              <a:rPr lang="en-US" altLang="en-US"/>
-              <a:t>PostgreSQL database has been chosen for data storage</a:t>
-            </a:r>
-            <a:endParaRPr lang="en-US" altLang="en-US"/>
-          </a:p>
-          <a:p>
-            <a:pPr marL="0" indent="0">
-              <a:buNone/>
-            </a:pPr>
-            <a:endParaRPr lang="en-US"/>
-          </a:p>
-          <a:p>
-            <a:r>
-              <a:rPr lang="en-US" altLang="en-US"/>
-              <a:t>Yelp dataset is relational in nature, questions require joining tables -- relational database is a good fit</a:t>
-            </a:r>
-            <a:endParaRPr lang="en-US" altLang="en-US"/>
-          </a:p>
-          <a:p>
-            <a:endParaRPr lang="en-US" altLang="en-US"/>
-          </a:p>
-          <a:p>
-            <a:r>
-              <a:rPr lang="en-US" altLang="en-US"/>
-              <a:t>PostgreSQL: high stability, ease of accessbility in cloud providers (AWS, Google Cloud, etc), open source</a:t>
-            </a:r>
-            <a:endParaRPr lang="en-US" altLang="en-US"/>
-          </a:p>
-          <a:p>
-            <a:endParaRPr lang="en-US" altLang="en-US"/>
-          </a:p>
-          <a:p>
-            <a:r>
-              <a:rPr lang="en-US" altLang="en-US"/>
-              <a:t>psycopg2 python driver: actively maintained, thread-safe</a:t>
-            </a:r>
-            <a:endParaRPr lang="en-US" altLang="en-US"/>
-          </a:p>
-        </p:txBody>
-      </p:sp>
+              <a:t>Data ingestion: </a:t>
+            </a:r>
+            <a:r>
+              <a:rPr lang="" altLang="en-US"/>
+              <a:t>PostgreSQL</a:t>
+            </a:r>
+            <a:endParaRPr lang="" altLang="en-US"/>
+          </a:p>
+        </p:txBody>
+      </p:sp>
+      <p:pic>
+        <p:nvPicPr>
+          <p:cNvPr id="6" name="Picture 5"/>
+          <p:cNvPicPr>
+            <a:picLocks noChangeAspect="1"/>
+          </p:cNvPicPr>
+          <p:nvPr/>
+        </p:nvPicPr>
+        <p:blipFill>
+          <a:blip r:embed="rId1"/>
+          <a:stretch>
+            <a:fillRect/>
+          </a:stretch>
+        </p:blipFill>
+        <p:spPr>
+          <a:xfrm flipH="1">
+            <a:off x="8731885" y="473075"/>
+            <a:ext cx="1189355" cy="1109345"/>
+          </a:xfrm>
+          <a:prstGeom prst="rect">
+            <a:avLst/>
+          </a:prstGeom>
+        </p:spPr>
+      </p:pic>
+      <p:pic>
+        <p:nvPicPr>
+          <p:cNvPr id="9" name="Picture 8" descr="yelp_db_setup_postgres"/>
+          <p:cNvPicPr>
+            <a:picLocks noChangeAspect="1"/>
+          </p:cNvPicPr>
+          <p:nvPr/>
+        </p:nvPicPr>
+        <p:blipFill>
+          <a:blip r:embed="rId2"/>
+          <a:stretch>
+            <a:fillRect/>
+          </a:stretch>
+        </p:blipFill>
+        <p:spPr>
+          <a:xfrm>
+            <a:off x="313690" y="1473835"/>
+            <a:ext cx="11565255" cy="4903470"/>
+          </a:xfrm>
+          <a:prstGeom prst="rect">
+            <a:avLst/>
+          </a:prstGeom>
+        </p:spPr>
+      </p:pic>
     </p:spTree>
   </p:cSld>
   <p:clrMapOvr>

--- a/presentations/Yelp_dataset_results.pptx
+++ b/presentations/Yelp_dataset_results.pptx
@@ -9,27 +9,40 @@
     <p:sldId id="256" r:id="rId4"/>
     <p:sldId id="263" r:id="rId5"/>
     <p:sldId id="292" r:id="rId6"/>
-    <p:sldId id="293" r:id="rId7"/>
-    <p:sldId id="294" r:id="rId8"/>
+    <p:sldId id="294" r:id="rId7"/>
+    <p:sldId id="293" r:id="rId8"/>
     <p:sldId id="291" r:id="rId9"/>
     <p:sldId id="295" r:id="rId10"/>
     <p:sldId id="290" r:id="rId11"/>
     <p:sldId id="297" r:id="rId12"/>
-    <p:sldId id="298" r:id="rId13"/>
-    <p:sldId id="299" r:id="rId14"/>
-    <p:sldId id="300" r:id="rId15"/>
+    <p:sldId id="299" r:id="rId13"/>
+    <p:sldId id="300" r:id="rId14"/>
+    <p:sldId id="302" r:id="rId15"/>
     <p:sldId id="289" r:id="rId16"/>
-    <p:sldId id="275" r:id="rId17"/>
-    <p:sldId id="257" r:id="rId18"/>
-    <p:sldId id="264" r:id="rId19"/>
-    <p:sldId id="265" r:id="rId20"/>
-    <p:sldId id="266" r:id="rId21"/>
-    <p:sldId id="267" r:id="rId22"/>
-    <p:sldId id="270" r:id="rId23"/>
-    <p:sldId id="269" r:id="rId24"/>
-    <p:sldId id="268" r:id="rId25"/>
-    <p:sldId id="271" r:id="rId26"/>
-    <p:sldId id="272" r:id="rId27"/>
+    <p:sldId id="303" r:id="rId17"/>
+    <p:sldId id="304" r:id="rId18"/>
+    <p:sldId id="305" r:id="rId19"/>
+    <p:sldId id="306" r:id="rId20"/>
+    <p:sldId id="307" r:id="rId21"/>
+    <p:sldId id="308" r:id="rId22"/>
+    <p:sldId id="310" r:id="rId23"/>
+    <p:sldId id="311" r:id="rId24"/>
+    <p:sldId id="312" r:id="rId25"/>
+    <p:sldId id="313" r:id="rId26"/>
+    <p:sldId id="314" r:id="rId27"/>
+    <p:sldId id="315" r:id="rId28"/>
+    <p:sldId id="316" r:id="rId29"/>
+    <p:sldId id="275" r:id="rId30"/>
+    <p:sldId id="257" r:id="rId31"/>
+    <p:sldId id="264" r:id="rId32"/>
+    <p:sldId id="265" r:id="rId33"/>
+    <p:sldId id="266" r:id="rId34"/>
+    <p:sldId id="267" r:id="rId35"/>
+    <p:sldId id="270" r:id="rId36"/>
+    <p:sldId id="269" r:id="rId37"/>
+    <p:sldId id="268" r:id="rId38"/>
+    <p:sldId id="271" r:id="rId39"/>
+    <p:sldId id="272" r:id="rId40"/>
   </p:sldIdLst>
   <p:sldSz cx="12192000" cy="6858000"/>
   <p:notesSz cx="6858000" cy="9144000"/>
@@ -5806,11 +5819,15 @@
           <a:p>
             <a:r>
               <a:rPr lang="en-US" dirty="0"/>
-              <a:t>Date: October 31</a:t>
-            </a:r>
-            <a:r>
-              <a:rPr lang="en-US" baseline="30000" dirty="0"/>
-              <a:t>st</a:t>
+              <a:t>Date: </a:t>
+            </a:r>
+            <a:r>
+              <a:rPr lang="" altLang="en-US" dirty="0"/>
+              <a:t>November 13</a:t>
+            </a:r>
+            <a:r>
+              <a:rPr lang="" altLang="en-US" baseline="30000" dirty="0"/>
+              <a:t>th</a:t>
             </a:r>
             <a:r>
               <a:rPr lang="en-US" dirty="0"/>
@@ -5820,6 +5837,30 @@
           </a:p>
         </p:txBody>
       </p:sp>
+      <p:pic>
+        <p:nvPicPr>
+          <p:cNvPr id="6" name="Picture 5"/>
+          <p:cNvPicPr>
+            <a:picLocks noChangeAspect="1"/>
+          </p:cNvPicPr>
+          <p:nvPr/>
+        </p:nvPicPr>
+        <p:blipFill>
+          <a:blip r:embed="rId1"/>
+          <a:stretch>
+            <a:fillRect/>
+          </a:stretch>
+        </p:blipFill>
+        <p:spPr>
+          <a:xfrm>
+            <a:off x="7614920" y="721995"/>
+            <a:ext cx="2880360" cy="2880360"/>
+          </a:xfrm>
+          <a:prstGeom prst="rect">
+            <a:avLst/>
+          </a:prstGeom>
+        </p:spPr>
+      </p:pic>
     </p:spTree>
   </p:cSld>
   <p:clrMapOvr>
@@ -5886,7 +5927,7 @@
       </p:pic>
       <p:pic>
         <p:nvPicPr>
-          <p:cNvPr id="9" name="Picture 8" descr="yelp_db_setup_postgres"/>
+          <p:cNvPr id="4" name="Picture 3" descr="postgres_er"/>
           <p:cNvPicPr>
             <a:picLocks noChangeAspect="1"/>
           </p:cNvPicPr>
@@ -5900,14 +5941,98 @@
         </p:blipFill>
         <p:spPr>
           <a:xfrm>
-            <a:off x="313690" y="1473835"/>
-            <a:ext cx="11565255" cy="4903470"/>
+            <a:off x="411480" y="1376680"/>
+            <a:ext cx="5434330" cy="4662170"/>
           </a:xfrm>
           <a:prstGeom prst="rect">
             <a:avLst/>
           </a:prstGeom>
         </p:spPr>
       </p:pic>
+      <p:sp>
+        <p:nvSpPr>
+          <p:cNvPr id="7" name="Text Box 6"/>
+          <p:cNvSpPr txBox="1"/>
+          <p:nvPr/>
+        </p:nvSpPr>
+        <p:spPr>
+          <a:xfrm>
+            <a:off x="6288405" y="2581275"/>
+            <a:ext cx="4956810" cy="2676525"/>
+          </a:xfrm>
+          <a:prstGeom prst="rect">
+            <a:avLst/>
+          </a:prstGeom>
+          <a:noFill/>
+        </p:spPr>
+        <p:txBody>
+          <a:bodyPr wrap="square" rtlCol="0" anchor="t">
+            <a:spAutoFit/>
+          </a:bodyPr>
+          <a:p>
+            <a:pPr marL="285750" indent="-285750">
+              <a:buFont typeface="Arial" panose="02080604020202020204" pitchFamily="34" charset="0"/>
+              <a:buChar char="•"/>
+            </a:pPr>
+            <a:r>
+              <a:rPr lang="" altLang="en-US" sz="2400"/>
+              <a:t>Complete PostgreSQL database setup via a Python script takes</a:t>
+            </a:r>
+            <a:r>
+              <a:rPr lang="en-US" sz="2400"/>
+              <a:t> 701.52 minutes</a:t>
+            </a:r>
+            <a:endParaRPr lang="en-US" sz="2400"/>
+          </a:p>
+          <a:p>
+            <a:pPr indent="0">
+              <a:buFont typeface="Arial" panose="02080604020202020204" pitchFamily="34" charset="0"/>
+              <a:buNone/>
+            </a:pPr>
+            <a:endParaRPr lang="en-US" sz="2400"/>
+          </a:p>
+          <a:p>
+            <a:pPr marL="285750" indent="-285750">
+              <a:buFont typeface="Arial" panose="02080604020202020204" pitchFamily="34" charset="0"/>
+              <a:buChar char="•"/>
+            </a:pPr>
+            <a:r>
+              <a:rPr lang="" altLang="en-US" sz="2400"/>
+              <a:t>Tables are related via referential integrity constraints</a:t>
+            </a:r>
+            <a:endParaRPr lang="" altLang="en-US" sz="2400"/>
+          </a:p>
+        </p:txBody>
+      </p:sp>
+      <p:sp>
+        <p:nvSpPr>
+          <p:cNvPr id="8" name="Text Box 7"/>
+          <p:cNvSpPr txBox="1"/>
+          <p:nvPr/>
+        </p:nvSpPr>
+        <p:spPr>
+          <a:xfrm>
+            <a:off x="411480" y="6038850"/>
+            <a:ext cx="6957695" cy="368300"/>
+          </a:xfrm>
+          <a:prstGeom prst="rect">
+            <a:avLst/>
+          </a:prstGeom>
+          <a:noFill/>
+        </p:spPr>
+        <p:txBody>
+          <a:bodyPr wrap="square" rtlCol="0">
+            <a:spAutoFit/>
+          </a:bodyPr>
+          <a:p>
+            <a:r>
+              <a:rPr lang="" altLang="en-US"/>
+              <a:t>SQL: Entity Relationship (ER) diagram for Yelp dataset</a:t>
+            </a:r>
+            <a:endParaRPr lang="" altLang="en-US"/>
+          </a:p>
+        </p:txBody>
+      </p:sp>
     </p:spTree>
   </p:cSld>
   <p:clrMapOvr>
@@ -5926,31 +6051,9 @@
         <p:nvPr/>
       </p:nvGrpSpPr>
       <p:grpSpPr/>
-      <p:sp>
-        <p:nvSpPr>
-          <p:cNvPr id="2" name="Title 1"/>
-          <p:cNvSpPr>
-            <a:spLocks noGrp="1"/>
-          </p:cNvSpPr>
-          <p:nvPr>
-            <p:ph type="title"/>
-          </p:nvPr>
-        </p:nvSpPr>
-        <p:spPr/>
-        <p:txBody>
-          <a:bodyPr/>
-          <a:p>
-            <a:r>
-              <a:rPr lang="en-US" altLang="en-US"/>
-              <a:t>Data ingestion: PostgreSQL</a:t>
-            </a:r>
-            <a:endParaRPr lang="en-US" altLang="en-US"/>
-          </a:p>
-        </p:txBody>
-      </p:sp>
       <p:pic>
         <p:nvPicPr>
-          <p:cNvPr id="6" name="Picture 5"/>
+          <p:cNvPr id="10" name="Picture 9" descr="yelp_db_setup_mongo"/>
           <p:cNvPicPr>
             <a:picLocks noChangeAspect="1"/>
           </p:cNvPicPr>
@@ -5963,18 +6066,50 @@
           </a:stretch>
         </p:blipFill>
         <p:spPr>
-          <a:xfrm flipH="1">
-            <a:off x="8731885" y="473075"/>
-            <a:ext cx="1189355" cy="1109345"/>
+          <a:xfrm>
+            <a:off x="628015" y="907415"/>
+            <a:ext cx="9872345" cy="5772785"/>
           </a:xfrm>
           <a:prstGeom prst="rect">
             <a:avLst/>
           </a:prstGeom>
         </p:spPr>
       </p:pic>
+      <p:sp>
+        <p:nvSpPr>
+          <p:cNvPr id="2" name="Title 1"/>
+          <p:cNvSpPr>
+            <a:spLocks noGrp="1"/>
+          </p:cNvSpPr>
+          <p:nvPr>
+            <p:ph type="title"/>
+          </p:nvPr>
+        </p:nvSpPr>
+        <p:spPr>
+          <a:xfrm>
+            <a:off x="-365125" y="213360"/>
+            <a:ext cx="10515600" cy="1325563"/>
+          </a:xfrm>
+        </p:spPr>
+        <p:txBody>
+          <a:bodyPr/>
+          <a:p>
+            <a:pPr algn="r"/>
+            <a:r>
+              <a:rPr lang="en-US" altLang="en-US"/>
+              <a:t>Data ingestion: </a:t>
+            </a:r>
+            <a:r>
+              <a:rPr lang="" altLang="en-US"/>
+              <a:t>MongoDB</a:t>
+            </a:r>
+            <a:endParaRPr lang="" altLang="en-US"/>
+          </a:p>
+        </p:txBody>
+      </p:sp>
       <p:pic>
         <p:nvPicPr>
-          <p:cNvPr id="4" name="Picture 3" descr="postgres_er"/>
+          <p:cNvPr id="11" name="Picture 10"/>
           <p:cNvPicPr>
             <a:picLocks noChangeAspect="1"/>
           </p:cNvPicPr>
@@ -5988,98 +6123,14 @@
         </p:blipFill>
         <p:spPr>
           <a:xfrm>
-            <a:off x="411480" y="1376680"/>
-            <a:ext cx="5434330" cy="4662170"/>
+            <a:off x="10150475" y="213360"/>
+            <a:ext cx="1304925" cy="1304925"/>
           </a:xfrm>
           <a:prstGeom prst="rect">
             <a:avLst/>
           </a:prstGeom>
         </p:spPr>
       </p:pic>
-      <p:sp>
-        <p:nvSpPr>
-          <p:cNvPr id="7" name="Text Box 6"/>
-          <p:cNvSpPr txBox="1"/>
-          <p:nvPr/>
-        </p:nvSpPr>
-        <p:spPr>
-          <a:xfrm>
-            <a:off x="6288405" y="2581275"/>
-            <a:ext cx="4956810" cy="2676525"/>
-          </a:xfrm>
-          <a:prstGeom prst="rect">
-            <a:avLst/>
-          </a:prstGeom>
-          <a:noFill/>
-        </p:spPr>
-        <p:txBody>
-          <a:bodyPr wrap="square" rtlCol="0" anchor="t">
-            <a:spAutoFit/>
-          </a:bodyPr>
-          <a:p>
-            <a:pPr marL="285750" indent="-285750">
-              <a:buFont typeface="Arial" panose="02080604020202020204" pitchFamily="34" charset="0"/>
-              <a:buChar char="•"/>
-            </a:pPr>
-            <a:r>
-              <a:rPr lang="" altLang="en-US" sz="2400"/>
-              <a:t>Complete PostgreSQL database setup via a Python script takes</a:t>
-            </a:r>
-            <a:r>
-              <a:rPr lang="en-US" sz="2400"/>
-              <a:t> 701.52 minutes</a:t>
-            </a:r>
-            <a:endParaRPr lang="en-US" sz="2400"/>
-          </a:p>
-          <a:p>
-            <a:pPr indent="0">
-              <a:buFont typeface="Arial" panose="02080604020202020204" pitchFamily="34" charset="0"/>
-              <a:buNone/>
-            </a:pPr>
-            <a:endParaRPr lang="en-US" sz="2400"/>
-          </a:p>
-          <a:p>
-            <a:pPr marL="285750" indent="-285750">
-              <a:buFont typeface="Arial" panose="02080604020202020204" pitchFamily="34" charset="0"/>
-              <a:buChar char="•"/>
-            </a:pPr>
-            <a:r>
-              <a:rPr lang="" altLang="en-US" sz="2400"/>
-              <a:t>Tables are related via referential integrity constraints</a:t>
-            </a:r>
-            <a:endParaRPr lang="" altLang="en-US" sz="2400"/>
-          </a:p>
-        </p:txBody>
-      </p:sp>
-      <p:sp>
-        <p:nvSpPr>
-          <p:cNvPr id="8" name="Text Box 7"/>
-          <p:cNvSpPr txBox="1"/>
-          <p:nvPr/>
-        </p:nvSpPr>
-        <p:spPr>
-          <a:xfrm>
-            <a:off x="411480" y="6038850"/>
-            <a:ext cx="6957695" cy="368300"/>
-          </a:xfrm>
-          <a:prstGeom prst="rect">
-            <a:avLst/>
-          </a:prstGeom>
-          <a:noFill/>
-        </p:spPr>
-        <p:txBody>
-          <a:bodyPr wrap="square" rtlCol="0">
-            <a:spAutoFit/>
-          </a:bodyPr>
-          <a:p>
-            <a:r>
-              <a:rPr lang="" altLang="en-US"/>
-              <a:t>SQL: Entity Relationship (ER) diagram for Yelp dataset</a:t>
-            </a:r>
-            <a:endParaRPr lang="" altLang="en-US"/>
-          </a:p>
-        </p:txBody>
-      </p:sp>
     </p:spTree>
   </p:cSld>
   <p:clrMapOvr>
@@ -6138,13 +6189,9 @@
           <a:p>
             <a:r>
               <a:rPr lang="en-US" altLang="en-US"/>
-              <a:t>Data ingestion: </a:t>
-            </a:r>
-            <a:r>
-              <a:rPr lang="" altLang="en-US"/>
-              <a:t>MongoDB</a:t>
-            </a:r>
-            <a:endParaRPr lang="" altLang="en-US"/>
+              <a:t>Data ingestion: MongoDB</a:t>
+            </a:r>
+            <a:endParaRPr lang="en-US" altLang="en-US"/>
           </a:p>
         </p:txBody>
       </p:sp>
@@ -6175,22 +6222,14 @@
             </a:pPr>
             <a:r>
               <a:rPr lang="en-US" altLang="en-US" sz="2400"/>
-              <a:t>Complete </a:t>
-            </a:r>
-            <a:r>
-              <a:rPr lang="" altLang="en-US" sz="2400"/>
-              <a:t>MongoDB </a:t>
-            </a:r>
-            <a:r>
-              <a:rPr lang="en-US" altLang="en-US" sz="2400"/>
-              <a:t>database setup via a Python script takes</a:t>
+              <a:t>Complete MongoDB database setup via a Python script takes</a:t>
             </a:r>
             <a:r>
               <a:rPr lang="en-US" sz="2400"/>
               <a:t> </a:t>
             </a:r>
             <a:r>
-              <a:rPr lang="" altLang="en-US" sz="2400"/>
+              <a:rPr lang="en-US" altLang="en-US" sz="2400"/>
               <a:t>51</a:t>
             </a:r>
             <a:r>
@@ -6198,7 +6237,7 @@
               <a:t>.</a:t>
             </a:r>
             <a:r>
-              <a:rPr lang="" altLang="en-US" sz="2400"/>
+              <a:rPr lang="en-US" altLang="en-US" sz="2400"/>
               <a:t>64</a:t>
             </a:r>
             <a:r>
@@ -6220,17 +6259,17 @@
               <a:buChar char="•"/>
             </a:pPr>
             <a:r>
-              <a:rPr lang="" altLang="en-US" sz="2400"/>
+              <a:rPr lang="en-US" altLang="en-US" sz="2400"/>
               <a:t>No document embedding</a:t>
             </a:r>
-            <a:endParaRPr lang="" altLang="en-US" sz="2400"/>
+            <a:endParaRPr lang="en-US" altLang="en-US" sz="2400"/>
           </a:p>
           <a:p>
             <a:pPr marL="285750" indent="-285750">
               <a:buFont typeface="Arial" panose="02080604020202020204" pitchFamily="34" charset="0"/>
               <a:buChar char="•"/>
             </a:pPr>
-            <a:endParaRPr lang="" altLang="en-US" sz="2400"/>
+            <a:endParaRPr lang="en-US" altLang="en-US" sz="2400"/>
           </a:p>
           <a:p>
             <a:pPr marL="285750" indent="-285750">
@@ -6238,10 +6277,10 @@
               <a:buChar char="•"/>
             </a:pPr>
             <a:r>
-              <a:rPr lang="" altLang="en-US" sz="2400"/>
+              <a:rPr lang="en-US" altLang="en-US" sz="2400"/>
               <a:t>Collections are related via aggregation pipelines and indices</a:t>
             </a:r>
-            <a:endParaRPr lang="" altLang="en-US" sz="2400"/>
+            <a:endParaRPr lang="en-US" altLang="en-US" sz="2400"/>
           </a:p>
         </p:txBody>
       </p:sp>
@@ -6267,18 +6306,10 @@
           </a:bodyPr>
           <a:p>
             <a:r>
-              <a:rPr lang="" altLang="en-US"/>
-              <a:t>Document database: collections in MongoDB database </a:t>
-            </a:r>
-            <a:r>
               <a:rPr lang="en-US" altLang="en-US"/>
-              <a:t>for Yelp </a:t>
-            </a:r>
-            <a:r>
-              <a:rPr lang="" altLang="en-US"/>
-              <a:t>dataset</a:t>
-            </a:r>
-            <a:endParaRPr lang="" altLang="en-US"/>
+              <a:t>Document database: collections in MongoDB database for Yelp dataset</a:t>
+            </a:r>
+            <a:endParaRPr lang="en-US" altLang="en-US"/>
           </a:p>
         </p:txBody>
       </p:sp>
@@ -6410,14 +6441,7 @@
         <p:cNvGrpSpPr/>
         <p:nvPr/>
       </p:nvGrpSpPr>
-      <p:grpSpPr>
-        <a:xfrm>
-          <a:off x="0" y="0"/>
-          <a:ext cx="0" cy="0"/>
-          <a:chOff x="0" y="0"/>
-          <a:chExt cx="0" cy="0"/>
-        </a:xfrm>
-      </p:grpSpPr>
+      <p:grpSpPr/>
       <p:sp>
         <p:nvSpPr>
           <p:cNvPr id="2" name="Title 1"/>
@@ -6425,58 +6449,424 @@
             <a:spLocks noGrp="1"/>
           </p:cNvSpPr>
           <p:nvPr>
-            <p:ph type="ctrTitle"/>
-          </p:nvPr>
-        </p:nvSpPr>
-        <p:spPr>
-          <a:xfrm>
-            <a:off x="1524000" y="1122363"/>
-            <a:ext cx="9144000" cy="2387600"/>
-          </a:xfrm>
-        </p:spPr>
-        <p:txBody>
-          <a:bodyPr/>
-          <a:lstStyle/>
-          <a:p>
-            <a:r>
-              <a:rPr lang="en-US" dirty="0"/>
-              <a:t>Section </a:t>
-            </a:r>
-            <a:r>
-              <a:rPr lang="en-US" altLang="en-US" dirty="0"/>
-              <a:t>3</a:t>
-            </a:r>
-            <a:endParaRPr lang="en-US" altLang="en-US" dirty="0"/>
-          </a:p>
-        </p:txBody>
-      </p:sp>
-      <p:sp>
-        <p:nvSpPr>
-          <p:cNvPr id="3" name="Subtitle 2"/>
-          <p:cNvSpPr>
-            <a:spLocks noGrp="1"/>
-          </p:cNvSpPr>
-          <p:nvPr>
-            <p:ph type="subTitle" idx="1"/>
-          </p:nvPr>
-        </p:nvSpPr>
-        <p:spPr>
-          <a:xfrm>
-            <a:off x="1524000" y="3602038"/>
-            <a:ext cx="9144000" cy="1655762"/>
-          </a:xfrm>
-        </p:spPr>
+            <p:ph type="title"/>
+          </p:nvPr>
+        </p:nvSpPr>
+        <p:spPr/>
         <p:txBody>
           <a:bodyPr>
+            <a:normAutofit fontScale="90000"/>
+          </a:bodyPr>
+          <a:p>
+            <a:r>
+              <a:rPr lang="" altLang="en-US"/>
+              <a:t>Query execution speed comparison (Q2)</a:t>
+            </a:r>
+            <a:endParaRPr lang="" altLang="en-US"/>
+          </a:p>
+        </p:txBody>
+      </p:sp>
+      <p:sp>
+        <p:nvSpPr>
+          <p:cNvPr id="3" name="Content Placeholder 2"/>
+          <p:cNvSpPr>
+            <a:spLocks noGrp="1"/>
+          </p:cNvSpPr>
+          <p:nvPr>
+            <p:ph idx="1"/>
+          </p:nvPr>
+        </p:nvSpPr>
+        <p:spPr>
+          <a:xfrm>
+            <a:off x="2388235" y="1977390"/>
+            <a:ext cx="10515600" cy="4351338"/>
+          </a:xfrm>
+        </p:spPr>
+        <p:txBody>
+          <a:bodyPr/>
+          <a:p>
+            <a:pPr marL="0" indent="0">
+              <a:buNone/>
+            </a:pPr>
+            <a:r>
+              <a:rPr lang="" altLang="en-US"/>
+              <a:t>PostgreSQL</a:t>
+            </a:r>
+            <a:endParaRPr lang="" altLang="en-US"/>
+          </a:p>
+          <a:p>
+            <a:pPr marL="457200" lvl="1" indent="0">
+              <a:buFont typeface="Wingdings" charset="0"/>
+              <a:buNone/>
+            </a:pPr>
+            <a:endParaRPr lang="" altLang="en-US"/>
+          </a:p>
+          <a:p>
+            <a:pPr marL="457200" lvl="1" indent="0">
+              <a:buFont typeface="Wingdings" charset="0"/>
+              <a:buNone/>
+            </a:pPr>
+            <a:endParaRPr lang="" altLang="en-US"/>
+          </a:p>
+        </p:txBody>
+      </p:sp>
+      <p:pic>
+        <p:nvPicPr>
+          <p:cNvPr id="4" name="Picture 3" descr="Q2_sql_query"/>
+          <p:cNvPicPr>
+            <a:picLocks noChangeAspect="1"/>
+          </p:cNvPicPr>
+          <p:nvPr/>
+        </p:nvPicPr>
+        <p:blipFill>
+          <a:blip r:embed="rId1"/>
+          <a:stretch>
+            <a:fillRect/>
+          </a:stretch>
+        </p:blipFill>
+        <p:spPr>
+          <a:xfrm>
+            <a:off x="1871980" y="2626995"/>
+            <a:ext cx="4077970" cy="3052445"/>
+          </a:xfrm>
+          <a:prstGeom prst="rect">
+            <a:avLst/>
+          </a:prstGeom>
+        </p:spPr>
+      </p:pic>
+      <p:pic>
+        <p:nvPicPr>
+          <p:cNvPr id="5" name="Picture 4"/>
+          <p:cNvPicPr>
+            <a:picLocks noChangeAspect="1"/>
+          </p:cNvPicPr>
+          <p:nvPr/>
+        </p:nvPicPr>
+        <p:blipFill>
+          <a:blip r:embed="rId2"/>
+          <a:stretch>
+            <a:fillRect/>
+          </a:stretch>
+        </p:blipFill>
+        <p:spPr>
+          <a:xfrm>
+            <a:off x="657225" y="1432560"/>
+            <a:ext cx="1453515" cy="1499870"/>
+          </a:xfrm>
+          <a:prstGeom prst="rect">
+            <a:avLst/>
+          </a:prstGeom>
+        </p:spPr>
+      </p:pic>
+      <p:sp>
+        <p:nvSpPr>
+          <p:cNvPr id="6" name="Text Box 5"/>
+          <p:cNvSpPr txBox="1"/>
+          <p:nvPr/>
+        </p:nvSpPr>
+        <p:spPr>
+          <a:xfrm>
+            <a:off x="2110740" y="5845175"/>
+            <a:ext cx="5105400" cy="368300"/>
+          </a:xfrm>
+          <a:prstGeom prst="rect">
+            <a:avLst/>
+          </a:prstGeom>
+          <a:noFill/>
+        </p:spPr>
+        <p:txBody>
+          <a:bodyPr wrap="square" rtlCol="0">
+            <a:spAutoFit/>
+          </a:bodyPr>
+          <a:p>
+            <a:r>
+              <a:rPr lang="" altLang="en-US"/>
+              <a:t>Execution time: 2.606 s</a:t>
+            </a:r>
+            <a:endParaRPr lang="" altLang="en-US"/>
+          </a:p>
+        </p:txBody>
+      </p:sp>
+      <p:pic>
+        <p:nvPicPr>
+          <p:cNvPr id="7" name="Picture 6"/>
+          <p:cNvPicPr>
+            <a:picLocks noChangeAspect="1"/>
+          </p:cNvPicPr>
+          <p:nvPr/>
+        </p:nvPicPr>
+        <p:blipFill>
+          <a:blip r:embed="rId3"/>
+          <a:stretch>
+            <a:fillRect/>
+          </a:stretch>
+        </p:blipFill>
+        <p:spPr>
+          <a:xfrm>
+            <a:off x="10217785" y="1529715"/>
+            <a:ext cx="1304925" cy="1304925"/>
+          </a:xfrm>
+          <a:prstGeom prst="rect">
+            <a:avLst/>
+          </a:prstGeom>
+        </p:spPr>
+      </p:pic>
+      <p:sp>
+        <p:nvSpPr>
+          <p:cNvPr id="8" name="Content Placeholder 2"/>
+          <p:cNvSpPr>
+            <a:spLocks noGrp="1"/>
+          </p:cNvSpPr>
+          <p:nvPr/>
+        </p:nvSpPr>
+        <p:spPr>
+          <a:xfrm>
+            <a:off x="8075295" y="1977390"/>
+            <a:ext cx="10515600" cy="4351338"/>
+          </a:xfrm>
+          <a:prstGeom prst="rect">
+            <a:avLst/>
+          </a:prstGeom>
+        </p:spPr>
+        <p:txBody>
+          <a:bodyPr vert="horz" lIns="91440" tIns="45720" rIns="91440" bIns="45720" rtlCol="0">
             <a:normAutofit/>
           </a:bodyPr>
-          <a:lstStyle/>
-          <a:p>
-            <a:r>
-              <a:rPr lang="en-US" sz="4400" dirty="0"/>
-              <a:t>Word clouds from Yelp reviews</a:t>
-            </a:r>
-            <a:endParaRPr lang="en-CA" sz="4400" dirty="0"/>
+          <a:lstStyle>
+            <a:lvl1pPr marL="228600" indent="-228600" algn="l" defTabSz="914400" rtl="0" eaLnBrk="1" latinLnBrk="0" hangingPunct="1">
+              <a:lnSpc>
+                <a:spcPct val="90000"/>
+              </a:lnSpc>
+              <a:spcBef>
+                <a:spcPts val="1000"/>
+              </a:spcBef>
+              <a:buFont typeface="Arial" panose="02080604020202020204" pitchFamily="34" charset="0"/>
+              <a:buChar char="•"/>
+              <a:defRPr sz="2800" kern="1200">
+                <a:solidFill>
+                  <a:schemeClr val="tx1"/>
+                </a:solidFill>
+                <a:latin typeface="+mn-lt"/>
+                <a:ea typeface="+mn-ea"/>
+                <a:cs typeface="+mn-cs"/>
+              </a:defRPr>
+            </a:lvl1pPr>
+            <a:lvl2pPr marL="685800" indent="-228600" algn="l" defTabSz="914400" rtl="0" eaLnBrk="1" latinLnBrk="0" hangingPunct="1">
+              <a:lnSpc>
+                <a:spcPct val="90000"/>
+              </a:lnSpc>
+              <a:spcBef>
+                <a:spcPts val="500"/>
+              </a:spcBef>
+              <a:buFont typeface="Arial" panose="02080604020202020204" pitchFamily="34" charset="0"/>
+              <a:buChar char="•"/>
+              <a:defRPr sz="2400" kern="1200">
+                <a:solidFill>
+                  <a:schemeClr val="tx1"/>
+                </a:solidFill>
+                <a:latin typeface="+mn-lt"/>
+                <a:ea typeface="+mn-ea"/>
+                <a:cs typeface="+mn-cs"/>
+              </a:defRPr>
+            </a:lvl2pPr>
+            <a:lvl3pPr marL="1143000" indent="-228600" algn="l" defTabSz="914400" rtl="0" eaLnBrk="1" latinLnBrk="0" hangingPunct="1">
+              <a:lnSpc>
+                <a:spcPct val="90000"/>
+              </a:lnSpc>
+              <a:spcBef>
+                <a:spcPts val="500"/>
+              </a:spcBef>
+              <a:buFont typeface="Arial" panose="02080604020202020204" pitchFamily="34" charset="0"/>
+              <a:buChar char="•"/>
+              <a:defRPr sz="2000" kern="1200">
+                <a:solidFill>
+                  <a:schemeClr val="tx1"/>
+                </a:solidFill>
+                <a:latin typeface="+mn-lt"/>
+                <a:ea typeface="+mn-ea"/>
+                <a:cs typeface="+mn-cs"/>
+              </a:defRPr>
+            </a:lvl3pPr>
+            <a:lvl4pPr marL="1600200" indent="-228600" algn="l" defTabSz="914400" rtl="0" eaLnBrk="1" latinLnBrk="0" hangingPunct="1">
+              <a:lnSpc>
+                <a:spcPct val="90000"/>
+              </a:lnSpc>
+              <a:spcBef>
+                <a:spcPts val="500"/>
+              </a:spcBef>
+              <a:buFont typeface="Arial" panose="02080604020202020204" pitchFamily="34" charset="0"/>
+              <a:buChar char="•"/>
+              <a:defRPr sz="1800" kern="1200">
+                <a:solidFill>
+                  <a:schemeClr val="tx1"/>
+                </a:solidFill>
+                <a:latin typeface="+mn-lt"/>
+                <a:ea typeface="+mn-ea"/>
+                <a:cs typeface="+mn-cs"/>
+              </a:defRPr>
+            </a:lvl4pPr>
+            <a:lvl5pPr marL="2057400" indent="-228600" algn="l" defTabSz="914400" rtl="0" eaLnBrk="1" latinLnBrk="0" hangingPunct="1">
+              <a:lnSpc>
+                <a:spcPct val="90000"/>
+              </a:lnSpc>
+              <a:spcBef>
+                <a:spcPts val="500"/>
+              </a:spcBef>
+              <a:buFont typeface="Arial" panose="02080604020202020204" pitchFamily="34" charset="0"/>
+              <a:buChar char="•"/>
+              <a:defRPr sz="1800" kern="1200">
+                <a:solidFill>
+                  <a:schemeClr val="tx1"/>
+                </a:solidFill>
+                <a:latin typeface="+mn-lt"/>
+                <a:ea typeface="+mn-ea"/>
+                <a:cs typeface="+mn-cs"/>
+              </a:defRPr>
+            </a:lvl5pPr>
+            <a:lvl6pPr marL="2514600" indent="-228600" algn="l" defTabSz="914400" rtl="0" eaLnBrk="1" latinLnBrk="0" hangingPunct="1">
+              <a:lnSpc>
+                <a:spcPct val="90000"/>
+              </a:lnSpc>
+              <a:spcBef>
+                <a:spcPts val="500"/>
+              </a:spcBef>
+              <a:buFont typeface="Arial" panose="02080604020202020204" pitchFamily="34" charset="0"/>
+              <a:buChar char="•"/>
+              <a:defRPr sz="1800" kern="1200">
+                <a:solidFill>
+                  <a:schemeClr val="tx1"/>
+                </a:solidFill>
+                <a:latin typeface="+mn-lt"/>
+                <a:ea typeface="+mn-ea"/>
+                <a:cs typeface="+mn-cs"/>
+              </a:defRPr>
+            </a:lvl6pPr>
+            <a:lvl7pPr marL="2971800" indent="-228600" algn="l" defTabSz="914400" rtl="0" eaLnBrk="1" latinLnBrk="0" hangingPunct="1">
+              <a:lnSpc>
+                <a:spcPct val="90000"/>
+              </a:lnSpc>
+              <a:spcBef>
+                <a:spcPts val="500"/>
+              </a:spcBef>
+              <a:buFont typeface="Arial" panose="02080604020202020204" pitchFamily="34" charset="0"/>
+              <a:buChar char="•"/>
+              <a:defRPr sz="1800" kern="1200">
+                <a:solidFill>
+                  <a:schemeClr val="tx1"/>
+                </a:solidFill>
+                <a:latin typeface="+mn-lt"/>
+                <a:ea typeface="+mn-ea"/>
+                <a:cs typeface="+mn-cs"/>
+              </a:defRPr>
+            </a:lvl7pPr>
+            <a:lvl8pPr marL="3429000" indent="-228600" algn="l" defTabSz="914400" rtl="0" eaLnBrk="1" latinLnBrk="0" hangingPunct="1">
+              <a:lnSpc>
+                <a:spcPct val="90000"/>
+              </a:lnSpc>
+              <a:spcBef>
+                <a:spcPts val="500"/>
+              </a:spcBef>
+              <a:buFont typeface="Arial" panose="02080604020202020204" pitchFamily="34" charset="0"/>
+              <a:buChar char="•"/>
+              <a:defRPr sz="1800" kern="1200">
+                <a:solidFill>
+                  <a:schemeClr val="tx1"/>
+                </a:solidFill>
+                <a:latin typeface="+mn-lt"/>
+                <a:ea typeface="+mn-ea"/>
+                <a:cs typeface="+mn-cs"/>
+              </a:defRPr>
+            </a:lvl8pPr>
+            <a:lvl9pPr marL="3886200" indent="-228600" algn="l" defTabSz="914400" rtl="0" eaLnBrk="1" latinLnBrk="0" hangingPunct="1">
+              <a:lnSpc>
+                <a:spcPct val="90000"/>
+              </a:lnSpc>
+              <a:spcBef>
+                <a:spcPts val="500"/>
+              </a:spcBef>
+              <a:buFont typeface="Arial" panose="02080604020202020204" pitchFamily="34" charset="0"/>
+              <a:buChar char="•"/>
+              <a:defRPr sz="1800" kern="1200">
+                <a:solidFill>
+                  <a:schemeClr val="tx1"/>
+                </a:solidFill>
+                <a:latin typeface="+mn-lt"/>
+                <a:ea typeface="+mn-ea"/>
+                <a:cs typeface="+mn-cs"/>
+              </a:defRPr>
+            </a:lvl9pPr>
+          </a:lstStyle>
+          <a:p>
+            <a:pPr marL="457200" lvl="1" indent="0">
+              <a:buFont typeface="Wingdings" charset="0"/>
+              <a:buNone/>
+            </a:pPr>
+            <a:r>
+              <a:rPr lang="" altLang="en-US"/>
+              <a:t>MongoDB</a:t>
+            </a:r>
+            <a:endParaRPr lang="" altLang="en-US"/>
+          </a:p>
+        </p:txBody>
+      </p:sp>
+      <p:pic>
+        <p:nvPicPr>
+          <p:cNvPr id="9" name="Picture 8" descr="Q2_mongo_query"/>
+          <p:cNvPicPr>
+            <a:picLocks noChangeAspect="1"/>
+          </p:cNvPicPr>
+          <p:nvPr/>
+        </p:nvPicPr>
+        <p:blipFill>
+          <a:blip r:embed="rId4"/>
+          <a:stretch>
+            <a:fillRect/>
+          </a:stretch>
+        </p:blipFill>
+        <p:spPr>
+          <a:xfrm>
+            <a:off x="6068695" y="2932430"/>
+            <a:ext cx="5835650" cy="1024890"/>
+          </a:xfrm>
+          <a:prstGeom prst="rect">
+            <a:avLst/>
+          </a:prstGeom>
+        </p:spPr>
+      </p:pic>
+      <p:sp>
+        <p:nvSpPr>
+          <p:cNvPr id="12" name="Text Box 11"/>
+          <p:cNvSpPr txBox="1"/>
+          <p:nvPr/>
+        </p:nvSpPr>
+        <p:spPr>
+          <a:xfrm>
+            <a:off x="6176645" y="4049395"/>
+            <a:ext cx="2938145" cy="368300"/>
+          </a:xfrm>
+          <a:prstGeom prst="rect">
+            <a:avLst/>
+          </a:prstGeom>
+          <a:noFill/>
+        </p:spPr>
+        <p:txBody>
+          <a:bodyPr wrap="square" rtlCol="0">
+            <a:spAutoFit/>
+          </a:bodyPr>
+          <a:p>
+            <a:r>
+              <a:rPr lang="en-US" altLang="en-US"/>
+              <a:t>Execution time: </a:t>
+            </a:r>
+            <a:r>
+              <a:rPr lang="" altLang="en-US"/>
+              <a:t>0.5 </a:t>
+            </a:r>
+            <a:r>
+              <a:rPr lang="en-US" altLang="en-US"/>
+              <a:t>s</a:t>
+            </a:r>
+            <a:endParaRPr lang="en-US" altLang="en-US"/>
           </a:p>
         </p:txBody>
       </p:sp>
@@ -6489,6 +6879,2792 @@
 </file>
 
 <file path=ppt/slides/slide15.xml><?xml version="1.0" encoding="utf-8"?>
+<p:sld xmlns:a="http://schemas.openxmlformats.org/drawingml/2006/main" xmlns:r="http://schemas.openxmlformats.org/officeDocument/2006/relationships" xmlns:p="http://schemas.openxmlformats.org/presentationml/2006/main">
+  <p:cSld>
+    <p:spTree>
+      <p:nvGrpSpPr>
+        <p:cNvPr id="1" name=""/>
+        <p:cNvGrpSpPr/>
+        <p:nvPr/>
+      </p:nvGrpSpPr>
+      <p:grpSpPr/>
+      <p:sp>
+        <p:nvSpPr>
+          <p:cNvPr id="2" name="Title 1"/>
+          <p:cNvSpPr>
+            <a:spLocks noGrp="1"/>
+          </p:cNvSpPr>
+          <p:nvPr>
+            <p:ph type="title"/>
+          </p:nvPr>
+        </p:nvSpPr>
+        <p:spPr>
+          <a:xfrm>
+            <a:off x="838200" y="104775"/>
+            <a:ext cx="10515600" cy="1325563"/>
+          </a:xfrm>
+        </p:spPr>
+        <p:txBody>
+          <a:bodyPr>
+            <a:normAutofit fontScale="90000"/>
+          </a:bodyPr>
+          <a:p>
+            <a:r>
+              <a:rPr lang="en-US" altLang="en-US"/>
+              <a:t>Query execution speed comparison (Q</a:t>
+            </a:r>
+            <a:r>
+              <a:rPr lang="" altLang="en-US"/>
+              <a:t>3</a:t>
+            </a:r>
+            <a:r>
+              <a:rPr lang="en-US" altLang="en-US"/>
+              <a:t>)</a:t>
+            </a:r>
+            <a:endParaRPr lang="en-US" altLang="en-US"/>
+          </a:p>
+        </p:txBody>
+      </p:sp>
+      <p:sp>
+        <p:nvSpPr>
+          <p:cNvPr id="3" name="Content Placeholder 2"/>
+          <p:cNvSpPr>
+            <a:spLocks noGrp="1"/>
+          </p:cNvSpPr>
+          <p:nvPr>
+            <p:ph idx="1"/>
+          </p:nvPr>
+        </p:nvSpPr>
+        <p:spPr>
+          <a:xfrm>
+            <a:off x="2132330" y="1035050"/>
+            <a:ext cx="10515600" cy="4351338"/>
+          </a:xfrm>
+        </p:spPr>
+        <p:txBody>
+          <a:bodyPr/>
+          <a:p>
+            <a:pPr marL="0" indent="0">
+              <a:buNone/>
+            </a:pPr>
+            <a:r>
+              <a:rPr lang="en-US" altLang="en-US"/>
+              <a:t>PostgreSQL</a:t>
+            </a:r>
+            <a:endParaRPr lang="en-US" altLang="en-US"/>
+          </a:p>
+          <a:p>
+            <a:pPr marL="457200" lvl="1" indent="0">
+              <a:buFont typeface="Wingdings" charset="0"/>
+              <a:buNone/>
+            </a:pPr>
+            <a:endParaRPr lang="en-US" altLang="en-US"/>
+          </a:p>
+          <a:p>
+            <a:pPr marL="457200" lvl="1" indent="0">
+              <a:buFont typeface="Wingdings" charset="0"/>
+              <a:buNone/>
+            </a:pPr>
+            <a:endParaRPr lang="en-US" altLang="en-US"/>
+          </a:p>
+        </p:txBody>
+      </p:sp>
+      <p:sp>
+        <p:nvSpPr>
+          <p:cNvPr id="6" name="Text Box 5"/>
+          <p:cNvSpPr txBox="1"/>
+          <p:nvPr/>
+        </p:nvSpPr>
+        <p:spPr>
+          <a:xfrm>
+            <a:off x="2132330" y="6259830"/>
+            <a:ext cx="5105400" cy="368300"/>
+          </a:xfrm>
+          <a:prstGeom prst="rect">
+            <a:avLst/>
+          </a:prstGeom>
+          <a:noFill/>
+        </p:spPr>
+        <p:txBody>
+          <a:bodyPr wrap="square" rtlCol="0">
+            <a:spAutoFit/>
+          </a:bodyPr>
+          <a:p>
+            <a:r>
+              <a:rPr lang="en-US" altLang="en-US"/>
+              <a:t>Execution time: 2 </a:t>
+            </a:r>
+            <a:r>
+              <a:rPr lang="" altLang="en-US"/>
+              <a:t>m 46 </a:t>
+            </a:r>
+            <a:r>
+              <a:rPr lang="en-US" altLang="en-US"/>
+              <a:t>s</a:t>
+            </a:r>
+            <a:endParaRPr lang="" altLang="en-US"/>
+          </a:p>
+        </p:txBody>
+      </p:sp>
+      <p:sp>
+        <p:nvSpPr>
+          <p:cNvPr id="8" name="Content Placeholder 2"/>
+          <p:cNvSpPr>
+            <a:spLocks noGrp="1"/>
+          </p:cNvSpPr>
+          <p:nvPr/>
+        </p:nvSpPr>
+        <p:spPr>
+          <a:xfrm>
+            <a:off x="8063865" y="1035050"/>
+            <a:ext cx="10515600" cy="4351338"/>
+          </a:xfrm>
+          <a:prstGeom prst="rect">
+            <a:avLst/>
+          </a:prstGeom>
+        </p:spPr>
+        <p:txBody>
+          <a:bodyPr vert="horz" lIns="91440" tIns="45720" rIns="91440" bIns="45720" rtlCol="0">
+            <a:normAutofit/>
+          </a:bodyPr>
+          <a:lstStyle>
+            <a:lvl1pPr marL="228600" indent="-228600" algn="l" defTabSz="914400" rtl="0" eaLnBrk="1" latinLnBrk="0" hangingPunct="1">
+              <a:lnSpc>
+                <a:spcPct val="90000"/>
+              </a:lnSpc>
+              <a:spcBef>
+                <a:spcPts val="1000"/>
+              </a:spcBef>
+              <a:buFont typeface="Arial" panose="02080604020202020204" pitchFamily="34" charset="0"/>
+              <a:buChar char="•"/>
+              <a:defRPr sz="2800" kern="1200">
+                <a:solidFill>
+                  <a:schemeClr val="tx1"/>
+                </a:solidFill>
+                <a:latin typeface="+mn-lt"/>
+                <a:ea typeface="+mn-ea"/>
+                <a:cs typeface="+mn-cs"/>
+              </a:defRPr>
+            </a:lvl1pPr>
+            <a:lvl2pPr marL="685800" indent="-228600" algn="l" defTabSz="914400" rtl="0" eaLnBrk="1" latinLnBrk="0" hangingPunct="1">
+              <a:lnSpc>
+                <a:spcPct val="90000"/>
+              </a:lnSpc>
+              <a:spcBef>
+                <a:spcPts val="500"/>
+              </a:spcBef>
+              <a:buFont typeface="Arial" panose="02080604020202020204" pitchFamily="34" charset="0"/>
+              <a:buChar char="•"/>
+              <a:defRPr sz="2400" kern="1200">
+                <a:solidFill>
+                  <a:schemeClr val="tx1"/>
+                </a:solidFill>
+                <a:latin typeface="+mn-lt"/>
+                <a:ea typeface="+mn-ea"/>
+                <a:cs typeface="+mn-cs"/>
+              </a:defRPr>
+            </a:lvl2pPr>
+            <a:lvl3pPr marL="1143000" indent="-228600" algn="l" defTabSz="914400" rtl="0" eaLnBrk="1" latinLnBrk="0" hangingPunct="1">
+              <a:lnSpc>
+                <a:spcPct val="90000"/>
+              </a:lnSpc>
+              <a:spcBef>
+                <a:spcPts val="500"/>
+              </a:spcBef>
+              <a:buFont typeface="Arial" panose="02080604020202020204" pitchFamily="34" charset="0"/>
+              <a:buChar char="•"/>
+              <a:defRPr sz="2000" kern="1200">
+                <a:solidFill>
+                  <a:schemeClr val="tx1"/>
+                </a:solidFill>
+                <a:latin typeface="+mn-lt"/>
+                <a:ea typeface="+mn-ea"/>
+                <a:cs typeface="+mn-cs"/>
+              </a:defRPr>
+            </a:lvl3pPr>
+            <a:lvl4pPr marL="1600200" indent="-228600" algn="l" defTabSz="914400" rtl="0" eaLnBrk="1" latinLnBrk="0" hangingPunct="1">
+              <a:lnSpc>
+                <a:spcPct val="90000"/>
+              </a:lnSpc>
+              <a:spcBef>
+                <a:spcPts val="500"/>
+              </a:spcBef>
+              <a:buFont typeface="Arial" panose="02080604020202020204" pitchFamily="34" charset="0"/>
+              <a:buChar char="•"/>
+              <a:defRPr sz="1800" kern="1200">
+                <a:solidFill>
+                  <a:schemeClr val="tx1"/>
+                </a:solidFill>
+                <a:latin typeface="+mn-lt"/>
+                <a:ea typeface="+mn-ea"/>
+                <a:cs typeface="+mn-cs"/>
+              </a:defRPr>
+            </a:lvl4pPr>
+            <a:lvl5pPr marL="2057400" indent="-228600" algn="l" defTabSz="914400" rtl="0" eaLnBrk="1" latinLnBrk="0" hangingPunct="1">
+              <a:lnSpc>
+                <a:spcPct val="90000"/>
+              </a:lnSpc>
+              <a:spcBef>
+                <a:spcPts val="500"/>
+              </a:spcBef>
+              <a:buFont typeface="Arial" panose="02080604020202020204" pitchFamily="34" charset="0"/>
+              <a:buChar char="•"/>
+              <a:defRPr sz="1800" kern="1200">
+                <a:solidFill>
+                  <a:schemeClr val="tx1"/>
+                </a:solidFill>
+                <a:latin typeface="+mn-lt"/>
+                <a:ea typeface="+mn-ea"/>
+                <a:cs typeface="+mn-cs"/>
+              </a:defRPr>
+            </a:lvl5pPr>
+            <a:lvl6pPr marL="2514600" indent="-228600" algn="l" defTabSz="914400" rtl="0" eaLnBrk="1" latinLnBrk="0" hangingPunct="1">
+              <a:lnSpc>
+                <a:spcPct val="90000"/>
+              </a:lnSpc>
+              <a:spcBef>
+                <a:spcPts val="500"/>
+              </a:spcBef>
+              <a:buFont typeface="Arial" panose="02080604020202020204" pitchFamily="34" charset="0"/>
+              <a:buChar char="•"/>
+              <a:defRPr sz="1800" kern="1200">
+                <a:solidFill>
+                  <a:schemeClr val="tx1"/>
+                </a:solidFill>
+                <a:latin typeface="+mn-lt"/>
+                <a:ea typeface="+mn-ea"/>
+                <a:cs typeface="+mn-cs"/>
+              </a:defRPr>
+            </a:lvl6pPr>
+            <a:lvl7pPr marL="2971800" indent="-228600" algn="l" defTabSz="914400" rtl="0" eaLnBrk="1" latinLnBrk="0" hangingPunct="1">
+              <a:lnSpc>
+                <a:spcPct val="90000"/>
+              </a:lnSpc>
+              <a:spcBef>
+                <a:spcPts val="500"/>
+              </a:spcBef>
+              <a:buFont typeface="Arial" panose="02080604020202020204" pitchFamily="34" charset="0"/>
+              <a:buChar char="•"/>
+              <a:defRPr sz="1800" kern="1200">
+                <a:solidFill>
+                  <a:schemeClr val="tx1"/>
+                </a:solidFill>
+                <a:latin typeface="+mn-lt"/>
+                <a:ea typeface="+mn-ea"/>
+                <a:cs typeface="+mn-cs"/>
+              </a:defRPr>
+            </a:lvl7pPr>
+            <a:lvl8pPr marL="3429000" indent="-228600" algn="l" defTabSz="914400" rtl="0" eaLnBrk="1" latinLnBrk="0" hangingPunct="1">
+              <a:lnSpc>
+                <a:spcPct val="90000"/>
+              </a:lnSpc>
+              <a:spcBef>
+                <a:spcPts val="500"/>
+              </a:spcBef>
+              <a:buFont typeface="Arial" panose="02080604020202020204" pitchFamily="34" charset="0"/>
+              <a:buChar char="•"/>
+              <a:defRPr sz="1800" kern="1200">
+                <a:solidFill>
+                  <a:schemeClr val="tx1"/>
+                </a:solidFill>
+                <a:latin typeface="+mn-lt"/>
+                <a:ea typeface="+mn-ea"/>
+                <a:cs typeface="+mn-cs"/>
+              </a:defRPr>
+            </a:lvl8pPr>
+            <a:lvl9pPr marL="3886200" indent="-228600" algn="l" defTabSz="914400" rtl="0" eaLnBrk="1" latinLnBrk="0" hangingPunct="1">
+              <a:lnSpc>
+                <a:spcPct val="90000"/>
+              </a:lnSpc>
+              <a:spcBef>
+                <a:spcPts val="500"/>
+              </a:spcBef>
+              <a:buFont typeface="Arial" panose="02080604020202020204" pitchFamily="34" charset="0"/>
+              <a:buChar char="•"/>
+              <a:defRPr sz="1800" kern="1200">
+                <a:solidFill>
+                  <a:schemeClr val="tx1"/>
+                </a:solidFill>
+                <a:latin typeface="+mn-lt"/>
+                <a:ea typeface="+mn-ea"/>
+                <a:cs typeface="+mn-cs"/>
+              </a:defRPr>
+            </a:lvl9pPr>
+          </a:lstStyle>
+          <a:p>
+            <a:pPr marL="457200" lvl="1" indent="0">
+              <a:buFont typeface="Wingdings" charset="0"/>
+              <a:buNone/>
+            </a:pPr>
+            <a:r>
+              <a:rPr lang="en-US" altLang="en-US"/>
+              <a:t>MongoDB</a:t>
+            </a:r>
+            <a:endParaRPr lang="en-US" altLang="en-US"/>
+          </a:p>
+        </p:txBody>
+      </p:sp>
+      <p:pic>
+        <p:nvPicPr>
+          <p:cNvPr id="10" name="Picture 9" descr="Q3_postgres_query"/>
+          <p:cNvPicPr>
+            <a:picLocks noChangeAspect="1"/>
+          </p:cNvPicPr>
+          <p:nvPr/>
+        </p:nvPicPr>
+        <p:blipFill>
+          <a:blip r:embed="rId1"/>
+          <a:stretch>
+            <a:fillRect/>
+          </a:stretch>
+        </p:blipFill>
+        <p:spPr>
+          <a:xfrm>
+            <a:off x="389890" y="1595755"/>
+            <a:ext cx="7035165" cy="4467225"/>
+          </a:xfrm>
+          <a:prstGeom prst="rect">
+            <a:avLst/>
+          </a:prstGeom>
+        </p:spPr>
+      </p:pic>
+      <p:sp>
+        <p:nvSpPr>
+          <p:cNvPr id="11" name="Text Box 10"/>
+          <p:cNvSpPr txBox="1"/>
+          <p:nvPr/>
+        </p:nvSpPr>
+        <p:spPr>
+          <a:xfrm>
+            <a:off x="7599045" y="1398270"/>
+            <a:ext cx="4392295" cy="4861560"/>
+          </a:xfrm>
+          <a:prstGeom prst="rect">
+            <a:avLst/>
+          </a:prstGeom>
+          <a:noFill/>
+        </p:spPr>
+        <p:txBody>
+          <a:bodyPr wrap="square" rtlCol="0" anchor="t">
+            <a:spAutoFit/>
+          </a:bodyPr>
+          <a:p>
+            <a:r>
+              <a:rPr lang="en-US" sz="1000"/>
+              <a:t>    ca_users_pipeline = [</a:t>
+            </a:r>
+            <a:endParaRPr lang="en-US" sz="1000"/>
+          </a:p>
+          <a:p>
+            <a:r>
+              <a:rPr lang="en-US" sz="1000"/>
+              <a:t>        {"$project": {"_id": 0, "b_name": "$name", "b_state": "$state", "b_business_id": "$business_id",</a:t>
+            </a:r>
+            <a:endParaRPr lang="en-US" sz="1000"/>
+          </a:p>
+          <a:p>
+            <a:r>
+              <a:rPr lang="en-US" sz="1000"/>
+              <a:t>"b_ca_business": {"$cond": [{"$in": ["$state", ca_prov_list]},</a:t>
+            </a:r>
+            <a:endParaRPr lang="en-US" sz="1000"/>
+          </a:p>
+          <a:p>
+            <a:r>
+              <a:rPr lang="" altLang="en-US" sz="1000"/>
+              <a:t>		</a:t>
+            </a:r>
+            <a:r>
+              <a:rPr lang="en-US" sz="1000"/>
+              <a:t>1, 0]}}},</a:t>
+            </a:r>
+            <a:endParaRPr lang="en-US" sz="1000"/>
+          </a:p>
+          <a:p>
+            <a:r>
+              <a:rPr lang="en-US" sz="1000"/>
+              <a:t>        {"$lookup": {"from": "review","localField": "b_business_id",</a:t>
+            </a:r>
+            <a:endParaRPr lang="en-US" sz="1000"/>
+          </a:p>
+          <a:p>
+            <a:r>
+              <a:rPr lang="en-US" sz="1000"/>
+              <a:t>            "foreignField": "business_id", "as": "r" }},</a:t>
+            </a:r>
+            <a:endParaRPr lang="en-US" sz="1000"/>
+          </a:p>
+          <a:p>
+            <a:r>
+              <a:rPr lang="en-US" sz="1000"/>
+              <a:t>        {"$unwind": {"path": "$r", "preserveNullAndEmptyArrays": False}},</a:t>
+            </a:r>
+            <a:endParaRPr lang="en-US" sz="1000"/>
+          </a:p>
+          <a:p>
+            <a:r>
+              <a:rPr lang="en-US" sz="1000"/>
+              <a:t>        {"$project": {"name": "$b_name", "ca_business": "$b_ca_business", "user_id": "$r.user_id"}},</a:t>
+            </a:r>
+            <a:endParaRPr lang="en-US" sz="1000"/>
+          </a:p>
+          <a:p>
+            <a:r>
+              <a:rPr lang="en-US" sz="1000"/>
+              <a:t>        {"$group": {"_id": "$user_id", "ca_reviews": {"$sum": "$ca_business"}, "total_reviews": {"$sum": 1}}},</a:t>
+            </a:r>
+            <a:endParaRPr lang="en-US" sz="1000"/>
+          </a:p>
+          <a:p>
+            <a:r>
+              <a:rPr lang="en-US" sz="1000"/>
+              <a:t>        {"$project": {"_id": 0, "user_id": "$_id", "ca_ratio": {"$divide": [{"$convert": {"input": "$ca_reviews", "to": "decimal"}}, $total_reviews"]}}},</a:t>
+            </a:r>
+            <a:endParaRPr lang="en-US" sz="1000"/>
+          </a:p>
+          <a:p>
+            <a:r>
+              <a:rPr lang="en-US" sz="1000"/>
+              <a:t>        {"$match": {"ca_ratio": {"$gt": 0.6}}}</a:t>
+            </a:r>
+            <a:endParaRPr lang="en-US" sz="1000"/>
+          </a:p>
+          <a:p>
+            <a:r>
+              <a:rPr lang="en-US" sz="1000"/>
+              <a:t>    ]</a:t>
+            </a:r>
+            <a:endParaRPr lang="en-US" sz="1000"/>
+          </a:p>
+          <a:p>
+            <a:r>
+              <a:rPr lang="en-US" sz="1000"/>
+              <a:t>    ca_users = db['business'].aggregate(ca_users_pipeline, allowDiskUse=True)</a:t>
+            </a:r>
+            <a:endParaRPr lang="en-US" sz="1000"/>
+          </a:p>
+          <a:p>
+            <a:endParaRPr lang="en-US" sz="1000"/>
+          </a:p>
+          <a:p>
+            <a:r>
+              <a:rPr lang="en-US" sz="1000"/>
+              <a:t>    mon_ami_gabi = db['business'].find_one({"name": "Mon Ami Gabi"})</a:t>
+            </a:r>
+            <a:endParaRPr lang="en-US" sz="1000"/>
+          </a:p>
+          <a:p>
+            <a:r>
+              <a:rPr lang="en-US" sz="1000"/>
+              <a:t>    pat = re.compile(r'2018', re.I)</a:t>
+            </a:r>
+            <a:endParaRPr lang="en-US" sz="1000"/>
+          </a:p>
+          <a:p>
+            <a:r>
+              <a:rPr lang="en-US" sz="1000"/>
+              <a:t>    mag_review_users = db['review'].find({</a:t>
+            </a:r>
+            <a:endParaRPr lang="en-US" sz="1000"/>
+          </a:p>
+          <a:p>
+            <a:r>
+              <a:rPr lang="en-US" sz="1000"/>
+              <a:t>        "business_id": mon_ami_gabi["business_id"],</a:t>
+            </a:r>
+            <a:endParaRPr lang="en-US" sz="1000"/>
+          </a:p>
+          <a:p>
+            <a:r>
+              <a:rPr lang="en-US" sz="1000"/>
+              <a:t>        "date": pat</a:t>
+            </a:r>
+            <a:endParaRPr lang="en-US" sz="1000"/>
+          </a:p>
+          <a:p>
+            <a:r>
+              <a:rPr lang="en-US" sz="1000"/>
+              <a:t>    }).distinct("user_id")</a:t>
+            </a:r>
+            <a:endParaRPr lang="en-US" sz="1000"/>
+          </a:p>
+          <a:p>
+            <a:endParaRPr lang="en-US" sz="1000"/>
+          </a:p>
+          <a:p>
+            <a:r>
+              <a:rPr lang="en-US" sz="1000"/>
+              <a:t>    intersection = [user for user in mag_review_users if user in ca_users]</a:t>
+            </a:r>
+            <a:endParaRPr lang="en-US" sz="1000"/>
+          </a:p>
+        </p:txBody>
+      </p:sp>
+      <p:sp>
+        <p:nvSpPr>
+          <p:cNvPr id="12" name="Text Box 11"/>
+          <p:cNvSpPr txBox="1"/>
+          <p:nvPr/>
+        </p:nvSpPr>
+        <p:spPr>
+          <a:xfrm>
+            <a:off x="7720965" y="6259830"/>
+            <a:ext cx="3782695" cy="368300"/>
+          </a:xfrm>
+          <a:prstGeom prst="rect">
+            <a:avLst/>
+          </a:prstGeom>
+          <a:noFill/>
+        </p:spPr>
+        <p:txBody>
+          <a:bodyPr wrap="square" rtlCol="0">
+            <a:spAutoFit/>
+          </a:bodyPr>
+          <a:p>
+            <a:r>
+              <a:rPr lang="en-US" altLang="en-US"/>
+              <a:t>Execution time: </a:t>
+            </a:r>
+            <a:r>
+              <a:rPr lang="" altLang="en-US"/>
+              <a:t>18 m 17</a:t>
+            </a:r>
+            <a:r>
+              <a:rPr lang="" altLang="en-US"/>
+              <a:t> </a:t>
+            </a:r>
+            <a:r>
+              <a:rPr lang="en-US" altLang="en-US"/>
+              <a:t>s</a:t>
+            </a:r>
+            <a:endParaRPr lang="en-US" altLang="en-US"/>
+          </a:p>
+        </p:txBody>
+      </p:sp>
+    </p:spTree>
+  </p:cSld>
+  <p:clrMapOvr>
+    <a:masterClrMapping/>
+  </p:clrMapOvr>
+</p:sld>
+</file>
+
+<file path=ppt/slides/slide16.xml><?xml version="1.0" encoding="utf-8"?>
+<p:sld xmlns:a="http://schemas.openxmlformats.org/drawingml/2006/main" xmlns:r="http://schemas.openxmlformats.org/officeDocument/2006/relationships" xmlns:p="http://schemas.openxmlformats.org/presentationml/2006/main">
+  <p:cSld>
+    <p:spTree>
+      <p:nvGrpSpPr>
+        <p:cNvPr id="1" name=""/>
+        <p:cNvGrpSpPr/>
+        <p:nvPr/>
+      </p:nvGrpSpPr>
+      <p:grpSpPr/>
+      <p:sp>
+        <p:nvSpPr>
+          <p:cNvPr id="2" name="Title 1"/>
+          <p:cNvSpPr>
+            <a:spLocks noGrp="1"/>
+          </p:cNvSpPr>
+          <p:nvPr>
+            <p:ph type="title"/>
+          </p:nvPr>
+        </p:nvSpPr>
+        <p:spPr>
+          <a:xfrm>
+            <a:off x="838200" y="365125"/>
+            <a:ext cx="10515600" cy="1325563"/>
+          </a:xfrm>
+        </p:spPr>
+        <p:txBody>
+          <a:bodyPr/>
+          <a:p>
+            <a:r>
+              <a:rPr lang="" altLang="en-US"/>
+              <a:t>Question 2, option a</a:t>
+            </a:r>
+            <a:endParaRPr lang="" altLang="en-US"/>
+          </a:p>
+        </p:txBody>
+      </p:sp>
+      <p:sp>
+        <p:nvSpPr>
+          <p:cNvPr id="3" name="Content Placeholder 2"/>
+          <p:cNvSpPr>
+            <a:spLocks noGrp="1"/>
+          </p:cNvSpPr>
+          <p:nvPr>
+            <p:ph idx="1"/>
+          </p:nvPr>
+        </p:nvSpPr>
+        <p:spPr/>
+        <p:txBody>
+          <a:bodyPr/>
+          <a:p>
+            <a:r>
+              <a:rPr lang="en-US" sz="2400"/>
+              <a:t>Top 10 restaurants in Toronto with the highest popularity. You are free to define your‘popularity’, as long as it can convince people</a:t>
+            </a:r>
+            <a:endParaRPr lang="en-US" sz="2400"/>
+          </a:p>
+        </p:txBody>
+      </p:sp>
+      <p:pic>
+        <p:nvPicPr>
+          <p:cNvPr id="4" name="Picture 3" descr="Lift_Q2_opt1"/>
+          <p:cNvPicPr>
+            <a:picLocks noChangeAspect="1"/>
+          </p:cNvPicPr>
+          <p:nvPr/>
+        </p:nvPicPr>
+        <p:blipFill>
+          <a:blip r:embed="rId1"/>
+          <a:stretch>
+            <a:fillRect/>
+          </a:stretch>
+        </p:blipFill>
+        <p:spPr>
+          <a:xfrm>
+            <a:off x="1603375" y="2805430"/>
+            <a:ext cx="5687060" cy="3299460"/>
+          </a:xfrm>
+          <a:prstGeom prst="rect">
+            <a:avLst/>
+          </a:prstGeom>
+        </p:spPr>
+      </p:pic>
+      <p:sp>
+        <p:nvSpPr>
+          <p:cNvPr id="6" name="Text Box 5"/>
+          <p:cNvSpPr txBox="1"/>
+          <p:nvPr/>
+        </p:nvSpPr>
+        <p:spPr>
+          <a:xfrm>
+            <a:off x="7496810" y="4120515"/>
+            <a:ext cx="5105400" cy="368300"/>
+          </a:xfrm>
+          <a:prstGeom prst="rect">
+            <a:avLst/>
+          </a:prstGeom>
+          <a:noFill/>
+        </p:spPr>
+        <p:txBody>
+          <a:bodyPr wrap="square" rtlCol="0">
+            <a:spAutoFit/>
+          </a:bodyPr>
+          <a:p>
+            <a:r>
+              <a:rPr lang="en-US" altLang="en-US"/>
+              <a:t>Execution time: 2.606 s</a:t>
+            </a:r>
+            <a:endParaRPr lang="en-US" altLang="en-US"/>
+          </a:p>
+        </p:txBody>
+      </p:sp>
+    </p:spTree>
+  </p:cSld>
+  <p:clrMapOvr>
+    <a:masterClrMapping/>
+  </p:clrMapOvr>
+</p:sld>
+</file>
+
+<file path=ppt/slides/slide17.xml><?xml version="1.0" encoding="utf-8"?>
+<p:sld xmlns:a="http://schemas.openxmlformats.org/drawingml/2006/main" xmlns:r="http://schemas.openxmlformats.org/officeDocument/2006/relationships" xmlns:p="http://schemas.openxmlformats.org/presentationml/2006/main">
+  <p:cSld>
+    <p:spTree>
+      <p:nvGrpSpPr>
+        <p:cNvPr id="1" name=""/>
+        <p:cNvGrpSpPr/>
+        <p:nvPr/>
+      </p:nvGrpSpPr>
+      <p:grpSpPr/>
+      <p:sp>
+        <p:nvSpPr>
+          <p:cNvPr id="2" name="Title 1"/>
+          <p:cNvSpPr>
+            <a:spLocks noGrp="1"/>
+          </p:cNvSpPr>
+          <p:nvPr>
+            <p:ph type="title"/>
+          </p:nvPr>
+        </p:nvSpPr>
+        <p:spPr>
+          <a:xfrm>
+            <a:off x="838200" y="365125"/>
+            <a:ext cx="10515600" cy="1325563"/>
+          </a:xfrm>
+        </p:spPr>
+        <p:txBody>
+          <a:bodyPr/>
+          <a:p>
+            <a:r>
+              <a:rPr lang="en-US" altLang="en-US"/>
+              <a:t>Question </a:t>
+            </a:r>
+            <a:r>
+              <a:rPr lang="" altLang="en-US"/>
+              <a:t>2</a:t>
+            </a:r>
+            <a:r>
+              <a:rPr lang="" altLang="en-US"/>
+              <a:t>,</a:t>
+            </a:r>
+            <a:r>
+              <a:rPr lang="en-US" altLang="en-US"/>
+              <a:t> option a</a:t>
+            </a:r>
+            <a:endParaRPr lang="en-US" altLang="en-US"/>
+          </a:p>
+        </p:txBody>
+      </p:sp>
+      <p:pic>
+        <p:nvPicPr>
+          <p:cNvPr id="5" name="Picture 4"/>
+          <p:cNvPicPr>
+            <a:picLocks noChangeAspect="1"/>
+          </p:cNvPicPr>
+          <p:nvPr/>
+        </p:nvPicPr>
+        <p:blipFill>
+          <a:blip r:embed="rId1"/>
+          <a:stretch>
+            <a:fillRect/>
+          </a:stretch>
+        </p:blipFill>
+        <p:spPr>
+          <a:xfrm>
+            <a:off x="365760" y="1984375"/>
+            <a:ext cx="11460480" cy="4373880"/>
+          </a:xfrm>
+          <a:prstGeom prst="rect">
+            <a:avLst/>
+          </a:prstGeom>
+        </p:spPr>
+      </p:pic>
+      <p:sp>
+        <p:nvSpPr>
+          <p:cNvPr id="7" name="Text Box 6"/>
+          <p:cNvSpPr txBox="1"/>
+          <p:nvPr/>
+        </p:nvSpPr>
+        <p:spPr>
+          <a:xfrm>
+            <a:off x="1036955" y="1518285"/>
+            <a:ext cx="10316845" cy="368300"/>
+          </a:xfrm>
+          <a:prstGeom prst="rect">
+            <a:avLst/>
+          </a:prstGeom>
+          <a:noFill/>
+        </p:spPr>
+        <p:txBody>
+          <a:bodyPr wrap="none" rtlCol="0">
+            <a:spAutoFit/>
+          </a:bodyPr>
+          <a:p>
+            <a:r>
+              <a:rPr lang="" altLang="en-US"/>
+              <a:t>Top 10 restaurants in Toronto (largest number of reviews with at least 4.4 average stars)</a:t>
+            </a:r>
+            <a:endParaRPr lang="" altLang="en-US"/>
+          </a:p>
+        </p:txBody>
+      </p:sp>
+    </p:spTree>
+  </p:cSld>
+  <p:clrMapOvr>
+    <a:masterClrMapping/>
+  </p:clrMapOvr>
+</p:sld>
+</file>
+
+<file path=ppt/slides/slide18.xml><?xml version="1.0" encoding="utf-8"?>
+<p:sld xmlns:a="http://schemas.openxmlformats.org/drawingml/2006/main" xmlns:r="http://schemas.openxmlformats.org/officeDocument/2006/relationships" xmlns:p="http://schemas.openxmlformats.org/presentationml/2006/main">
+  <p:cSld>
+    <p:spTree>
+      <p:nvGrpSpPr>
+        <p:cNvPr id="1" name=""/>
+        <p:cNvGrpSpPr/>
+        <p:nvPr/>
+      </p:nvGrpSpPr>
+      <p:grpSpPr/>
+      <p:sp>
+        <p:nvSpPr>
+          <p:cNvPr id="2" name="Title 1"/>
+          <p:cNvSpPr>
+            <a:spLocks noGrp="1"/>
+          </p:cNvSpPr>
+          <p:nvPr>
+            <p:ph type="title"/>
+          </p:nvPr>
+        </p:nvSpPr>
+        <p:spPr>
+          <a:xfrm>
+            <a:off x="838200" y="365125"/>
+            <a:ext cx="10515600" cy="1325563"/>
+          </a:xfrm>
+        </p:spPr>
+        <p:txBody>
+          <a:bodyPr/>
+          <a:p>
+            <a:r>
+              <a:rPr lang="en-US" altLang="en-US"/>
+              <a:t>Question 2, option </a:t>
+            </a:r>
+            <a:r>
+              <a:rPr lang="" altLang="en-US"/>
+              <a:t>b</a:t>
+            </a:r>
+            <a:endParaRPr lang="" altLang="en-US"/>
+          </a:p>
+        </p:txBody>
+      </p:sp>
+      <p:sp>
+        <p:nvSpPr>
+          <p:cNvPr id="3" name="Content Placeholder 2"/>
+          <p:cNvSpPr>
+            <a:spLocks noGrp="1"/>
+          </p:cNvSpPr>
+          <p:nvPr>
+            <p:ph idx="1"/>
+          </p:nvPr>
+        </p:nvSpPr>
+        <p:spPr>
+          <a:xfrm>
+            <a:off x="838200" y="1825625"/>
+            <a:ext cx="10515600" cy="4351338"/>
+          </a:xfrm>
+        </p:spPr>
+        <p:txBody>
+          <a:bodyPr/>
+          <a:p>
+            <a:r>
+              <a:rPr lang="en-US" sz="2400"/>
+              <a:t>Top 10 restaurants in Toronto with the highest popularity. You are free to define your‘popularity’, as long as it can convince people</a:t>
+            </a:r>
+            <a:endParaRPr lang="en-US" sz="2400"/>
+          </a:p>
+        </p:txBody>
+      </p:sp>
+      <p:sp>
+        <p:nvSpPr>
+          <p:cNvPr id="6" name="Text Box 5"/>
+          <p:cNvSpPr txBox="1"/>
+          <p:nvPr/>
+        </p:nvSpPr>
+        <p:spPr>
+          <a:xfrm>
+            <a:off x="7496810" y="4120515"/>
+            <a:ext cx="5105400" cy="368300"/>
+          </a:xfrm>
+          <a:prstGeom prst="rect">
+            <a:avLst/>
+          </a:prstGeom>
+          <a:noFill/>
+        </p:spPr>
+        <p:txBody>
+          <a:bodyPr wrap="square" rtlCol="0">
+            <a:spAutoFit/>
+          </a:bodyPr>
+          <a:p>
+            <a:r>
+              <a:rPr lang="en-US" altLang="en-US"/>
+              <a:t>Execution time: </a:t>
+            </a:r>
+            <a:r>
+              <a:rPr lang="" altLang="en-US"/>
+              <a:t>188</a:t>
+            </a:r>
+            <a:r>
+              <a:rPr lang="en-US" altLang="en-US"/>
+              <a:t> </a:t>
+            </a:r>
+            <a:r>
+              <a:rPr lang="" altLang="en-US"/>
+              <a:t>m</a:t>
+            </a:r>
+            <a:r>
+              <a:rPr lang="en-US" altLang="en-US"/>
+              <a:t>s</a:t>
+            </a:r>
+            <a:endParaRPr lang="en-US" altLang="en-US"/>
+          </a:p>
+        </p:txBody>
+      </p:sp>
+      <p:pic>
+        <p:nvPicPr>
+          <p:cNvPr id="5" name="Picture 4" descr="Lift_Q2_opt"/>
+          <p:cNvPicPr>
+            <a:picLocks noChangeAspect="1"/>
+          </p:cNvPicPr>
+          <p:nvPr/>
+        </p:nvPicPr>
+        <p:blipFill>
+          <a:blip r:embed="rId1"/>
+          <a:stretch>
+            <a:fillRect/>
+          </a:stretch>
+        </p:blipFill>
+        <p:spPr>
+          <a:xfrm>
+            <a:off x="953135" y="2941320"/>
+            <a:ext cx="6379845" cy="2538730"/>
+          </a:xfrm>
+          <a:prstGeom prst="rect">
+            <a:avLst/>
+          </a:prstGeom>
+        </p:spPr>
+      </p:pic>
+    </p:spTree>
+  </p:cSld>
+  <p:clrMapOvr>
+    <a:masterClrMapping/>
+  </p:clrMapOvr>
+</p:sld>
+</file>
+
+<file path=ppt/slides/slide19.xml><?xml version="1.0" encoding="utf-8"?>
+<p:sld xmlns:a="http://schemas.openxmlformats.org/drawingml/2006/main" xmlns:r="http://schemas.openxmlformats.org/officeDocument/2006/relationships" xmlns:p="http://schemas.openxmlformats.org/presentationml/2006/main">
+  <p:cSld>
+    <p:spTree>
+      <p:nvGrpSpPr>
+        <p:cNvPr id="1" name=""/>
+        <p:cNvGrpSpPr/>
+        <p:nvPr/>
+      </p:nvGrpSpPr>
+      <p:grpSpPr/>
+      <p:sp>
+        <p:nvSpPr>
+          <p:cNvPr id="2" name="Title 1"/>
+          <p:cNvSpPr>
+            <a:spLocks noGrp="1"/>
+          </p:cNvSpPr>
+          <p:nvPr>
+            <p:ph type="title"/>
+          </p:nvPr>
+        </p:nvSpPr>
+        <p:spPr>
+          <a:xfrm>
+            <a:off x="838200" y="365125"/>
+            <a:ext cx="10515600" cy="1325563"/>
+          </a:xfrm>
+        </p:spPr>
+        <p:txBody>
+          <a:bodyPr/>
+          <a:p>
+            <a:r>
+              <a:rPr lang="en-US" altLang="en-US"/>
+              <a:t>Question 2, option </a:t>
+            </a:r>
+            <a:r>
+              <a:rPr lang="" altLang="en-US"/>
+              <a:t>b</a:t>
+            </a:r>
+            <a:endParaRPr lang="" altLang="en-US"/>
+          </a:p>
+        </p:txBody>
+      </p:sp>
+      <p:sp>
+        <p:nvSpPr>
+          <p:cNvPr id="7" name="Text Box 6"/>
+          <p:cNvSpPr txBox="1"/>
+          <p:nvPr/>
+        </p:nvSpPr>
+        <p:spPr>
+          <a:xfrm>
+            <a:off x="1036955" y="1518285"/>
+            <a:ext cx="7686040" cy="368300"/>
+          </a:xfrm>
+          <a:prstGeom prst="rect">
+            <a:avLst/>
+          </a:prstGeom>
+          <a:noFill/>
+        </p:spPr>
+        <p:txBody>
+          <a:bodyPr wrap="none" rtlCol="0">
+            <a:spAutoFit/>
+          </a:bodyPr>
+          <a:p>
+            <a:r>
+              <a:rPr lang="en-US" altLang="en-US"/>
+              <a:t>Top 10 restaurants in Toronto (</a:t>
+            </a:r>
+            <a:r>
+              <a:rPr lang="" altLang="en-US"/>
+              <a:t>ordered by stars and review count</a:t>
+            </a:r>
+            <a:r>
+              <a:rPr lang="en-US" altLang="en-US"/>
+              <a:t>)</a:t>
+            </a:r>
+            <a:endParaRPr lang="en-US" altLang="en-US"/>
+          </a:p>
+        </p:txBody>
+      </p:sp>
+      <p:pic>
+        <p:nvPicPr>
+          <p:cNvPr id="3" name="Picture 2"/>
+          <p:cNvPicPr>
+            <a:picLocks noChangeAspect="1"/>
+          </p:cNvPicPr>
+          <p:nvPr/>
+        </p:nvPicPr>
+        <p:blipFill>
+          <a:blip r:embed="rId1"/>
+          <a:stretch>
+            <a:fillRect/>
+          </a:stretch>
+        </p:blipFill>
+        <p:spPr>
+          <a:xfrm>
+            <a:off x="645795" y="1886585"/>
+            <a:ext cx="11157585" cy="4128770"/>
+          </a:xfrm>
+          <a:prstGeom prst="rect">
+            <a:avLst/>
+          </a:prstGeom>
+        </p:spPr>
+      </p:pic>
+    </p:spTree>
+  </p:cSld>
+  <p:clrMapOvr>
+    <a:masterClrMapping/>
+  </p:clrMapOvr>
+</p:sld>
+</file>
+
+<file path=ppt/slides/slide2.xml><?xml version="1.0" encoding="utf-8"?>
+<p:sld xmlns:a="http://schemas.openxmlformats.org/drawingml/2006/main" xmlns:r="http://schemas.openxmlformats.org/officeDocument/2006/relationships" xmlns:p="http://schemas.openxmlformats.org/presentationml/2006/main">
+  <p:cSld>
+    <p:spTree>
+      <p:nvGrpSpPr>
+        <p:cNvPr id="1" name=""/>
+        <p:cNvGrpSpPr/>
+        <p:nvPr/>
+      </p:nvGrpSpPr>
+      <p:grpSpPr>
+        <a:xfrm>
+          <a:off x="0" y="0"/>
+          <a:ext cx="0" cy="0"/>
+          <a:chOff x="0" y="0"/>
+          <a:chExt cx="0" cy="0"/>
+        </a:xfrm>
+      </p:grpSpPr>
+      <p:sp>
+        <p:nvSpPr>
+          <p:cNvPr id="2" name="Title 1"/>
+          <p:cNvSpPr>
+            <a:spLocks noGrp="1"/>
+          </p:cNvSpPr>
+          <p:nvPr>
+            <p:ph type="ctrTitle"/>
+          </p:nvPr>
+        </p:nvSpPr>
+        <p:spPr>
+          <a:xfrm>
+            <a:off x="1524000" y="1122363"/>
+            <a:ext cx="9144000" cy="2387600"/>
+          </a:xfrm>
+        </p:spPr>
+        <p:txBody>
+          <a:bodyPr/>
+          <a:lstStyle/>
+          <a:p>
+            <a:r>
+              <a:rPr lang="en-US" dirty="0"/>
+              <a:t>Section 1</a:t>
+            </a:r>
+            <a:endParaRPr lang="en-CA" dirty="0"/>
+          </a:p>
+        </p:txBody>
+      </p:sp>
+      <p:sp>
+        <p:nvSpPr>
+          <p:cNvPr id="3" name="Subtitle 2"/>
+          <p:cNvSpPr>
+            <a:spLocks noGrp="1"/>
+          </p:cNvSpPr>
+          <p:nvPr>
+            <p:ph type="subTitle" idx="1"/>
+          </p:nvPr>
+        </p:nvSpPr>
+        <p:spPr>
+          <a:xfrm>
+            <a:off x="1524000" y="3602038"/>
+            <a:ext cx="9144000" cy="1655762"/>
+          </a:xfrm>
+        </p:spPr>
+        <p:txBody>
+          <a:bodyPr>
+            <a:normAutofit/>
+          </a:bodyPr>
+          <a:lstStyle/>
+          <a:p>
+            <a:r>
+              <a:rPr lang="" altLang="en-US" sz="4400" dirty="0"/>
+              <a:t>Q1: </a:t>
+            </a:r>
+            <a:r>
+              <a:rPr lang="en-US" sz="4400" dirty="0"/>
+              <a:t>Data ingestion</a:t>
+            </a:r>
+            <a:endParaRPr lang="en-US" sz="4400" dirty="0"/>
+          </a:p>
+        </p:txBody>
+      </p:sp>
+    </p:spTree>
+  </p:cSld>
+  <p:clrMapOvr>
+    <a:masterClrMapping/>
+  </p:clrMapOvr>
+</p:sld>
+</file>
+
+<file path=ppt/slides/slide20.xml><?xml version="1.0" encoding="utf-8"?>
+<p:sld xmlns:a="http://schemas.openxmlformats.org/drawingml/2006/main" xmlns:r="http://schemas.openxmlformats.org/officeDocument/2006/relationships" xmlns:p="http://schemas.openxmlformats.org/presentationml/2006/main">
+  <p:cSld>
+    <p:spTree>
+      <p:nvGrpSpPr>
+        <p:cNvPr id="1" name=""/>
+        <p:cNvGrpSpPr/>
+        <p:nvPr/>
+      </p:nvGrpSpPr>
+      <p:grpSpPr/>
+      <p:pic>
+        <p:nvPicPr>
+          <p:cNvPr id="10" name="Picture 9" descr="Q3_postgres_query"/>
+          <p:cNvPicPr>
+            <a:picLocks noChangeAspect="1"/>
+          </p:cNvPicPr>
+          <p:nvPr/>
+        </p:nvPicPr>
+        <p:blipFill>
+          <a:blip r:embed="rId1"/>
+          <a:stretch>
+            <a:fillRect/>
+          </a:stretch>
+        </p:blipFill>
+        <p:spPr>
+          <a:xfrm>
+            <a:off x="3701415" y="760095"/>
+            <a:ext cx="8075930" cy="5128260"/>
+          </a:xfrm>
+          <a:prstGeom prst="rect">
+            <a:avLst/>
+          </a:prstGeom>
+        </p:spPr>
+      </p:pic>
+      <p:sp>
+        <p:nvSpPr>
+          <p:cNvPr id="2" name="Title 1"/>
+          <p:cNvSpPr>
+            <a:spLocks noGrp="1"/>
+          </p:cNvSpPr>
+          <p:nvPr>
+            <p:ph type="title"/>
+          </p:nvPr>
+        </p:nvSpPr>
+        <p:spPr>
+          <a:xfrm>
+            <a:off x="436880" y="375920"/>
+            <a:ext cx="10515600" cy="1325563"/>
+          </a:xfrm>
+        </p:spPr>
+        <p:txBody>
+          <a:bodyPr/>
+          <a:p>
+            <a:r>
+              <a:rPr lang="en-US" altLang="en-US"/>
+              <a:t>Question </a:t>
+            </a:r>
+            <a:r>
+              <a:rPr lang="" altLang="en-US"/>
+              <a:t>3</a:t>
+            </a:r>
+            <a:endParaRPr lang="en-US" altLang="en-US"/>
+          </a:p>
+        </p:txBody>
+      </p:sp>
+      <p:sp>
+        <p:nvSpPr>
+          <p:cNvPr id="3" name="Content Placeholder 2"/>
+          <p:cNvSpPr>
+            <a:spLocks noGrp="1"/>
+          </p:cNvSpPr>
+          <p:nvPr>
+            <p:ph idx="1"/>
+          </p:nvPr>
+        </p:nvSpPr>
+        <p:spPr>
+          <a:xfrm>
+            <a:off x="595630" y="1905635"/>
+            <a:ext cx="2889885" cy="4351655"/>
+          </a:xfrm>
+        </p:spPr>
+        <p:txBody>
+          <a:bodyPr/>
+          <a:p>
+            <a:r>
+              <a:rPr lang="en-US" sz="2400"/>
+              <a:t>How many Canadian residents (figure out who are Canadian residents by yourself) reviewed the business “Mon Ami Gabi” in last 1 year?</a:t>
+            </a:r>
+            <a:endParaRPr lang="en-US" sz="2400"/>
+          </a:p>
+        </p:txBody>
+      </p:sp>
+      <p:sp>
+        <p:nvSpPr>
+          <p:cNvPr id="6" name="Text Box 5"/>
+          <p:cNvSpPr txBox="1"/>
+          <p:nvPr/>
+        </p:nvSpPr>
+        <p:spPr>
+          <a:xfrm>
+            <a:off x="436880" y="6001385"/>
+            <a:ext cx="5105400" cy="368300"/>
+          </a:xfrm>
+          <a:prstGeom prst="rect">
+            <a:avLst/>
+          </a:prstGeom>
+          <a:noFill/>
+        </p:spPr>
+        <p:txBody>
+          <a:bodyPr wrap="square" rtlCol="0">
+            <a:spAutoFit/>
+          </a:bodyPr>
+          <a:p>
+            <a:r>
+              <a:rPr lang="en-US" altLang="en-US"/>
+              <a:t>Execution time: </a:t>
+            </a:r>
+            <a:r>
+              <a:rPr lang="" altLang="en-US"/>
+              <a:t>2</a:t>
+            </a:r>
+            <a:r>
+              <a:rPr lang="en-US" altLang="en-US"/>
+              <a:t> m </a:t>
+            </a:r>
+            <a:r>
+              <a:rPr lang="" altLang="en-US"/>
+              <a:t>46 </a:t>
+            </a:r>
+            <a:r>
+              <a:rPr lang="en-US" altLang="en-US"/>
+              <a:t>s</a:t>
+            </a:r>
+            <a:endParaRPr lang="en-US" altLang="en-US"/>
+          </a:p>
+        </p:txBody>
+      </p:sp>
+      <p:sp>
+        <p:nvSpPr>
+          <p:cNvPr id="4" name="Text Box 3"/>
+          <p:cNvSpPr txBox="1"/>
+          <p:nvPr/>
+        </p:nvSpPr>
+        <p:spPr>
+          <a:xfrm>
+            <a:off x="3701415" y="6001385"/>
+            <a:ext cx="7051040" cy="368300"/>
+          </a:xfrm>
+          <a:prstGeom prst="rect">
+            <a:avLst/>
+          </a:prstGeom>
+          <a:noFill/>
+        </p:spPr>
+        <p:txBody>
+          <a:bodyPr wrap="none" rtlCol="0">
+            <a:spAutoFit/>
+          </a:bodyPr>
+          <a:p>
+            <a:r>
+              <a:rPr lang="" altLang="en-US">
+                <a:solidFill>
+                  <a:schemeClr val="accent1">
+                    <a:lumMod val="75000"/>
+                  </a:schemeClr>
+                </a:solidFill>
+              </a:rPr>
+              <a:t>Answer: </a:t>
+            </a:r>
+            <a:r>
+              <a:rPr lang="" altLang="en-US" b="1">
+                <a:solidFill>
+                  <a:schemeClr val="accent1">
+                    <a:lumMod val="75000"/>
+                  </a:schemeClr>
+                </a:solidFill>
+              </a:rPr>
+              <a:t>10 </a:t>
+            </a:r>
+            <a:r>
+              <a:rPr lang="" altLang="en-US">
+                <a:solidFill>
+                  <a:schemeClr val="accent1">
+                    <a:lumMod val="75000"/>
+                  </a:schemeClr>
+                </a:solidFill>
+              </a:rPr>
+              <a:t>Canadian users reviewed Mon Ami Gabi in 2018</a:t>
+            </a:r>
+            <a:endParaRPr lang="" altLang="en-US">
+              <a:solidFill>
+                <a:schemeClr val="accent1">
+                  <a:lumMod val="75000"/>
+                </a:schemeClr>
+              </a:solidFill>
+            </a:endParaRPr>
+          </a:p>
+        </p:txBody>
+      </p:sp>
+    </p:spTree>
+  </p:cSld>
+  <p:clrMapOvr>
+    <a:masterClrMapping/>
+  </p:clrMapOvr>
+</p:sld>
+</file>
+
+<file path=ppt/slides/slide21.xml><?xml version="1.0" encoding="utf-8"?>
+<p:sld xmlns:a="http://schemas.openxmlformats.org/drawingml/2006/main" xmlns:r="http://schemas.openxmlformats.org/officeDocument/2006/relationships" xmlns:p="http://schemas.openxmlformats.org/presentationml/2006/main">
+  <p:cSld>
+    <p:spTree>
+      <p:nvGrpSpPr>
+        <p:cNvPr id="1" name=""/>
+        <p:cNvGrpSpPr/>
+        <p:nvPr/>
+      </p:nvGrpSpPr>
+      <p:grpSpPr/>
+      <p:sp>
+        <p:nvSpPr>
+          <p:cNvPr id="2" name="Title 1"/>
+          <p:cNvSpPr>
+            <a:spLocks noGrp="1"/>
+          </p:cNvSpPr>
+          <p:nvPr>
+            <p:ph type="title"/>
+          </p:nvPr>
+        </p:nvSpPr>
+        <p:spPr>
+          <a:xfrm>
+            <a:off x="838200" y="365125"/>
+            <a:ext cx="10515600" cy="1325563"/>
+          </a:xfrm>
+        </p:spPr>
+        <p:txBody>
+          <a:bodyPr/>
+          <a:p>
+            <a:r>
+              <a:rPr lang="en-US" altLang="en-US"/>
+              <a:t>Question </a:t>
+            </a:r>
+            <a:r>
+              <a:rPr lang="" altLang="en-US"/>
+              <a:t>4</a:t>
+            </a:r>
+            <a:endParaRPr lang="en-US" altLang="en-US"/>
+          </a:p>
+        </p:txBody>
+      </p:sp>
+      <p:sp>
+        <p:nvSpPr>
+          <p:cNvPr id="3" name="Content Placeholder 2"/>
+          <p:cNvSpPr>
+            <a:spLocks noGrp="1"/>
+          </p:cNvSpPr>
+          <p:nvPr>
+            <p:ph idx="1"/>
+          </p:nvPr>
+        </p:nvSpPr>
+        <p:spPr>
+          <a:xfrm>
+            <a:off x="838200" y="1825625"/>
+            <a:ext cx="10515600" cy="4351338"/>
+          </a:xfrm>
+        </p:spPr>
+        <p:txBody>
+          <a:bodyPr/>
+          <a:p>
+            <a:r>
+              <a:rPr lang="en-US" sz="2400"/>
+              <a:t>Top 10 most common words in the reviews of the business “Chipotle Mexican Grill”might be helpful and interesting to the business.</a:t>
+            </a:r>
+            <a:endParaRPr lang="en-US" sz="2400"/>
+          </a:p>
+        </p:txBody>
+      </p:sp>
+      <p:sp>
+        <p:nvSpPr>
+          <p:cNvPr id="6" name="Text Box 5"/>
+          <p:cNvSpPr txBox="1"/>
+          <p:nvPr/>
+        </p:nvSpPr>
+        <p:spPr>
+          <a:xfrm>
+            <a:off x="1005205" y="4120515"/>
+            <a:ext cx="5105400" cy="368300"/>
+          </a:xfrm>
+          <a:prstGeom prst="rect">
+            <a:avLst/>
+          </a:prstGeom>
+          <a:noFill/>
+        </p:spPr>
+        <p:txBody>
+          <a:bodyPr wrap="square" rtlCol="0">
+            <a:spAutoFit/>
+          </a:bodyPr>
+          <a:p>
+            <a:r>
+              <a:rPr lang="en-US" altLang="en-US"/>
+              <a:t>Execution time: </a:t>
+            </a:r>
+            <a:r>
+              <a:rPr lang="" altLang="en-US"/>
+              <a:t>1</a:t>
+            </a:r>
+            <a:r>
+              <a:rPr lang="en-US" altLang="en-US"/>
+              <a:t> m </a:t>
+            </a:r>
+            <a:r>
+              <a:rPr lang="" altLang="en-US"/>
+              <a:t>6 </a:t>
+            </a:r>
+            <a:r>
+              <a:rPr lang="en-US" altLang="en-US"/>
+              <a:t>s</a:t>
+            </a:r>
+            <a:endParaRPr lang="en-US" altLang="en-US"/>
+          </a:p>
+        </p:txBody>
+      </p:sp>
+      <p:pic>
+        <p:nvPicPr>
+          <p:cNvPr id="4" name="Picture 3" descr="Lift_Q4_query"/>
+          <p:cNvPicPr>
+            <a:picLocks noChangeAspect="1"/>
+          </p:cNvPicPr>
+          <p:nvPr/>
+        </p:nvPicPr>
+        <p:blipFill>
+          <a:blip r:embed="rId1"/>
+          <a:stretch>
+            <a:fillRect/>
+          </a:stretch>
+        </p:blipFill>
+        <p:spPr>
+          <a:xfrm>
+            <a:off x="628650" y="3152775"/>
+            <a:ext cx="11358245" cy="967740"/>
+          </a:xfrm>
+          <a:prstGeom prst="rect">
+            <a:avLst/>
+          </a:prstGeom>
+        </p:spPr>
+      </p:pic>
+      <p:sp>
+        <p:nvSpPr>
+          <p:cNvPr id="7" name="Text Box 6"/>
+          <p:cNvSpPr txBox="1"/>
+          <p:nvPr/>
+        </p:nvSpPr>
+        <p:spPr>
+          <a:xfrm>
+            <a:off x="2730500" y="4488815"/>
+            <a:ext cx="4772660" cy="2030095"/>
+          </a:xfrm>
+          <a:prstGeom prst="rect">
+            <a:avLst/>
+          </a:prstGeom>
+          <a:noFill/>
+        </p:spPr>
+        <p:txBody>
+          <a:bodyPr wrap="square" rtlCol="0" anchor="t">
+            <a:spAutoFit/>
+          </a:bodyPr>
+          <a:p>
+            <a:r>
+              <a:rPr lang="en-US"/>
+              <a:t>word	ndoc	nentry</a:t>
+            </a:r>
+            <a:endParaRPr lang="en-US"/>
+          </a:p>
+          <a:p>
+            <a:r>
+              <a:rPr lang="en-US"/>
+              <a:t>chipotl	5322	9014</a:t>
+            </a:r>
+            <a:endParaRPr lang="en-US"/>
+          </a:p>
+          <a:p>
+            <a:r>
+              <a:rPr lang="en-US"/>
+              <a:t>food	4545	6973</a:t>
+            </a:r>
+            <a:endParaRPr lang="en-US"/>
+          </a:p>
+          <a:p>
+            <a:r>
+              <a:rPr lang="en-US"/>
+              <a:t>locat	3370	5310</a:t>
+            </a:r>
+            <a:endParaRPr lang="en-US"/>
+          </a:p>
+          <a:p>
+            <a:r>
+              <a:rPr lang="en-US"/>
+              <a:t>order	2696	5094</a:t>
+            </a:r>
+            <a:endParaRPr lang="en-US"/>
+          </a:p>
+          <a:p>
+            <a:r>
+              <a:rPr lang="en-US"/>
+              <a:t>time	3126	4797</a:t>
+            </a:r>
+            <a:endParaRPr lang="en-US"/>
+          </a:p>
+          <a:p>
+            <a:endParaRPr lang="en-US"/>
+          </a:p>
+        </p:txBody>
+      </p:sp>
+      <p:sp>
+        <p:nvSpPr>
+          <p:cNvPr id="8" name="Text Box 7"/>
+          <p:cNvSpPr txBox="1"/>
+          <p:nvPr/>
+        </p:nvSpPr>
+        <p:spPr>
+          <a:xfrm>
+            <a:off x="6473825" y="4424045"/>
+            <a:ext cx="3590290" cy="1753235"/>
+          </a:xfrm>
+          <a:prstGeom prst="rect">
+            <a:avLst/>
+          </a:prstGeom>
+          <a:noFill/>
+        </p:spPr>
+        <p:txBody>
+          <a:bodyPr wrap="square" rtlCol="0" anchor="t">
+            <a:spAutoFit/>
+          </a:bodyPr>
+          <a:p>
+            <a:r>
+              <a:rPr lang="en-US">
+                <a:sym typeface="+mn-ea"/>
+              </a:rPr>
+              <a:t>word	ndoc	nentry</a:t>
+            </a:r>
+            <a:endParaRPr lang="en-US">
+              <a:sym typeface="+mn-ea"/>
+            </a:endParaRPr>
+          </a:p>
+          <a:p>
+            <a:r>
+              <a:rPr lang="en-US">
+                <a:sym typeface="+mn-ea"/>
+              </a:rPr>
+              <a:t>burrito	2618	4722</a:t>
+            </a:r>
+            <a:endParaRPr lang="en-US"/>
+          </a:p>
+          <a:p>
+            <a:r>
+              <a:rPr lang="en-US">
+                <a:sym typeface="+mn-ea"/>
+              </a:rPr>
+              <a:t>get	2928	4375</a:t>
+            </a:r>
+            <a:endParaRPr lang="en-US"/>
+          </a:p>
+          <a:p>
+            <a:r>
+              <a:rPr lang="en-US">
+                <a:sym typeface="+mn-ea"/>
+              </a:rPr>
+              <a:t>go	2805	3902</a:t>
+            </a:r>
+            <a:endParaRPr lang="en-US"/>
+          </a:p>
+          <a:p>
+            <a:r>
+              <a:rPr lang="en-US">
+                <a:sym typeface="+mn-ea"/>
+              </a:rPr>
+              <a:t>one	2606	3693</a:t>
+            </a:r>
+            <a:endParaRPr lang="en-US"/>
+          </a:p>
+          <a:p>
+            <a:r>
+              <a:rPr lang="en-US">
+                <a:sym typeface="+mn-ea"/>
+              </a:rPr>
+              <a:t>like	2499	3585</a:t>
+            </a:r>
+            <a:endParaRPr lang="en-US"/>
+          </a:p>
+        </p:txBody>
+      </p:sp>
+      <p:sp>
+        <p:nvSpPr>
+          <p:cNvPr id="10" name="Text Box 9"/>
+          <p:cNvSpPr txBox="1"/>
+          <p:nvPr/>
+        </p:nvSpPr>
+        <p:spPr>
+          <a:xfrm>
+            <a:off x="2329815" y="4765675"/>
+            <a:ext cx="428625" cy="1476375"/>
+          </a:xfrm>
+          <a:prstGeom prst="rect">
+            <a:avLst/>
+          </a:prstGeom>
+          <a:noFill/>
+        </p:spPr>
+        <p:txBody>
+          <a:bodyPr wrap="none" rtlCol="0">
+            <a:spAutoFit/>
+          </a:bodyPr>
+          <a:p>
+            <a:r>
+              <a:rPr lang="" altLang="en-US" b="1"/>
+              <a:t>1.</a:t>
+            </a:r>
+            <a:endParaRPr lang="" altLang="en-US" b="1"/>
+          </a:p>
+          <a:p>
+            <a:r>
+              <a:rPr lang="" altLang="en-US" b="1"/>
+              <a:t>2.</a:t>
+            </a:r>
+            <a:endParaRPr lang="" altLang="en-US" b="1"/>
+          </a:p>
+          <a:p>
+            <a:r>
+              <a:rPr lang="" altLang="en-US" b="1"/>
+              <a:t>3.</a:t>
+            </a:r>
+            <a:endParaRPr lang="" altLang="en-US" b="1"/>
+          </a:p>
+          <a:p>
+            <a:r>
+              <a:rPr lang="" altLang="en-US" b="1"/>
+              <a:t>4.</a:t>
+            </a:r>
+            <a:endParaRPr lang="" altLang="en-US" b="1"/>
+          </a:p>
+          <a:p>
+            <a:r>
+              <a:rPr lang="" altLang="en-US" b="1"/>
+              <a:t>5.</a:t>
+            </a:r>
+            <a:endParaRPr lang="" altLang="en-US" b="1"/>
+          </a:p>
+        </p:txBody>
+      </p:sp>
+      <p:sp>
+        <p:nvSpPr>
+          <p:cNvPr id="11" name="Text Box 10"/>
+          <p:cNvSpPr txBox="1"/>
+          <p:nvPr/>
+        </p:nvSpPr>
+        <p:spPr>
+          <a:xfrm>
+            <a:off x="5996940" y="4700905"/>
+            <a:ext cx="587375" cy="1476375"/>
+          </a:xfrm>
+          <a:prstGeom prst="rect">
+            <a:avLst/>
+          </a:prstGeom>
+          <a:noFill/>
+        </p:spPr>
+        <p:txBody>
+          <a:bodyPr wrap="none" rtlCol="0">
+            <a:spAutoFit/>
+          </a:bodyPr>
+          <a:p>
+            <a:r>
+              <a:rPr lang="" altLang="en-US" b="1"/>
+              <a:t>6</a:t>
+            </a:r>
+            <a:r>
+              <a:rPr lang="en-US" altLang="en-US" b="1"/>
+              <a:t>.</a:t>
+            </a:r>
+            <a:endParaRPr lang="en-US" altLang="en-US" b="1"/>
+          </a:p>
+          <a:p>
+            <a:r>
+              <a:rPr lang="" altLang="en-US" b="1"/>
+              <a:t>7</a:t>
+            </a:r>
+            <a:r>
+              <a:rPr lang="en-US" altLang="en-US" b="1"/>
+              <a:t>.</a:t>
+            </a:r>
+            <a:endParaRPr lang="en-US" altLang="en-US" b="1"/>
+          </a:p>
+          <a:p>
+            <a:r>
+              <a:rPr lang="" altLang="en-US" b="1"/>
+              <a:t>8</a:t>
+            </a:r>
+            <a:r>
+              <a:rPr lang="en-US" altLang="en-US" b="1"/>
+              <a:t>.</a:t>
+            </a:r>
+            <a:endParaRPr lang="en-US" altLang="en-US" b="1"/>
+          </a:p>
+          <a:p>
+            <a:r>
+              <a:rPr lang="" altLang="en-US" b="1"/>
+              <a:t>9</a:t>
+            </a:r>
+            <a:r>
+              <a:rPr lang="en-US" altLang="en-US" b="1"/>
+              <a:t>.</a:t>
+            </a:r>
+            <a:endParaRPr lang="en-US" altLang="en-US" b="1"/>
+          </a:p>
+          <a:p>
+            <a:r>
+              <a:rPr lang="" altLang="en-US" b="1"/>
+              <a:t>10</a:t>
+            </a:r>
+            <a:r>
+              <a:rPr lang="en-US" altLang="en-US" b="1"/>
+              <a:t>.</a:t>
+            </a:r>
+            <a:endParaRPr lang="en-US" altLang="en-US" b="1"/>
+          </a:p>
+        </p:txBody>
+      </p:sp>
+    </p:spTree>
+  </p:cSld>
+  <p:clrMapOvr>
+    <a:masterClrMapping/>
+  </p:clrMapOvr>
+</p:sld>
+</file>
+
+<file path=ppt/slides/slide22.xml><?xml version="1.0" encoding="utf-8"?>
+<p:sld xmlns:a="http://schemas.openxmlformats.org/drawingml/2006/main" xmlns:r="http://schemas.openxmlformats.org/officeDocument/2006/relationships" xmlns:p="http://schemas.openxmlformats.org/presentationml/2006/main">
+  <p:cSld>
+    <p:spTree>
+      <p:nvGrpSpPr>
+        <p:cNvPr id="1" name=""/>
+        <p:cNvGrpSpPr/>
+        <p:nvPr/>
+      </p:nvGrpSpPr>
+      <p:grpSpPr/>
+      <p:sp>
+        <p:nvSpPr>
+          <p:cNvPr id="2" name="Title 1"/>
+          <p:cNvSpPr>
+            <a:spLocks noGrp="1"/>
+          </p:cNvSpPr>
+          <p:nvPr>
+            <p:ph type="title"/>
+          </p:nvPr>
+        </p:nvSpPr>
+        <p:spPr>
+          <a:xfrm>
+            <a:off x="838200" y="365125"/>
+            <a:ext cx="10515600" cy="1325563"/>
+          </a:xfrm>
+        </p:spPr>
+        <p:txBody>
+          <a:bodyPr/>
+          <a:p>
+            <a:r>
+              <a:rPr lang="en-US" altLang="en-US"/>
+              <a:t>Question </a:t>
+            </a:r>
+            <a:r>
+              <a:rPr lang="" altLang="en-US"/>
+              <a:t>5</a:t>
+            </a:r>
+            <a:endParaRPr lang="" altLang="en-US"/>
+          </a:p>
+        </p:txBody>
+      </p:sp>
+      <p:sp>
+        <p:nvSpPr>
+          <p:cNvPr id="3" name="Content Placeholder 2"/>
+          <p:cNvSpPr>
+            <a:spLocks noGrp="1"/>
+          </p:cNvSpPr>
+          <p:nvPr>
+            <p:ph idx="1"/>
+          </p:nvPr>
+        </p:nvSpPr>
+        <p:spPr>
+          <a:xfrm>
+            <a:off x="838200" y="1825625"/>
+            <a:ext cx="10515600" cy="4351338"/>
+          </a:xfrm>
+        </p:spPr>
+        <p:txBody>
+          <a:bodyPr/>
+          <a:p>
+            <a:r>
+              <a:rPr lang="en-US" sz="2400"/>
+              <a:t>What’s the percentage of users, who reviewed ​“Mon Ami Gabi”, and also reviewed atleast 10 other restaurants located in Ontario?</a:t>
+            </a:r>
+            <a:endParaRPr lang="en-US" sz="2400"/>
+          </a:p>
+        </p:txBody>
+      </p:sp>
+    </p:spTree>
+  </p:cSld>
+  <p:clrMapOvr>
+    <a:masterClrMapping/>
+  </p:clrMapOvr>
+</p:sld>
+</file>
+
+<file path=ppt/slides/slide23.xml><?xml version="1.0" encoding="utf-8"?>
+<p:sld xmlns:a="http://schemas.openxmlformats.org/drawingml/2006/main" xmlns:r="http://schemas.openxmlformats.org/officeDocument/2006/relationships" xmlns:p="http://schemas.openxmlformats.org/presentationml/2006/main">
+  <p:cSld>
+    <p:spTree>
+      <p:nvGrpSpPr>
+        <p:cNvPr id="1" name=""/>
+        <p:cNvGrpSpPr/>
+        <p:nvPr/>
+      </p:nvGrpSpPr>
+      <p:grpSpPr/>
+      <p:sp>
+        <p:nvSpPr>
+          <p:cNvPr id="2" name="Title 1"/>
+          <p:cNvSpPr>
+            <a:spLocks noGrp="1"/>
+          </p:cNvSpPr>
+          <p:nvPr>
+            <p:ph type="title"/>
+          </p:nvPr>
+        </p:nvSpPr>
+        <p:spPr>
+          <a:xfrm>
+            <a:off x="838200" y="365125"/>
+            <a:ext cx="10515600" cy="1325563"/>
+          </a:xfrm>
+        </p:spPr>
+        <p:txBody>
+          <a:bodyPr/>
+          <a:p>
+            <a:r>
+              <a:rPr lang="en-US" altLang="en-US"/>
+              <a:t>Question 5</a:t>
+            </a:r>
+            <a:endParaRPr lang="en-US" altLang="en-US"/>
+          </a:p>
+        </p:txBody>
+      </p:sp>
+      <p:sp>
+        <p:nvSpPr>
+          <p:cNvPr id="3" name="Content Placeholder 2"/>
+          <p:cNvSpPr>
+            <a:spLocks noGrp="1"/>
+          </p:cNvSpPr>
+          <p:nvPr>
+            <p:ph idx="1"/>
+          </p:nvPr>
+        </p:nvSpPr>
+        <p:spPr>
+          <a:xfrm>
+            <a:off x="838200" y="1435735"/>
+            <a:ext cx="3308350" cy="4351655"/>
+          </a:xfrm>
+        </p:spPr>
+        <p:txBody>
+          <a:bodyPr/>
+          <a:p>
+            <a:r>
+              <a:rPr lang="en-US" sz="2400"/>
+              <a:t>What’s the percentage of users, who reviewed ​“Mon Ami Gabi”, and also reviewed atleast 10 other restaurants located in Ontario?</a:t>
+            </a:r>
+            <a:endParaRPr lang="en-US" sz="2400"/>
+          </a:p>
+        </p:txBody>
+      </p:sp>
+      <p:pic>
+        <p:nvPicPr>
+          <p:cNvPr id="4" name="Picture 3" descr="Lift_Q5_query"/>
+          <p:cNvPicPr>
+            <a:picLocks noChangeAspect="1"/>
+          </p:cNvPicPr>
+          <p:nvPr/>
+        </p:nvPicPr>
+        <p:blipFill>
+          <a:blip r:embed="rId1"/>
+          <a:stretch>
+            <a:fillRect/>
+          </a:stretch>
+        </p:blipFill>
+        <p:spPr>
+          <a:xfrm>
+            <a:off x="4890135" y="283845"/>
+            <a:ext cx="5653405" cy="6212840"/>
+          </a:xfrm>
+          <a:prstGeom prst="rect">
+            <a:avLst/>
+          </a:prstGeom>
+        </p:spPr>
+      </p:pic>
+      <p:sp>
+        <p:nvSpPr>
+          <p:cNvPr id="5" name="Text Box 4"/>
+          <p:cNvSpPr txBox="1"/>
+          <p:nvPr/>
+        </p:nvSpPr>
+        <p:spPr>
+          <a:xfrm>
+            <a:off x="1174115" y="4743450"/>
+            <a:ext cx="3242945" cy="1753235"/>
+          </a:xfrm>
+          <a:prstGeom prst="rect">
+            <a:avLst/>
+          </a:prstGeom>
+          <a:noFill/>
+        </p:spPr>
+        <p:txBody>
+          <a:bodyPr wrap="square" rtlCol="0" anchor="t">
+            <a:spAutoFit/>
+          </a:bodyPr>
+          <a:p>
+            <a:r>
+              <a:rPr lang="en-US" b="1">
+                <a:sym typeface="+mn-ea"/>
+              </a:rPr>
+              <a:t>mag_reviewers</a:t>
+            </a:r>
+            <a:endParaRPr lang="en-US">
+              <a:sym typeface="+mn-ea"/>
+            </a:endParaRPr>
+          </a:p>
+          <a:p>
+            <a:r>
+              <a:rPr lang="en-US">
+                <a:sym typeface="+mn-ea"/>
+              </a:rPr>
+              <a:t>8349</a:t>
+            </a:r>
+            <a:endParaRPr lang="en-US"/>
+          </a:p>
+          <a:p>
+            <a:r>
+              <a:rPr lang="en-US" b="1"/>
+              <a:t>users_mag_ont10</a:t>
+            </a:r>
+            <a:r>
+              <a:rPr lang="en-US"/>
+              <a:t>	</a:t>
+            </a:r>
+            <a:endParaRPr lang="en-US"/>
+          </a:p>
+          <a:p>
+            <a:r>
+              <a:rPr lang="en-US"/>
+              <a:t>60</a:t>
+            </a:r>
+            <a:endParaRPr lang="en-US"/>
+          </a:p>
+          <a:p>
+            <a:r>
+              <a:rPr lang="en-US" b="1">
+                <a:sym typeface="+mn-ea"/>
+              </a:rPr>
+              <a:t>ont10_to_mag_ratio</a:t>
+            </a:r>
+            <a:endParaRPr lang="en-US">
+              <a:sym typeface="+mn-ea"/>
+            </a:endParaRPr>
+          </a:p>
+          <a:p>
+            <a:r>
+              <a:rPr lang="en-US">
+                <a:sym typeface="+mn-ea"/>
+              </a:rPr>
+              <a:t>0.007</a:t>
+            </a:r>
+            <a:r>
+              <a:rPr lang="en-US"/>
+              <a:t>		</a:t>
+            </a:r>
+            <a:endParaRPr lang="en-US"/>
+          </a:p>
+        </p:txBody>
+      </p:sp>
+    </p:spTree>
+  </p:cSld>
+  <p:clrMapOvr>
+    <a:masterClrMapping/>
+  </p:clrMapOvr>
+</p:sld>
+</file>
+
+<file path=ppt/slides/slide24.xml><?xml version="1.0" encoding="utf-8"?>
+<p:sld xmlns:a="http://schemas.openxmlformats.org/drawingml/2006/main" xmlns:r="http://schemas.openxmlformats.org/officeDocument/2006/relationships" xmlns:p="http://schemas.openxmlformats.org/presentationml/2006/main">
+  <p:cSld>
+    <p:spTree>
+      <p:nvGrpSpPr>
+        <p:cNvPr id="1" name=""/>
+        <p:cNvGrpSpPr/>
+        <p:nvPr/>
+      </p:nvGrpSpPr>
+      <p:grpSpPr/>
+      <p:sp>
+        <p:nvSpPr>
+          <p:cNvPr id="2" name="Title 1"/>
+          <p:cNvSpPr>
+            <a:spLocks noGrp="1"/>
+          </p:cNvSpPr>
+          <p:nvPr>
+            <p:ph type="title"/>
+          </p:nvPr>
+        </p:nvSpPr>
+        <p:spPr>
+          <a:xfrm>
+            <a:off x="838200" y="365125"/>
+            <a:ext cx="10515600" cy="1325563"/>
+          </a:xfrm>
+        </p:spPr>
+        <p:txBody>
+          <a:bodyPr/>
+          <a:p>
+            <a:r>
+              <a:rPr lang="en-US" altLang="en-US"/>
+              <a:t>Question </a:t>
+            </a:r>
+            <a:r>
+              <a:rPr lang="" altLang="en-US"/>
+              <a:t>6</a:t>
+            </a:r>
+            <a:endParaRPr lang="en-US" altLang="en-US"/>
+          </a:p>
+        </p:txBody>
+      </p:sp>
+      <p:sp>
+        <p:nvSpPr>
+          <p:cNvPr id="3" name="Content Placeholder 2"/>
+          <p:cNvSpPr>
+            <a:spLocks noGrp="1"/>
+          </p:cNvSpPr>
+          <p:nvPr>
+            <p:ph idx="1"/>
+          </p:nvPr>
+        </p:nvSpPr>
+        <p:spPr>
+          <a:xfrm>
+            <a:off x="838200" y="1565910"/>
+            <a:ext cx="4274185" cy="4351655"/>
+          </a:xfrm>
+        </p:spPr>
+        <p:txBody>
+          <a:bodyPr/>
+          <a:p>
+            <a:r>
+              <a:rPr lang="en-US" sz="2400"/>
+              <a:t>Most frequent bi-grams (with and without stop words) for 5-star reviews of Starbucks</a:t>
+            </a:r>
+            <a:endParaRPr lang="en-US" sz="2400"/>
+          </a:p>
+          <a:p>
+            <a:endParaRPr lang="en-US" sz="2400"/>
+          </a:p>
+          <a:p>
+            <a:pPr marL="0" indent="0">
+              <a:buNone/>
+            </a:pPr>
+            <a:r>
+              <a:rPr lang="" altLang="en-US" sz="2400"/>
+              <a:t>C</a:t>
+            </a:r>
+            <a:r>
+              <a:rPr lang="en-US" sz="2400"/>
+              <a:t>ould be used to investigate phrases associated with 5-star reviews of Starbucks</a:t>
+            </a:r>
+            <a:endParaRPr lang="en-US" sz="2400"/>
+          </a:p>
+        </p:txBody>
+      </p:sp>
+      <p:pic>
+        <p:nvPicPr>
+          <p:cNvPr id="4" name="Picture 3" descr="Lift_Q6_query"/>
+          <p:cNvPicPr>
+            <a:picLocks noChangeAspect="1"/>
+          </p:cNvPicPr>
+          <p:nvPr/>
+        </p:nvPicPr>
+        <p:blipFill>
+          <a:blip r:embed="rId1"/>
+          <a:stretch>
+            <a:fillRect/>
+          </a:stretch>
+        </p:blipFill>
+        <p:spPr>
+          <a:xfrm>
+            <a:off x="5297805" y="175260"/>
+            <a:ext cx="6410325" cy="6507480"/>
+          </a:xfrm>
+          <a:prstGeom prst="rect">
+            <a:avLst/>
+          </a:prstGeom>
+        </p:spPr>
+      </p:pic>
+    </p:spTree>
+  </p:cSld>
+  <p:clrMapOvr>
+    <a:masterClrMapping/>
+  </p:clrMapOvr>
+</p:sld>
+</file>
+
+<file path=ppt/slides/slide25.xml><?xml version="1.0" encoding="utf-8"?>
+<p:sld xmlns:a="http://schemas.openxmlformats.org/drawingml/2006/main" xmlns:r="http://schemas.openxmlformats.org/officeDocument/2006/relationships" xmlns:p="http://schemas.openxmlformats.org/presentationml/2006/main">
+  <p:cSld>
+    <p:spTree>
+      <p:nvGrpSpPr>
+        <p:cNvPr id="1" name=""/>
+        <p:cNvGrpSpPr/>
+        <p:nvPr/>
+      </p:nvGrpSpPr>
+      <p:grpSpPr/>
+      <p:sp>
+        <p:nvSpPr>
+          <p:cNvPr id="2" name="Title 1"/>
+          <p:cNvSpPr>
+            <a:spLocks noGrp="1"/>
+          </p:cNvSpPr>
+          <p:nvPr>
+            <p:ph type="title"/>
+          </p:nvPr>
+        </p:nvSpPr>
+        <p:spPr>
+          <a:xfrm>
+            <a:off x="838200" y="365125"/>
+            <a:ext cx="10515600" cy="1325563"/>
+          </a:xfrm>
+        </p:spPr>
+        <p:txBody>
+          <a:bodyPr/>
+          <a:p>
+            <a:r>
+              <a:rPr lang="en-US" altLang="en-US"/>
+              <a:t>Question 6</a:t>
+            </a:r>
+            <a:endParaRPr lang="en-US" altLang="en-US"/>
+          </a:p>
+        </p:txBody>
+      </p:sp>
+      <p:sp>
+        <p:nvSpPr>
+          <p:cNvPr id="7" name="Text Box 6"/>
+          <p:cNvSpPr txBox="1"/>
+          <p:nvPr/>
+        </p:nvSpPr>
+        <p:spPr>
+          <a:xfrm>
+            <a:off x="975995" y="3133725"/>
+            <a:ext cx="3569335" cy="2861310"/>
+          </a:xfrm>
+          <a:prstGeom prst="rect">
+            <a:avLst/>
+          </a:prstGeom>
+          <a:noFill/>
+        </p:spPr>
+        <p:txBody>
+          <a:bodyPr wrap="square" rtlCol="0" anchor="t">
+            <a:spAutoFit/>
+          </a:bodyPr>
+          <a:p>
+            <a:r>
+              <a:rPr lang="en-US"/>
+              <a:t>it	s	</a:t>
+            </a:r>
+            <a:r>
+              <a:rPr lang="" altLang="en-US"/>
+              <a:t>	</a:t>
+            </a:r>
+            <a:r>
+              <a:rPr lang="en-US"/>
+              <a:t>1731</a:t>
+            </a:r>
+            <a:endParaRPr lang="en-US"/>
+          </a:p>
+          <a:p>
+            <a:r>
+              <a:rPr lang="en-US"/>
+              <a:t>this	location	</a:t>
+            </a:r>
+            <a:r>
+              <a:rPr lang="" altLang="en-US"/>
+              <a:t>	</a:t>
+            </a:r>
+            <a:r>
+              <a:rPr lang="en-US"/>
+              <a:t>1657</a:t>
+            </a:r>
+            <a:endParaRPr lang="en-US"/>
+          </a:p>
+          <a:p>
+            <a:r>
+              <a:rPr lang="en-US"/>
+              <a:t>in	the	</a:t>
+            </a:r>
+            <a:r>
+              <a:rPr lang="" altLang="en-US"/>
+              <a:t>	</a:t>
+            </a:r>
+            <a:r>
+              <a:rPr lang="en-US"/>
+              <a:t>1478</a:t>
+            </a:r>
+            <a:endParaRPr lang="en-US"/>
+          </a:p>
+          <a:p>
+            <a:r>
+              <a:rPr lang="en-US"/>
+              <a:t>this	starbucks	1409</a:t>
+            </a:r>
+            <a:endParaRPr lang="en-US"/>
+          </a:p>
+          <a:p>
+            <a:r>
+              <a:rPr lang="en-US"/>
+              <a:t>of	the	</a:t>
+            </a:r>
+            <a:r>
+              <a:rPr lang="" altLang="en-US"/>
+              <a:t>	</a:t>
+            </a:r>
+            <a:r>
+              <a:rPr lang="en-US"/>
+              <a:t>1334</a:t>
+            </a:r>
+            <a:endParaRPr lang="en-US"/>
+          </a:p>
+          <a:p>
+            <a:r>
+              <a:rPr lang="en-US"/>
+              <a:t>the	staff	</a:t>
+            </a:r>
+            <a:r>
+              <a:rPr lang="" altLang="en-US"/>
+              <a:t>	</a:t>
+            </a:r>
+            <a:r>
+              <a:rPr lang="en-US"/>
+              <a:t>1120</a:t>
+            </a:r>
+            <a:endParaRPr lang="en-US"/>
+          </a:p>
+          <a:p>
+            <a:r>
+              <a:rPr lang="en-US"/>
+              <a:t>and	the	</a:t>
+            </a:r>
+            <a:r>
+              <a:rPr lang="" altLang="en-US"/>
+              <a:t>	</a:t>
+            </a:r>
+            <a:r>
+              <a:rPr lang="en-US"/>
+              <a:t>1118</a:t>
+            </a:r>
+            <a:endParaRPr lang="en-US"/>
+          </a:p>
+          <a:p>
+            <a:r>
+              <a:rPr lang="en-US"/>
+              <a:t>drive	thru	</a:t>
+            </a:r>
+            <a:r>
+              <a:rPr lang="" altLang="en-US"/>
+              <a:t>	</a:t>
+            </a:r>
+            <a:r>
+              <a:rPr lang="en-US"/>
+              <a:t>1053</a:t>
+            </a:r>
+            <a:endParaRPr lang="en-US"/>
+          </a:p>
+          <a:p>
+            <a:r>
+              <a:rPr lang="en-US"/>
+              <a:t>this	is	</a:t>
+            </a:r>
+            <a:r>
+              <a:rPr lang="" altLang="en-US"/>
+              <a:t>	</a:t>
+            </a:r>
+            <a:r>
+              <a:rPr lang="en-US"/>
+              <a:t>1035</a:t>
+            </a:r>
+            <a:endParaRPr lang="en-US"/>
+          </a:p>
+          <a:p>
+            <a:r>
+              <a:rPr lang="" altLang="en-US"/>
+              <a:t>...</a:t>
+            </a:r>
+            <a:endParaRPr lang="" altLang="en-US"/>
+          </a:p>
+        </p:txBody>
+      </p:sp>
+      <p:sp>
+        <p:nvSpPr>
+          <p:cNvPr id="8" name="Text Box 7"/>
+          <p:cNvSpPr txBox="1"/>
+          <p:nvPr/>
+        </p:nvSpPr>
+        <p:spPr>
+          <a:xfrm>
+            <a:off x="2741930" y="1918970"/>
+            <a:ext cx="9582785" cy="460375"/>
+          </a:xfrm>
+          <a:prstGeom prst="rect">
+            <a:avLst/>
+          </a:prstGeom>
+          <a:noFill/>
+        </p:spPr>
+        <p:txBody>
+          <a:bodyPr wrap="square" rtlCol="0" anchor="t">
+            <a:spAutoFit/>
+          </a:bodyPr>
+          <a:p>
+            <a:r>
+              <a:rPr lang="" altLang="en-US" sz="2400"/>
+              <a:t>Bi-grams of 5-star reviews of Starbucks</a:t>
+            </a:r>
+            <a:endParaRPr lang="" altLang="en-US" sz="2400"/>
+          </a:p>
+        </p:txBody>
+      </p:sp>
+      <p:sp>
+        <p:nvSpPr>
+          <p:cNvPr id="9" name="Text Box 8"/>
+          <p:cNvSpPr txBox="1"/>
+          <p:nvPr/>
+        </p:nvSpPr>
+        <p:spPr>
+          <a:xfrm>
+            <a:off x="1582420" y="2673350"/>
+            <a:ext cx="4544060" cy="460375"/>
+          </a:xfrm>
+          <a:prstGeom prst="rect">
+            <a:avLst/>
+          </a:prstGeom>
+          <a:noFill/>
+        </p:spPr>
+        <p:txBody>
+          <a:bodyPr wrap="square" rtlCol="0" anchor="t">
+            <a:spAutoFit/>
+          </a:bodyPr>
+          <a:p>
+            <a:r>
+              <a:rPr lang="" altLang="en-US" sz="2400"/>
+              <a:t>with stop words</a:t>
+            </a:r>
+            <a:endParaRPr lang="" altLang="en-US" sz="2400"/>
+          </a:p>
+        </p:txBody>
+      </p:sp>
+      <p:sp>
+        <p:nvSpPr>
+          <p:cNvPr id="10" name="Text Box 9"/>
+          <p:cNvSpPr txBox="1"/>
+          <p:nvPr/>
+        </p:nvSpPr>
+        <p:spPr>
+          <a:xfrm>
+            <a:off x="7071995" y="3133725"/>
+            <a:ext cx="3569335" cy="2861310"/>
+          </a:xfrm>
+          <a:prstGeom prst="rect">
+            <a:avLst/>
+          </a:prstGeom>
+          <a:noFill/>
+        </p:spPr>
+        <p:txBody>
+          <a:bodyPr wrap="square" rtlCol="0" anchor="t">
+            <a:spAutoFit/>
+          </a:bodyPr>
+          <a:p>
+            <a:r>
+              <a:rPr lang="en-US"/>
+              <a:t>staff	starbuck	1031</a:t>
+            </a:r>
+            <a:endParaRPr lang="en-US"/>
+          </a:p>
+          <a:p>
+            <a:r>
+              <a:rPr lang="en-US"/>
+              <a:t>friend	get	</a:t>
+            </a:r>
+            <a:r>
+              <a:rPr lang="" altLang="en-US"/>
+              <a:t>	</a:t>
+            </a:r>
+            <a:r>
+              <a:rPr lang="en-US"/>
+              <a:t>526</a:t>
+            </a:r>
+            <a:endParaRPr lang="en-US"/>
+          </a:p>
+          <a:p>
+            <a:r>
+              <a:rPr lang="en-US"/>
+              <a:t>locat	love	</a:t>
+            </a:r>
+            <a:r>
+              <a:rPr lang="" altLang="en-US"/>
+              <a:t>	</a:t>
+            </a:r>
+            <a:r>
+              <a:rPr lang="en-US"/>
+              <a:t>465</a:t>
+            </a:r>
+            <a:endParaRPr lang="en-US"/>
+          </a:p>
+          <a:p>
+            <a:r>
+              <a:rPr lang="en-US"/>
+              <a:t>drink	drive	</a:t>
+            </a:r>
+            <a:r>
+              <a:rPr lang="" altLang="en-US"/>
+              <a:t>	</a:t>
+            </a:r>
+            <a:r>
+              <a:rPr lang="en-US"/>
+              <a:t>454</a:t>
+            </a:r>
+            <a:endParaRPr lang="en-US"/>
+          </a:p>
+          <a:p>
+            <a:r>
+              <a:rPr lang="en-US"/>
+              <a:t>get	go	</a:t>
+            </a:r>
+            <a:r>
+              <a:rPr lang="" altLang="en-US"/>
+              <a:t>	</a:t>
+            </a:r>
+            <a:r>
+              <a:rPr lang="en-US"/>
+              <a:t>405</a:t>
+            </a:r>
+            <a:endParaRPr lang="en-US"/>
+          </a:p>
+          <a:p>
+            <a:r>
+              <a:rPr lang="en-US"/>
+              <a:t>one	order	</a:t>
+            </a:r>
+            <a:r>
+              <a:rPr lang="" altLang="en-US"/>
+              <a:t>	</a:t>
+            </a:r>
+            <a:r>
+              <a:rPr lang="en-US"/>
+              <a:t>381</a:t>
+            </a:r>
+            <a:endParaRPr lang="en-US"/>
+          </a:p>
+          <a:p>
+            <a:r>
+              <a:rPr lang="en-US"/>
+              <a:t>servic	starbuck	317</a:t>
+            </a:r>
+            <a:endParaRPr lang="en-US"/>
+          </a:p>
+          <a:p>
+            <a:r>
+              <a:rPr lang="en-US"/>
+              <a:t>starbuck	store	305</a:t>
+            </a:r>
+            <a:endParaRPr lang="en-US"/>
+          </a:p>
+          <a:p>
+            <a:r>
+              <a:rPr lang="en-US"/>
+              <a:t>like	locat	</a:t>
+            </a:r>
+            <a:r>
+              <a:rPr lang="" altLang="en-US"/>
+              <a:t>	</a:t>
+            </a:r>
+            <a:r>
+              <a:rPr lang="en-US"/>
+              <a:t>301</a:t>
+            </a:r>
+            <a:endParaRPr lang="en-US"/>
+          </a:p>
+          <a:p>
+            <a:r>
+              <a:rPr lang="en-US" altLang="en-US"/>
+              <a:t>...</a:t>
+            </a:r>
+            <a:endParaRPr lang="en-US" altLang="en-US"/>
+          </a:p>
+        </p:txBody>
+      </p:sp>
+      <p:sp>
+        <p:nvSpPr>
+          <p:cNvPr id="11" name="Text Box 10"/>
+          <p:cNvSpPr txBox="1"/>
+          <p:nvPr/>
+        </p:nvSpPr>
+        <p:spPr>
+          <a:xfrm>
+            <a:off x="7277735" y="2673350"/>
+            <a:ext cx="4544060" cy="460375"/>
+          </a:xfrm>
+          <a:prstGeom prst="rect">
+            <a:avLst/>
+          </a:prstGeom>
+          <a:noFill/>
+        </p:spPr>
+        <p:txBody>
+          <a:bodyPr wrap="square" rtlCol="0" anchor="t">
+            <a:spAutoFit/>
+          </a:bodyPr>
+          <a:p>
+            <a:r>
+              <a:rPr lang="en-US" altLang="en-US" sz="2400"/>
+              <a:t>with</a:t>
+            </a:r>
+            <a:r>
+              <a:rPr lang="" altLang="en-US" sz="2400"/>
+              <a:t>out</a:t>
+            </a:r>
+            <a:r>
+              <a:rPr lang="en-US" altLang="en-US" sz="2400"/>
+              <a:t> stop words</a:t>
+            </a:r>
+            <a:endParaRPr lang="en-US" altLang="en-US" sz="2400"/>
+          </a:p>
+        </p:txBody>
+      </p:sp>
+    </p:spTree>
+  </p:cSld>
+  <p:clrMapOvr>
+    <a:masterClrMapping/>
+  </p:clrMapOvr>
+</p:sld>
+</file>
+
+<file path=ppt/slides/slide26.xml><?xml version="1.0" encoding="utf-8"?>
+<p:sld xmlns:a="http://schemas.openxmlformats.org/drawingml/2006/main" xmlns:r="http://schemas.openxmlformats.org/officeDocument/2006/relationships" xmlns:p="http://schemas.openxmlformats.org/presentationml/2006/main">
+  <p:cSld>
+    <p:spTree>
+      <p:nvGrpSpPr>
+        <p:cNvPr id="1" name=""/>
+        <p:cNvGrpSpPr/>
+        <p:nvPr/>
+      </p:nvGrpSpPr>
+      <p:grpSpPr/>
+      <p:sp>
+        <p:nvSpPr>
+          <p:cNvPr id="2" name="Title 1"/>
+          <p:cNvSpPr>
+            <a:spLocks noGrp="1"/>
+          </p:cNvSpPr>
+          <p:nvPr>
+            <p:ph type="title"/>
+          </p:nvPr>
+        </p:nvSpPr>
+        <p:spPr>
+          <a:xfrm>
+            <a:off x="838200" y="365125"/>
+            <a:ext cx="10515600" cy="1325563"/>
+          </a:xfrm>
+        </p:spPr>
+        <p:txBody>
+          <a:bodyPr/>
+          <a:p>
+            <a:r>
+              <a:rPr lang="en-US" altLang="en-US"/>
+              <a:t>Question </a:t>
+            </a:r>
+            <a:r>
+              <a:rPr lang="" altLang="en-US"/>
+              <a:t>7</a:t>
+            </a:r>
+            <a:endParaRPr lang="" altLang="en-US"/>
+          </a:p>
+        </p:txBody>
+      </p:sp>
+      <p:sp>
+        <p:nvSpPr>
+          <p:cNvPr id="3" name="Content Placeholder 2"/>
+          <p:cNvSpPr>
+            <a:spLocks noGrp="1"/>
+          </p:cNvSpPr>
+          <p:nvPr>
+            <p:ph idx="1"/>
+          </p:nvPr>
+        </p:nvSpPr>
+        <p:spPr>
+          <a:xfrm>
+            <a:off x="838200" y="1565910"/>
+            <a:ext cx="4274185" cy="4351655"/>
+          </a:xfrm>
+        </p:spPr>
+        <p:txBody>
+          <a:bodyPr/>
+          <a:p>
+            <a:r>
+              <a:rPr lang="en-US" sz="2400"/>
+              <a:t>5-star reviews of Starbucks containing words "my favourite"</a:t>
+            </a:r>
+            <a:endParaRPr lang="en-US" sz="2400"/>
+          </a:p>
+          <a:p>
+            <a:endParaRPr lang="en-US" sz="2400"/>
+          </a:p>
+          <a:p>
+            <a:pPr marL="0" indent="0">
+              <a:buNone/>
+            </a:pPr>
+            <a:r>
+              <a:rPr lang="" altLang="en-US" sz="2400"/>
+              <a:t>C</a:t>
+            </a:r>
+            <a:r>
+              <a:rPr lang="en-US" sz="2400"/>
+              <a:t>ould be useful to determine strong attractors for people and reward staff at outstanding locations</a:t>
+            </a:r>
+            <a:endParaRPr lang="en-US" sz="2400"/>
+          </a:p>
+        </p:txBody>
+      </p:sp>
+      <p:pic>
+        <p:nvPicPr>
+          <p:cNvPr id="5" name="Picture 4" descr="Lift_q7_query"/>
+          <p:cNvPicPr>
+            <a:picLocks noChangeAspect="1"/>
+          </p:cNvPicPr>
+          <p:nvPr/>
+        </p:nvPicPr>
+        <p:blipFill>
+          <a:blip r:embed="rId1"/>
+          <a:stretch>
+            <a:fillRect/>
+          </a:stretch>
+        </p:blipFill>
+        <p:spPr>
+          <a:xfrm>
+            <a:off x="5112385" y="861695"/>
+            <a:ext cx="6148070" cy="5431155"/>
+          </a:xfrm>
+          <a:prstGeom prst="rect">
+            <a:avLst/>
+          </a:prstGeom>
+        </p:spPr>
+      </p:pic>
+    </p:spTree>
+  </p:cSld>
+  <p:clrMapOvr>
+    <a:masterClrMapping/>
+  </p:clrMapOvr>
+</p:sld>
+</file>
+
+<file path=ppt/slides/slide27.xml><?xml version="1.0" encoding="utf-8"?>
+<p:sld xmlns:a="http://schemas.openxmlformats.org/drawingml/2006/main" xmlns:r="http://schemas.openxmlformats.org/officeDocument/2006/relationships" xmlns:p="http://schemas.openxmlformats.org/presentationml/2006/main">
+  <p:cSld>
+    <p:spTree>
+      <p:nvGrpSpPr>
+        <p:cNvPr id="1" name=""/>
+        <p:cNvGrpSpPr/>
+        <p:nvPr/>
+      </p:nvGrpSpPr>
+      <p:grpSpPr>
+        <a:xfrm>
+          <a:off x="0" y="0"/>
+          <a:ext cx="0" cy="0"/>
+          <a:chOff x="0" y="0"/>
+          <a:chExt cx="0" cy="0"/>
+        </a:xfrm>
+      </p:grpSpPr>
+      <p:sp>
+        <p:nvSpPr>
+          <p:cNvPr id="2" name="Title 1"/>
+          <p:cNvSpPr>
+            <a:spLocks noGrp="1"/>
+          </p:cNvSpPr>
+          <p:nvPr>
+            <p:ph type="ctrTitle"/>
+          </p:nvPr>
+        </p:nvSpPr>
+        <p:spPr>
+          <a:xfrm>
+            <a:off x="1524000" y="1122363"/>
+            <a:ext cx="9144000" cy="2387600"/>
+          </a:xfrm>
+        </p:spPr>
+        <p:txBody>
+          <a:bodyPr/>
+          <a:lstStyle/>
+          <a:p>
+            <a:r>
+              <a:rPr lang="en-US" dirty="0"/>
+              <a:t>Section </a:t>
+            </a:r>
+            <a:r>
+              <a:rPr lang="en-US" altLang="en-US" dirty="0"/>
+              <a:t>3</a:t>
+            </a:r>
+            <a:endParaRPr lang="en-US" altLang="en-US" dirty="0"/>
+          </a:p>
+        </p:txBody>
+      </p:sp>
+      <p:sp>
+        <p:nvSpPr>
+          <p:cNvPr id="3" name="Subtitle 2"/>
+          <p:cNvSpPr>
+            <a:spLocks noGrp="1"/>
+          </p:cNvSpPr>
+          <p:nvPr>
+            <p:ph type="subTitle" idx="1"/>
+          </p:nvPr>
+        </p:nvSpPr>
+        <p:spPr>
+          <a:xfrm>
+            <a:off x="1524000" y="3602038"/>
+            <a:ext cx="9144000" cy="1655762"/>
+          </a:xfrm>
+        </p:spPr>
+        <p:txBody>
+          <a:bodyPr>
+            <a:normAutofit/>
+          </a:bodyPr>
+          <a:lstStyle/>
+          <a:p>
+            <a:r>
+              <a:rPr lang="en-US" sz="4400" dirty="0"/>
+              <a:t>Word clouds from Yelp reviews</a:t>
+            </a:r>
+            <a:endParaRPr lang="en-CA" sz="4400" dirty="0"/>
+          </a:p>
+        </p:txBody>
+      </p:sp>
+    </p:spTree>
+  </p:cSld>
+  <p:clrMapOvr>
+    <a:masterClrMapping/>
+  </p:clrMapOvr>
+</p:sld>
+</file>
+
+<file path=ppt/slides/slide28.xml><?xml version="1.0" encoding="utf-8"?>
 <p:sld xmlns:a="http://schemas.openxmlformats.org/drawingml/2006/main" xmlns:r="http://schemas.openxmlformats.org/officeDocument/2006/relationships" xmlns:p="http://schemas.openxmlformats.org/presentationml/2006/main">
   <p:cSld>
     <p:spTree>
@@ -6537,7 +9713,7 @@
 </p:sld>
 </file>
 
-<file path=ppt/slides/slide16.xml><?xml version="1.0" encoding="utf-8"?>
+<file path=ppt/slides/slide29.xml><?xml version="1.0" encoding="utf-8"?>
 <p:sld xmlns:a="http://schemas.openxmlformats.org/drawingml/2006/main" xmlns:r="http://schemas.openxmlformats.org/officeDocument/2006/relationships" xmlns:p="http://schemas.openxmlformats.org/presentationml/2006/main">
   <p:cSld>
     <p:spTree>
@@ -6586,7 +9762,194 @@
 </p:sld>
 </file>
 
-<file path=ppt/slides/slide17.xml><?xml version="1.0" encoding="utf-8"?>
+<file path=ppt/slides/slide3.xml><?xml version="1.0" encoding="utf-8"?>
+<p:sld xmlns:a="http://schemas.openxmlformats.org/drawingml/2006/main" xmlns:r="http://schemas.openxmlformats.org/officeDocument/2006/relationships" xmlns:p="http://schemas.openxmlformats.org/presentationml/2006/main">
+  <p:cSld>
+    <p:spTree>
+      <p:nvGrpSpPr>
+        <p:cNvPr id="1" name=""/>
+        <p:cNvGrpSpPr/>
+        <p:nvPr/>
+      </p:nvGrpSpPr>
+      <p:grpSpPr/>
+      <p:sp>
+        <p:nvSpPr>
+          <p:cNvPr id="2" name="Title 1"/>
+          <p:cNvSpPr>
+            <a:spLocks noGrp="1"/>
+          </p:cNvSpPr>
+          <p:nvPr>
+            <p:ph type="title"/>
+          </p:nvPr>
+        </p:nvSpPr>
+        <p:spPr/>
+        <p:txBody>
+          <a:bodyPr/>
+          <a:p>
+            <a:r>
+              <a:rPr lang="en-US" altLang="en-US"/>
+              <a:t>Data ingestion: Yelp dataset</a:t>
+            </a:r>
+            <a:endParaRPr lang="en-US" altLang="en-US"/>
+          </a:p>
+        </p:txBody>
+      </p:sp>
+      <p:sp>
+        <p:nvSpPr>
+          <p:cNvPr id="3" name="Content Placeholder 2"/>
+          <p:cNvSpPr>
+            <a:spLocks noGrp="1"/>
+          </p:cNvSpPr>
+          <p:nvPr>
+            <p:ph idx="1"/>
+          </p:nvPr>
+        </p:nvSpPr>
+        <p:spPr/>
+        <p:txBody>
+          <a:bodyPr>
+            <a:normAutofit lnSpcReduction="10000"/>
+          </a:bodyPr>
+          <a:p>
+            <a:r>
+              <a:rPr lang="en-US" altLang="en-US">
+                <a:solidFill>
+                  <a:schemeClr val="accent1">
+                    <a:lumMod val="75000"/>
+                  </a:schemeClr>
+                </a:solidFill>
+              </a:rPr>
+              <a:t>Yelp dataset consists of related </a:t>
+            </a:r>
+            <a:endParaRPr lang="en-US" altLang="en-US">
+              <a:solidFill>
+                <a:schemeClr val="accent1">
+                  <a:lumMod val="75000"/>
+                </a:schemeClr>
+              </a:solidFill>
+            </a:endParaRPr>
+          </a:p>
+          <a:p>
+            <a:pPr marL="0" indent="0">
+              <a:buNone/>
+            </a:pPr>
+            <a:r>
+              <a:rPr lang="en-US" altLang="en-US">
+                <a:solidFill>
+                  <a:schemeClr val="accent1">
+                    <a:lumMod val="75000"/>
+                  </a:schemeClr>
+                </a:solidFill>
+              </a:rPr>
+              <a:t>JSON files</a:t>
+            </a:r>
+            <a:endParaRPr lang="en-US" altLang="en-US">
+              <a:solidFill>
+                <a:schemeClr val="accent1">
+                  <a:lumMod val="75000"/>
+                </a:schemeClr>
+              </a:solidFill>
+            </a:endParaRPr>
+          </a:p>
+          <a:p>
+            <a:pPr marL="0" indent="0">
+              <a:buNone/>
+            </a:pPr>
+            <a:endParaRPr lang="en-US" altLang="en-US">
+              <a:solidFill>
+                <a:schemeClr val="accent1">
+                  <a:lumMod val="75000"/>
+                </a:schemeClr>
+              </a:solidFill>
+            </a:endParaRPr>
+          </a:p>
+        </p:txBody>
+      </p:sp>
+      <p:pic>
+        <p:nvPicPr>
+          <p:cNvPr id="4" name="Picture 3"/>
+          <p:cNvPicPr>
+            <a:picLocks noChangeAspect="1"/>
+          </p:cNvPicPr>
+          <p:nvPr/>
+        </p:nvPicPr>
+        <p:blipFill>
+          <a:blip r:embed="rId1"/>
+          <a:stretch>
+            <a:fillRect/>
+          </a:stretch>
+        </p:blipFill>
+        <p:spPr>
+          <a:xfrm>
+            <a:off x="351155" y="3145155"/>
+            <a:ext cx="7133590" cy="2409825"/>
+          </a:xfrm>
+          <a:prstGeom prst="rect">
+            <a:avLst/>
+          </a:prstGeom>
+        </p:spPr>
+      </p:pic>
+      <p:pic>
+        <p:nvPicPr>
+          <p:cNvPr id="6" name="Picture 5" descr="yelp_dataset"/>
+          <p:cNvPicPr>
+            <a:picLocks noChangeAspect="1"/>
+          </p:cNvPicPr>
+          <p:nvPr/>
+        </p:nvPicPr>
+        <p:blipFill>
+          <a:blip r:embed="rId2"/>
+          <a:stretch>
+            <a:fillRect/>
+          </a:stretch>
+        </p:blipFill>
+        <p:spPr>
+          <a:xfrm>
+            <a:off x="7484745" y="1367790"/>
+            <a:ext cx="4342765" cy="5266690"/>
+          </a:xfrm>
+          <a:prstGeom prst="rect">
+            <a:avLst/>
+          </a:prstGeom>
+        </p:spPr>
+      </p:pic>
+      <p:sp>
+        <p:nvSpPr>
+          <p:cNvPr id="7" name="Text Box 6"/>
+          <p:cNvSpPr txBox="1"/>
+          <p:nvPr/>
+        </p:nvSpPr>
+        <p:spPr>
+          <a:xfrm>
+            <a:off x="2192655" y="5664200"/>
+            <a:ext cx="4880610" cy="368300"/>
+          </a:xfrm>
+          <a:prstGeom prst="rect">
+            <a:avLst/>
+          </a:prstGeom>
+          <a:noFill/>
+        </p:spPr>
+        <p:txBody>
+          <a:bodyPr wrap="square" rtlCol="0" anchor="t">
+            <a:spAutoFit/>
+          </a:bodyPr>
+          <a:p>
+            <a:r>
+              <a:rPr lang="en-US"/>
+              <a:t>https://www.yelp.com/dataset</a:t>
+            </a:r>
+            <a:endParaRPr lang="en-US"/>
+          </a:p>
+        </p:txBody>
+      </p:sp>
+    </p:spTree>
+  </p:cSld>
+  <p:clrMapOvr>
+    <a:masterClrMapping/>
+  </p:clrMapOvr>
+</p:sld>
+</file>
+
+<file path=ppt/slides/slide30.xml><?xml version="1.0" encoding="utf-8"?>
 <p:sld xmlns:a="http://schemas.openxmlformats.org/drawingml/2006/main" xmlns:r="http://schemas.openxmlformats.org/officeDocument/2006/relationships" xmlns:p="http://schemas.openxmlformats.org/presentationml/2006/main">
   <p:cSld>
     <p:spTree>
@@ -6635,7 +9998,7 @@
 </p:sld>
 </file>
 
-<file path=ppt/slides/slide18.xml><?xml version="1.0" encoding="utf-8"?>
+<file path=ppt/slides/slide31.xml><?xml version="1.0" encoding="utf-8"?>
 <p:sld xmlns:a="http://schemas.openxmlformats.org/drawingml/2006/main" xmlns:r="http://schemas.openxmlformats.org/officeDocument/2006/relationships" xmlns:p="http://schemas.openxmlformats.org/presentationml/2006/main">
   <p:cSld>
     <p:spTree>
@@ -6684,7 +10047,7 @@
 </p:sld>
 </file>
 
-<file path=ppt/slides/slide19.xml><?xml version="1.0" encoding="utf-8"?>
+<file path=ppt/slides/slide32.xml><?xml version="1.0" encoding="utf-8"?>
 <p:sld xmlns:a="http://schemas.openxmlformats.org/drawingml/2006/main" xmlns:r="http://schemas.openxmlformats.org/officeDocument/2006/relationships" xmlns:p="http://schemas.openxmlformats.org/presentationml/2006/main">
   <p:cSld>
     <p:spTree>
@@ -6733,7 +10096,7 @@
 </p:sld>
 </file>
 
-<file path=ppt/slides/slide2.xml><?xml version="1.0" encoding="utf-8"?>
+<file path=ppt/slides/slide33.xml><?xml version="1.0" encoding="utf-8"?>
 <p:sld xmlns:a="http://schemas.openxmlformats.org/drawingml/2006/main" xmlns:r="http://schemas.openxmlformats.org/officeDocument/2006/relationships" xmlns:p="http://schemas.openxmlformats.org/presentationml/2006/main">
   <p:cSld>
     <p:spTree>
@@ -6757,22 +10120,17 @@
             <a:spLocks noGrp="1"/>
           </p:cNvSpPr>
           <p:nvPr>
-            <p:ph type="ctrTitle"/>
-          </p:nvPr>
-        </p:nvSpPr>
-        <p:spPr>
-          <a:xfrm>
-            <a:off x="1524000" y="1122363"/>
-            <a:ext cx="9144000" cy="2387600"/>
-          </a:xfrm>
-        </p:spPr>
+            <p:ph type="title"/>
+          </p:nvPr>
+        </p:nvSpPr>
+        <p:spPr/>
         <p:txBody>
           <a:bodyPr/>
           <a:lstStyle/>
           <a:p>
             <a:r>
               <a:rPr lang="en-US" dirty="0"/>
-              <a:t>Section 1</a:t>
+              <a:t>EDA findings</a:t>
             </a:r>
             <a:endParaRPr lang="en-CA" dirty="0"/>
           </a:p>
@@ -6780,38 +10138,58 @@
       </p:sp>
       <p:sp>
         <p:nvSpPr>
-          <p:cNvPr id="3" name="Subtitle 2"/>
-          <p:cNvSpPr>
-            <a:spLocks noGrp="1"/>
-          </p:cNvSpPr>
-          <p:nvPr>
-            <p:ph type="subTitle" idx="1"/>
-          </p:nvPr>
-        </p:nvSpPr>
-        <p:spPr>
-          <a:xfrm>
-            <a:off x="1524000" y="3602038"/>
-            <a:ext cx="9144000" cy="1655762"/>
-          </a:xfrm>
-        </p:spPr>
-        <p:txBody>
-          <a:bodyPr>
-            <a:normAutofit/>
-          </a:bodyPr>
+          <p:cNvPr id="3" name="Content Placeholder 2"/>
+          <p:cNvSpPr>
+            <a:spLocks noGrp="1"/>
+          </p:cNvSpPr>
+          <p:nvPr>
+            <p:ph idx="1"/>
+          </p:nvPr>
+        </p:nvSpPr>
+        <p:spPr/>
+        <p:txBody>
+          <a:bodyPr/>
           <a:lstStyle/>
           <a:p>
             <a:r>
-              <a:rPr lang="" altLang="en-US" sz="4400" dirty="0"/>
-              <a:t>Q1: </a:t>
-            </a:r>
-            <a:r>
-              <a:rPr lang="en-US" sz="4400" dirty="0"/>
-              <a:t>Data ingestion</a:t>
-            </a:r>
-            <a:endParaRPr lang="en-US" sz="4400" dirty="0"/>
-          </a:p>
-        </p:txBody>
-      </p:sp>
+              <a:rPr lang="en-US" dirty="0"/>
+              <a:t>It’s all about customer service</a:t>
+            </a:r>
+            <a:endParaRPr lang="en-US" dirty="0"/>
+          </a:p>
+          <a:p>
+            <a:r>
+              <a:rPr lang="en-US" dirty="0"/>
+              <a:t>Much more positive reviews, most are 5-star</a:t>
+            </a:r>
+            <a:endParaRPr lang="en-CA" dirty="0"/>
+          </a:p>
+        </p:txBody>
+      </p:sp>
+      <p:pic>
+        <p:nvPicPr>
+          <p:cNvPr id="4" name="Picture 3"/>
+          <p:cNvPicPr>
+            <a:picLocks noChangeAspect="1"/>
+          </p:cNvPicPr>
+          <p:nvPr/>
+        </p:nvPicPr>
+        <p:blipFill>
+          <a:blip r:embed="rId1"/>
+          <a:stretch>
+            <a:fillRect/>
+          </a:stretch>
+        </p:blipFill>
+        <p:spPr>
+          <a:xfrm>
+            <a:off x="838200" y="2899505"/>
+            <a:ext cx="5681219" cy="3593370"/>
+          </a:xfrm>
+          <a:prstGeom prst="rect">
+            <a:avLst/>
+          </a:prstGeom>
+        </p:spPr>
+      </p:pic>
     </p:spTree>
   </p:cSld>
   <p:clrMapOvr>
@@ -6820,7 +10198,7 @@
 </p:sld>
 </file>
 
-<file path=ppt/slides/slide20.xml><?xml version="1.0" encoding="utf-8"?>
+<file path=ppt/slides/slide34.xml><?xml version="1.0" encoding="utf-8"?>
 <p:sld xmlns:a="http://schemas.openxmlformats.org/drawingml/2006/main" xmlns:r="http://schemas.openxmlformats.org/officeDocument/2006/relationships" xmlns:p="http://schemas.openxmlformats.org/presentationml/2006/main">
   <p:cSld>
     <p:spTree>
@@ -6844,76 +10222,61 @@
             <a:spLocks noGrp="1"/>
           </p:cNvSpPr>
           <p:nvPr>
-            <p:ph type="title"/>
-          </p:nvPr>
-        </p:nvSpPr>
-        <p:spPr/>
+            <p:ph type="ctrTitle"/>
+          </p:nvPr>
+        </p:nvSpPr>
+        <p:spPr>
+          <a:xfrm>
+            <a:off x="1524000" y="1122363"/>
+            <a:ext cx="9144000" cy="2387600"/>
+          </a:xfrm>
+        </p:spPr>
         <p:txBody>
           <a:bodyPr/>
           <a:lstStyle/>
           <a:p>
             <a:r>
               <a:rPr lang="en-US" dirty="0"/>
-              <a:t>EDA findings</a:t>
-            </a:r>
-            <a:endParaRPr lang="en-CA" dirty="0"/>
-          </a:p>
-        </p:txBody>
-      </p:sp>
-      <p:sp>
-        <p:nvSpPr>
-          <p:cNvPr id="3" name="Content Placeholder 2"/>
-          <p:cNvSpPr>
-            <a:spLocks noGrp="1"/>
-          </p:cNvSpPr>
-          <p:nvPr>
-            <p:ph idx="1"/>
-          </p:nvPr>
-        </p:nvSpPr>
-        <p:spPr/>
-        <p:txBody>
-          <a:bodyPr/>
+              <a:t>Section </a:t>
+            </a:r>
+            <a:r>
+              <a:rPr lang="en-US" altLang="en-US" dirty="0"/>
+              <a:t>4</a:t>
+            </a:r>
+            <a:endParaRPr lang="en-US" altLang="en-US" dirty="0"/>
+          </a:p>
+        </p:txBody>
+      </p:sp>
+      <p:sp>
+        <p:nvSpPr>
+          <p:cNvPr id="3" name="Subtitle 2"/>
+          <p:cNvSpPr>
+            <a:spLocks noGrp="1"/>
+          </p:cNvSpPr>
+          <p:nvPr>
+            <p:ph type="subTitle" idx="1"/>
+          </p:nvPr>
+        </p:nvSpPr>
+        <p:spPr>
+          <a:xfrm>
+            <a:off x="1524000" y="3602038"/>
+            <a:ext cx="9144000" cy="1655762"/>
+          </a:xfrm>
+        </p:spPr>
+        <p:txBody>
+          <a:bodyPr>
+            <a:normAutofit/>
+          </a:bodyPr>
           <a:lstStyle/>
           <a:p>
             <a:r>
-              <a:rPr lang="en-US" dirty="0"/>
-              <a:t>It’s all about customer service</a:t>
-            </a:r>
-            <a:endParaRPr lang="en-US" dirty="0"/>
-          </a:p>
-          <a:p>
-            <a:r>
-              <a:rPr lang="en-US" dirty="0"/>
-              <a:t>Much more positive reviews, most are 5-star</a:t>
-            </a:r>
-            <a:endParaRPr lang="en-CA" dirty="0"/>
-          </a:p>
-        </p:txBody>
-      </p:sp>
-      <p:pic>
-        <p:nvPicPr>
-          <p:cNvPr id="4" name="Picture 3"/>
-          <p:cNvPicPr>
-            <a:picLocks noChangeAspect="1"/>
-          </p:cNvPicPr>
-          <p:nvPr/>
-        </p:nvPicPr>
-        <p:blipFill>
-          <a:blip r:embed="rId1"/>
-          <a:stretch>
-            <a:fillRect/>
-          </a:stretch>
-        </p:blipFill>
-        <p:spPr>
-          <a:xfrm>
-            <a:off x="838200" y="2899505"/>
-            <a:ext cx="5681219" cy="3593370"/>
-          </a:xfrm>
-          <a:prstGeom prst="rect">
-            <a:avLst/>
-          </a:prstGeom>
-        </p:spPr>
-      </p:pic>
+              <a:rPr lang="en-US" sz="4400" dirty="0"/>
+              <a:t>Modeling results: predicting rating from review text</a:t>
+            </a:r>
+            <a:endParaRPr lang="en-CA" sz="4400" dirty="0"/>
+          </a:p>
+        </p:txBody>
+      </p:sp>
     </p:spTree>
   </p:cSld>
   <p:clrMapOvr>
@@ -6922,94 +10285,7 @@
 </p:sld>
 </file>
 
-<file path=ppt/slides/slide21.xml><?xml version="1.0" encoding="utf-8"?>
-<p:sld xmlns:a="http://schemas.openxmlformats.org/drawingml/2006/main" xmlns:r="http://schemas.openxmlformats.org/officeDocument/2006/relationships" xmlns:p="http://schemas.openxmlformats.org/presentationml/2006/main">
-  <p:cSld>
-    <p:spTree>
-      <p:nvGrpSpPr>
-        <p:cNvPr id="1" name=""/>
-        <p:cNvGrpSpPr/>
-        <p:nvPr/>
-      </p:nvGrpSpPr>
-      <p:grpSpPr>
-        <a:xfrm>
-          <a:off x="0" y="0"/>
-          <a:ext cx="0" cy="0"/>
-          <a:chOff x="0" y="0"/>
-          <a:chExt cx="0" cy="0"/>
-        </a:xfrm>
-      </p:grpSpPr>
-      <p:sp>
-        <p:nvSpPr>
-          <p:cNvPr id="2" name="Title 1"/>
-          <p:cNvSpPr>
-            <a:spLocks noGrp="1"/>
-          </p:cNvSpPr>
-          <p:nvPr>
-            <p:ph type="ctrTitle"/>
-          </p:nvPr>
-        </p:nvSpPr>
-        <p:spPr>
-          <a:xfrm>
-            <a:off x="1524000" y="1122363"/>
-            <a:ext cx="9144000" cy="2387600"/>
-          </a:xfrm>
-        </p:spPr>
-        <p:txBody>
-          <a:bodyPr/>
-          <a:lstStyle/>
-          <a:p>
-            <a:r>
-              <a:rPr lang="en-US" dirty="0"/>
-              <a:t>Section </a:t>
-            </a:r>
-            <a:r>
-              <a:rPr lang="en-US" altLang="en-US" dirty="0"/>
-              <a:t>4</a:t>
-            </a:r>
-            <a:endParaRPr lang="en-US" altLang="en-US" dirty="0"/>
-          </a:p>
-        </p:txBody>
-      </p:sp>
-      <p:sp>
-        <p:nvSpPr>
-          <p:cNvPr id="3" name="Subtitle 2"/>
-          <p:cNvSpPr>
-            <a:spLocks noGrp="1"/>
-          </p:cNvSpPr>
-          <p:nvPr>
-            <p:ph type="subTitle" idx="1"/>
-          </p:nvPr>
-        </p:nvSpPr>
-        <p:spPr>
-          <a:xfrm>
-            <a:off x="1524000" y="3602038"/>
-            <a:ext cx="9144000" cy="1655762"/>
-          </a:xfrm>
-        </p:spPr>
-        <p:txBody>
-          <a:bodyPr>
-            <a:normAutofit/>
-          </a:bodyPr>
-          <a:lstStyle/>
-          <a:p>
-            <a:r>
-              <a:rPr lang="en-US" sz="4400" dirty="0"/>
-              <a:t>Modeling results: predicting rating from review text</a:t>
-            </a:r>
-            <a:endParaRPr lang="en-CA" sz="4400" dirty="0"/>
-          </a:p>
-        </p:txBody>
-      </p:sp>
-    </p:spTree>
-  </p:cSld>
-  <p:clrMapOvr>
-    <a:masterClrMapping/>
-  </p:clrMapOvr>
-</p:sld>
-</file>
-
-<file path=ppt/slides/slide22.xml><?xml version="1.0" encoding="utf-8"?>
+<file path=ppt/slides/slide35.xml><?xml version="1.0" encoding="utf-8"?>
 <p:sld xmlns:a="http://schemas.openxmlformats.org/drawingml/2006/main" xmlns:r="http://schemas.openxmlformats.org/officeDocument/2006/relationships" xmlns:p="http://schemas.openxmlformats.org/presentationml/2006/main">
   <p:cSld>
     <p:bg>
@@ -7169,7 +10445,7 @@
 </p:sld>
 </file>
 
-<file path=ppt/slides/slide23.xml><?xml version="1.0" encoding="utf-8"?>
+<file path=ppt/slides/slide36.xml><?xml version="1.0" encoding="utf-8"?>
 <p:sld xmlns:a="http://schemas.openxmlformats.org/drawingml/2006/main" xmlns:r="http://schemas.openxmlformats.org/officeDocument/2006/relationships" xmlns:p="http://schemas.openxmlformats.org/presentationml/2006/main">
   <p:cSld>
     <p:spTree>
@@ -7342,7 +10618,7 @@
 </p:sld>
 </file>
 
-<file path=ppt/slides/slide24.xml><?xml version="1.0" encoding="utf-8"?>
+<file path=ppt/slides/slide37.xml><?xml version="1.0" encoding="utf-8"?>
 <p:sld xmlns:a="http://schemas.openxmlformats.org/drawingml/2006/main" xmlns:r="http://schemas.openxmlformats.org/officeDocument/2006/relationships" xmlns:p="http://schemas.openxmlformats.org/presentationml/2006/main">
   <p:cSld>
     <p:spTree>
@@ -7435,193 +10711,6 @@
           </a:prstGeom>
         </p:spPr>
       </p:pic>
-    </p:spTree>
-  </p:cSld>
-  <p:clrMapOvr>
-    <a:masterClrMapping/>
-  </p:clrMapOvr>
-</p:sld>
-</file>
-
-<file path=ppt/slides/slide3.xml><?xml version="1.0" encoding="utf-8"?>
-<p:sld xmlns:a="http://schemas.openxmlformats.org/drawingml/2006/main" xmlns:r="http://schemas.openxmlformats.org/officeDocument/2006/relationships" xmlns:p="http://schemas.openxmlformats.org/presentationml/2006/main">
-  <p:cSld>
-    <p:spTree>
-      <p:nvGrpSpPr>
-        <p:cNvPr id="1" name=""/>
-        <p:cNvGrpSpPr/>
-        <p:nvPr/>
-      </p:nvGrpSpPr>
-      <p:grpSpPr/>
-      <p:sp>
-        <p:nvSpPr>
-          <p:cNvPr id="2" name="Title 1"/>
-          <p:cNvSpPr>
-            <a:spLocks noGrp="1"/>
-          </p:cNvSpPr>
-          <p:nvPr>
-            <p:ph type="title"/>
-          </p:nvPr>
-        </p:nvSpPr>
-        <p:spPr/>
-        <p:txBody>
-          <a:bodyPr/>
-          <a:p>
-            <a:r>
-              <a:rPr lang="en-US" altLang="en-US"/>
-              <a:t>Data ingestion: Yelp dataset</a:t>
-            </a:r>
-            <a:endParaRPr lang="en-US" altLang="en-US"/>
-          </a:p>
-        </p:txBody>
-      </p:sp>
-      <p:sp>
-        <p:nvSpPr>
-          <p:cNvPr id="3" name="Content Placeholder 2"/>
-          <p:cNvSpPr>
-            <a:spLocks noGrp="1"/>
-          </p:cNvSpPr>
-          <p:nvPr>
-            <p:ph idx="1"/>
-          </p:nvPr>
-        </p:nvSpPr>
-        <p:spPr/>
-        <p:txBody>
-          <a:bodyPr>
-            <a:normAutofit lnSpcReduction="10000"/>
-          </a:bodyPr>
-          <a:p>
-            <a:r>
-              <a:rPr lang="en-US" altLang="en-US">
-                <a:solidFill>
-                  <a:schemeClr val="accent1">
-                    <a:lumMod val="75000"/>
-                  </a:schemeClr>
-                </a:solidFill>
-              </a:rPr>
-              <a:t>Yelp dataset consists of related </a:t>
-            </a:r>
-            <a:endParaRPr lang="en-US" altLang="en-US">
-              <a:solidFill>
-                <a:schemeClr val="accent1">
-                  <a:lumMod val="75000"/>
-                </a:schemeClr>
-              </a:solidFill>
-            </a:endParaRPr>
-          </a:p>
-          <a:p>
-            <a:pPr marL="0" indent="0">
-              <a:buNone/>
-            </a:pPr>
-            <a:r>
-              <a:rPr lang="en-US" altLang="en-US">
-                <a:solidFill>
-                  <a:schemeClr val="accent1">
-                    <a:lumMod val="75000"/>
-                  </a:schemeClr>
-                </a:solidFill>
-              </a:rPr>
-              <a:t>JSON files</a:t>
-            </a:r>
-            <a:endParaRPr lang="en-US" altLang="en-US">
-              <a:solidFill>
-                <a:schemeClr val="accent1">
-                  <a:lumMod val="75000"/>
-                </a:schemeClr>
-              </a:solidFill>
-            </a:endParaRPr>
-          </a:p>
-          <a:p>
-            <a:pPr marL="0" indent="0">
-              <a:buNone/>
-            </a:pPr>
-            <a:endParaRPr lang="en-US" altLang="en-US">
-              <a:solidFill>
-                <a:schemeClr val="accent1">
-                  <a:lumMod val="75000"/>
-                </a:schemeClr>
-              </a:solidFill>
-            </a:endParaRPr>
-          </a:p>
-        </p:txBody>
-      </p:sp>
-      <p:pic>
-        <p:nvPicPr>
-          <p:cNvPr id="4" name="Picture 3"/>
-          <p:cNvPicPr>
-            <a:picLocks noChangeAspect="1"/>
-          </p:cNvPicPr>
-          <p:nvPr/>
-        </p:nvPicPr>
-        <p:blipFill>
-          <a:blip r:embed="rId1"/>
-          <a:stretch>
-            <a:fillRect/>
-          </a:stretch>
-        </p:blipFill>
-        <p:spPr>
-          <a:xfrm>
-            <a:off x="351155" y="3145155"/>
-            <a:ext cx="7133590" cy="2409825"/>
-          </a:xfrm>
-          <a:prstGeom prst="rect">
-            <a:avLst/>
-          </a:prstGeom>
-        </p:spPr>
-      </p:pic>
-      <p:pic>
-        <p:nvPicPr>
-          <p:cNvPr id="6" name="Picture 5" descr="yelp_dataset"/>
-          <p:cNvPicPr>
-            <a:picLocks noChangeAspect="1"/>
-          </p:cNvPicPr>
-          <p:nvPr/>
-        </p:nvPicPr>
-        <p:blipFill>
-          <a:blip r:embed="rId2"/>
-          <a:stretch>
-            <a:fillRect/>
-          </a:stretch>
-        </p:blipFill>
-        <p:spPr>
-          <a:xfrm>
-            <a:off x="7484745" y="1367790"/>
-            <a:ext cx="4342765" cy="5266690"/>
-          </a:xfrm>
-          <a:prstGeom prst="rect">
-            <a:avLst/>
-          </a:prstGeom>
-        </p:spPr>
-      </p:pic>
-      <p:sp>
-        <p:nvSpPr>
-          <p:cNvPr id="7" name="Text Box 6"/>
-          <p:cNvSpPr txBox="1"/>
-          <p:nvPr/>
-        </p:nvSpPr>
-        <p:spPr>
-          <a:xfrm>
-            <a:off x="2192655" y="5664200"/>
-            <a:ext cx="4880610" cy="368300"/>
-          </a:xfrm>
-          <a:prstGeom prst="rect">
-            <a:avLst/>
-          </a:prstGeom>
-          <a:noFill/>
-        </p:spPr>
-        <p:txBody>
-          <a:bodyPr wrap="square" rtlCol="0" anchor="t">
-            <a:spAutoFit/>
-          </a:bodyPr>
-          <a:p>
-            <a:r>
-              <a:rPr lang="en-US"/>
-              <a:t>https://www.yelp.com/dataset</a:t>
-            </a:r>
-            <a:endParaRPr lang="en-US"/>
-          </a:p>
-        </p:txBody>
-      </p:sp>
     </p:spTree>
   </p:cSld>
   <p:clrMapOvr>
@@ -7657,16 +10746,16 @@
           </a:bodyPr>
           <a:p>
             <a:r>
-              <a:rPr lang="" altLang="en-US"/>
+              <a:rPr lang="en-US" altLang="en-US"/>
               <a:t>Yelp dataset characteristics</a:t>
             </a:r>
-            <a:endParaRPr lang="" altLang="en-US"/>
+            <a:endParaRPr lang="en-US" altLang="en-US"/>
           </a:p>
         </p:txBody>
       </p:sp>
       <p:pic>
         <p:nvPicPr>
-          <p:cNvPr id="8" name="Picture 7" descr="business.json_sample"/>
+          <p:cNvPr id="4" name="Picture 3"/>
           <p:cNvPicPr>
             <a:picLocks noChangeAspect="1"/>
           </p:cNvPicPr>
@@ -7680,8 +10769,8 @@
         </p:blipFill>
         <p:spPr>
           <a:xfrm>
-            <a:off x="2637155" y="1517015"/>
-            <a:ext cx="8507095" cy="4624070"/>
+            <a:off x="407035" y="2388235"/>
+            <a:ext cx="11333480" cy="3829050"/>
           </a:xfrm>
           <a:prstGeom prst="rect">
             <a:avLst/>
@@ -7690,14 +10779,14 @@
       </p:pic>
       <p:sp>
         <p:nvSpPr>
-          <p:cNvPr id="9" name="Text Box 8"/>
+          <p:cNvPr id="3" name="Text Box 2"/>
           <p:cNvSpPr txBox="1"/>
           <p:nvPr/>
         </p:nvSpPr>
         <p:spPr>
           <a:xfrm>
-            <a:off x="777875" y="2870200"/>
-            <a:ext cx="1707515" cy="1753235"/>
+            <a:off x="838200" y="1786890"/>
+            <a:ext cx="10902315" cy="460375"/>
           </a:xfrm>
           <a:prstGeom prst="rect">
             <a:avLst/>
@@ -7709,93 +10798,48 @@
             <a:spAutoFit/>
           </a:bodyPr>
           <a:p>
-            <a:pPr algn="ctr"/>
-            <a:r>
-              <a:rPr lang="" altLang="en-US" sz="3600">
+            <a:pPr algn="l"/>
+            <a:r>
+              <a:rPr lang="en-US" altLang="en-US" sz="2400">
                 <a:solidFill>
                   <a:schemeClr val="accent1">
                     <a:lumMod val="75000"/>
                   </a:schemeClr>
                 </a:solidFill>
+                <a:sym typeface="+mn-ea"/>
               </a:rPr>
-              <a:t>JSON</a:t>
-            </a:r>
-            <a:endParaRPr lang="" altLang="en-US" sz="3600">
+              <a:t>Related entities (e.g, businesses and reviews, reviews and users, </a:t>
+            </a:r>
+            <a:r>
+              <a:rPr lang="en-US" altLang="en-US" sz="2400" i="1">
+                <a:solidFill>
+                  <a:schemeClr val="accent1">
+                    <a:lumMod val="75000"/>
+                  </a:schemeClr>
+                </a:solidFill>
+                <a:sym typeface="+mn-ea"/>
+              </a:rPr>
+              <a:t>etc.</a:t>
+            </a:r>
+            <a:r>
+              <a:rPr lang="en-US" altLang="en-US" sz="2400">
+                <a:solidFill>
+                  <a:schemeClr val="accent1">
+                    <a:lumMod val="75000"/>
+                  </a:schemeClr>
+                </a:solidFill>
+                <a:sym typeface="+mn-ea"/>
+              </a:rPr>
+              <a:t>)</a:t>
+            </a:r>
+            <a:endParaRPr lang="en-US" altLang="en-US" sz="2400">
               <a:solidFill>
                 <a:schemeClr val="accent1">
                   <a:lumMod val="75000"/>
                 </a:schemeClr>
               </a:solidFill>
+              <a:sym typeface="+mn-ea"/>
             </a:endParaRPr>
-          </a:p>
-          <a:p>
-            <a:pPr algn="ctr"/>
-            <a:r>
-              <a:rPr lang="" altLang="en-US" sz="3600">
-                <a:solidFill>
-                  <a:schemeClr val="accent1">
-                    <a:lumMod val="75000"/>
-                  </a:schemeClr>
-                </a:solidFill>
-              </a:rPr>
-              <a:t>file</a:t>
-            </a:r>
-            <a:endParaRPr lang="" altLang="en-US" sz="3600">
-              <a:solidFill>
-                <a:schemeClr val="accent1">
-                  <a:lumMod val="75000"/>
-                </a:schemeClr>
-              </a:solidFill>
-            </a:endParaRPr>
-          </a:p>
-          <a:p>
-            <a:pPr algn="ctr"/>
-            <a:r>
-              <a:rPr lang="" altLang="en-US" sz="3600">
-                <a:solidFill>
-                  <a:schemeClr val="accent1">
-                    <a:lumMod val="75000"/>
-                  </a:schemeClr>
-                </a:solidFill>
-              </a:rPr>
-              <a:t>format</a:t>
-            </a:r>
-            <a:endParaRPr lang="" altLang="en-US" sz="3600">
-              <a:solidFill>
-                <a:schemeClr val="accent1">
-                  <a:lumMod val="75000"/>
-                </a:schemeClr>
-              </a:solidFill>
-            </a:endParaRPr>
-          </a:p>
-        </p:txBody>
-      </p:sp>
-      <p:sp>
-        <p:nvSpPr>
-          <p:cNvPr id="10" name="Text Box 9"/>
-          <p:cNvSpPr txBox="1"/>
-          <p:nvPr/>
-        </p:nvSpPr>
-        <p:spPr>
-          <a:xfrm>
-            <a:off x="2838450" y="6316345"/>
-            <a:ext cx="6096000" cy="368300"/>
-          </a:xfrm>
-          <a:prstGeom prst="rect">
-            <a:avLst/>
-          </a:prstGeom>
-          <a:noFill/>
-        </p:spPr>
-        <p:txBody>
-          <a:bodyPr wrap="none" rtlCol="0">
-            <a:spAutoFit/>
-          </a:bodyPr>
-          <a:p>
-            <a:r>
-              <a:rPr lang="" altLang="en-US"/>
-              <a:t>Sample of Yelp dataset: section of file business.json</a:t>
-            </a:r>
-            <a:endParaRPr lang="" altLang="en-US"/>
           </a:p>
         </p:txBody>
       </p:sp>
@@ -7834,16 +10878,16 @@
           </a:bodyPr>
           <a:p>
             <a:r>
-              <a:rPr lang="en-US" altLang="en-US"/>
+              <a:rPr lang="" altLang="en-US"/>
               <a:t>Yelp dataset characteristics</a:t>
             </a:r>
-            <a:endParaRPr lang="en-US" altLang="en-US"/>
+            <a:endParaRPr lang="" altLang="en-US"/>
           </a:p>
         </p:txBody>
       </p:sp>
       <p:pic>
         <p:nvPicPr>
-          <p:cNvPr id="4" name="Picture 3"/>
+          <p:cNvPr id="8" name="Picture 7" descr="business.json_sample"/>
           <p:cNvPicPr>
             <a:picLocks noChangeAspect="1"/>
           </p:cNvPicPr>
@@ -7857,8 +10901,8 @@
         </p:blipFill>
         <p:spPr>
           <a:xfrm>
-            <a:off x="407035" y="2388235"/>
-            <a:ext cx="11333480" cy="3829050"/>
+            <a:off x="2637155" y="1517015"/>
+            <a:ext cx="8507095" cy="4624070"/>
           </a:xfrm>
           <a:prstGeom prst="rect">
             <a:avLst/>
@@ -7867,14 +10911,14 @@
       </p:pic>
       <p:sp>
         <p:nvSpPr>
-          <p:cNvPr id="3" name="Text Box 2"/>
+          <p:cNvPr id="9" name="Text Box 8"/>
           <p:cNvSpPr txBox="1"/>
           <p:nvPr/>
         </p:nvSpPr>
         <p:spPr>
           <a:xfrm>
-            <a:off x="838200" y="1786890"/>
-            <a:ext cx="10902315" cy="460375"/>
+            <a:off x="777875" y="2870200"/>
+            <a:ext cx="1707515" cy="1753235"/>
           </a:xfrm>
           <a:prstGeom prst="rect">
             <a:avLst/>
@@ -7886,48 +10930,93 @@
             <a:spAutoFit/>
           </a:bodyPr>
           <a:p>
-            <a:pPr algn="l"/>
-            <a:r>
-              <a:rPr lang="en-US" altLang="en-US" sz="2400">
+            <a:pPr algn="ctr"/>
+            <a:r>
+              <a:rPr lang="" altLang="en-US" sz="3600">
                 <a:solidFill>
                   <a:schemeClr val="accent1">
                     <a:lumMod val="75000"/>
                   </a:schemeClr>
                 </a:solidFill>
-                <a:sym typeface="+mn-ea"/>
               </a:rPr>
-              <a:t>Related entities (e.g, businesses and reviews, reviews and users, </a:t>
-            </a:r>
-            <a:r>
-              <a:rPr lang="en-US" altLang="en-US" sz="2400" i="1">
+              <a:t>JSON</a:t>
+            </a:r>
+            <a:endParaRPr lang="" altLang="en-US" sz="3600">
+              <a:solidFill>
+                <a:schemeClr val="accent1">
+                  <a:lumMod val="75000"/>
+                </a:schemeClr>
+              </a:solidFill>
+            </a:endParaRPr>
+          </a:p>
+          <a:p>
+            <a:pPr algn="ctr"/>
+            <a:r>
+              <a:rPr lang="" altLang="en-US" sz="3600">
                 <a:solidFill>
                   <a:schemeClr val="accent1">
                     <a:lumMod val="75000"/>
                   </a:schemeClr>
                 </a:solidFill>
-                <a:sym typeface="+mn-ea"/>
               </a:rPr>
-              <a:t>etc.</a:t>
-            </a:r>
-            <a:r>
-              <a:rPr lang="en-US" altLang="en-US" sz="2400">
+              <a:t>file</a:t>
+            </a:r>
+            <a:endParaRPr lang="" altLang="en-US" sz="3600">
+              <a:solidFill>
+                <a:schemeClr val="accent1">
+                  <a:lumMod val="75000"/>
+                </a:schemeClr>
+              </a:solidFill>
+            </a:endParaRPr>
+          </a:p>
+          <a:p>
+            <a:pPr algn="ctr"/>
+            <a:r>
+              <a:rPr lang="" altLang="en-US" sz="3600">
                 <a:solidFill>
                   <a:schemeClr val="accent1">
                     <a:lumMod val="75000"/>
                   </a:schemeClr>
                 </a:solidFill>
-                <a:sym typeface="+mn-ea"/>
               </a:rPr>
-              <a:t>)</a:t>
-            </a:r>
-            <a:endParaRPr lang="en-US" altLang="en-US" sz="2400">
+              <a:t>format</a:t>
+            </a:r>
+            <a:endParaRPr lang="" altLang="en-US" sz="3600">
               <a:solidFill>
                 <a:schemeClr val="accent1">
                   <a:lumMod val="75000"/>
                 </a:schemeClr>
               </a:solidFill>
-              <a:sym typeface="+mn-ea"/>
             </a:endParaRPr>
+          </a:p>
+        </p:txBody>
+      </p:sp>
+      <p:sp>
+        <p:nvSpPr>
+          <p:cNvPr id="10" name="Text Box 9"/>
+          <p:cNvSpPr txBox="1"/>
+          <p:nvPr/>
+        </p:nvSpPr>
+        <p:spPr>
+          <a:xfrm>
+            <a:off x="2838450" y="6316345"/>
+            <a:ext cx="6096000" cy="368300"/>
+          </a:xfrm>
+          <a:prstGeom prst="rect">
+            <a:avLst/>
+          </a:prstGeom>
+          <a:noFill/>
+        </p:spPr>
+        <p:txBody>
+          <a:bodyPr wrap="none" rtlCol="0">
+            <a:spAutoFit/>
+          </a:bodyPr>
+          <a:p>
+            <a:r>
+              <a:rPr lang="" altLang="en-US"/>
+              <a:t>Sample of Yelp dataset: section of file business.json</a:t>
+            </a:r>
+            <a:endParaRPr lang="" altLang="en-US"/>
           </a:p>
         </p:txBody>
       </p:sp>
